--- a/課題研究/2013/小野寺航己/1142032課題研究ポスター.pptx
+++ b/課題研究/2013/小野寺航己/1142032課題研究ポスター.pptx
@@ -530,7 +530,7 @@
           <a:p>
             <a:fld id="{4BCC94C0-A1F4-4642-83E1-185FB3EE24AC}" type="datetimeFigureOut">
               <a:rPr kumimoji="1" lang="ja-JP" altLang="en-US" smtClean="0"/>
-              <a:t>2013/12/11</a:t>
+              <a:t>2013/12/12</a:t>
             </a:fld>
             <a:endParaRPr kumimoji="1" lang="ja-JP" altLang="en-US"/>
           </a:p>
@@ -774,7 +774,7 @@
           <a:p>
             <a:fld id="{4BCC94C0-A1F4-4642-83E1-185FB3EE24AC}" type="datetimeFigureOut">
               <a:rPr kumimoji="1" lang="ja-JP" altLang="en-US" smtClean="0"/>
-              <a:t>2013/12/11</a:t>
+              <a:t>2013/12/12</a:t>
             </a:fld>
             <a:endParaRPr kumimoji="1" lang="ja-JP" altLang="en-US"/>
           </a:p>
@@ -993,7 +993,7 @@
           <a:p>
             <a:fld id="{4BCC94C0-A1F4-4642-83E1-185FB3EE24AC}" type="datetimeFigureOut">
               <a:rPr kumimoji="1" lang="ja-JP" altLang="en-US" smtClean="0"/>
-              <a:t>2013/12/11</a:t>
+              <a:t>2013/12/12</a:t>
             </a:fld>
             <a:endParaRPr kumimoji="1" lang="ja-JP" altLang="en-US"/>
           </a:p>
@@ -1090,7 +1090,7 @@
           <a:p>
             <a:fld id="{4BCC94C0-A1F4-4642-83E1-185FB3EE24AC}" type="datetimeFigureOut">
               <a:rPr kumimoji="1" lang="ja-JP" altLang="en-US" smtClean="0"/>
-              <a:t>2013/12/11</a:t>
+              <a:t>2013/12/12</a:t>
             </a:fld>
             <a:endParaRPr kumimoji="1" lang="ja-JP" altLang="en-US"/>
           </a:p>
@@ -1718,7 +1718,7 @@
           <a:p>
             <a:fld id="{4BCC94C0-A1F4-4642-83E1-185FB3EE24AC}" type="datetimeFigureOut">
               <a:rPr kumimoji="1" lang="ja-JP" altLang="en-US" smtClean="0"/>
-              <a:t>2013/12/11</a:t>
+              <a:t>2013/12/12</a:t>
             </a:fld>
             <a:endParaRPr kumimoji="1" lang="ja-JP" altLang="en-US"/>
           </a:p>
@@ -1815,7 +1815,7 @@
           <a:p>
             <a:fld id="{4BCC94C0-A1F4-4642-83E1-185FB3EE24AC}" type="datetimeFigureOut">
               <a:rPr kumimoji="1" lang="ja-JP" altLang="en-US" smtClean="0"/>
-              <a:t>2013/12/11</a:t>
+              <a:t>2013/12/12</a:t>
             </a:fld>
             <a:endParaRPr kumimoji="1" lang="ja-JP" altLang="en-US"/>
           </a:p>
@@ -2548,7 +2548,7 @@
           <a:p>
             <a:fld id="{4BCC94C0-A1F4-4642-83E1-185FB3EE24AC}" type="datetimeFigureOut">
               <a:rPr kumimoji="1" lang="ja-JP" altLang="en-US" smtClean="0"/>
-              <a:t>2013/12/11</a:t>
+              <a:t>2013/12/12</a:t>
             </a:fld>
             <a:endParaRPr kumimoji="1" lang="ja-JP" altLang="en-US"/>
           </a:p>
@@ -2691,7 +2691,7 @@
           <a:p>
             <a:fld id="{4BCC94C0-A1F4-4642-83E1-185FB3EE24AC}" type="datetimeFigureOut">
               <a:rPr kumimoji="1" lang="ja-JP" altLang="en-US" smtClean="0"/>
-              <a:t>2013/12/11</a:t>
+              <a:t>2013/12/12</a:t>
             </a:fld>
             <a:endParaRPr kumimoji="1" lang="ja-JP" altLang="en-US"/>
           </a:p>
@@ -2788,7 +2788,7 @@
           <a:p>
             <a:fld id="{4BCC94C0-A1F4-4642-83E1-185FB3EE24AC}" type="datetimeFigureOut">
               <a:rPr kumimoji="1" lang="ja-JP" altLang="en-US" smtClean="0"/>
-              <a:t>2013/12/11</a:t>
+              <a:t>2013/12/12</a:t>
             </a:fld>
             <a:endParaRPr kumimoji="1" lang="ja-JP" altLang="en-US"/>
           </a:p>
@@ -3104,7 +3104,7 @@
           <a:p>
             <a:fld id="{4BCC94C0-A1F4-4642-83E1-185FB3EE24AC}" type="datetimeFigureOut">
               <a:rPr kumimoji="1" lang="ja-JP" altLang="en-US" smtClean="0"/>
-              <a:t>2013/12/11</a:t>
+              <a:t>2013/12/12</a:t>
             </a:fld>
             <a:endParaRPr kumimoji="1" lang="ja-JP" altLang="en-US"/>
           </a:p>
@@ -3626,7 +3626,7 @@
           <a:p>
             <a:fld id="{4BCC94C0-A1F4-4642-83E1-185FB3EE24AC}" type="datetimeFigureOut">
               <a:rPr kumimoji="1" lang="ja-JP" altLang="en-US" smtClean="0"/>
-              <a:t>2013/12/11</a:t>
+              <a:t>2013/12/12</a:t>
             </a:fld>
             <a:endParaRPr kumimoji="1" lang="ja-JP" altLang="en-US"/>
           </a:p>
@@ -4178,7 +4178,7 @@
           <a:p>
             <a:fld id="{4BCC94C0-A1F4-4642-83E1-185FB3EE24AC}" type="datetimeFigureOut">
               <a:rPr kumimoji="1" lang="ja-JP" altLang="en-US" smtClean="0"/>
-              <a:t>2013/12/11</a:t>
+              <a:t>2013/12/12</a:t>
             </a:fld>
             <a:endParaRPr kumimoji="1" lang="ja-JP" altLang="en-US"/>
           </a:p>
@@ -4755,8 +4755,8 @@
         </p:nvSpPr>
         <p:spPr>
           <a:xfrm>
-            <a:off x="361651" y="4066143"/>
-            <a:ext cx="20764142" cy="18352423"/>
+            <a:off x="2557769" y="7141041"/>
+            <a:ext cx="13334876" cy="10970897"/>
           </a:xfrm>
           <a:prstGeom prst="rect">
             <a:avLst/>
@@ -4839,8 +4839,8 @@
         </p:nvSpPr>
         <p:spPr>
           <a:xfrm>
-            <a:off x="361652" y="4893841"/>
-            <a:ext cx="13201950" cy="4072064"/>
+            <a:off x="361652" y="4167979"/>
+            <a:ext cx="13201950" cy="4797926"/>
           </a:xfrm>
           <a:prstGeom prst="roundRect">
             <a:avLst/>
@@ -4889,8 +4889,8 @@
         </p:nvSpPr>
         <p:spPr>
           <a:xfrm>
-            <a:off x="1272675" y="5941652"/>
-            <a:ext cx="7149471" cy="2423427"/>
+            <a:off x="1272675" y="5509666"/>
+            <a:ext cx="7149471" cy="2855413"/>
           </a:xfrm>
           <a:prstGeom prst="rect">
             <a:avLst/>
@@ -4940,7 +4940,7 @@
         <p:spPr>
           <a:xfrm>
             <a:off x="1224488" y="234334"/>
-            <a:ext cx="19690475" cy="3831808"/>
+            <a:ext cx="19690475" cy="3693309"/>
           </a:xfrm>
           <a:prstGeom prst="rect">
             <a:avLst/>
@@ -4954,23 +4954,23 @@
           <a:lstStyle/>
           <a:p>
             <a:r>
-              <a:rPr lang="en-US" altLang="ja-JP" sz="8100" b="1" dirty="0"/>
-              <a:t>PM</a:t>
-            </a:r>
-            <a:r>
-              <a:rPr lang="ja-JP" altLang="en-US" sz="8100" b="1" dirty="0"/>
-              <a:t>学科カリキュラムの</a:t>
-            </a:r>
-            <a:endParaRPr lang="en-US" altLang="ja-JP" sz="8100" b="1" dirty="0"/>
-          </a:p>
-          <a:p>
-            <a:r>
-              <a:rPr lang="ja-JP" altLang="en-US" sz="8100" b="1" dirty="0"/>
-              <a:t>知識体系構築に関する</a:t>
-            </a:r>
-            <a:r>
               <a:rPr lang="ja-JP" altLang="en-US" sz="8100" b="1" dirty="0" smtClean="0"/>
-              <a:t>研究</a:t>
+              <a:t>カリキュラムから知識体系（</a:t>
+            </a:r>
+            <a:r>
+              <a:rPr lang="en-US" altLang="ja-JP" sz="8100" b="1" dirty="0" smtClean="0"/>
+              <a:t>BOK</a:t>
+            </a:r>
+            <a:r>
+              <a:rPr lang="ja-JP" altLang="en-US" sz="8100" b="1" dirty="0" smtClean="0"/>
+              <a:t>）を</a:t>
+            </a:r>
+            <a:endParaRPr lang="en-US" altLang="ja-JP" sz="8100" b="1" dirty="0" smtClean="0"/>
+          </a:p>
+          <a:p>
+            <a:r>
+              <a:rPr lang="ja-JP" altLang="en-US" sz="8100" b="1" dirty="0" smtClean="0"/>
+              <a:t>構築するためのデータマインニング手法</a:t>
             </a:r>
             <a:endParaRPr lang="en-US" altLang="ja-JP" sz="8100" b="1" dirty="0" smtClean="0"/>
           </a:p>
@@ -5012,8 +5012,8 @@
         </p:nvSpPr>
         <p:spPr>
           <a:xfrm>
-            <a:off x="612280" y="5141184"/>
-            <a:ext cx="4464497" cy="1387590"/>
+            <a:off x="612280" y="4893841"/>
+            <a:ext cx="4464497" cy="1634933"/>
           </a:xfrm>
           <a:prstGeom prst="roundRect">
             <a:avLst/>
@@ -5784,8 +5784,8 @@
         </p:nvSpPr>
         <p:spPr>
           <a:xfrm>
-            <a:off x="1728404" y="7100779"/>
-            <a:ext cx="936103" cy="916711"/>
+            <a:off x="1728404" y="6937373"/>
+            <a:ext cx="936103" cy="1080118"/>
           </a:xfrm>
           <a:prstGeom prst="ellipse">
             <a:avLst/>
@@ -5903,8 +5903,8 @@
         </p:nvSpPr>
         <p:spPr>
           <a:xfrm>
-            <a:off x="3214637" y="7100099"/>
-            <a:ext cx="936103" cy="916711"/>
+            <a:off x="3214637" y="6936693"/>
+            <a:ext cx="936103" cy="1080118"/>
           </a:xfrm>
           <a:prstGeom prst="ellipse">
             <a:avLst/>
@@ -5948,8 +5948,8 @@
         </p:nvSpPr>
         <p:spPr>
           <a:xfrm>
-            <a:off x="4678980" y="7048325"/>
-            <a:ext cx="936103" cy="916711"/>
+            <a:off x="4678980" y="6884919"/>
+            <a:ext cx="936103" cy="1080118"/>
           </a:xfrm>
           <a:prstGeom prst="ellipse">
             <a:avLst/>
@@ -5993,8 +5993,8 @@
         </p:nvSpPr>
         <p:spPr>
           <a:xfrm>
-            <a:off x="5425114" y="5822944"/>
-            <a:ext cx="936103" cy="916711"/>
+            <a:off x="5425114" y="5659538"/>
+            <a:ext cx="936103" cy="1080118"/>
           </a:xfrm>
           <a:prstGeom prst="ellipse">
             <a:avLst/>
@@ -6038,8 +6038,8 @@
         </p:nvSpPr>
         <p:spPr>
           <a:xfrm>
-            <a:off x="6767853" y="6425387"/>
-            <a:ext cx="936103" cy="916711"/>
+            <a:off x="6767853" y="6261981"/>
+            <a:ext cx="936103" cy="1080118"/>
           </a:xfrm>
           <a:prstGeom prst="ellipse">
             <a:avLst/>
@@ -6083,8 +6083,8 @@
         </p:nvSpPr>
         <p:spPr>
           <a:xfrm>
-            <a:off x="5890342" y="7265146"/>
-            <a:ext cx="936103" cy="916711"/>
+            <a:off x="5890342" y="7101740"/>
+            <a:ext cx="936103" cy="1080118"/>
           </a:xfrm>
           <a:prstGeom prst="ellipse">
             <a:avLst/>
@@ -6128,8 +6128,8 @@
         </p:nvSpPr>
         <p:spPr>
           <a:xfrm>
-            <a:off x="11602694" y="6683517"/>
-            <a:ext cx="936103" cy="916711"/>
+            <a:off x="11602694" y="6520111"/>
+            <a:ext cx="936103" cy="1080118"/>
           </a:xfrm>
           <a:prstGeom prst="ellipse">
             <a:avLst/>
@@ -6792,7 +6792,7 @@
         </p:nvSpPr>
         <p:spPr>
           <a:xfrm>
-            <a:off x="807892" y="24921387"/>
+            <a:off x="757516" y="24106054"/>
             <a:ext cx="8131622" cy="4964782"/>
           </a:xfrm>
           <a:prstGeom prst="rect">
@@ -6892,7 +6892,7 @@
         </p:nvSpPr>
         <p:spPr>
           <a:xfrm>
-            <a:off x="9766491" y="24954282"/>
+            <a:off x="9716115" y="24138949"/>
             <a:ext cx="10918162" cy="4964781"/>
           </a:xfrm>
           <a:prstGeom prst="rect">
@@ -7783,9 +7783,6 @@
           <a:prstGeom prst="downArrow">
             <a:avLst/>
           </a:prstGeom>
-          <a:solidFill>
-            <a:srgbClr val="92D050"/>
-          </a:solidFill>
         </p:spPr>
         <p:style>
           <a:lnRef idx="2">
@@ -7826,9 +7823,6 @@
           <a:prstGeom prst="downArrow">
             <a:avLst/>
           </a:prstGeom>
-          <a:solidFill>
-            <a:srgbClr val="92D050"/>
-          </a:solidFill>
         </p:spPr>
         <p:style>
           <a:lnRef idx="2">
@@ -7925,7 +7919,7 @@
         </p:nvSpPr>
         <p:spPr>
           <a:xfrm>
-            <a:off x="88167" y="24090866"/>
+            <a:off x="37791" y="23275533"/>
             <a:ext cx="4317328" cy="1726831"/>
           </a:xfrm>
           <a:prstGeom prst="ellipse">
@@ -7987,7 +7981,7 @@
         </p:nvSpPr>
         <p:spPr>
           <a:xfrm>
-            <a:off x="8794945" y="23510624"/>
+            <a:off x="8744569" y="22695291"/>
             <a:ext cx="8869908" cy="1726831"/>
           </a:xfrm>
           <a:prstGeom prst="ellipse">
@@ -8102,1482 +8096,6 @@
       </p:grpSpPr>
       <p:sp>
         <p:nvSpPr>
-          <p:cNvPr id="37" name="円/楕円 36"/>
-          <p:cNvSpPr/>
-          <p:nvPr/>
-        </p:nvSpPr>
-        <p:spPr>
-          <a:xfrm>
-            <a:off x="3378728" y="21326217"/>
-            <a:ext cx="14726748" cy="2938939"/>
-          </a:xfrm>
-          <a:prstGeom prst="ellipse">
-            <a:avLst/>
-          </a:prstGeom>
-        </p:spPr>
-        <p:style>
-          <a:lnRef idx="2">
-            <a:schemeClr val="accent1">
-              <a:shade val="50000"/>
-            </a:schemeClr>
-          </a:lnRef>
-          <a:fillRef idx="1">
-            <a:schemeClr val="accent1"/>
-          </a:fillRef>
-          <a:effectRef idx="0">
-            <a:schemeClr val="accent1"/>
-          </a:effectRef>
-          <a:fontRef idx="minor">
-            <a:schemeClr val="lt1"/>
-          </a:fontRef>
-        </p:style>
-        <p:txBody>
-          <a:bodyPr rtlCol="0" anchor="ctr"/>
-          <a:lstStyle/>
-          <a:p>
-            <a:pPr algn="ctr"/>
-            <a:endParaRPr kumimoji="1" lang="ja-JP" altLang="en-US"/>
-          </a:p>
-        </p:txBody>
-      </p:sp>
-      <p:sp>
-        <p:nvSpPr>
-          <p:cNvPr id="36" name="円/楕円 35"/>
-          <p:cNvSpPr/>
-          <p:nvPr/>
-        </p:nvSpPr>
-        <p:spPr>
-          <a:xfrm>
-            <a:off x="3500743" y="14382629"/>
-            <a:ext cx="14726748" cy="5726117"/>
-          </a:xfrm>
-          <a:prstGeom prst="ellipse">
-            <a:avLst/>
-          </a:prstGeom>
-        </p:spPr>
-        <p:style>
-          <a:lnRef idx="2">
-            <a:schemeClr val="accent1">
-              <a:shade val="50000"/>
-            </a:schemeClr>
-          </a:lnRef>
-          <a:fillRef idx="1">
-            <a:schemeClr val="accent1"/>
-          </a:fillRef>
-          <a:effectRef idx="0">
-            <a:schemeClr val="accent1"/>
-          </a:effectRef>
-          <a:fontRef idx="minor">
-            <a:schemeClr val="lt1"/>
-          </a:fontRef>
-        </p:style>
-        <p:txBody>
-          <a:bodyPr rtlCol="0" anchor="ctr"/>
-          <a:lstStyle/>
-          <a:p>
-            <a:pPr algn="ctr"/>
-            <a:endParaRPr kumimoji="1" lang="ja-JP" altLang="en-US"/>
-          </a:p>
-        </p:txBody>
-      </p:sp>
-      <p:sp>
-        <p:nvSpPr>
-          <p:cNvPr id="35" name="円/楕円 34"/>
-          <p:cNvSpPr/>
-          <p:nvPr/>
-        </p:nvSpPr>
-        <p:spPr>
-          <a:xfrm>
-            <a:off x="3852574" y="7012421"/>
-            <a:ext cx="14726748" cy="5726117"/>
-          </a:xfrm>
-          <a:prstGeom prst="ellipse">
-            <a:avLst/>
-          </a:prstGeom>
-        </p:spPr>
-        <p:style>
-          <a:lnRef idx="2">
-            <a:schemeClr val="accent1">
-              <a:shade val="50000"/>
-            </a:schemeClr>
-          </a:lnRef>
-          <a:fillRef idx="1">
-            <a:schemeClr val="accent1"/>
-          </a:fillRef>
-          <a:effectRef idx="0">
-            <a:schemeClr val="accent1"/>
-          </a:effectRef>
-          <a:fontRef idx="minor">
-            <a:schemeClr val="lt1"/>
-          </a:fontRef>
-        </p:style>
-        <p:txBody>
-          <a:bodyPr rtlCol="0" anchor="ctr"/>
-          <a:lstStyle/>
-          <a:p>
-            <a:pPr algn="ctr"/>
-            <a:endParaRPr kumimoji="1" lang="ja-JP" altLang="en-US"/>
-          </a:p>
-        </p:txBody>
-      </p:sp>
-      <p:sp>
-        <p:nvSpPr>
-          <p:cNvPr id="3" name="円/楕円 2"/>
-          <p:cNvSpPr/>
-          <p:nvPr/>
-        </p:nvSpPr>
-        <p:spPr>
-          <a:xfrm>
-            <a:off x="4326421" y="2626662"/>
-            <a:ext cx="14726748" cy="3393915"/>
-          </a:xfrm>
-          <a:prstGeom prst="ellipse">
-            <a:avLst/>
-          </a:prstGeom>
-        </p:spPr>
-        <p:style>
-          <a:lnRef idx="2">
-            <a:schemeClr val="accent1">
-              <a:shade val="50000"/>
-            </a:schemeClr>
-          </a:lnRef>
-          <a:fillRef idx="1">
-            <a:schemeClr val="accent1"/>
-          </a:fillRef>
-          <a:effectRef idx="0">
-            <a:schemeClr val="accent1"/>
-          </a:effectRef>
-          <a:fontRef idx="minor">
-            <a:schemeClr val="lt1"/>
-          </a:fontRef>
-        </p:style>
-        <p:txBody>
-          <a:bodyPr rtlCol="0" anchor="ctr"/>
-          <a:lstStyle/>
-          <a:p>
-            <a:pPr algn="ctr"/>
-            <a:endParaRPr kumimoji="1" lang="ja-JP" altLang="en-US"/>
-          </a:p>
-        </p:txBody>
-      </p:sp>
-      <p:sp>
-        <p:nvSpPr>
-          <p:cNvPr id="23" name="正方形/長方形 22"/>
-          <p:cNvSpPr/>
-          <p:nvPr/>
-        </p:nvSpPr>
-        <p:spPr>
-          <a:xfrm>
-            <a:off x="3388614" y="25114608"/>
-            <a:ext cx="5476118" cy="1143283"/>
-          </a:xfrm>
-          <a:prstGeom prst="rect">
-            <a:avLst/>
-          </a:prstGeom>
-        </p:spPr>
-        <p:style>
-          <a:lnRef idx="2">
-            <a:schemeClr val="accent1">
-              <a:shade val="50000"/>
-            </a:schemeClr>
-          </a:lnRef>
-          <a:fillRef idx="1">
-            <a:schemeClr val="accent1"/>
-          </a:fillRef>
-          <a:effectRef idx="0">
-            <a:schemeClr val="accent1"/>
-          </a:effectRef>
-          <a:fontRef idx="minor">
-            <a:schemeClr val="lt1"/>
-          </a:fontRef>
-        </p:style>
-        <p:txBody>
-          <a:bodyPr rtlCol="0" anchor="ctr"/>
-          <a:lstStyle/>
-          <a:p>
-            <a:pPr algn="ctr"/>
-            <a:endParaRPr kumimoji="1" lang="ja-JP" altLang="en-US"/>
-          </a:p>
-        </p:txBody>
-      </p:sp>
-      <p:sp>
-        <p:nvSpPr>
-          <p:cNvPr id="4" name="正方形/長方形 3"/>
-          <p:cNvSpPr/>
-          <p:nvPr/>
-        </p:nvSpPr>
-        <p:spPr>
-          <a:xfrm>
-            <a:off x="2585270" y="2882106"/>
-            <a:ext cx="4703129" cy="1960961"/>
-          </a:xfrm>
-          <a:prstGeom prst="rect">
-            <a:avLst/>
-          </a:prstGeom>
-          <a:solidFill>
-            <a:schemeClr val="bg1"/>
-          </a:solidFill>
-          <a:ln w="76200">
-            <a:solidFill>
-              <a:srgbClr val="002060"/>
-            </a:solidFill>
-          </a:ln>
-        </p:spPr>
-        <p:style>
-          <a:lnRef idx="2">
-            <a:schemeClr val="accent1">
-              <a:shade val="50000"/>
-            </a:schemeClr>
-          </a:lnRef>
-          <a:fillRef idx="1">
-            <a:schemeClr val="accent1"/>
-          </a:fillRef>
-          <a:effectRef idx="0">
-            <a:schemeClr val="accent1"/>
-          </a:effectRef>
-          <a:fontRef idx="minor">
-            <a:schemeClr val="lt1"/>
-          </a:fontRef>
-        </p:style>
-        <p:txBody>
-          <a:bodyPr lIns="91434" tIns="45715" rIns="91434" bIns="45715" spcCol="0" rtlCol="0" anchor="ctr"/>
-          <a:lstStyle/>
-          <a:p>
-            <a:pPr algn="ctr"/>
-            <a:r>
-              <a:rPr lang="en-US" altLang="ja-JP" sz="3900" b="1" dirty="0" smtClean="0">
-                <a:solidFill>
-                  <a:schemeClr val="tx1"/>
-                </a:solidFill>
-              </a:rPr>
-              <a:t>PM</a:t>
-            </a:r>
-            <a:r>
-              <a:rPr lang="ja-JP" altLang="en-US" sz="3900" b="1" dirty="0">
-                <a:solidFill>
-                  <a:schemeClr val="tx1"/>
-                </a:solidFill>
-              </a:rPr>
-              <a:t>学科</a:t>
-            </a:r>
-            <a:endParaRPr lang="en-US" altLang="ja-JP" sz="3900" b="1" dirty="0">
-              <a:solidFill>
-                <a:schemeClr val="tx1"/>
-              </a:solidFill>
-            </a:endParaRPr>
-          </a:p>
-          <a:p>
-            <a:pPr algn="ctr"/>
-            <a:r>
-              <a:rPr lang="ja-JP" altLang="en-US" sz="3900" b="1" dirty="0">
-                <a:solidFill>
-                  <a:schemeClr val="tx1"/>
-                </a:solidFill>
-              </a:rPr>
-              <a:t>カリキュラムから</a:t>
-            </a:r>
-            <a:endParaRPr lang="en-US" altLang="ja-JP" sz="3900" b="1" dirty="0">
-              <a:solidFill>
-                <a:schemeClr val="tx1"/>
-              </a:solidFill>
-            </a:endParaRPr>
-          </a:p>
-          <a:p>
-            <a:pPr algn="ctr"/>
-            <a:r>
-              <a:rPr lang="ja-JP" altLang="en-US" sz="3900" b="1" dirty="0">
-                <a:solidFill>
-                  <a:schemeClr val="tx1"/>
-                </a:solidFill>
-              </a:rPr>
-              <a:t>対象を選択する</a:t>
-            </a:r>
-          </a:p>
-        </p:txBody>
-      </p:sp>
-      <p:sp>
-        <p:nvSpPr>
-          <p:cNvPr id="5" name="正方形/長方形 4"/>
-          <p:cNvSpPr/>
-          <p:nvPr/>
-        </p:nvSpPr>
-        <p:spPr>
-          <a:xfrm>
-            <a:off x="2585270" y="6406473"/>
-            <a:ext cx="5763082" cy="2738147"/>
-          </a:xfrm>
-          <a:prstGeom prst="rect">
-            <a:avLst/>
-          </a:prstGeom>
-          <a:solidFill>
-            <a:schemeClr val="bg1"/>
-          </a:solidFill>
-          <a:ln w="76200">
-            <a:solidFill>
-              <a:srgbClr val="002060"/>
-            </a:solidFill>
-          </a:ln>
-        </p:spPr>
-        <p:style>
-          <a:lnRef idx="2">
-            <a:schemeClr val="accent1">
-              <a:shade val="50000"/>
-            </a:schemeClr>
-          </a:lnRef>
-          <a:fillRef idx="1">
-            <a:schemeClr val="accent1"/>
-          </a:fillRef>
-          <a:effectRef idx="0">
-            <a:schemeClr val="accent1"/>
-          </a:effectRef>
-          <a:fontRef idx="minor">
-            <a:schemeClr val="lt1"/>
-          </a:fontRef>
-        </p:style>
-        <p:txBody>
-          <a:bodyPr lIns="91434" tIns="45715" rIns="91434" bIns="45715" spcCol="0" rtlCol="0" anchor="ctr"/>
-          <a:lstStyle/>
-          <a:p>
-            <a:pPr algn="ctr"/>
-            <a:r>
-              <a:rPr lang="ja-JP" altLang="en-US" sz="3600" b="1" dirty="0" smtClean="0">
-                <a:solidFill>
-                  <a:schemeClr val="tx1"/>
-                </a:solidFill>
-              </a:rPr>
-              <a:t>選択</a:t>
-            </a:r>
-            <a:r>
-              <a:rPr lang="ja-JP" altLang="en-US" sz="3600" b="1" dirty="0">
-                <a:solidFill>
-                  <a:schemeClr val="tx1"/>
-                </a:solidFill>
-              </a:rPr>
-              <a:t>した</a:t>
-            </a:r>
-            <a:r>
-              <a:rPr lang="ja-JP" altLang="en-US" sz="3600" b="1" dirty="0" smtClean="0">
-                <a:solidFill>
-                  <a:schemeClr val="tx1"/>
-                </a:solidFill>
-              </a:rPr>
-              <a:t>カリキュラムの</a:t>
-            </a:r>
-            <a:endParaRPr lang="en-US" altLang="ja-JP" sz="3600" b="1" dirty="0" smtClean="0">
-              <a:solidFill>
-                <a:schemeClr val="tx1"/>
-              </a:solidFill>
-            </a:endParaRPr>
-          </a:p>
-          <a:p>
-            <a:pPr algn="ctr"/>
-            <a:r>
-              <a:rPr lang="ja-JP" altLang="en-US" sz="3600" b="1" dirty="0" smtClean="0">
-                <a:solidFill>
-                  <a:schemeClr val="tx1"/>
-                </a:solidFill>
-              </a:rPr>
-              <a:t>レジュメ</a:t>
-            </a:r>
-            <a:r>
-              <a:rPr lang="ja-JP" altLang="en-US" sz="3600" b="1" dirty="0">
-                <a:solidFill>
-                  <a:schemeClr val="tx1"/>
-                </a:solidFill>
-              </a:rPr>
-              <a:t>から</a:t>
-            </a:r>
-            <a:endParaRPr lang="en-US" altLang="ja-JP" sz="3600" b="1" dirty="0">
-              <a:solidFill>
-                <a:schemeClr val="tx1"/>
-              </a:solidFill>
-            </a:endParaRPr>
-          </a:p>
-          <a:p>
-            <a:pPr algn="ctr"/>
-            <a:r>
-              <a:rPr lang="ja-JP" altLang="en-US" sz="3600" b="1" dirty="0">
-                <a:solidFill>
-                  <a:schemeClr val="tx1"/>
-                </a:solidFill>
-              </a:rPr>
-              <a:t>ユニット</a:t>
-            </a:r>
-            <a:r>
-              <a:rPr lang="ja-JP" altLang="en-US" sz="3600" b="1" dirty="0" smtClean="0">
-                <a:solidFill>
-                  <a:schemeClr val="tx1"/>
-                </a:solidFill>
-              </a:rPr>
-              <a:t>候補を取り出す</a:t>
-            </a:r>
-            <a:endParaRPr lang="en-US" altLang="ja-JP" sz="3600" b="1" dirty="0" smtClean="0">
-              <a:solidFill>
-                <a:schemeClr val="tx1"/>
-              </a:solidFill>
-            </a:endParaRPr>
-          </a:p>
-        </p:txBody>
-      </p:sp>
-      <p:sp>
-        <p:nvSpPr>
-          <p:cNvPr id="7" name="正方形/長方形 6"/>
-          <p:cNvSpPr/>
-          <p:nvPr/>
-        </p:nvSpPr>
-        <p:spPr>
-          <a:xfrm>
-            <a:off x="2704001" y="13985959"/>
-            <a:ext cx="5624542" cy="1877510"/>
-          </a:xfrm>
-          <a:prstGeom prst="rect">
-            <a:avLst/>
-          </a:prstGeom>
-          <a:solidFill>
-            <a:schemeClr val="bg1"/>
-          </a:solidFill>
-          <a:ln w="76200">
-            <a:solidFill>
-              <a:srgbClr val="002060"/>
-            </a:solidFill>
-          </a:ln>
-        </p:spPr>
-        <p:style>
-          <a:lnRef idx="2">
-            <a:schemeClr val="accent1">
-              <a:shade val="50000"/>
-            </a:schemeClr>
-          </a:lnRef>
-          <a:fillRef idx="1">
-            <a:schemeClr val="accent1"/>
-          </a:fillRef>
-          <a:effectRef idx="0">
-            <a:schemeClr val="accent1"/>
-          </a:effectRef>
-          <a:fontRef idx="minor">
-            <a:schemeClr val="lt1"/>
-          </a:fontRef>
-        </p:style>
-        <p:txBody>
-          <a:bodyPr lIns="91434" tIns="45715" rIns="91434" bIns="45715" spcCol="0" rtlCol="0" anchor="ctr"/>
-          <a:lstStyle/>
-          <a:p>
-            <a:pPr algn="ctr"/>
-            <a:r>
-              <a:rPr lang="ja-JP" altLang="en-US" sz="3600" b="1" dirty="0" smtClean="0">
-                <a:solidFill>
-                  <a:schemeClr val="tx1"/>
-                </a:solidFill>
-              </a:rPr>
-              <a:t>ユニット</a:t>
-            </a:r>
-            <a:r>
-              <a:rPr lang="ja-JP" altLang="en-US" sz="3600" b="1" dirty="0">
-                <a:solidFill>
-                  <a:schemeClr val="tx1"/>
-                </a:solidFill>
-              </a:rPr>
-              <a:t>候補を整理する</a:t>
-            </a:r>
-            <a:endParaRPr lang="en-US" altLang="ja-JP" sz="3600" b="1" dirty="0">
-              <a:solidFill>
-                <a:schemeClr val="tx1"/>
-              </a:solidFill>
-            </a:endParaRPr>
-          </a:p>
-        </p:txBody>
-      </p:sp>
-      <p:pic>
-        <p:nvPicPr>
-          <p:cNvPr id="12" name="Picture 3" descr="C:\Users\onodera\Desktop\カリキュラム表.png"/>
-          <p:cNvPicPr>
-            <a:picLocks noChangeAspect="1" noChangeArrowheads="1"/>
-          </p:cNvPicPr>
-          <p:nvPr/>
-        </p:nvPicPr>
-        <p:blipFill>
-          <a:blip r:embed="rId2">
-            <a:extLst>
-              <a:ext uri="{28A0092B-C50C-407E-A947-70E740481C1C}">
-                <a14:useLocalDpi xmlns:a14="http://schemas.microsoft.com/office/drawing/2010/main" val="0"/>
-              </a:ext>
-            </a:extLst>
-          </a:blip>
-          <a:srcRect/>
-          <a:stretch>
-            <a:fillRect/>
-          </a:stretch>
-        </p:blipFill>
-        <p:spPr bwMode="auto">
-          <a:xfrm>
-            <a:off x="8341037" y="2084079"/>
-            <a:ext cx="4991100" cy="3400426"/>
-          </a:xfrm>
-          <a:prstGeom prst="rect">
-            <a:avLst/>
-          </a:prstGeom>
-          <a:noFill/>
-          <a:extLst>
-            <a:ext uri="{909E8E84-426E-40DD-AFC4-6F175D3DCCD1}">
-              <a14:hiddenFill xmlns:a14="http://schemas.microsoft.com/office/drawing/2010/main">
-                <a:solidFill>
-                  <a:srgbClr val="FFFFFF"/>
-                </a:solidFill>
-              </a14:hiddenFill>
-            </a:ext>
-          </a:extLst>
-        </p:spPr>
-      </p:pic>
-      <p:pic>
-        <p:nvPicPr>
-          <p:cNvPr id="1029" name="Picture 5" descr="C:\Users\onodera\Desktop\レジュメ.png"/>
-          <p:cNvPicPr>
-            <a:picLocks noChangeAspect="1" noChangeArrowheads="1"/>
-          </p:cNvPicPr>
-          <p:nvPr/>
-        </p:nvPicPr>
-        <p:blipFill>
-          <a:blip r:embed="rId3">
-            <a:extLst>
-              <a:ext uri="{28A0092B-C50C-407E-A947-70E740481C1C}">
-                <a14:useLocalDpi xmlns:a14="http://schemas.microsoft.com/office/drawing/2010/main" val="0"/>
-              </a:ext>
-            </a:extLst>
-          </a:blip>
-          <a:srcRect/>
-          <a:stretch>
-            <a:fillRect/>
-          </a:stretch>
-        </p:blipFill>
-        <p:spPr bwMode="auto">
-          <a:xfrm>
-            <a:off x="10298989" y="9706750"/>
-            <a:ext cx="6126163" cy="3686174"/>
-          </a:xfrm>
-          <a:prstGeom prst="rect">
-            <a:avLst/>
-          </a:prstGeom>
-          <a:noFill/>
-          <a:extLst>
-            <a:ext uri="{909E8E84-426E-40DD-AFC4-6F175D3DCCD1}">
-              <a14:hiddenFill xmlns:a14="http://schemas.microsoft.com/office/drawing/2010/main">
-                <a:solidFill>
-                  <a:srgbClr val="FFFFFF"/>
-                </a:solidFill>
-              </a14:hiddenFill>
-            </a:ext>
-          </a:extLst>
-        </p:spPr>
-      </p:pic>
-      <p:sp>
-        <p:nvSpPr>
-          <p:cNvPr id="14" name="正方形/長方形 13"/>
-          <p:cNvSpPr/>
-          <p:nvPr/>
-        </p:nvSpPr>
-        <p:spPr>
-          <a:xfrm>
-            <a:off x="2694115" y="24865695"/>
-            <a:ext cx="6984776" cy="1641110"/>
-          </a:xfrm>
-          <a:prstGeom prst="rect">
-            <a:avLst/>
-          </a:prstGeom>
-          <a:solidFill>
-            <a:schemeClr val="bg1"/>
-          </a:solidFill>
-          <a:ln w="76200">
-            <a:solidFill>
-              <a:srgbClr val="002060"/>
-            </a:solidFill>
-          </a:ln>
-        </p:spPr>
-        <p:style>
-          <a:lnRef idx="2">
-            <a:schemeClr val="accent1">
-              <a:shade val="50000"/>
-            </a:schemeClr>
-          </a:lnRef>
-          <a:fillRef idx="1">
-            <a:schemeClr val="accent1"/>
-          </a:fillRef>
-          <a:effectRef idx="0">
-            <a:schemeClr val="accent1"/>
-          </a:effectRef>
-          <a:fontRef idx="minor">
-            <a:schemeClr val="lt1"/>
-          </a:fontRef>
-        </p:style>
-        <p:txBody>
-          <a:bodyPr lIns="91434" tIns="45715" rIns="91434" bIns="45715" spcCol="0" rtlCol="0" anchor="ctr"/>
-          <a:lstStyle/>
-          <a:p>
-            <a:pPr algn="ctr"/>
-            <a:r>
-              <a:rPr lang="ja-JP" altLang="en-US" sz="3900" b="1" dirty="0" smtClean="0">
-                <a:solidFill>
-                  <a:schemeClr val="tx1"/>
-                </a:solidFill>
-              </a:rPr>
-              <a:t>分析</a:t>
-            </a:r>
-            <a:r>
-              <a:rPr lang="ja-JP" altLang="en-US" sz="3900" b="1" dirty="0">
-                <a:solidFill>
-                  <a:schemeClr val="tx1"/>
-                </a:solidFill>
-              </a:rPr>
-              <a:t>結果を比較</a:t>
-            </a:r>
-            <a:r>
-              <a:rPr lang="ja-JP" altLang="en-US" sz="3900" b="1" dirty="0" smtClean="0">
-                <a:solidFill>
-                  <a:schemeClr val="tx1"/>
-                </a:solidFill>
-              </a:rPr>
-              <a:t>し考察</a:t>
-            </a:r>
-            <a:r>
-              <a:rPr lang="ja-JP" altLang="en-US" sz="3900" b="1" dirty="0">
-                <a:solidFill>
-                  <a:schemeClr val="tx1"/>
-                </a:solidFill>
-              </a:rPr>
-              <a:t>する</a:t>
-            </a:r>
-            <a:endParaRPr lang="en-US" altLang="ja-JP" sz="3900" b="1" dirty="0">
-              <a:solidFill>
-                <a:schemeClr val="tx1"/>
-              </a:solidFill>
-            </a:endParaRPr>
-          </a:p>
-        </p:txBody>
-      </p:sp>
-      <p:sp>
-        <p:nvSpPr>
-          <p:cNvPr id="15" name="正方形/長方形 14"/>
-          <p:cNvSpPr/>
-          <p:nvPr/>
-        </p:nvSpPr>
-        <p:spPr>
-          <a:xfrm>
-            <a:off x="2696824" y="21536163"/>
-            <a:ext cx="6424489" cy="2356240"/>
-          </a:xfrm>
-          <a:prstGeom prst="rect">
-            <a:avLst/>
-          </a:prstGeom>
-          <a:solidFill>
-            <a:schemeClr val="bg1"/>
-          </a:solidFill>
-          <a:ln w="76200">
-            <a:solidFill>
-              <a:srgbClr val="002060"/>
-            </a:solidFill>
-          </a:ln>
-        </p:spPr>
-        <p:style>
-          <a:lnRef idx="2">
-            <a:schemeClr val="accent1">
-              <a:shade val="50000"/>
-            </a:schemeClr>
-          </a:lnRef>
-          <a:fillRef idx="1">
-            <a:schemeClr val="accent1"/>
-          </a:fillRef>
-          <a:effectRef idx="0">
-            <a:schemeClr val="accent1"/>
-          </a:effectRef>
-          <a:fontRef idx="minor">
-            <a:schemeClr val="lt1"/>
-          </a:fontRef>
-        </p:style>
-        <p:txBody>
-          <a:bodyPr lIns="91434" tIns="45715" rIns="91434" bIns="45715" spcCol="0" rtlCol="0" anchor="ctr"/>
-          <a:lstStyle/>
-          <a:p>
-            <a:pPr algn="ctr"/>
-            <a:r>
-              <a:rPr lang="ja-JP" altLang="en-US" sz="3900" b="1" dirty="0" smtClean="0">
-                <a:solidFill>
-                  <a:schemeClr val="tx1"/>
-                </a:solidFill>
-              </a:rPr>
-              <a:t>整理</a:t>
-            </a:r>
-            <a:r>
-              <a:rPr lang="ja-JP" altLang="en-US" sz="3900" b="1" dirty="0">
-                <a:solidFill>
-                  <a:schemeClr val="tx1"/>
-                </a:solidFill>
-              </a:rPr>
-              <a:t>したユニット候補を</a:t>
-            </a:r>
-            <a:endParaRPr lang="en-US" altLang="ja-JP" sz="3900" b="1" dirty="0">
-              <a:solidFill>
-                <a:schemeClr val="tx1"/>
-              </a:solidFill>
-            </a:endParaRPr>
-          </a:p>
-          <a:p>
-            <a:pPr algn="ctr"/>
-            <a:r>
-              <a:rPr lang="ja-JP" altLang="en-US" sz="3900" b="1" dirty="0">
-                <a:solidFill>
-                  <a:schemeClr val="tx1"/>
-                </a:solidFill>
-              </a:rPr>
-              <a:t>クラスター分析する</a:t>
-            </a:r>
-            <a:endParaRPr lang="en-US" altLang="ja-JP" sz="3900" b="1" dirty="0">
-              <a:solidFill>
-                <a:schemeClr val="tx1"/>
-              </a:solidFill>
-            </a:endParaRPr>
-          </a:p>
-        </p:txBody>
-      </p:sp>
-      <p:sp>
-        <p:nvSpPr>
-          <p:cNvPr id="9" name="角丸四角形 8"/>
-          <p:cNvSpPr/>
-          <p:nvPr/>
-        </p:nvSpPr>
-        <p:spPr>
-          <a:xfrm>
-            <a:off x="14482052" y="2920805"/>
-            <a:ext cx="5486004" cy="2563700"/>
-          </a:xfrm>
-          <a:prstGeom prst="roundRect">
-            <a:avLst/>
-          </a:prstGeom>
-          <a:solidFill>
-            <a:schemeClr val="bg1"/>
-          </a:solidFill>
-          <a:ln w="76200">
-            <a:solidFill>
-              <a:srgbClr val="002060"/>
-            </a:solidFill>
-          </a:ln>
-        </p:spPr>
-        <p:style>
-          <a:lnRef idx="2">
-            <a:schemeClr val="accent1">
-              <a:shade val="50000"/>
-            </a:schemeClr>
-          </a:lnRef>
-          <a:fillRef idx="1">
-            <a:schemeClr val="accent1"/>
-          </a:fillRef>
-          <a:effectRef idx="0">
-            <a:schemeClr val="accent1"/>
-          </a:effectRef>
-          <a:fontRef idx="minor">
-            <a:schemeClr val="lt1"/>
-          </a:fontRef>
-        </p:style>
-        <p:txBody>
-          <a:bodyPr rtlCol="0" anchor="ctr"/>
-          <a:lstStyle/>
-          <a:p>
-            <a:pPr algn="ctr"/>
-            <a:r>
-              <a:rPr kumimoji="1" lang="ja-JP" altLang="en-US" sz="4000" dirty="0" smtClean="0">
-                <a:solidFill>
-                  <a:schemeClr val="tx1"/>
-                </a:solidFill>
-              </a:rPr>
-              <a:t>対象カリキュラムは</a:t>
-            </a:r>
-            <a:endParaRPr kumimoji="1" lang="en-US" altLang="ja-JP" sz="4000" dirty="0" smtClean="0">
-              <a:solidFill>
-                <a:schemeClr val="tx1"/>
-              </a:solidFill>
-            </a:endParaRPr>
-          </a:p>
-          <a:p>
-            <a:pPr algn="ctr"/>
-            <a:r>
-              <a:rPr lang="en-US" altLang="ja-JP" sz="4400" b="1" dirty="0" smtClean="0">
-                <a:solidFill>
-                  <a:srgbClr val="00B050"/>
-                </a:solidFill>
-              </a:rPr>
-              <a:t>1</a:t>
-            </a:r>
-            <a:r>
-              <a:rPr lang="ja-JP" altLang="en-US" sz="4400" b="1" dirty="0" smtClean="0">
-                <a:solidFill>
-                  <a:srgbClr val="00B050"/>
-                </a:solidFill>
-              </a:rPr>
-              <a:t>年次に受講できる</a:t>
-            </a:r>
-            <a:endParaRPr lang="en-US" altLang="ja-JP" sz="4400" b="1" dirty="0" smtClean="0">
-              <a:solidFill>
-                <a:srgbClr val="00B050"/>
-              </a:solidFill>
-            </a:endParaRPr>
-          </a:p>
-          <a:p>
-            <a:pPr algn="ctr"/>
-            <a:r>
-              <a:rPr kumimoji="1" lang="ja-JP" altLang="en-US" sz="4400" b="1" dirty="0">
-                <a:solidFill>
-                  <a:srgbClr val="00B050"/>
-                </a:solidFill>
-              </a:rPr>
-              <a:t>専門科目</a:t>
-            </a:r>
-          </a:p>
-        </p:txBody>
-      </p:sp>
-      <p:sp>
-        <p:nvSpPr>
-          <p:cNvPr id="10" name="角丸四角形 9"/>
-          <p:cNvSpPr/>
-          <p:nvPr/>
-        </p:nvSpPr>
-        <p:spPr>
-          <a:xfrm>
-            <a:off x="12190997" y="6020577"/>
-            <a:ext cx="4582110" cy="2738147"/>
-          </a:xfrm>
-          <a:prstGeom prst="roundRect">
-            <a:avLst/>
-          </a:prstGeom>
-          <a:solidFill>
-            <a:schemeClr val="bg1"/>
-          </a:solidFill>
-          <a:ln w="76200"/>
-        </p:spPr>
-        <p:style>
-          <a:lnRef idx="2">
-            <a:schemeClr val="accent1">
-              <a:shade val="50000"/>
-            </a:schemeClr>
-          </a:lnRef>
-          <a:fillRef idx="1">
-            <a:schemeClr val="accent1"/>
-          </a:fillRef>
-          <a:effectRef idx="0">
-            <a:schemeClr val="accent1"/>
-          </a:effectRef>
-          <a:fontRef idx="minor">
-            <a:schemeClr val="lt1"/>
-          </a:fontRef>
-        </p:style>
-        <p:txBody>
-          <a:bodyPr rtlCol="0" anchor="ctr"/>
-          <a:lstStyle/>
-          <a:p>
-            <a:pPr algn="ctr"/>
-            <a:r>
-              <a:rPr kumimoji="1" lang="ja-JP" altLang="en-US" sz="4000" dirty="0" smtClean="0">
-                <a:solidFill>
-                  <a:schemeClr val="tx1"/>
-                </a:solidFill>
-              </a:rPr>
-              <a:t>ユニット候補は</a:t>
-            </a:r>
-            <a:endParaRPr kumimoji="1" lang="en-US" altLang="ja-JP" sz="4000" dirty="0" smtClean="0">
-              <a:solidFill>
-                <a:schemeClr val="tx1"/>
-              </a:solidFill>
-            </a:endParaRPr>
-          </a:p>
-          <a:p>
-            <a:pPr algn="ctr"/>
-            <a:r>
-              <a:rPr kumimoji="1" lang="en-US" altLang="ja-JP" sz="4800" b="1" dirty="0" smtClean="0">
-                <a:solidFill>
-                  <a:srgbClr val="00B050"/>
-                </a:solidFill>
-              </a:rPr>
-              <a:t>157</a:t>
-            </a:r>
-            <a:r>
-              <a:rPr kumimoji="1" lang="ja-JP" altLang="en-US" sz="4800" b="1" dirty="0" smtClean="0">
-                <a:solidFill>
-                  <a:srgbClr val="00B050"/>
-                </a:solidFill>
-              </a:rPr>
-              <a:t>個</a:t>
-            </a:r>
-            <a:endParaRPr kumimoji="1" lang="ja-JP" altLang="en-US" sz="4800" b="1" dirty="0">
-              <a:solidFill>
-                <a:srgbClr val="00B050"/>
-              </a:solidFill>
-            </a:endParaRPr>
-          </a:p>
-        </p:txBody>
-      </p:sp>
-      <p:sp>
-        <p:nvSpPr>
-          <p:cNvPr id="19" name="角丸四角形 18"/>
-          <p:cNvSpPr/>
-          <p:nvPr/>
-        </p:nvSpPr>
-        <p:spPr>
-          <a:xfrm>
-            <a:off x="4070833" y="17112996"/>
-            <a:ext cx="4582110" cy="2738147"/>
-          </a:xfrm>
-          <a:prstGeom prst="roundRect">
-            <a:avLst/>
-          </a:prstGeom>
-          <a:solidFill>
-            <a:schemeClr val="bg1"/>
-          </a:solidFill>
-          <a:ln w="76200"/>
-        </p:spPr>
-        <p:style>
-          <a:lnRef idx="2">
-            <a:schemeClr val="accent1">
-              <a:shade val="50000"/>
-            </a:schemeClr>
-          </a:lnRef>
-          <a:fillRef idx="1">
-            <a:schemeClr val="accent1"/>
-          </a:fillRef>
-          <a:effectRef idx="0">
-            <a:schemeClr val="accent1"/>
-          </a:effectRef>
-          <a:fontRef idx="minor">
-            <a:schemeClr val="lt1"/>
-          </a:fontRef>
-        </p:style>
-        <p:txBody>
-          <a:bodyPr rtlCol="0" anchor="ctr"/>
-          <a:lstStyle/>
-          <a:p>
-            <a:pPr algn="ctr"/>
-            <a:r>
-              <a:rPr kumimoji="1" lang="ja-JP" altLang="en-US" sz="4000" dirty="0" smtClean="0">
-                <a:solidFill>
-                  <a:schemeClr val="tx1"/>
-                </a:solidFill>
-              </a:rPr>
-              <a:t>整理した</a:t>
-            </a:r>
-            <a:endParaRPr kumimoji="1" lang="en-US" altLang="ja-JP" sz="4000" dirty="0" smtClean="0">
-              <a:solidFill>
-                <a:schemeClr val="tx1"/>
-              </a:solidFill>
-            </a:endParaRPr>
-          </a:p>
-          <a:p>
-            <a:pPr algn="ctr"/>
-            <a:r>
-              <a:rPr kumimoji="1" lang="ja-JP" altLang="en-US" sz="4000" dirty="0" smtClean="0">
-                <a:solidFill>
-                  <a:schemeClr val="tx1"/>
-                </a:solidFill>
-              </a:rPr>
-              <a:t>ユニット候補は</a:t>
-            </a:r>
-            <a:endParaRPr kumimoji="1" lang="en-US" altLang="ja-JP" sz="4000" dirty="0" smtClean="0">
-              <a:solidFill>
-                <a:schemeClr val="tx1"/>
-              </a:solidFill>
-            </a:endParaRPr>
-          </a:p>
-          <a:p>
-            <a:pPr algn="ctr"/>
-            <a:r>
-              <a:rPr kumimoji="1" lang="en-US" altLang="ja-JP" sz="4800" b="1" dirty="0" smtClean="0">
-                <a:solidFill>
-                  <a:srgbClr val="00B050"/>
-                </a:solidFill>
-              </a:rPr>
-              <a:t>82</a:t>
-            </a:r>
-            <a:r>
-              <a:rPr kumimoji="1" lang="ja-JP" altLang="en-US" sz="4800" b="1" dirty="0" smtClean="0">
-                <a:solidFill>
-                  <a:srgbClr val="00B050"/>
-                </a:solidFill>
-              </a:rPr>
-              <a:t>個</a:t>
-            </a:r>
-            <a:endParaRPr kumimoji="1" lang="ja-JP" altLang="en-US" sz="4800" b="1" dirty="0">
-              <a:solidFill>
-                <a:srgbClr val="00B050"/>
-              </a:solidFill>
-            </a:endParaRPr>
-          </a:p>
-        </p:txBody>
-      </p:sp>
-      <p:sp>
-        <p:nvSpPr>
-          <p:cNvPr id="31" name="角丸四角形 30"/>
-          <p:cNvSpPr/>
-          <p:nvPr/>
-        </p:nvSpPr>
-        <p:spPr>
-          <a:xfrm>
-            <a:off x="4326420" y="10059219"/>
-            <a:ext cx="4593981" cy="2981236"/>
-          </a:xfrm>
-          <a:prstGeom prst="roundRect">
-            <a:avLst/>
-          </a:prstGeom>
-          <a:solidFill>
-            <a:schemeClr val="bg1"/>
-          </a:solidFill>
-          <a:ln w="76200"/>
-        </p:spPr>
-        <p:style>
-          <a:lnRef idx="2">
-            <a:schemeClr val="accent1">
-              <a:shade val="50000"/>
-            </a:schemeClr>
-          </a:lnRef>
-          <a:fillRef idx="1">
-            <a:schemeClr val="accent1"/>
-          </a:fillRef>
-          <a:effectRef idx="0">
-            <a:schemeClr val="accent1"/>
-          </a:effectRef>
-          <a:fontRef idx="minor">
-            <a:schemeClr val="lt1"/>
-          </a:fontRef>
-        </p:style>
-        <p:txBody>
-          <a:bodyPr rtlCol="0" anchor="ctr"/>
-          <a:lstStyle/>
-          <a:p>
-            <a:pPr algn="ctr"/>
-            <a:r>
-              <a:rPr kumimoji="1" lang="ja-JP" altLang="en-US" sz="3600" dirty="0" smtClean="0">
-                <a:solidFill>
-                  <a:schemeClr val="tx1"/>
-                </a:solidFill>
-              </a:rPr>
-              <a:t>ユニット候補１つ</a:t>
-            </a:r>
-            <a:endParaRPr kumimoji="1" lang="en-US" altLang="ja-JP" sz="3600" dirty="0" smtClean="0">
-              <a:solidFill>
-                <a:schemeClr val="tx1"/>
-              </a:solidFill>
-            </a:endParaRPr>
-          </a:p>
-          <a:p>
-            <a:pPr algn="ctr"/>
-            <a:r>
-              <a:rPr lang="ja-JP" altLang="en-US" sz="3600" b="1" dirty="0">
-                <a:solidFill>
-                  <a:schemeClr val="tx1"/>
-                </a:solidFill>
-              </a:rPr>
-              <a:t>↓</a:t>
-            </a:r>
-            <a:endParaRPr kumimoji="1" lang="en-US" altLang="ja-JP" sz="3600" b="1" dirty="0" smtClean="0">
-              <a:solidFill>
-                <a:schemeClr val="tx1"/>
-              </a:solidFill>
-            </a:endParaRPr>
-          </a:p>
-          <a:p>
-            <a:pPr algn="ctr"/>
-            <a:r>
-              <a:rPr kumimoji="1" lang="ja-JP" altLang="en-US" sz="4400" b="1" dirty="0" smtClean="0">
-                <a:solidFill>
-                  <a:srgbClr val="00B050"/>
-                </a:solidFill>
-              </a:rPr>
-              <a:t>講義一回分の</a:t>
-            </a:r>
-            <a:endParaRPr kumimoji="1" lang="en-US" altLang="ja-JP" sz="4400" b="1" dirty="0" smtClean="0">
-              <a:solidFill>
-                <a:srgbClr val="00B050"/>
-              </a:solidFill>
-            </a:endParaRPr>
-          </a:p>
-          <a:p>
-            <a:pPr algn="ctr"/>
-            <a:r>
-              <a:rPr kumimoji="1" lang="ja-JP" altLang="en-US" sz="4400" b="1" dirty="0" smtClean="0">
-                <a:solidFill>
-                  <a:srgbClr val="00B050"/>
-                </a:solidFill>
-              </a:rPr>
-              <a:t>テーマ</a:t>
-            </a:r>
-            <a:endParaRPr kumimoji="1" lang="ja-JP" altLang="en-US" sz="4400" b="1" dirty="0">
-              <a:solidFill>
-                <a:srgbClr val="00B050"/>
-              </a:solidFill>
-            </a:endParaRPr>
-          </a:p>
-        </p:txBody>
-      </p:sp>
-      <p:sp>
-        <p:nvSpPr>
-          <p:cNvPr id="33" name="角丸四角形 32"/>
-          <p:cNvSpPr/>
-          <p:nvPr/>
-        </p:nvSpPr>
-        <p:spPr>
-          <a:xfrm>
-            <a:off x="9899942" y="16314221"/>
-            <a:ext cx="10440000" cy="4335699"/>
-          </a:xfrm>
-          <a:prstGeom prst="roundRect">
-            <a:avLst/>
-          </a:prstGeom>
-          <a:solidFill>
-            <a:schemeClr val="bg1"/>
-          </a:solidFill>
-          <a:ln w="76200"/>
-        </p:spPr>
-        <p:style>
-          <a:lnRef idx="2">
-            <a:schemeClr val="accent1">
-              <a:shade val="50000"/>
-            </a:schemeClr>
-          </a:lnRef>
-          <a:fillRef idx="1">
-            <a:schemeClr val="accent1"/>
-          </a:fillRef>
-          <a:effectRef idx="0">
-            <a:schemeClr val="accent1"/>
-          </a:effectRef>
-          <a:fontRef idx="minor">
-            <a:schemeClr val="lt1"/>
-          </a:fontRef>
-        </p:style>
-        <p:txBody>
-          <a:bodyPr rtlCol="0" anchor="ctr"/>
-          <a:lstStyle/>
-          <a:p>
-            <a:pPr algn="ctr"/>
-            <a:r>
-              <a:rPr lang="ja-JP" altLang="en-US" sz="3600" b="1" dirty="0" smtClean="0">
-                <a:solidFill>
-                  <a:srgbClr val="00B050"/>
-                </a:solidFill>
-              </a:rPr>
-              <a:t>例</a:t>
-            </a:r>
-            <a:endParaRPr lang="en-US" altLang="ja-JP" sz="3600" b="1" dirty="0">
-              <a:solidFill>
-                <a:srgbClr val="00B050"/>
-              </a:solidFill>
-            </a:endParaRPr>
-          </a:p>
-          <a:p>
-            <a:pPr algn="ctr"/>
-            <a:r>
-              <a:rPr lang="ja-JP" altLang="en-US" sz="3600" dirty="0" smtClean="0">
-                <a:solidFill>
-                  <a:schemeClr val="tx1"/>
-                </a:solidFill>
-              </a:rPr>
-              <a:t>セキュリティ管理とセキュリティマネジメント</a:t>
-            </a:r>
-            <a:endParaRPr lang="en-US" altLang="ja-JP" sz="3600" dirty="0" smtClean="0">
-              <a:solidFill>
-                <a:schemeClr val="tx1"/>
-              </a:solidFill>
-            </a:endParaRPr>
-          </a:p>
-          <a:p>
-            <a:pPr algn="ctr"/>
-            <a:r>
-              <a:rPr lang="ja-JP" altLang="en-US" sz="3600" dirty="0" smtClean="0">
-                <a:solidFill>
-                  <a:schemeClr val="tx1"/>
-                </a:solidFill>
-              </a:rPr>
-              <a:t>→セキュリティマネジメント</a:t>
-            </a:r>
-            <a:endParaRPr lang="en-US" altLang="ja-JP" sz="3600" dirty="0" smtClean="0">
-              <a:solidFill>
-                <a:schemeClr val="tx1"/>
-              </a:solidFill>
-            </a:endParaRPr>
-          </a:p>
-          <a:p>
-            <a:pPr algn="ctr"/>
-            <a:endParaRPr lang="en-US" altLang="ja-JP" sz="3600" dirty="0" smtClean="0">
-              <a:solidFill>
-                <a:schemeClr val="tx1"/>
-              </a:solidFill>
-            </a:endParaRPr>
-          </a:p>
-          <a:p>
-            <a:pPr algn="ctr"/>
-            <a:r>
-              <a:rPr lang="ja-JP" altLang="en-US" sz="3600" dirty="0" smtClean="0">
-                <a:solidFill>
-                  <a:schemeClr val="tx1"/>
-                </a:solidFill>
-              </a:rPr>
-              <a:t>学内ネットの使い方</a:t>
-            </a:r>
-            <a:endParaRPr lang="en-US" altLang="ja-JP" sz="3600" dirty="0" smtClean="0">
-              <a:solidFill>
-                <a:schemeClr val="tx1"/>
-              </a:solidFill>
-            </a:endParaRPr>
-          </a:p>
-          <a:p>
-            <a:pPr algn="ctr"/>
-            <a:r>
-              <a:rPr lang="ja-JP" altLang="en-US" sz="3600" dirty="0" smtClean="0">
-                <a:solidFill>
-                  <a:schemeClr val="tx1"/>
-                </a:solidFill>
-              </a:rPr>
-              <a:t>と</a:t>
-            </a:r>
-            <a:endParaRPr lang="en-US" altLang="ja-JP" sz="3600" dirty="0" smtClean="0">
-              <a:solidFill>
-                <a:schemeClr val="tx1"/>
-              </a:solidFill>
-            </a:endParaRPr>
-          </a:p>
-          <a:p>
-            <a:pPr algn="ctr"/>
-            <a:r>
-              <a:rPr lang="ja-JP" altLang="en-US" sz="3600" dirty="0" smtClean="0">
-                <a:solidFill>
-                  <a:schemeClr val="tx1"/>
-                </a:solidFill>
-              </a:rPr>
-              <a:t>パソコン基本操作・ファイル操作</a:t>
-            </a:r>
-            <a:endParaRPr lang="en-US" altLang="ja-JP" sz="3600" dirty="0" smtClean="0">
-              <a:solidFill>
-                <a:schemeClr val="tx1"/>
-              </a:solidFill>
-            </a:endParaRPr>
-          </a:p>
-          <a:p>
-            <a:pPr algn="ctr"/>
-            <a:r>
-              <a:rPr lang="ja-JP" altLang="en-US" sz="3600" dirty="0" smtClean="0">
-                <a:solidFill>
-                  <a:schemeClr val="tx1"/>
-                </a:solidFill>
-              </a:rPr>
-              <a:t>→パソコン入門</a:t>
-            </a:r>
-            <a:endParaRPr lang="en-US" altLang="ja-JP" sz="3600" dirty="0" smtClean="0">
-              <a:solidFill>
-                <a:schemeClr val="tx1"/>
-              </a:solidFill>
-            </a:endParaRPr>
-          </a:p>
-        </p:txBody>
-      </p:sp>
-      <p:sp>
-        <p:nvSpPr>
-          <p:cNvPr id="34" name="角丸四角形 33"/>
-          <p:cNvSpPr/>
-          <p:nvPr/>
-        </p:nvSpPr>
-        <p:spPr>
-          <a:xfrm>
-            <a:off x="9904885" y="13985959"/>
-            <a:ext cx="10484200" cy="1684775"/>
-          </a:xfrm>
-          <a:prstGeom prst="roundRect">
-            <a:avLst/>
-          </a:prstGeom>
-          <a:solidFill>
-            <a:schemeClr val="bg1"/>
-          </a:solidFill>
-          <a:ln w="76200"/>
-        </p:spPr>
-        <p:style>
-          <a:lnRef idx="2">
-            <a:schemeClr val="accent1">
-              <a:shade val="50000"/>
-            </a:schemeClr>
-          </a:lnRef>
-          <a:fillRef idx="1">
-            <a:schemeClr val="accent1"/>
-          </a:fillRef>
-          <a:effectRef idx="0">
-            <a:schemeClr val="accent1"/>
-          </a:effectRef>
-          <a:fontRef idx="minor">
-            <a:schemeClr val="lt1"/>
-          </a:fontRef>
-        </p:style>
-        <p:txBody>
-          <a:bodyPr rtlCol="0" anchor="ctr"/>
-          <a:lstStyle/>
-          <a:p>
-            <a:pPr algn="ctr"/>
-            <a:r>
-              <a:rPr lang="ja-JP" altLang="en-US" sz="3600" dirty="0" smtClean="0">
-                <a:solidFill>
-                  <a:schemeClr val="tx1"/>
-                </a:solidFill>
-              </a:rPr>
-              <a:t>・違う</a:t>
-            </a:r>
-            <a:r>
-              <a:rPr lang="ja-JP" altLang="en-US" sz="3600" dirty="0">
-                <a:solidFill>
-                  <a:schemeClr val="tx1"/>
-                </a:solidFill>
-              </a:rPr>
-              <a:t>カリキュラム</a:t>
-            </a:r>
-            <a:r>
-              <a:rPr lang="ja-JP" altLang="en-US" sz="3600" dirty="0" smtClean="0">
-                <a:solidFill>
-                  <a:schemeClr val="tx1"/>
-                </a:solidFill>
-              </a:rPr>
-              <a:t>でも意味が同じものを統一</a:t>
-            </a:r>
-            <a:endParaRPr lang="en-US" altLang="ja-JP" sz="3600" dirty="0" smtClean="0">
-              <a:solidFill>
-                <a:schemeClr val="tx1"/>
-              </a:solidFill>
-            </a:endParaRPr>
-          </a:p>
-          <a:p>
-            <a:pPr algn="ctr"/>
-            <a:r>
-              <a:rPr lang="ja-JP" altLang="en-US" sz="3600" dirty="0" smtClean="0">
-                <a:solidFill>
-                  <a:schemeClr val="tx1"/>
-                </a:solidFill>
-              </a:rPr>
-              <a:t>・ユニット候補としては細かすぎる内容を</a:t>
-            </a:r>
-            <a:endParaRPr lang="en-US" altLang="ja-JP" sz="3600" dirty="0" smtClean="0">
-              <a:solidFill>
-                <a:schemeClr val="tx1"/>
-              </a:solidFill>
-            </a:endParaRPr>
-          </a:p>
-          <a:p>
-            <a:pPr algn="ctr"/>
-            <a:r>
-              <a:rPr lang="ja-JP" altLang="en-US" sz="3600" dirty="0" smtClean="0">
-                <a:solidFill>
-                  <a:schemeClr val="tx1"/>
-                </a:solidFill>
-              </a:rPr>
-              <a:t>上位概念へと変換する</a:t>
-            </a:r>
-            <a:endParaRPr lang="en-US" altLang="ja-JP" sz="3600" dirty="0" smtClean="0">
-              <a:solidFill>
-                <a:schemeClr val="tx1"/>
-              </a:solidFill>
-            </a:endParaRPr>
-          </a:p>
-        </p:txBody>
-      </p:sp>
-      <p:sp>
-        <p:nvSpPr>
-          <p:cNvPr id="11" name="角丸四角形 10"/>
-          <p:cNvSpPr/>
-          <p:nvPr/>
-        </p:nvSpPr>
-        <p:spPr>
-          <a:xfrm>
-            <a:off x="12190997" y="21536163"/>
-            <a:ext cx="5486004" cy="2756526"/>
-          </a:xfrm>
-          <a:prstGeom prst="roundRect">
-            <a:avLst/>
-          </a:prstGeom>
-          <a:solidFill>
-            <a:schemeClr val="bg1"/>
-          </a:solidFill>
-          <a:ln w="76200">
-            <a:solidFill>
-              <a:srgbClr val="002060"/>
-            </a:solidFill>
-          </a:ln>
-        </p:spPr>
-        <p:style>
-          <a:lnRef idx="2">
-            <a:schemeClr val="accent1">
-              <a:shade val="50000"/>
-            </a:schemeClr>
-          </a:lnRef>
-          <a:fillRef idx="1">
-            <a:schemeClr val="accent1"/>
-          </a:fillRef>
-          <a:effectRef idx="0">
-            <a:schemeClr val="accent1"/>
-          </a:effectRef>
-          <a:fontRef idx="minor">
-            <a:schemeClr val="lt1"/>
-          </a:fontRef>
-        </p:style>
-        <p:txBody>
-          <a:bodyPr rtlCol="0" anchor="ctr"/>
-          <a:lstStyle/>
-          <a:p>
-            <a:pPr lvl="0" algn="ctr"/>
-            <a:r>
-              <a:rPr lang="ja-JP" altLang="en-US" sz="3900" dirty="0">
-                <a:solidFill>
-                  <a:prstClr val="black"/>
-                </a:solidFill>
-              </a:rPr>
-              <a:t>文献で高評価な</a:t>
-            </a:r>
-            <a:endParaRPr lang="en-US" altLang="ja-JP" sz="3900" dirty="0">
-              <a:solidFill>
-                <a:prstClr val="black"/>
-              </a:solidFill>
-            </a:endParaRPr>
-          </a:p>
-          <a:p>
-            <a:pPr lvl="0" algn="ctr"/>
-            <a:r>
-              <a:rPr lang="ja-JP" altLang="en-US" sz="3900" dirty="0">
-                <a:solidFill>
-                  <a:prstClr val="black"/>
-                </a:solidFill>
-              </a:rPr>
-              <a:t>分析の設定が</a:t>
-            </a:r>
-            <a:endParaRPr lang="en-US" altLang="ja-JP" sz="3900" dirty="0">
-              <a:solidFill>
-                <a:prstClr val="black"/>
-              </a:solidFill>
-            </a:endParaRPr>
-          </a:p>
-          <a:p>
-            <a:pPr lvl="0" algn="ctr"/>
-            <a:r>
-              <a:rPr lang="en-US" altLang="ja-JP" sz="4400" b="1" dirty="0">
-                <a:solidFill>
-                  <a:srgbClr val="00B050"/>
-                </a:solidFill>
-              </a:rPr>
-              <a:t>6</a:t>
-            </a:r>
-            <a:r>
-              <a:rPr lang="ja-JP" altLang="en-US" sz="4400" b="1" dirty="0">
-                <a:solidFill>
-                  <a:srgbClr val="00B050"/>
-                </a:solidFill>
-              </a:rPr>
-              <a:t>通り</a:t>
-            </a:r>
-            <a:endParaRPr lang="en-US" altLang="ja-JP" sz="4400" b="1" dirty="0">
-              <a:solidFill>
-                <a:srgbClr val="00B050"/>
-              </a:solidFill>
-            </a:endParaRPr>
-          </a:p>
-        </p:txBody>
-      </p:sp>
-      <p:sp>
-        <p:nvSpPr>
           <p:cNvPr id="40" name="円/楕円 39"/>
           <p:cNvSpPr/>
           <p:nvPr/>
@@ -9640,226 +8158,6 @@
       </p:sp>
       <p:sp>
         <p:nvSpPr>
-          <p:cNvPr id="17" name="フローチャート : 結合子 16"/>
-          <p:cNvSpPr/>
-          <p:nvPr/>
-        </p:nvSpPr>
-        <p:spPr>
-          <a:xfrm>
-            <a:off x="1776712" y="2371220"/>
-            <a:ext cx="1602016" cy="1413073"/>
-          </a:xfrm>
-          <a:prstGeom prst="flowChartConnector">
-            <a:avLst/>
-          </a:prstGeom>
-        </p:spPr>
-        <p:style>
-          <a:lnRef idx="2">
-            <a:schemeClr val="accent1">
-              <a:shade val="50000"/>
-            </a:schemeClr>
-          </a:lnRef>
-          <a:fillRef idx="1">
-            <a:schemeClr val="accent1"/>
-          </a:fillRef>
-          <a:effectRef idx="0">
-            <a:schemeClr val="accent1"/>
-          </a:effectRef>
-          <a:fontRef idx="minor">
-            <a:schemeClr val="lt1"/>
-          </a:fontRef>
-        </p:style>
-        <p:txBody>
-          <a:bodyPr rtlCol="0" anchor="ctr"/>
-          <a:lstStyle/>
-          <a:p>
-            <a:pPr algn="ctr"/>
-            <a:r>
-              <a:rPr kumimoji="1" lang="en-US" altLang="ja-JP" sz="8000" dirty="0" smtClean="0"/>
-              <a:t>1</a:t>
-            </a:r>
-            <a:endParaRPr kumimoji="1" lang="ja-JP" altLang="en-US" sz="8000" dirty="0"/>
-          </a:p>
-        </p:txBody>
-      </p:sp>
-      <p:sp>
-        <p:nvSpPr>
-          <p:cNvPr id="52" name="フローチャート : 結合子 51"/>
-          <p:cNvSpPr/>
-          <p:nvPr/>
-        </p:nvSpPr>
-        <p:spPr>
-          <a:xfrm>
-            <a:off x="1784262" y="5599348"/>
-            <a:ext cx="1602016" cy="1413073"/>
-          </a:xfrm>
-          <a:prstGeom prst="flowChartConnector">
-            <a:avLst/>
-          </a:prstGeom>
-        </p:spPr>
-        <p:style>
-          <a:lnRef idx="2">
-            <a:schemeClr val="accent1">
-              <a:shade val="50000"/>
-            </a:schemeClr>
-          </a:lnRef>
-          <a:fillRef idx="1">
-            <a:schemeClr val="accent1"/>
-          </a:fillRef>
-          <a:effectRef idx="0">
-            <a:schemeClr val="accent1"/>
-          </a:effectRef>
-          <a:fontRef idx="minor">
-            <a:schemeClr val="lt1"/>
-          </a:fontRef>
-        </p:style>
-        <p:txBody>
-          <a:bodyPr rtlCol="0" anchor="ctr"/>
-          <a:lstStyle/>
-          <a:p>
-            <a:pPr algn="ctr"/>
-            <a:r>
-              <a:rPr kumimoji="1" lang="en-US" altLang="ja-JP" sz="8000" dirty="0" smtClean="0"/>
-              <a:t>2</a:t>
-            </a:r>
-            <a:endParaRPr kumimoji="1" lang="ja-JP" altLang="en-US" sz="8000" dirty="0"/>
-          </a:p>
-        </p:txBody>
-      </p:sp>
-      <p:sp>
-        <p:nvSpPr>
-          <p:cNvPr id="54" name="フローチャート : 結合子 53"/>
-          <p:cNvSpPr/>
-          <p:nvPr/>
-        </p:nvSpPr>
-        <p:spPr>
-          <a:xfrm>
-            <a:off x="2012370" y="24082743"/>
-            <a:ext cx="1602016" cy="1413073"/>
-          </a:xfrm>
-          <a:prstGeom prst="flowChartConnector">
-            <a:avLst/>
-          </a:prstGeom>
-        </p:spPr>
-        <p:style>
-          <a:lnRef idx="2">
-            <a:schemeClr val="accent1">
-              <a:shade val="50000"/>
-            </a:schemeClr>
-          </a:lnRef>
-          <a:fillRef idx="1">
-            <a:schemeClr val="accent1"/>
-          </a:fillRef>
-          <a:effectRef idx="0">
-            <a:schemeClr val="accent1"/>
-          </a:effectRef>
-          <a:fontRef idx="minor">
-            <a:schemeClr val="lt1"/>
-          </a:fontRef>
-        </p:style>
-        <p:txBody>
-          <a:bodyPr rtlCol="0" anchor="ctr"/>
-          <a:lstStyle/>
-          <a:p>
-            <a:pPr algn="ctr"/>
-            <a:r>
-              <a:rPr kumimoji="1" lang="en-US" altLang="ja-JP" sz="8000" dirty="0" smtClean="0"/>
-              <a:t>5</a:t>
-            </a:r>
-            <a:endParaRPr kumimoji="1" lang="ja-JP" altLang="en-US" sz="8000" dirty="0"/>
-          </a:p>
-        </p:txBody>
-      </p:sp>
-      <p:sp>
-        <p:nvSpPr>
-          <p:cNvPr id="55" name="フローチャート : 結合子 54"/>
-          <p:cNvSpPr/>
-          <p:nvPr/>
-        </p:nvSpPr>
-        <p:spPr>
-          <a:xfrm>
-            <a:off x="2012370" y="20829626"/>
-            <a:ext cx="1602016" cy="1413073"/>
-          </a:xfrm>
-          <a:prstGeom prst="flowChartConnector">
-            <a:avLst/>
-          </a:prstGeom>
-        </p:spPr>
-        <p:style>
-          <a:lnRef idx="2">
-            <a:schemeClr val="accent1">
-              <a:shade val="50000"/>
-            </a:schemeClr>
-          </a:lnRef>
-          <a:fillRef idx="1">
-            <a:schemeClr val="accent1"/>
-          </a:fillRef>
-          <a:effectRef idx="0">
-            <a:schemeClr val="accent1"/>
-          </a:effectRef>
-          <a:fontRef idx="minor">
-            <a:schemeClr val="lt1"/>
-          </a:fontRef>
-        </p:style>
-        <p:txBody>
-          <a:bodyPr rtlCol="0" anchor="ctr"/>
-          <a:lstStyle/>
-          <a:p>
-            <a:pPr algn="ctr"/>
-            <a:r>
-              <a:rPr kumimoji="1" lang="en-US" altLang="ja-JP" sz="8000" dirty="0" smtClean="0"/>
-              <a:t>4</a:t>
-            </a:r>
-            <a:endParaRPr kumimoji="1" lang="ja-JP" altLang="en-US" sz="8000" dirty="0"/>
-          </a:p>
-        </p:txBody>
-      </p:sp>
-      <p:sp>
-        <p:nvSpPr>
-          <p:cNvPr id="56" name="フローチャート : 結合子 55"/>
-          <p:cNvSpPr/>
-          <p:nvPr/>
-        </p:nvSpPr>
-        <p:spPr>
-          <a:xfrm>
-            <a:off x="2012370" y="13279422"/>
-            <a:ext cx="1602016" cy="1413073"/>
-          </a:xfrm>
-          <a:prstGeom prst="flowChartConnector">
-            <a:avLst/>
-          </a:prstGeom>
-        </p:spPr>
-        <p:style>
-          <a:lnRef idx="2">
-            <a:schemeClr val="accent1">
-              <a:shade val="50000"/>
-            </a:schemeClr>
-          </a:lnRef>
-          <a:fillRef idx="1">
-            <a:schemeClr val="accent1"/>
-          </a:fillRef>
-          <a:effectRef idx="0">
-            <a:schemeClr val="accent1"/>
-          </a:effectRef>
-          <a:fontRef idx="minor">
-            <a:schemeClr val="lt1"/>
-          </a:fontRef>
-        </p:style>
-        <p:txBody>
-          <a:bodyPr rtlCol="0" anchor="ctr"/>
-          <a:lstStyle/>
-          <a:p>
-            <a:pPr algn="ctr"/>
-            <a:r>
-              <a:rPr kumimoji="1" lang="en-US" altLang="ja-JP" sz="8000" dirty="0" smtClean="0"/>
-              <a:t>3</a:t>
-            </a:r>
-            <a:endParaRPr kumimoji="1" lang="ja-JP" altLang="en-US" sz="8000" dirty="0"/>
-          </a:p>
-        </p:txBody>
-      </p:sp>
-      <p:sp>
-        <p:nvSpPr>
           <p:cNvPr id="57" name="正方形/長方形 56"/>
           <p:cNvSpPr/>
           <p:nvPr/>
@@ -9867,7 +8165,7 @@
         <p:spPr>
           <a:xfrm>
             <a:off x="2577721" y="27940663"/>
-            <a:ext cx="16475448" cy="2060151"/>
+            <a:ext cx="11773015" cy="2060151"/>
           </a:xfrm>
           <a:prstGeom prst="rect">
             <a:avLst/>
@@ -9902,83 +8200,28 @@
           <a:lstStyle/>
           <a:p>
             <a:r>
-              <a:rPr lang="ja-JP" altLang="en-US" sz="3900" b="1" dirty="0">
+              <a:rPr lang="ja-JP" altLang="en-US" sz="3900" b="1" dirty="0" smtClean="0">
                 <a:solidFill>
                   <a:schemeClr val="tx1"/>
                 </a:solidFill>
               </a:rPr>
-              <a:t>矢吹太朗</a:t>
-            </a:r>
-            <a:r>
-              <a:rPr lang="en-US" altLang="ja-JP" sz="3900" b="1" dirty="0">
-                <a:solidFill>
-                  <a:schemeClr val="tx1"/>
-                </a:solidFill>
-              </a:rPr>
-              <a:t>, </a:t>
-            </a:r>
-            <a:r>
-              <a:rPr lang="ja-JP" altLang="en-US" sz="3900" b="1" dirty="0">
-                <a:solidFill>
-                  <a:schemeClr val="tx1"/>
-                </a:solidFill>
-              </a:rPr>
-              <a:t>森田武史</a:t>
-            </a:r>
-            <a:r>
-              <a:rPr lang="en-US" altLang="ja-JP" sz="3900" b="1" dirty="0">
-                <a:solidFill>
-                  <a:schemeClr val="tx1"/>
-                </a:solidFill>
-              </a:rPr>
-              <a:t>, </a:t>
-            </a:r>
-            <a:r>
-              <a:rPr lang="ja-JP" altLang="en-US" sz="3900" b="1" dirty="0">
-                <a:solidFill>
-                  <a:schemeClr val="tx1"/>
-                </a:solidFill>
-              </a:rPr>
-              <a:t>増永義文</a:t>
-            </a:r>
-            <a:r>
-              <a:rPr lang="en-US" altLang="ja-JP" sz="3900" b="1" dirty="0">
+              <a:t>増永良文</a:t>
+            </a:r>
+            <a:r>
+              <a:rPr lang="en-US" altLang="ja-JP" sz="3900" b="1" dirty="0" smtClean="0">
                 <a:solidFill>
                   <a:schemeClr val="tx1"/>
                 </a:solidFill>
               </a:rPr>
               <a:t>. </a:t>
             </a:r>
-            <a:endParaRPr lang="en-US" altLang="ja-JP" sz="3900" b="1" dirty="0" smtClean="0">
-              <a:solidFill>
-                <a:schemeClr val="tx1"/>
-              </a:solidFill>
-            </a:endParaRPr>
-          </a:p>
-          <a:p>
             <a:r>
               <a:rPr lang="ja-JP" altLang="en-US" sz="3900" b="1" dirty="0" smtClean="0">
                 <a:solidFill>
                   <a:schemeClr val="tx1"/>
                 </a:solidFill>
               </a:rPr>
-              <a:t>「集合</a:t>
-            </a:r>
-            <a:r>
-              <a:rPr lang="ja-JP" altLang="en-US" sz="3900" b="1" dirty="0">
-                <a:solidFill>
-                  <a:schemeClr val="tx1"/>
-                </a:solidFill>
-              </a:rPr>
-              <a:t>知による知識体系構築のための意見集約</a:t>
-            </a:r>
-            <a:r>
-              <a:rPr lang="ja-JP" altLang="en-US" sz="3900" b="1" dirty="0" smtClean="0">
-                <a:solidFill>
-                  <a:schemeClr val="tx1"/>
-                </a:solidFill>
-              </a:rPr>
-              <a:t>方法」</a:t>
+              <a:t>「ソーシャルコンピューティング入門」</a:t>
             </a:r>
             <a:r>
               <a:rPr lang="en-US" altLang="ja-JP" sz="3900" b="1" dirty="0" smtClean="0">
@@ -9996,15 +8239,23 @@
                   <a:schemeClr val="tx1"/>
                 </a:solidFill>
               </a:rPr>
-              <a:t>信学</a:t>
-            </a:r>
-            <a:r>
-              <a:rPr lang="ja-JP" altLang="en-US" sz="3900" b="1" dirty="0">
+              <a:t>サイエンス社</a:t>
+            </a:r>
+            <a:r>
+              <a:rPr lang="en-US" altLang="ja-JP" sz="3900" b="1" dirty="0" smtClean="0">
                 <a:solidFill>
                   <a:schemeClr val="tx1"/>
                 </a:solidFill>
               </a:rPr>
-              <a:t>技報</a:t>
+              <a:t>, 2013</a:t>
+            </a:r>
+            <a:r>
+              <a:rPr lang="ja-JP" altLang="en-US" sz="3900" b="1" dirty="0" smtClean="0">
+                <a:solidFill>
+                  <a:schemeClr val="tx1"/>
+                </a:solidFill>
+              </a:rPr>
+              <a:t>年</a:t>
             </a:r>
             <a:r>
               <a:rPr lang="en-US" altLang="ja-JP" sz="3900" b="1" dirty="0">
@@ -10012,26 +8263,10 @@
                   <a:schemeClr val="tx1"/>
                 </a:solidFill>
               </a:rPr>
-              <a:t>, vol. 113, no. 105, DE2013-18, pp. 71-76, 2013</a:t>
-            </a:r>
-            <a:r>
-              <a:rPr lang="ja-JP" altLang="en-US" sz="3900" b="1" dirty="0">
-                <a:solidFill>
-                  <a:schemeClr val="tx1"/>
-                </a:solidFill>
-              </a:rPr>
-              <a:t>年</a:t>
-            </a:r>
-            <a:r>
-              <a:rPr lang="en-US" altLang="ja-JP" sz="3900" b="1" dirty="0">
-                <a:solidFill>
-                  <a:schemeClr val="tx1"/>
-                </a:solidFill>
-              </a:rPr>
-              <a:t>6</a:t>
-            </a:r>
-            <a:r>
-              <a:rPr lang="ja-JP" altLang="en-US" sz="3900" b="1" dirty="0">
+              <a:t>3</a:t>
+            </a:r>
+            <a:r>
+              <a:rPr lang="ja-JP" altLang="en-US" sz="3900" b="1" dirty="0" smtClean="0">
                 <a:solidFill>
                   <a:schemeClr val="tx1"/>
                 </a:solidFill>
@@ -10054,8 +8289,8 @@
         </p:nvSpPr>
         <p:spPr>
           <a:xfrm>
-            <a:off x="2012370" y="26975794"/>
-            <a:ext cx="7138521" cy="1023855"/>
+            <a:off x="2012371" y="26975794"/>
+            <a:ext cx="4420028" cy="1023855"/>
           </a:xfrm>
           <a:prstGeom prst="roundRect">
             <a:avLst/>
@@ -10096,13 +8331,3108 @@
                   <a:schemeClr val="tx1"/>
                 </a:solidFill>
               </a:rPr>
-              <a:t>この方法の参考文献</a:t>
+              <a:t>参考文献</a:t>
             </a:r>
             <a:endParaRPr kumimoji="1" lang="ja-JP" altLang="en-US" sz="5400" dirty="0">
               <a:solidFill>
                 <a:schemeClr val="tx1"/>
               </a:solidFill>
             </a:endParaRPr>
+          </a:p>
+        </p:txBody>
+      </p:sp>
+      <p:grpSp>
+        <p:nvGrpSpPr>
+          <p:cNvPr id="8" name="グループ化 7"/>
+          <p:cNvGrpSpPr/>
+          <p:nvPr/>
+        </p:nvGrpSpPr>
+        <p:grpSpPr>
+          <a:xfrm>
+            <a:off x="1949734" y="2054428"/>
+            <a:ext cx="5086330" cy="5781253"/>
+            <a:chOff x="12522068" y="857637"/>
+            <a:chExt cx="3832225" cy="4440238"/>
+          </a:xfrm>
+        </p:grpSpPr>
+        <p:pic>
+          <p:nvPicPr>
+            <p:cNvPr id="1033" name="Picture 9" descr="C:\Users\onodera\Desktop\1194985944982530750book_01_svg_med.png"/>
+            <p:cNvPicPr>
+              <a:picLocks noChangeAspect="1" noChangeArrowheads="1"/>
+            </p:cNvPicPr>
+            <p:nvPr/>
+          </p:nvPicPr>
+          <p:blipFill>
+            <a:blip r:embed="rId2">
+              <a:extLst>
+                <a:ext uri="{28A0092B-C50C-407E-A947-70E740481C1C}">
+                  <a14:useLocalDpi xmlns:a14="http://schemas.microsoft.com/office/drawing/2010/main" val="0"/>
+                </a:ext>
+              </a:extLst>
+            </a:blip>
+            <a:srcRect/>
+            <a:stretch>
+              <a:fillRect/>
+            </a:stretch>
+          </p:blipFill>
+          <p:spPr bwMode="auto">
+            <a:xfrm>
+              <a:off x="12522068" y="857637"/>
+              <a:ext cx="3832225" cy="4440238"/>
+            </a:xfrm>
+            <a:prstGeom prst="rect">
+              <a:avLst/>
+            </a:prstGeom>
+            <a:noFill/>
+            <a:extLst>
+              <a:ext uri="{909E8E84-426E-40DD-AFC4-6F175D3DCCD1}">
+                <a14:hiddenFill xmlns:a14="http://schemas.microsoft.com/office/drawing/2010/main">
+                  <a:solidFill>
+                    <a:srgbClr val="FFFFFF"/>
+                  </a:solidFill>
+                </a14:hiddenFill>
+              </a:ext>
+            </a:extLst>
+          </p:spPr>
+        </p:pic>
+        <p:sp>
+          <p:nvSpPr>
+            <p:cNvPr id="3" name="正方形/長方形 2"/>
+            <p:cNvSpPr/>
+            <p:nvPr/>
+          </p:nvSpPr>
+          <p:spPr>
+            <a:xfrm>
+              <a:off x="12850692" y="2194932"/>
+              <a:ext cx="2549727" cy="1034209"/>
+            </a:xfrm>
+            <a:prstGeom prst="rect">
+              <a:avLst/>
+            </a:prstGeom>
+            <a:solidFill>
+              <a:schemeClr val="bg1"/>
+            </a:solidFill>
+            <a:ln>
+              <a:solidFill>
+                <a:schemeClr val="bg1"/>
+              </a:solidFill>
+            </a:ln>
+          </p:spPr>
+          <p:style>
+            <a:lnRef idx="2">
+              <a:schemeClr val="accent1">
+                <a:shade val="50000"/>
+              </a:schemeClr>
+            </a:lnRef>
+            <a:fillRef idx="1">
+              <a:schemeClr val="accent1"/>
+            </a:fillRef>
+            <a:effectRef idx="0">
+              <a:schemeClr val="accent1"/>
+            </a:effectRef>
+            <a:fontRef idx="minor">
+              <a:schemeClr val="lt1"/>
+            </a:fontRef>
+          </p:style>
+          <p:txBody>
+            <a:bodyPr rtlCol="0" anchor="ctr"/>
+            <a:lstStyle/>
+            <a:p>
+              <a:pPr algn="ctr"/>
+              <a:r>
+                <a:rPr kumimoji="1" lang="en-US" altLang="ja-JP" sz="4000" b="1" dirty="0" smtClean="0">
+                  <a:solidFill>
+                    <a:schemeClr val="tx1"/>
+                  </a:solidFill>
+                </a:rPr>
+                <a:t>PM</a:t>
+              </a:r>
+              <a:r>
+                <a:rPr kumimoji="1" lang="ja-JP" altLang="en-US" sz="4000" b="1" dirty="0" smtClean="0">
+                  <a:solidFill>
+                    <a:schemeClr val="tx1"/>
+                  </a:solidFill>
+                </a:rPr>
+                <a:t>学科</a:t>
+              </a:r>
+              <a:endParaRPr kumimoji="1" lang="en-US" altLang="ja-JP" sz="4000" b="1" dirty="0" smtClean="0">
+                <a:solidFill>
+                  <a:schemeClr val="tx1"/>
+                </a:solidFill>
+              </a:endParaRPr>
+            </a:p>
+            <a:p>
+              <a:pPr algn="ctr"/>
+              <a:r>
+                <a:rPr kumimoji="1" lang="ja-JP" altLang="en-US" sz="4000" b="1" dirty="0" smtClean="0">
+                  <a:solidFill>
+                    <a:schemeClr val="tx1"/>
+                  </a:solidFill>
+                </a:rPr>
+                <a:t>カリキュラム</a:t>
+              </a:r>
+              <a:endParaRPr kumimoji="1" lang="ja-JP" altLang="en-US" sz="4000" b="1" dirty="0">
+                <a:solidFill>
+                  <a:schemeClr val="tx1"/>
+                </a:solidFill>
+              </a:endParaRPr>
+            </a:p>
+          </p:txBody>
+        </p:sp>
+      </p:grpSp>
+      <p:grpSp>
+        <p:nvGrpSpPr>
+          <p:cNvPr id="13" name="グループ化 12"/>
+          <p:cNvGrpSpPr/>
+          <p:nvPr/>
+        </p:nvGrpSpPr>
+        <p:grpSpPr>
+          <a:xfrm>
+            <a:off x="7252347" y="3057010"/>
+            <a:ext cx="6635502" cy="3444683"/>
+            <a:chOff x="8063724" y="2459970"/>
+            <a:chExt cx="6635502" cy="3444683"/>
+          </a:xfrm>
+        </p:grpSpPr>
+        <p:sp>
+          <p:nvSpPr>
+            <p:cNvPr id="30" name="角丸四角形 29"/>
+            <p:cNvSpPr/>
+            <p:nvPr/>
+          </p:nvSpPr>
+          <p:spPr>
+            <a:xfrm>
+              <a:off x="8895422" y="3166506"/>
+              <a:ext cx="5803804" cy="2738147"/>
+            </a:xfrm>
+            <a:prstGeom prst="roundRect">
+              <a:avLst/>
+            </a:prstGeom>
+            <a:solidFill>
+              <a:schemeClr val="bg1"/>
+            </a:solidFill>
+            <a:ln w="76200"/>
+          </p:spPr>
+          <p:style>
+            <a:lnRef idx="2">
+              <a:schemeClr val="accent1">
+                <a:shade val="50000"/>
+              </a:schemeClr>
+            </a:lnRef>
+            <a:fillRef idx="1">
+              <a:schemeClr val="accent1"/>
+            </a:fillRef>
+            <a:effectRef idx="0">
+              <a:schemeClr val="accent1"/>
+            </a:effectRef>
+            <a:fontRef idx="minor">
+              <a:schemeClr val="lt1"/>
+            </a:fontRef>
+          </p:style>
+          <p:txBody>
+            <a:bodyPr rtlCol="0" anchor="ctr"/>
+            <a:lstStyle/>
+            <a:p>
+              <a:pPr algn="ctr"/>
+              <a:r>
+                <a:rPr kumimoji="1" lang="ja-JP" altLang="en-US" sz="4800" b="1" dirty="0" smtClean="0">
+                  <a:solidFill>
+                    <a:schemeClr val="tx1"/>
+                  </a:solidFill>
+                </a:rPr>
+                <a:t>カリキュラムから</a:t>
+              </a:r>
+              <a:endParaRPr kumimoji="1" lang="en-US" altLang="ja-JP" sz="4800" b="1" dirty="0" smtClean="0">
+                <a:solidFill>
+                  <a:schemeClr val="tx1"/>
+                </a:solidFill>
+              </a:endParaRPr>
+            </a:p>
+            <a:p>
+              <a:pPr algn="ctr"/>
+              <a:r>
+                <a:rPr lang="ja-JP" altLang="en-US" sz="4800" b="1" dirty="0">
+                  <a:solidFill>
+                    <a:schemeClr val="tx1"/>
+                  </a:solidFill>
+                </a:rPr>
+                <a:t>ユニット候補</a:t>
+              </a:r>
+              <a:r>
+                <a:rPr lang="ja-JP" altLang="en-US" sz="4800" b="1" dirty="0" smtClean="0">
+                  <a:solidFill>
+                    <a:schemeClr val="tx1"/>
+                  </a:solidFill>
+                </a:rPr>
+                <a:t>を</a:t>
+              </a:r>
+              <a:endParaRPr lang="en-US" altLang="ja-JP" sz="4800" b="1" dirty="0" smtClean="0">
+                <a:solidFill>
+                  <a:schemeClr val="tx1"/>
+                </a:solidFill>
+              </a:endParaRPr>
+            </a:p>
+            <a:p>
+              <a:pPr algn="ctr"/>
+              <a:r>
+                <a:rPr lang="ja-JP" altLang="en-US" sz="4800" b="1" dirty="0" smtClean="0">
+                  <a:solidFill>
+                    <a:schemeClr val="tx1"/>
+                  </a:solidFill>
+                </a:rPr>
+                <a:t>取り出す</a:t>
+              </a:r>
+              <a:endParaRPr kumimoji="1" lang="ja-JP" altLang="en-US" sz="4800" b="1" dirty="0">
+                <a:solidFill>
+                  <a:schemeClr val="tx1"/>
+                </a:solidFill>
+              </a:endParaRPr>
+            </a:p>
+          </p:txBody>
+        </p:sp>
+        <p:sp>
+          <p:nvSpPr>
+            <p:cNvPr id="17" name="フローチャート : 結合子 16"/>
+            <p:cNvSpPr/>
+            <p:nvPr/>
+          </p:nvSpPr>
+          <p:spPr>
+            <a:xfrm>
+              <a:off x="8063724" y="2459970"/>
+              <a:ext cx="1602016" cy="1413073"/>
+            </a:xfrm>
+            <a:prstGeom prst="flowChartConnector">
+              <a:avLst/>
+            </a:prstGeom>
+          </p:spPr>
+          <p:style>
+            <a:lnRef idx="2">
+              <a:schemeClr val="accent1">
+                <a:shade val="50000"/>
+              </a:schemeClr>
+            </a:lnRef>
+            <a:fillRef idx="1">
+              <a:schemeClr val="accent1"/>
+            </a:fillRef>
+            <a:effectRef idx="0">
+              <a:schemeClr val="accent1"/>
+            </a:effectRef>
+            <a:fontRef idx="minor">
+              <a:schemeClr val="lt1"/>
+            </a:fontRef>
+          </p:style>
+          <p:txBody>
+            <a:bodyPr rtlCol="0" anchor="ctr"/>
+            <a:lstStyle/>
+            <a:p>
+              <a:pPr algn="ctr"/>
+              <a:r>
+                <a:rPr kumimoji="1" lang="en-US" altLang="ja-JP" sz="8000" dirty="0" smtClean="0"/>
+                <a:t>1</a:t>
+              </a:r>
+              <a:endParaRPr kumimoji="1" lang="ja-JP" altLang="en-US" sz="8000" dirty="0"/>
+            </a:p>
+          </p:txBody>
+        </p:sp>
+      </p:grpSp>
+      <p:graphicFrame>
+        <p:nvGraphicFramePr>
+          <p:cNvPr id="24" name="表 23"/>
+          <p:cNvGraphicFramePr>
+            <a:graphicFrameLocks noGrp="1"/>
+          </p:cNvGraphicFramePr>
+          <p:nvPr>
+            <p:extLst>
+              <p:ext uri="{D42A27DB-BD31-4B8C-83A1-F6EECF244321}">
+                <p14:modId xmlns:p14="http://schemas.microsoft.com/office/powerpoint/2010/main" val="2412256963"/>
+              </p:ext>
+            </p:extLst>
+          </p:nvPr>
+        </p:nvGraphicFramePr>
+        <p:xfrm>
+          <a:off x="14155256" y="7668977"/>
+          <a:ext cx="6258665" cy="5943600"/>
+        </p:xfrm>
+        <a:graphic>
+          <a:graphicData uri="http://schemas.openxmlformats.org/drawingml/2006/table">
+            <a:tbl>
+              <a:tblPr firstRow="1" bandRow="1">
+                <a:tableStyleId>{5C22544A-7EE6-4342-B048-85BDC9FD1C3A}</a:tableStyleId>
+              </a:tblPr>
+              <a:tblGrid>
+                <a:gridCol w="1251733"/>
+                <a:gridCol w="1251733"/>
+                <a:gridCol w="1251733"/>
+                <a:gridCol w="1251733"/>
+                <a:gridCol w="1251733"/>
+              </a:tblGrid>
+              <a:tr h="867258">
+                <a:tc>
+                  <a:txBody>
+                    <a:bodyPr/>
+                    <a:lstStyle/>
+                    <a:p>
+                      <a:endParaRPr kumimoji="1" lang="ja-JP" altLang="en-US" b="0" dirty="0"/>
+                    </a:p>
+                  </a:txBody>
+                  <a:tcPr>
+                    <a:lnL w="12700" cap="flat" cmpd="sng" algn="ctr">
+                      <a:solidFill>
+                        <a:schemeClr val="tx1"/>
+                      </a:solidFill>
+                      <a:prstDash val="solid"/>
+                      <a:round/>
+                      <a:headEnd type="none" w="med" len="med"/>
+                      <a:tailEnd type="none" w="med" len="med"/>
+                    </a:lnL>
+                    <a:lnR w="12700" cap="flat" cmpd="sng" algn="ctr">
+                      <a:solidFill>
+                        <a:schemeClr val="tx1"/>
+                      </a:solidFill>
+                      <a:prstDash val="solid"/>
+                      <a:round/>
+                      <a:headEnd type="none" w="med" len="med"/>
+                      <a:tailEnd type="none" w="med" len="med"/>
+                    </a:lnR>
+                    <a:lnT w="12700" cap="flat" cmpd="sng" algn="ctr">
+                      <a:solidFill>
+                        <a:schemeClr val="tx1"/>
+                      </a:solidFill>
+                      <a:prstDash val="solid"/>
+                      <a:round/>
+                      <a:headEnd type="none" w="med" len="med"/>
+                      <a:tailEnd type="none" w="med" len="med"/>
+                    </a:lnT>
+                    <a:lnB w="12700" cap="flat" cmpd="sng" algn="ctr">
+                      <a:solidFill>
+                        <a:schemeClr val="tx1"/>
+                      </a:solidFill>
+                      <a:prstDash val="solid"/>
+                      <a:round/>
+                      <a:headEnd type="none" w="med" len="med"/>
+                      <a:tailEnd type="none" w="med" len="med"/>
+                    </a:lnB>
+                    <a:solidFill>
+                      <a:schemeClr val="bg1">
+                        <a:lumMod val="85000"/>
+                      </a:schemeClr>
+                    </a:solidFill>
+                  </a:tcPr>
+                </a:tc>
+                <a:tc>
+                  <a:txBody>
+                    <a:bodyPr/>
+                    <a:lstStyle/>
+                    <a:p>
+                      <a:pPr algn="ctr"/>
+                      <a:r>
+                        <a:rPr kumimoji="1" lang="en-US" altLang="ja-JP" sz="7200" b="0" dirty="0" smtClean="0"/>
+                        <a:t>a</a:t>
+                      </a:r>
+                      <a:endParaRPr kumimoji="1" lang="ja-JP" altLang="en-US" sz="7200" b="0" dirty="0"/>
+                    </a:p>
+                  </a:txBody>
+                  <a:tcPr>
+                    <a:lnL w="12700" cap="flat" cmpd="sng" algn="ctr">
+                      <a:solidFill>
+                        <a:schemeClr val="tx1"/>
+                      </a:solidFill>
+                      <a:prstDash val="solid"/>
+                      <a:round/>
+                      <a:headEnd type="none" w="med" len="med"/>
+                      <a:tailEnd type="none" w="med" len="med"/>
+                    </a:lnL>
+                    <a:lnR w="12700" cap="flat" cmpd="sng" algn="ctr">
+                      <a:solidFill>
+                        <a:schemeClr val="tx1"/>
+                      </a:solidFill>
+                      <a:prstDash val="solid"/>
+                      <a:round/>
+                      <a:headEnd type="none" w="med" len="med"/>
+                      <a:tailEnd type="none" w="med" len="med"/>
+                    </a:lnR>
+                    <a:lnT w="12700" cap="flat" cmpd="sng" algn="ctr">
+                      <a:solidFill>
+                        <a:schemeClr val="tx1"/>
+                      </a:solidFill>
+                      <a:prstDash val="solid"/>
+                      <a:round/>
+                      <a:headEnd type="none" w="med" len="med"/>
+                      <a:tailEnd type="none" w="med" len="med"/>
+                    </a:lnT>
+                    <a:lnB w="12700" cap="flat" cmpd="sng" algn="ctr">
+                      <a:solidFill>
+                        <a:schemeClr val="tx1"/>
+                      </a:solidFill>
+                      <a:prstDash val="solid"/>
+                      <a:round/>
+                      <a:headEnd type="none" w="med" len="med"/>
+                      <a:tailEnd type="none" w="med" len="med"/>
+                    </a:lnB>
+                  </a:tcPr>
+                </a:tc>
+                <a:tc>
+                  <a:txBody>
+                    <a:bodyPr/>
+                    <a:lstStyle/>
+                    <a:p>
+                      <a:pPr algn="ctr"/>
+                      <a:r>
+                        <a:rPr kumimoji="1" lang="en-US" altLang="ja-JP" sz="7200" b="0" dirty="0" smtClean="0"/>
+                        <a:t>b</a:t>
+                      </a:r>
+                      <a:endParaRPr kumimoji="1" lang="ja-JP" altLang="en-US" sz="7200" b="0" dirty="0"/>
+                    </a:p>
+                  </a:txBody>
+                  <a:tcPr>
+                    <a:lnL w="12700" cap="flat" cmpd="sng" algn="ctr">
+                      <a:solidFill>
+                        <a:schemeClr val="tx1"/>
+                      </a:solidFill>
+                      <a:prstDash val="solid"/>
+                      <a:round/>
+                      <a:headEnd type="none" w="med" len="med"/>
+                      <a:tailEnd type="none" w="med" len="med"/>
+                    </a:lnL>
+                    <a:lnR w="12700" cap="flat" cmpd="sng" algn="ctr">
+                      <a:solidFill>
+                        <a:schemeClr val="tx1"/>
+                      </a:solidFill>
+                      <a:prstDash val="solid"/>
+                      <a:round/>
+                      <a:headEnd type="none" w="med" len="med"/>
+                      <a:tailEnd type="none" w="med" len="med"/>
+                    </a:lnR>
+                    <a:lnT w="12700" cap="flat" cmpd="sng" algn="ctr">
+                      <a:solidFill>
+                        <a:schemeClr val="tx1"/>
+                      </a:solidFill>
+                      <a:prstDash val="solid"/>
+                      <a:round/>
+                      <a:headEnd type="none" w="med" len="med"/>
+                      <a:tailEnd type="none" w="med" len="med"/>
+                    </a:lnT>
+                    <a:lnB w="12700" cap="flat" cmpd="sng" algn="ctr">
+                      <a:solidFill>
+                        <a:schemeClr val="tx1"/>
+                      </a:solidFill>
+                      <a:prstDash val="solid"/>
+                      <a:round/>
+                      <a:headEnd type="none" w="med" len="med"/>
+                      <a:tailEnd type="none" w="med" len="med"/>
+                    </a:lnB>
+                  </a:tcPr>
+                </a:tc>
+                <a:tc>
+                  <a:txBody>
+                    <a:bodyPr/>
+                    <a:lstStyle/>
+                    <a:p>
+                      <a:pPr algn="ctr"/>
+                      <a:r>
+                        <a:rPr kumimoji="1" lang="en-US" altLang="ja-JP" sz="7200" b="0" dirty="0" smtClean="0"/>
+                        <a:t>c</a:t>
+                      </a:r>
+                      <a:endParaRPr kumimoji="1" lang="ja-JP" altLang="en-US" sz="7200" b="0" dirty="0"/>
+                    </a:p>
+                  </a:txBody>
+                  <a:tcPr>
+                    <a:lnL w="12700" cap="flat" cmpd="sng" algn="ctr">
+                      <a:solidFill>
+                        <a:schemeClr val="tx1"/>
+                      </a:solidFill>
+                      <a:prstDash val="solid"/>
+                      <a:round/>
+                      <a:headEnd type="none" w="med" len="med"/>
+                      <a:tailEnd type="none" w="med" len="med"/>
+                    </a:lnL>
+                    <a:lnR w="12700" cap="flat" cmpd="sng" algn="ctr">
+                      <a:solidFill>
+                        <a:schemeClr val="tx1"/>
+                      </a:solidFill>
+                      <a:prstDash val="solid"/>
+                      <a:round/>
+                      <a:headEnd type="none" w="med" len="med"/>
+                      <a:tailEnd type="none" w="med" len="med"/>
+                    </a:lnR>
+                    <a:lnT w="12700" cap="flat" cmpd="sng" algn="ctr">
+                      <a:solidFill>
+                        <a:schemeClr val="tx1"/>
+                      </a:solidFill>
+                      <a:prstDash val="solid"/>
+                      <a:round/>
+                      <a:headEnd type="none" w="med" len="med"/>
+                      <a:tailEnd type="none" w="med" len="med"/>
+                    </a:lnT>
+                    <a:lnB w="12700" cap="flat" cmpd="sng" algn="ctr">
+                      <a:solidFill>
+                        <a:schemeClr val="tx1"/>
+                      </a:solidFill>
+                      <a:prstDash val="solid"/>
+                      <a:round/>
+                      <a:headEnd type="none" w="med" len="med"/>
+                      <a:tailEnd type="none" w="med" len="med"/>
+                    </a:lnB>
+                  </a:tcPr>
+                </a:tc>
+                <a:tc>
+                  <a:txBody>
+                    <a:bodyPr/>
+                    <a:lstStyle/>
+                    <a:p>
+                      <a:pPr algn="ctr"/>
+                      <a:r>
+                        <a:rPr kumimoji="1" lang="en-US" altLang="ja-JP" sz="7200" b="0" dirty="0" smtClean="0"/>
+                        <a:t>d</a:t>
+                      </a:r>
+                      <a:endParaRPr kumimoji="1" lang="ja-JP" altLang="en-US" sz="7200" b="0" dirty="0"/>
+                    </a:p>
+                  </a:txBody>
+                  <a:tcPr>
+                    <a:lnL w="12700" cap="flat" cmpd="sng" algn="ctr">
+                      <a:solidFill>
+                        <a:schemeClr val="tx1"/>
+                      </a:solidFill>
+                      <a:prstDash val="solid"/>
+                      <a:round/>
+                      <a:headEnd type="none" w="med" len="med"/>
+                      <a:tailEnd type="none" w="med" len="med"/>
+                    </a:lnL>
+                    <a:lnR w="12700" cap="flat" cmpd="sng" algn="ctr">
+                      <a:solidFill>
+                        <a:schemeClr val="tx1"/>
+                      </a:solidFill>
+                      <a:prstDash val="solid"/>
+                      <a:round/>
+                      <a:headEnd type="none" w="med" len="med"/>
+                      <a:tailEnd type="none" w="med" len="med"/>
+                    </a:lnR>
+                    <a:lnT w="12700" cap="flat" cmpd="sng" algn="ctr">
+                      <a:solidFill>
+                        <a:schemeClr val="tx1"/>
+                      </a:solidFill>
+                      <a:prstDash val="solid"/>
+                      <a:round/>
+                      <a:headEnd type="none" w="med" len="med"/>
+                      <a:tailEnd type="none" w="med" len="med"/>
+                    </a:lnT>
+                    <a:lnB w="12700" cap="flat" cmpd="sng" algn="ctr">
+                      <a:solidFill>
+                        <a:schemeClr val="tx1"/>
+                      </a:solidFill>
+                      <a:prstDash val="solid"/>
+                      <a:round/>
+                      <a:headEnd type="none" w="med" len="med"/>
+                      <a:tailEnd type="none" w="med" len="med"/>
+                    </a:lnB>
+                  </a:tcPr>
+                </a:tc>
+              </a:tr>
+              <a:tr h="867258">
+                <a:tc>
+                  <a:txBody>
+                    <a:bodyPr/>
+                    <a:lstStyle/>
+                    <a:p>
+                      <a:pPr algn="ctr"/>
+                      <a:r>
+                        <a:rPr kumimoji="1" lang="en-US" altLang="ja-JP" sz="7200" b="0" dirty="0" smtClean="0"/>
+                        <a:t>A</a:t>
+                      </a:r>
+                      <a:endParaRPr kumimoji="1" lang="ja-JP" altLang="en-US" sz="7200" b="0" dirty="0"/>
+                    </a:p>
+                  </a:txBody>
+                  <a:tcPr>
+                    <a:lnL w="12700" cap="flat" cmpd="sng" algn="ctr">
+                      <a:solidFill>
+                        <a:schemeClr val="tx1"/>
+                      </a:solidFill>
+                      <a:prstDash val="solid"/>
+                      <a:round/>
+                      <a:headEnd type="none" w="med" len="med"/>
+                      <a:tailEnd type="none" w="med" len="med"/>
+                    </a:lnL>
+                    <a:lnR w="12700" cap="flat" cmpd="sng" algn="ctr">
+                      <a:solidFill>
+                        <a:schemeClr val="tx1"/>
+                      </a:solidFill>
+                      <a:prstDash val="solid"/>
+                      <a:round/>
+                      <a:headEnd type="none" w="med" len="med"/>
+                      <a:tailEnd type="none" w="med" len="med"/>
+                    </a:lnR>
+                    <a:lnT w="12700" cap="flat" cmpd="sng" algn="ctr">
+                      <a:solidFill>
+                        <a:schemeClr val="tx1"/>
+                      </a:solidFill>
+                      <a:prstDash val="solid"/>
+                      <a:round/>
+                      <a:headEnd type="none" w="med" len="med"/>
+                      <a:tailEnd type="none" w="med" len="med"/>
+                    </a:lnT>
+                    <a:lnB w="12700" cap="flat" cmpd="sng" algn="ctr">
+                      <a:solidFill>
+                        <a:schemeClr val="tx1"/>
+                      </a:solidFill>
+                      <a:prstDash val="solid"/>
+                      <a:round/>
+                      <a:headEnd type="none" w="med" len="med"/>
+                      <a:tailEnd type="none" w="med" len="med"/>
+                    </a:lnB>
+                    <a:solidFill>
+                      <a:schemeClr val="accent3">
+                        <a:lumMod val="40000"/>
+                        <a:lumOff val="60000"/>
+                      </a:schemeClr>
+                    </a:solidFill>
+                  </a:tcPr>
+                </a:tc>
+                <a:tc>
+                  <a:txBody>
+                    <a:bodyPr/>
+                    <a:lstStyle/>
+                    <a:p>
+                      <a:pPr algn="ctr"/>
+                      <a:r>
+                        <a:rPr kumimoji="1" lang="en-US" altLang="ja-JP" sz="6600" b="0" dirty="0" smtClean="0"/>
+                        <a:t>1</a:t>
+                      </a:r>
+                      <a:endParaRPr kumimoji="1" lang="ja-JP" altLang="en-US" sz="6600" b="0" dirty="0"/>
+                    </a:p>
+                  </a:txBody>
+                  <a:tcPr>
+                    <a:lnL w="12700" cap="flat" cmpd="sng" algn="ctr">
+                      <a:solidFill>
+                        <a:schemeClr val="tx1"/>
+                      </a:solidFill>
+                      <a:prstDash val="solid"/>
+                      <a:round/>
+                      <a:headEnd type="none" w="med" len="med"/>
+                      <a:tailEnd type="none" w="med" len="med"/>
+                    </a:lnL>
+                    <a:lnR w="12700" cap="flat" cmpd="sng" algn="ctr">
+                      <a:solidFill>
+                        <a:schemeClr val="tx1"/>
+                      </a:solidFill>
+                      <a:prstDash val="solid"/>
+                      <a:round/>
+                      <a:headEnd type="none" w="med" len="med"/>
+                      <a:tailEnd type="none" w="med" len="med"/>
+                    </a:lnR>
+                    <a:lnT w="12700" cap="flat" cmpd="sng" algn="ctr">
+                      <a:solidFill>
+                        <a:schemeClr val="tx1"/>
+                      </a:solidFill>
+                      <a:prstDash val="solid"/>
+                      <a:round/>
+                      <a:headEnd type="none" w="med" len="med"/>
+                      <a:tailEnd type="none" w="med" len="med"/>
+                    </a:lnT>
+                    <a:lnB w="12700" cap="flat" cmpd="sng" algn="ctr">
+                      <a:solidFill>
+                        <a:schemeClr val="tx1"/>
+                      </a:solidFill>
+                      <a:prstDash val="solid"/>
+                      <a:round/>
+                      <a:headEnd type="none" w="med" len="med"/>
+                      <a:tailEnd type="none" w="med" len="med"/>
+                    </a:lnB>
+                  </a:tcPr>
+                </a:tc>
+                <a:tc>
+                  <a:txBody>
+                    <a:bodyPr/>
+                    <a:lstStyle/>
+                    <a:p>
+                      <a:pPr algn="ctr"/>
+                      <a:r>
+                        <a:rPr kumimoji="1" lang="en-US" altLang="ja-JP" sz="6600" b="0" dirty="0" smtClean="0"/>
+                        <a:t>0</a:t>
+                      </a:r>
+                      <a:endParaRPr kumimoji="1" lang="ja-JP" altLang="en-US" sz="6600" b="0" dirty="0"/>
+                    </a:p>
+                  </a:txBody>
+                  <a:tcPr>
+                    <a:lnL w="12700" cap="flat" cmpd="sng" algn="ctr">
+                      <a:solidFill>
+                        <a:schemeClr val="tx1"/>
+                      </a:solidFill>
+                      <a:prstDash val="solid"/>
+                      <a:round/>
+                      <a:headEnd type="none" w="med" len="med"/>
+                      <a:tailEnd type="none" w="med" len="med"/>
+                    </a:lnL>
+                    <a:lnR w="12700" cap="flat" cmpd="sng" algn="ctr">
+                      <a:solidFill>
+                        <a:schemeClr val="tx1"/>
+                      </a:solidFill>
+                      <a:prstDash val="solid"/>
+                      <a:round/>
+                      <a:headEnd type="none" w="med" len="med"/>
+                      <a:tailEnd type="none" w="med" len="med"/>
+                    </a:lnR>
+                    <a:lnT w="12700" cap="flat" cmpd="sng" algn="ctr">
+                      <a:solidFill>
+                        <a:schemeClr val="tx1"/>
+                      </a:solidFill>
+                      <a:prstDash val="solid"/>
+                      <a:round/>
+                      <a:headEnd type="none" w="med" len="med"/>
+                      <a:tailEnd type="none" w="med" len="med"/>
+                    </a:lnT>
+                    <a:lnB w="12700" cap="flat" cmpd="sng" algn="ctr">
+                      <a:solidFill>
+                        <a:schemeClr val="tx1"/>
+                      </a:solidFill>
+                      <a:prstDash val="solid"/>
+                      <a:round/>
+                      <a:headEnd type="none" w="med" len="med"/>
+                      <a:tailEnd type="none" w="med" len="med"/>
+                    </a:lnB>
+                  </a:tcPr>
+                </a:tc>
+                <a:tc>
+                  <a:txBody>
+                    <a:bodyPr/>
+                    <a:lstStyle/>
+                    <a:p>
+                      <a:pPr algn="ctr"/>
+                      <a:r>
+                        <a:rPr kumimoji="1" lang="en-US" altLang="ja-JP" sz="6600" b="0" dirty="0" smtClean="0"/>
+                        <a:t>1</a:t>
+                      </a:r>
+                      <a:endParaRPr kumimoji="1" lang="ja-JP" altLang="en-US" sz="6600" b="0" dirty="0"/>
+                    </a:p>
+                  </a:txBody>
+                  <a:tcPr>
+                    <a:lnL w="12700" cap="flat" cmpd="sng" algn="ctr">
+                      <a:solidFill>
+                        <a:schemeClr val="tx1"/>
+                      </a:solidFill>
+                      <a:prstDash val="solid"/>
+                      <a:round/>
+                      <a:headEnd type="none" w="med" len="med"/>
+                      <a:tailEnd type="none" w="med" len="med"/>
+                    </a:lnL>
+                    <a:lnR w="12700" cap="flat" cmpd="sng" algn="ctr">
+                      <a:solidFill>
+                        <a:schemeClr val="tx1"/>
+                      </a:solidFill>
+                      <a:prstDash val="solid"/>
+                      <a:round/>
+                      <a:headEnd type="none" w="med" len="med"/>
+                      <a:tailEnd type="none" w="med" len="med"/>
+                    </a:lnR>
+                    <a:lnT w="12700" cap="flat" cmpd="sng" algn="ctr">
+                      <a:solidFill>
+                        <a:schemeClr val="tx1"/>
+                      </a:solidFill>
+                      <a:prstDash val="solid"/>
+                      <a:round/>
+                      <a:headEnd type="none" w="med" len="med"/>
+                      <a:tailEnd type="none" w="med" len="med"/>
+                    </a:lnT>
+                    <a:lnB w="12700" cap="flat" cmpd="sng" algn="ctr">
+                      <a:solidFill>
+                        <a:schemeClr val="tx1"/>
+                      </a:solidFill>
+                      <a:prstDash val="solid"/>
+                      <a:round/>
+                      <a:headEnd type="none" w="med" len="med"/>
+                      <a:tailEnd type="none" w="med" len="med"/>
+                    </a:lnB>
+                  </a:tcPr>
+                </a:tc>
+                <a:tc>
+                  <a:txBody>
+                    <a:bodyPr/>
+                    <a:lstStyle/>
+                    <a:p>
+                      <a:pPr algn="ctr"/>
+                      <a:r>
+                        <a:rPr kumimoji="1" lang="en-US" altLang="ja-JP" sz="6600" b="0" dirty="0" smtClean="0"/>
+                        <a:t>0</a:t>
+                      </a:r>
+                      <a:endParaRPr kumimoji="1" lang="ja-JP" altLang="en-US" sz="6600" b="0" dirty="0"/>
+                    </a:p>
+                  </a:txBody>
+                  <a:tcPr>
+                    <a:lnL w="12700" cap="flat" cmpd="sng" algn="ctr">
+                      <a:solidFill>
+                        <a:schemeClr val="tx1"/>
+                      </a:solidFill>
+                      <a:prstDash val="solid"/>
+                      <a:round/>
+                      <a:headEnd type="none" w="med" len="med"/>
+                      <a:tailEnd type="none" w="med" len="med"/>
+                    </a:lnL>
+                    <a:lnR w="12700" cap="flat" cmpd="sng" algn="ctr">
+                      <a:solidFill>
+                        <a:schemeClr val="tx1"/>
+                      </a:solidFill>
+                      <a:prstDash val="solid"/>
+                      <a:round/>
+                      <a:headEnd type="none" w="med" len="med"/>
+                      <a:tailEnd type="none" w="med" len="med"/>
+                    </a:lnR>
+                    <a:lnT w="12700" cap="flat" cmpd="sng" algn="ctr">
+                      <a:solidFill>
+                        <a:schemeClr val="tx1"/>
+                      </a:solidFill>
+                      <a:prstDash val="solid"/>
+                      <a:round/>
+                      <a:headEnd type="none" w="med" len="med"/>
+                      <a:tailEnd type="none" w="med" len="med"/>
+                    </a:lnT>
+                    <a:lnB w="12700" cap="flat" cmpd="sng" algn="ctr">
+                      <a:solidFill>
+                        <a:schemeClr val="tx1"/>
+                      </a:solidFill>
+                      <a:prstDash val="solid"/>
+                      <a:round/>
+                      <a:headEnd type="none" w="med" len="med"/>
+                      <a:tailEnd type="none" w="med" len="med"/>
+                    </a:lnB>
+                  </a:tcPr>
+                </a:tc>
+              </a:tr>
+              <a:tr h="867258">
+                <a:tc>
+                  <a:txBody>
+                    <a:bodyPr/>
+                    <a:lstStyle/>
+                    <a:p>
+                      <a:pPr algn="ctr"/>
+                      <a:r>
+                        <a:rPr kumimoji="1" lang="en-US" altLang="ja-JP" sz="7200" b="0" dirty="0" smtClean="0"/>
+                        <a:t>B</a:t>
+                      </a:r>
+                      <a:endParaRPr kumimoji="1" lang="ja-JP" altLang="en-US" sz="7200" b="0" dirty="0"/>
+                    </a:p>
+                  </a:txBody>
+                  <a:tcPr>
+                    <a:lnL w="12700" cap="flat" cmpd="sng" algn="ctr">
+                      <a:solidFill>
+                        <a:schemeClr val="tx1"/>
+                      </a:solidFill>
+                      <a:prstDash val="solid"/>
+                      <a:round/>
+                      <a:headEnd type="none" w="med" len="med"/>
+                      <a:tailEnd type="none" w="med" len="med"/>
+                    </a:lnL>
+                    <a:lnR w="12700" cap="flat" cmpd="sng" algn="ctr">
+                      <a:solidFill>
+                        <a:schemeClr val="tx1"/>
+                      </a:solidFill>
+                      <a:prstDash val="solid"/>
+                      <a:round/>
+                      <a:headEnd type="none" w="med" len="med"/>
+                      <a:tailEnd type="none" w="med" len="med"/>
+                    </a:lnR>
+                    <a:lnT w="12700" cap="flat" cmpd="sng" algn="ctr">
+                      <a:solidFill>
+                        <a:schemeClr val="tx1"/>
+                      </a:solidFill>
+                      <a:prstDash val="solid"/>
+                      <a:round/>
+                      <a:headEnd type="none" w="med" len="med"/>
+                      <a:tailEnd type="none" w="med" len="med"/>
+                    </a:lnT>
+                    <a:lnB w="12700" cap="flat" cmpd="sng" algn="ctr">
+                      <a:solidFill>
+                        <a:schemeClr val="tx1"/>
+                      </a:solidFill>
+                      <a:prstDash val="solid"/>
+                      <a:round/>
+                      <a:headEnd type="none" w="med" len="med"/>
+                      <a:tailEnd type="none" w="med" len="med"/>
+                    </a:lnB>
+                    <a:solidFill>
+                      <a:schemeClr val="accent3">
+                        <a:lumMod val="40000"/>
+                        <a:lumOff val="60000"/>
+                      </a:schemeClr>
+                    </a:solidFill>
+                  </a:tcPr>
+                </a:tc>
+                <a:tc>
+                  <a:txBody>
+                    <a:bodyPr/>
+                    <a:lstStyle/>
+                    <a:p>
+                      <a:pPr algn="ctr"/>
+                      <a:r>
+                        <a:rPr kumimoji="1" lang="en-US" altLang="ja-JP" sz="6600" b="0" dirty="0" smtClean="0"/>
+                        <a:t>0</a:t>
+                      </a:r>
+                      <a:endParaRPr kumimoji="1" lang="ja-JP" altLang="en-US" sz="6600" b="0" dirty="0"/>
+                    </a:p>
+                  </a:txBody>
+                  <a:tcPr>
+                    <a:lnL w="12700" cap="flat" cmpd="sng" algn="ctr">
+                      <a:solidFill>
+                        <a:schemeClr val="tx1"/>
+                      </a:solidFill>
+                      <a:prstDash val="solid"/>
+                      <a:round/>
+                      <a:headEnd type="none" w="med" len="med"/>
+                      <a:tailEnd type="none" w="med" len="med"/>
+                    </a:lnL>
+                    <a:lnR w="12700" cap="flat" cmpd="sng" algn="ctr">
+                      <a:solidFill>
+                        <a:schemeClr val="tx1"/>
+                      </a:solidFill>
+                      <a:prstDash val="solid"/>
+                      <a:round/>
+                      <a:headEnd type="none" w="med" len="med"/>
+                      <a:tailEnd type="none" w="med" len="med"/>
+                    </a:lnR>
+                    <a:lnT w="12700" cap="flat" cmpd="sng" algn="ctr">
+                      <a:solidFill>
+                        <a:schemeClr val="tx1"/>
+                      </a:solidFill>
+                      <a:prstDash val="solid"/>
+                      <a:round/>
+                      <a:headEnd type="none" w="med" len="med"/>
+                      <a:tailEnd type="none" w="med" len="med"/>
+                    </a:lnT>
+                    <a:lnB w="12700" cap="flat" cmpd="sng" algn="ctr">
+                      <a:solidFill>
+                        <a:schemeClr val="tx1"/>
+                      </a:solidFill>
+                      <a:prstDash val="solid"/>
+                      <a:round/>
+                      <a:headEnd type="none" w="med" len="med"/>
+                      <a:tailEnd type="none" w="med" len="med"/>
+                    </a:lnB>
+                  </a:tcPr>
+                </a:tc>
+                <a:tc>
+                  <a:txBody>
+                    <a:bodyPr/>
+                    <a:lstStyle/>
+                    <a:p>
+                      <a:pPr algn="ctr"/>
+                      <a:r>
+                        <a:rPr kumimoji="1" lang="en-US" altLang="ja-JP" sz="6600" b="0" dirty="0" smtClean="0"/>
+                        <a:t>0</a:t>
+                      </a:r>
+                      <a:endParaRPr kumimoji="1" lang="ja-JP" altLang="en-US" sz="6600" b="0" dirty="0"/>
+                    </a:p>
+                  </a:txBody>
+                  <a:tcPr>
+                    <a:lnL w="12700" cap="flat" cmpd="sng" algn="ctr">
+                      <a:solidFill>
+                        <a:schemeClr val="tx1"/>
+                      </a:solidFill>
+                      <a:prstDash val="solid"/>
+                      <a:round/>
+                      <a:headEnd type="none" w="med" len="med"/>
+                      <a:tailEnd type="none" w="med" len="med"/>
+                    </a:lnL>
+                    <a:lnR w="12700" cap="flat" cmpd="sng" algn="ctr">
+                      <a:solidFill>
+                        <a:schemeClr val="tx1"/>
+                      </a:solidFill>
+                      <a:prstDash val="solid"/>
+                      <a:round/>
+                      <a:headEnd type="none" w="med" len="med"/>
+                      <a:tailEnd type="none" w="med" len="med"/>
+                    </a:lnR>
+                    <a:lnT w="12700" cap="flat" cmpd="sng" algn="ctr">
+                      <a:solidFill>
+                        <a:schemeClr val="tx1"/>
+                      </a:solidFill>
+                      <a:prstDash val="solid"/>
+                      <a:round/>
+                      <a:headEnd type="none" w="med" len="med"/>
+                      <a:tailEnd type="none" w="med" len="med"/>
+                    </a:lnT>
+                    <a:lnB w="12700" cap="flat" cmpd="sng" algn="ctr">
+                      <a:solidFill>
+                        <a:schemeClr val="tx1"/>
+                      </a:solidFill>
+                      <a:prstDash val="solid"/>
+                      <a:round/>
+                      <a:headEnd type="none" w="med" len="med"/>
+                      <a:tailEnd type="none" w="med" len="med"/>
+                    </a:lnB>
+                  </a:tcPr>
+                </a:tc>
+                <a:tc>
+                  <a:txBody>
+                    <a:bodyPr/>
+                    <a:lstStyle/>
+                    <a:p>
+                      <a:pPr algn="ctr"/>
+                      <a:r>
+                        <a:rPr kumimoji="1" lang="en-US" altLang="ja-JP" sz="6600" b="0" dirty="0" smtClean="0"/>
+                        <a:t>0</a:t>
+                      </a:r>
+                      <a:endParaRPr kumimoji="1" lang="ja-JP" altLang="en-US" sz="6600" b="0" dirty="0"/>
+                    </a:p>
+                  </a:txBody>
+                  <a:tcPr>
+                    <a:lnL w="12700" cap="flat" cmpd="sng" algn="ctr">
+                      <a:solidFill>
+                        <a:schemeClr val="tx1"/>
+                      </a:solidFill>
+                      <a:prstDash val="solid"/>
+                      <a:round/>
+                      <a:headEnd type="none" w="med" len="med"/>
+                      <a:tailEnd type="none" w="med" len="med"/>
+                    </a:lnL>
+                    <a:lnR w="12700" cap="flat" cmpd="sng" algn="ctr">
+                      <a:solidFill>
+                        <a:schemeClr val="tx1"/>
+                      </a:solidFill>
+                      <a:prstDash val="solid"/>
+                      <a:round/>
+                      <a:headEnd type="none" w="med" len="med"/>
+                      <a:tailEnd type="none" w="med" len="med"/>
+                    </a:lnR>
+                    <a:lnT w="12700" cap="flat" cmpd="sng" algn="ctr">
+                      <a:solidFill>
+                        <a:schemeClr val="tx1"/>
+                      </a:solidFill>
+                      <a:prstDash val="solid"/>
+                      <a:round/>
+                      <a:headEnd type="none" w="med" len="med"/>
+                      <a:tailEnd type="none" w="med" len="med"/>
+                    </a:lnT>
+                    <a:lnB w="12700" cap="flat" cmpd="sng" algn="ctr">
+                      <a:solidFill>
+                        <a:schemeClr val="tx1"/>
+                      </a:solidFill>
+                      <a:prstDash val="solid"/>
+                      <a:round/>
+                      <a:headEnd type="none" w="med" len="med"/>
+                      <a:tailEnd type="none" w="med" len="med"/>
+                    </a:lnB>
+                  </a:tcPr>
+                </a:tc>
+                <a:tc>
+                  <a:txBody>
+                    <a:bodyPr/>
+                    <a:lstStyle/>
+                    <a:p>
+                      <a:pPr algn="ctr"/>
+                      <a:r>
+                        <a:rPr kumimoji="1" lang="en-US" altLang="ja-JP" sz="6600" b="0" dirty="0" smtClean="0"/>
+                        <a:t>1</a:t>
+                      </a:r>
+                      <a:endParaRPr kumimoji="1" lang="ja-JP" altLang="en-US" sz="6600" b="0" dirty="0"/>
+                    </a:p>
+                  </a:txBody>
+                  <a:tcPr>
+                    <a:lnL w="12700" cap="flat" cmpd="sng" algn="ctr">
+                      <a:solidFill>
+                        <a:schemeClr val="tx1"/>
+                      </a:solidFill>
+                      <a:prstDash val="solid"/>
+                      <a:round/>
+                      <a:headEnd type="none" w="med" len="med"/>
+                      <a:tailEnd type="none" w="med" len="med"/>
+                    </a:lnL>
+                    <a:lnR w="12700" cap="flat" cmpd="sng" algn="ctr">
+                      <a:solidFill>
+                        <a:schemeClr val="tx1"/>
+                      </a:solidFill>
+                      <a:prstDash val="solid"/>
+                      <a:round/>
+                      <a:headEnd type="none" w="med" len="med"/>
+                      <a:tailEnd type="none" w="med" len="med"/>
+                    </a:lnR>
+                    <a:lnT w="12700" cap="flat" cmpd="sng" algn="ctr">
+                      <a:solidFill>
+                        <a:schemeClr val="tx1"/>
+                      </a:solidFill>
+                      <a:prstDash val="solid"/>
+                      <a:round/>
+                      <a:headEnd type="none" w="med" len="med"/>
+                      <a:tailEnd type="none" w="med" len="med"/>
+                    </a:lnT>
+                    <a:lnB w="12700" cap="flat" cmpd="sng" algn="ctr">
+                      <a:solidFill>
+                        <a:schemeClr val="tx1"/>
+                      </a:solidFill>
+                      <a:prstDash val="solid"/>
+                      <a:round/>
+                      <a:headEnd type="none" w="med" len="med"/>
+                      <a:tailEnd type="none" w="med" len="med"/>
+                    </a:lnB>
+                  </a:tcPr>
+                </a:tc>
+              </a:tr>
+              <a:tr h="867258">
+                <a:tc>
+                  <a:txBody>
+                    <a:bodyPr/>
+                    <a:lstStyle/>
+                    <a:p>
+                      <a:pPr algn="ctr"/>
+                      <a:r>
+                        <a:rPr kumimoji="1" lang="en-US" altLang="ja-JP" sz="7200" b="0" dirty="0" smtClean="0"/>
+                        <a:t>C</a:t>
+                      </a:r>
+                      <a:endParaRPr kumimoji="1" lang="ja-JP" altLang="en-US" sz="7200" b="0" dirty="0"/>
+                    </a:p>
+                  </a:txBody>
+                  <a:tcPr>
+                    <a:lnL w="12700" cap="flat" cmpd="sng" algn="ctr">
+                      <a:solidFill>
+                        <a:schemeClr val="tx1"/>
+                      </a:solidFill>
+                      <a:prstDash val="solid"/>
+                      <a:round/>
+                      <a:headEnd type="none" w="med" len="med"/>
+                      <a:tailEnd type="none" w="med" len="med"/>
+                    </a:lnL>
+                    <a:lnR w="12700" cap="flat" cmpd="sng" algn="ctr">
+                      <a:solidFill>
+                        <a:schemeClr val="tx1"/>
+                      </a:solidFill>
+                      <a:prstDash val="solid"/>
+                      <a:round/>
+                      <a:headEnd type="none" w="med" len="med"/>
+                      <a:tailEnd type="none" w="med" len="med"/>
+                    </a:lnR>
+                    <a:lnT w="12700" cap="flat" cmpd="sng" algn="ctr">
+                      <a:solidFill>
+                        <a:schemeClr val="tx1"/>
+                      </a:solidFill>
+                      <a:prstDash val="solid"/>
+                      <a:round/>
+                      <a:headEnd type="none" w="med" len="med"/>
+                      <a:tailEnd type="none" w="med" len="med"/>
+                    </a:lnT>
+                    <a:lnB w="12700" cap="flat" cmpd="sng" algn="ctr">
+                      <a:solidFill>
+                        <a:schemeClr val="tx1"/>
+                      </a:solidFill>
+                      <a:prstDash val="solid"/>
+                      <a:round/>
+                      <a:headEnd type="none" w="med" len="med"/>
+                      <a:tailEnd type="none" w="med" len="med"/>
+                    </a:lnB>
+                    <a:solidFill>
+                      <a:schemeClr val="accent3">
+                        <a:lumMod val="40000"/>
+                        <a:lumOff val="60000"/>
+                      </a:schemeClr>
+                    </a:solidFill>
+                  </a:tcPr>
+                </a:tc>
+                <a:tc>
+                  <a:txBody>
+                    <a:bodyPr/>
+                    <a:lstStyle/>
+                    <a:p>
+                      <a:pPr algn="ctr"/>
+                      <a:r>
+                        <a:rPr kumimoji="1" lang="en-US" altLang="ja-JP" sz="6600" b="0" dirty="0" smtClean="0"/>
+                        <a:t>1</a:t>
+                      </a:r>
+                      <a:endParaRPr kumimoji="1" lang="ja-JP" altLang="en-US" sz="6600" b="0" dirty="0"/>
+                    </a:p>
+                  </a:txBody>
+                  <a:tcPr>
+                    <a:lnL w="12700" cap="flat" cmpd="sng" algn="ctr">
+                      <a:solidFill>
+                        <a:schemeClr val="tx1"/>
+                      </a:solidFill>
+                      <a:prstDash val="solid"/>
+                      <a:round/>
+                      <a:headEnd type="none" w="med" len="med"/>
+                      <a:tailEnd type="none" w="med" len="med"/>
+                    </a:lnL>
+                    <a:lnR w="12700" cap="flat" cmpd="sng" algn="ctr">
+                      <a:solidFill>
+                        <a:schemeClr val="tx1"/>
+                      </a:solidFill>
+                      <a:prstDash val="solid"/>
+                      <a:round/>
+                      <a:headEnd type="none" w="med" len="med"/>
+                      <a:tailEnd type="none" w="med" len="med"/>
+                    </a:lnR>
+                    <a:lnT w="12700" cap="flat" cmpd="sng" algn="ctr">
+                      <a:solidFill>
+                        <a:schemeClr val="tx1"/>
+                      </a:solidFill>
+                      <a:prstDash val="solid"/>
+                      <a:round/>
+                      <a:headEnd type="none" w="med" len="med"/>
+                      <a:tailEnd type="none" w="med" len="med"/>
+                    </a:lnT>
+                    <a:lnB w="12700" cap="flat" cmpd="sng" algn="ctr">
+                      <a:solidFill>
+                        <a:schemeClr val="tx1"/>
+                      </a:solidFill>
+                      <a:prstDash val="solid"/>
+                      <a:round/>
+                      <a:headEnd type="none" w="med" len="med"/>
+                      <a:tailEnd type="none" w="med" len="med"/>
+                    </a:lnB>
+                  </a:tcPr>
+                </a:tc>
+                <a:tc>
+                  <a:txBody>
+                    <a:bodyPr/>
+                    <a:lstStyle/>
+                    <a:p>
+                      <a:pPr algn="ctr"/>
+                      <a:r>
+                        <a:rPr kumimoji="1" lang="en-US" altLang="ja-JP" sz="6600" b="0" dirty="0" smtClean="0"/>
+                        <a:t>1</a:t>
+                      </a:r>
+                      <a:endParaRPr kumimoji="1" lang="ja-JP" altLang="en-US" sz="6600" b="0" dirty="0"/>
+                    </a:p>
+                  </a:txBody>
+                  <a:tcPr>
+                    <a:lnL w="12700" cap="flat" cmpd="sng" algn="ctr">
+                      <a:solidFill>
+                        <a:schemeClr val="tx1"/>
+                      </a:solidFill>
+                      <a:prstDash val="solid"/>
+                      <a:round/>
+                      <a:headEnd type="none" w="med" len="med"/>
+                      <a:tailEnd type="none" w="med" len="med"/>
+                    </a:lnL>
+                    <a:lnR w="12700" cap="flat" cmpd="sng" algn="ctr">
+                      <a:solidFill>
+                        <a:schemeClr val="tx1"/>
+                      </a:solidFill>
+                      <a:prstDash val="solid"/>
+                      <a:round/>
+                      <a:headEnd type="none" w="med" len="med"/>
+                      <a:tailEnd type="none" w="med" len="med"/>
+                    </a:lnR>
+                    <a:lnT w="12700" cap="flat" cmpd="sng" algn="ctr">
+                      <a:solidFill>
+                        <a:schemeClr val="tx1"/>
+                      </a:solidFill>
+                      <a:prstDash val="solid"/>
+                      <a:round/>
+                      <a:headEnd type="none" w="med" len="med"/>
+                      <a:tailEnd type="none" w="med" len="med"/>
+                    </a:lnT>
+                    <a:lnB w="12700" cap="flat" cmpd="sng" algn="ctr">
+                      <a:solidFill>
+                        <a:schemeClr val="tx1"/>
+                      </a:solidFill>
+                      <a:prstDash val="solid"/>
+                      <a:round/>
+                      <a:headEnd type="none" w="med" len="med"/>
+                      <a:tailEnd type="none" w="med" len="med"/>
+                    </a:lnB>
+                  </a:tcPr>
+                </a:tc>
+                <a:tc>
+                  <a:txBody>
+                    <a:bodyPr/>
+                    <a:lstStyle/>
+                    <a:p>
+                      <a:pPr algn="ctr"/>
+                      <a:r>
+                        <a:rPr kumimoji="1" lang="en-US" altLang="ja-JP" sz="6600" b="0" dirty="0" smtClean="0"/>
+                        <a:t>0</a:t>
+                      </a:r>
+                      <a:endParaRPr kumimoji="1" lang="ja-JP" altLang="en-US" sz="6600" b="0" dirty="0"/>
+                    </a:p>
+                  </a:txBody>
+                  <a:tcPr>
+                    <a:lnL w="12700" cap="flat" cmpd="sng" algn="ctr">
+                      <a:solidFill>
+                        <a:schemeClr val="tx1"/>
+                      </a:solidFill>
+                      <a:prstDash val="solid"/>
+                      <a:round/>
+                      <a:headEnd type="none" w="med" len="med"/>
+                      <a:tailEnd type="none" w="med" len="med"/>
+                    </a:lnL>
+                    <a:lnR w="12700" cap="flat" cmpd="sng" algn="ctr">
+                      <a:solidFill>
+                        <a:schemeClr val="tx1"/>
+                      </a:solidFill>
+                      <a:prstDash val="solid"/>
+                      <a:round/>
+                      <a:headEnd type="none" w="med" len="med"/>
+                      <a:tailEnd type="none" w="med" len="med"/>
+                    </a:lnR>
+                    <a:lnT w="12700" cap="flat" cmpd="sng" algn="ctr">
+                      <a:solidFill>
+                        <a:schemeClr val="tx1"/>
+                      </a:solidFill>
+                      <a:prstDash val="solid"/>
+                      <a:round/>
+                      <a:headEnd type="none" w="med" len="med"/>
+                      <a:tailEnd type="none" w="med" len="med"/>
+                    </a:lnT>
+                    <a:lnB w="12700" cap="flat" cmpd="sng" algn="ctr">
+                      <a:solidFill>
+                        <a:schemeClr val="tx1"/>
+                      </a:solidFill>
+                      <a:prstDash val="solid"/>
+                      <a:round/>
+                      <a:headEnd type="none" w="med" len="med"/>
+                      <a:tailEnd type="none" w="med" len="med"/>
+                    </a:lnB>
+                  </a:tcPr>
+                </a:tc>
+                <a:tc>
+                  <a:txBody>
+                    <a:bodyPr/>
+                    <a:lstStyle/>
+                    <a:p>
+                      <a:pPr algn="ctr"/>
+                      <a:r>
+                        <a:rPr kumimoji="1" lang="en-US" altLang="ja-JP" sz="6600" b="0" dirty="0" smtClean="0"/>
+                        <a:t>1</a:t>
+                      </a:r>
+                      <a:endParaRPr kumimoji="1" lang="ja-JP" altLang="en-US" sz="6600" b="0" dirty="0"/>
+                    </a:p>
+                  </a:txBody>
+                  <a:tcPr>
+                    <a:lnL w="12700" cap="flat" cmpd="sng" algn="ctr">
+                      <a:solidFill>
+                        <a:schemeClr val="tx1"/>
+                      </a:solidFill>
+                      <a:prstDash val="solid"/>
+                      <a:round/>
+                      <a:headEnd type="none" w="med" len="med"/>
+                      <a:tailEnd type="none" w="med" len="med"/>
+                    </a:lnL>
+                    <a:lnR w="12700" cap="flat" cmpd="sng" algn="ctr">
+                      <a:solidFill>
+                        <a:schemeClr val="tx1"/>
+                      </a:solidFill>
+                      <a:prstDash val="solid"/>
+                      <a:round/>
+                      <a:headEnd type="none" w="med" len="med"/>
+                      <a:tailEnd type="none" w="med" len="med"/>
+                    </a:lnR>
+                    <a:lnT w="12700" cap="flat" cmpd="sng" algn="ctr">
+                      <a:solidFill>
+                        <a:schemeClr val="tx1"/>
+                      </a:solidFill>
+                      <a:prstDash val="solid"/>
+                      <a:round/>
+                      <a:headEnd type="none" w="med" len="med"/>
+                      <a:tailEnd type="none" w="med" len="med"/>
+                    </a:lnT>
+                    <a:lnB w="12700" cap="flat" cmpd="sng" algn="ctr">
+                      <a:solidFill>
+                        <a:schemeClr val="tx1"/>
+                      </a:solidFill>
+                      <a:prstDash val="solid"/>
+                      <a:round/>
+                      <a:headEnd type="none" w="med" len="med"/>
+                      <a:tailEnd type="none" w="med" len="med"/>
+                    </a:lnB>
+                  </a:tcPr>
+                </a:tc>
+              </a:tr>
+              <a:tr h="867258">
+                <a:tc>
+                  <a:txBody>
+                    <a:bodyPr/>
+                    <a:lstStyle/>
+                    <a:p>
+                      <a:pPr algn="ctr"/>
+                      <a:r>
+                        <a:rPr kumimoji="1" lang="en-US" altLang="ja-JP" sz="7200" b="0" dirty="0" smtClean="0"/>
+                        <a:t>D</a:t>
+                      </a:r>
+                      <a:endParaRPr kumimoji="1" lang="ja-JP" altLang="en-US" sz="7200" b="0" dirty="0"/>
+                    </a:p>
+                  </a:txBody>
+                  <a:tcPr>
+                    <a:lnL w="12700" cap="flat" cmpd="sng" algn="ctr">
+                      <a:solidFill>
+                        <a:schemeClr val="tx1"/>
+                      </a:solidFill>
+                      <a:prstDash val="solid"/>
+                      <a:round/>
+                      <a:headEnd type="none" w="med" len="med"/>
+                      <a:tailEnd type="none" w="med" len="med"/>
+                    </a:lnL>
+                    <a:lnR w="12700" cap="flat" cmpd="sng" algn="ctr">
+                      <a:solidFill>
+                        <a:schemeClr val="tx1"/>
+                      </a:solidFill>
+                      <a:prstDash val="solid"/>
+                      <a:round/>
+                      <a:headEnd type="none" w="med" len="med"/>
+                      <a:tailEnd type="none" w="med" len="med"/>
+                    </a:lnR>
+                    <a:lnT w="12700" cap="flat" cmpd="sng" algn="ctr">
+                      <a:solidFill>
+                        <a:schemeClr val="tx1"/>
+                      </a:solidFill>
+                      <a:prstDash val="solid"/>
+                      <a:round/>
+                      <a:headEnd type="none" w="med" len="med"/>
+                      <a:tailEnd type="none" w="med" len="med"/>
+                    </a:lnT>
+                    <a:lnB w="12700" cap="flat" cmpd="sng" algn="ctr">
+                      <a:solidFill>
+                        <a:schemeClr val="tx1"/>
+                      </a:solidFill>
+                      <a:prstDash val="solid"/>
+                      <a:round/>
+                      <a:headEnd type="none" w="med" len="med"/>
+                      <a:tailEnd type="none" w="med" len="med"/>
+                    </a:lnB>
+                    <a:solidFill>
+                      <a:schemeClr val="accent3">
+                        <a:lumMod val="40000"/>
+                        <a:lumOff val="60000"/>
+                      </a:schemeClr>
+                    </a:solidFill>
+                  </a:tcPr>
+                </a:tc>
+                <a:tc>
+                  <a:txBody>
+                    <a:bodyPr/>
+                    <a:lstStyle/>
+                    <a:p>
+                      <a:pPr algn="ctr"/>
+                      <a:r>
+                        <a:rPr kumimoji="1" lang="en-US" altLang="ja-JP" sz="6600" b="0" dirty="0" smtClean="0"/>
+                        <a:t>0</a:t>
+                      </a:r>
+                      <a:endParaRPr kumimoji="1" lang="ja-JP" altLang="en-US" sz="6600" b="0" dirty="0"/>
+                    </a:p>
+                  </a:txBody>
+                  <a:tcPr>
+                    <a:lnL w="12700" cap="flat" cmpd="sng" algn="ctr">
+                      <a:solidFill>
+                        <a:schemeClr val="tx1"/>
+                      </a:solidFill>
+                      <a:prstDash val="solid"/>
+                      <a:round/>
+                      <a:headEnd type="none" w="med" len="med"/>
+                      <a:tailEnd type="none" w="med" len="med"/>
+                    </a:lnL>
+                    <a:lnR w="12700" cap="flat" cmpd="sng" algn="ctr">
+                      <a:solidFill>
+                        <a:schemeClr val="tx1"/>
+                      </a:solidFill>
+                      <a:prstDash val="solid"/>
+                      <a:round/>
+                      <a:headEnd type="none" w="med" len="med"/>
+                      <a:tailEnd type="none" w="med" len="med"/>
+                    </a:lnR>
+                    <a:lnT w="12700" cap="flat" cmpd="sng" algn="ctr">
+                      <a:solidFill>
+                        <a:schemeClr val="tx1"/>
+                      </a:solidFill>
+                      <a:prstDash val="solid"/>
+                      <a:round/>
+                      <a:headEnd type="none" w="med" len="med"/>
+                      <a:tailEnd type="none" w="med" len="med"/>
+                    </a:lnT>
+                    <a:lnB w="12700" cap="flat" cmpd="sng" algn="ctr">
+                      <a:solidFill>
+                        <a:schemeClr val="tx1"/>
+                      </a:solidFill>
+                      <a:prstDash val="solid"/>
+                      <a:round/>
+                      <a:headEnd type="none" w="med" len="med"/>
+                      <a:tailEnd type="none" w="med" len="med"/>
+                    </a:lnB>
+                  </a:tcPr>
+                </a:tc>
+                <a:tc>
+                  <a:txBody>
+                    <a:bodyPr/>
+                    <a:lstStyle/>
+                    <a:p>
+                      <a:pPr algn="ctr"/>
+                      <a:r>
+                        <a:rPr kumimoji="1" lang="en-US" altLang="ja-JP" sz="6600" b="0" dirty="0" smtClean="0"/>
+                        <a:t>1</a:t>
+                      </a:r>
+                      <a:endParaRPr kumimoji="1" lang="ja-JP" altLang="en-US" sz="6600" b="0" dirty="0"/>
+                    </a:p>
+                  </a:txBody>
+                  <a:tcPr>
+                    <a:lnL w="12700" cap="flat" cmpd="sng" algn="ctr">
+                      <a:solidFill>
+                        <a:schemeClr val="tx1"/>
+                      </a:solidFill>
+                      <a:prstDash val="solid"/>
+                      <a:round/>
+                      <a:headEnd type="none" w="med" len="med"/>
+                      <a:tailEnd type="none" w="med" len="med"/>
+                    </a:lnL>
+                    <a:lnR w="12700" cap="flat" cmpd="sng" algn="ctr">
+                      <a:solidFill>
+                        <a:schemeClr val="tx1"/>
+                      </a:solidFill>
+                      <a:prstDash val="solid"/>
+                      <a:round/>
+                      <a:headEnd type="none" w="med" len="med"/>
+                      <a:tailEnd type="none" w="med" len="med"/>
+                    </a:lnR>
+                    <a:lnT w="12700" cap="flat" cmpd="sng" algn="ctr">
+                      <a:solidFill>
+                        <a:schemeClr val="tx1"/>
+                      </a:solidFill>
+                      <a:prstDash val="solid"/>
+                      <a:round/>
+                      <a:headEnd type="none" w="med" len="med"/>
+                      <a:tailEnd type="none" w="med" len="med"/>
+                    </a:lnT>
+                    <a:lnB w="12700" cap="flat" cmpd="sng" algn="ctr">
+                      <a:solidFill>
+                        <a:schemeClr val="tx1"/>
+                      </a:solidFill>
+                      <a:prstDash val="solid"/>
+                      <a:round/>
+                      <a:headEnd type="none" w="med" len="med"/>
+                      <a:tailEnd type="none" w="med" len="med"/>
+                    </a:lnB>
+                  </a:tcPr>
+                </a:tc>
+                <a:tc>
+                  <a:txBody>
+                    <a:bodyPr/>
+                    <a:lstStyle/>
+                    <a:p>
+                      <a:pPr algn="ctr"/>
+                      <a:r>
+                        <a:rPr kumimoji="1" lang="en-US" altLang="ja-JP" sz="6600" b="0" dirty="0" smtClean="0"/>
+                        <a:t>0</a:t>
+                      </a:r>
+                      <a:endParaRPr kumimoji="1" lang="ja-JP" altLang="en-US" sz="6600" b="0" dirty="0"/>
+                    </a:p>
+                  </a:txBody>
+                  <a:tcPr>
+                    <a:lnL w="12700" cap="flat" cmpd="sng" algn="ctr">
+                      <a:solidFill>
+                        <a:schemeClr val="tx1"/>
+                      </a:solidFill>
+                      <a:prstDash val="solid"/>
+                      <a:round/>
+                      <a:headEnd type="none" w="med" len="med"/>
+                      <a:tailEnd type="none" w="med" len="med"/>
+                    </a:lnL>
+                    <a:lnR w="12700" cap="flat" cmpd="sng" algn="ctr">
+                      <a:solidFill>
+                        <a:schemeClr val="tx1"/>
+                      </a:solidFill>
+                      <a:prstDash val="solid"/>
+                      <a:round/>
+                      <a:headEnd type="none" w="med" len="med"/>
+                      <a:tailEnd type="none" w="med" len="med"/>
+                    </a:lnR>
+                    <a:lnT w="12700" cap="flat" cmpd="sng" algn="ctr">
+                      <a:solidFill>
+                        <a:schemeClr val="tx1"/>
+                      </a:solidFill>
+                      <a:prstDash val="solid"/>
+                      <a:round/>
+                      <a:headEnd type="none" w="med" len="med"/>
+                      <a:tailEnd type="none" w="med" len="med"/>
+                    </a:lnT>
+                    <a:lnB w="12700" cap="flat" cmpd="sng" algn="ctr">
+                      <a:solidFill>
+                        <a:schemeClr val="tx1"/>
+                      </a:solidFill>
+                      <a:prstDash val="solid"/>
+                      <a:round/>
+                      <a:headEnd type="none" w="med" len="med"/>
+                      <a:tailEnd type="none" w="med" len="med"/>
+                    </a:lnB>
+                  </a:tcPr>
+                </a:tc>
+                <a:tc>
+                  <a:txBody>
+                    <a:bodyPr/>
+                    <a:lstStyle/>
+                    <a:p>
+                      <a:pPr algn="ctr"/>
+                      <a:r>
+                        <a:rPr kumimoji="1" lang="en-US" altLang="ja-JP" sz="6600" b="0" dirty="0" smtClean="0"/>
+                        <a:t>0</a:t>
+                      </a:r>
+                      <a:endParaRPr kumimoji="1" lang="ja-JP" altLang="en-US" sz="6600" b="0" dirty="0"/>
+                    </a:p>
+                  </a:txBody>
+                  <a:tcPr>
+                    <a:lnL w="12700" cap="flat" cmpd="sng" algn="ctr">
+                      <a:solidFill>
+                        <a:schemeClr val="tx1"/>
+                      </a:solidFill>
+                      <a:prstDash val="solid"/>
+                      <a:round/>
+                      <a:headEnd type="none" w="med" len="med"/>
+                      <a:tailEnd type="none" w="med" len="med"/>
+                    </a:lnL>
+                    <a:lnR w="12700" cap="flat" cmpd="sng" algn="ctr">
+                      <a:solidFill>
+                        <a:schemeClr val="tx1"/>
+                      </a:solidFill>
+                      <a:prstDash val="solid"/>
+                      <a:round/>
+                      <a:headEnd type="none" w="med" len="med"/>
+                      <a:tailEnd type="none" w="med" len="med"/>
+                    </a:lnR>
+                    <a:lnT w="12700" cap="flat" cmpd="sng" algn="ctr">
+                      <a:solidFill>
+                        <a:schemeClr val="tx1"/>
+                      </a:solidFill>
+                      <a:prstDash val="solid"/>
+                      <a:round/>
+                      <a:headEnd type="none" w="med" len="med"/>
+                      <a:tailEnd type="none" w="med" len="med"/>
+                    </a:lnT>
+                    <a:lnB w="12700" cap="flat" cmpd="sng" algn="ctr">
+                      <a:solidFill>
+                        <a:schemeClr val="tx1"/>
+                      </a:solidFill>
+                      <a:prstDash val="solid"/>
+                      <a:round/>
+                      <a:headEnd type="none" w="med" len="med"/>
+                      <a:tailEnd type="none" w="med" len="med"/>
+                    </a:lnB>
+                  </a:tcPr>
+                </a:tc>
+              </a:tr>
+            </a:tbl>
+          </a:graphicData>
+        </a:graphic>
+      </p:graphicFrame>
+      <p:sp>
+        <p:nvSpPr>
+          <p:cNvPr id="25" name="正方形/長方形 24"/>
+          <p:cNvSpPr/>
+          <p:nvPr/>
+        </p:nvSpPr>
+        <p:spPr>
+          <a:xfrm>
+            <a:off x="15940831" y="6586267"/>
+            <a:ext cx="3657336" cy="914334"/>
+          </a:xfrm>
+          <a:prstGeom prst="rect">
+            <a:avLst/>
+          </a:prstGeom>
+        </p:spPr>
+        <p:style>
+          <a:lnRef idx="2">
+            <a:schemeClr val="accent1">
+              <a:shade val="50000"/>
+            </a:schemeClr>
+          </a:lnRef>
+          <a:fillRef idx="1">
+            <a:schemeClr val="accent1"/>
+          </a:fillRef>
+          <a:effectRef idx="0">
+            <a:schemeClr val="accent1"/>
+          </a:effectRef>
+          <a:fontRef idx="minor">
+            <a:schemeClr val="lt1"/>
+          </a:fontRef>
+        </p:style>
+        <p:txBody>
+          <a:bodyPr rtlCol="0" anchor="ctr"/>
+          <a:lstStyle/>
+          <a:p>
+            <a:pPr algn="ctr"/>
+            <a:r>
+              <a:rPr kumimoji="1" lang="ja-JP" altLang="en-US" b="1" dirty="0" smtClean="0"/>
+              <a:t>授業</a:t>
+            </a:r>
+            <a:endParaRPr kumimoji="1" lang="ja-JP" altLang="en-US" b="1" dirty="0"/>
+          </a:p>
+        </p:txBody>
+      </p:sp>
+      <p:sp>
+        <p:nvSpPr>
+          <p:cNvPr id="45" name="正方形/長方形 44"/>
+          <p:cNvSpPr/>
+          <p:nvPr/>
+        </p:nvSpPr>
+        <p:spPr>
+          <a:xfrm>
+            <a:off x="13011310" y="8818692"/>
+            <a:ext cx="951439" cy="4921517"/>
+          </a:xfrm>
+          <a:prstGeom prst="rect">
+            <a:avLst/>
+          </a:prstGeom>
+          <a:solidFill>
+            <a:schemeClr val="accent3">
+              <a:lumMod val="40000"/>
+              <a:lumOff val="60000"/>
+            </a:schemeClr>
+          </a:solidFill>
+        </p:spPr>
+        <p:style>
+          <a:lnRef idx="2">
+            <a:schemeClr val="accent1">
+              <a:shade val="50000"/>
+            </a:schemeClr>
+          </a:lnRef>
+          <a:fillRef idx="1">
+            <a:schemeClr val="accent1"/>
+          </a:fillRef>
+          <a:effectRef idx="0">
+            <a:schemeClr val="accent1"/>
+          </a:effectRef>
+          <a:fontRef idx="minor">
+            <a:schemeClr val="lt1"/>
+          </a:fontRef>
+        </p:style>
+        <p:txBody>
+          <a:bodyPr rtlCol="0" anchor="ctr"/>
+          <a:lstStyle/>
+          <a:p>
+            <a:pPr algn="ctr"/>
+            <a:r>
+              <a:rPr kumimoji="1" lang="ja-JP" altLang="en-US" sz="5400" b="1" dirty="0" smtClean="0">
+                <a:solidFill>
+                  <a:schemeClr val="tx1"/>
+                </a:solidFill>
+              </a:rPr>
+              <a:t>ユニット候補</a:t>
+            </a:r>
+            <a:endParaRPr kumimoji="1" lang="ja-JP" altLang="en-US" sz="5400" b="1" dirty="0">
+              <a:solidFill>
+                <a:schemeClr val="tx1"/>
+              </a:solidFill>
+            </a:endParaRPr>
+          </a:p>
+        </p:txBody>
+      </p:sp>
+      <p:grpSp>
+        <p:nvGrpSpPr>
+          <p:cNvPr id="47" name="グループ化 46"/>
+          <p:cNvGrpSpPr/>
+          <p:nvPr/>
+        </p:nvGrpSpPr>
+        <p:grpSpPr>
+          <a:xfrm>
+            <a:off x="3893913" y="9303083"/>
+            <a:ext cx="6635502" cy="3444683"/>
+            <a:chOff x="8063724" y="2459970"/>
+            <a:chExt cx="6635502" cy="3444683"/>
+          </a:xfrm>
+        </p:grpSpPr>
+        <p:sp>
+          <p:nvSpPr>
+            <p:cNvPr id="48" name="角丸四角形 47"/>
+            <p:cNvSpPr/>
+            <p:nvPr/>
+          </p:nvSpPr>
+          <p:spPr>
+            <a:xfrm>
+              <a:off x="8895422" y="3166506"/>
+              <a:ext cx="5803804" cy="2738147"/>
+            </a:xfrm>
+            <a:prstGeom prst="roundRect">
+              <a:avLst/>
+            </a:prstGeom>
+            <a:solidFill>
+              <a:schemeClr val="bg1"/>
+            </a:solidFill>
+            <a:ln w="76200"/>
+          </p:spPr>
+          <p:style>
+            <a:lnRef idx="2">
+              <a:schemeClr val="accent1">
+                <a:shade val="50000"/>
+              </a:schemeClr>
+            </a:lnRef>
+            <a:fillRef idx="1">
+              <a:schemeClr val="accent1"/>
+            </a:fillRef>
+            <a:effectRef idx="0">
+              <a:schemeClr val="accent1"/>
+            </a:effectRef>
+            <a:fontRef idx="minor">
+              <a:schemeClr val="lt1"/>
+            </a:fontRef>
+          </p:style>
+          <p:txBody>
+            <a:bodyPr rtlCol="0" anchor="ctr"/>
+            <a:lstStyle/>
+            <a:p>
+              <a:pPr algn="ctr"/>
+              <a:r>
+                <a:rPr lang="ja-JP" altLang="en-US" sz="4800" b="1" dirty="0" smtClean="0">
+                  <a:solidFill>
+                    <a:schemeClr val="tx1"/>
+                  </a:solidFill>
+                </a:rPr>
+                <a:t>ユニット</a:t>
+              </a:r>
+              <a:r>
+                <a:rPr lang="ja-JP" altLang="en-US" sz="4800" b="1" dirty="0">
+                  <a:solidFill>
+                    <a:schemeClr val="tx1"/>
+                  </a:solidFill>
+                </a:rPr>
+                <a:t>候補</a:t>
+              </a:r>
+              <a:r>
+                <a:rPr lang="ja-JP" altLang="en-US" sz="4800" b="1" dirty="0" smtClean="0">
+                  <a:solidFill>
+                    <a:schemeClr val="tx1"/>
+                  </a:solidFill>
+                </a:rPr>
+                <a:t>を</a:t>
+              </a:r>
+              <a:endParaRPr lang="en-US" altLang="ja-JP" sz="4800" b="1" dirty="0" smtClean="0">
+                <a:solidFill>
+                  <a:schemeClr val="tx1"/>
+                </a:solidFill>
+              </a:endParaRPr>
+            </a:p>
+            <a:p>
+              <a:pPr algn="ctr"/>
+              <a:r>
+                <a:rPr lang="ja-JP" altLang="en-US" sz="4800" b="1" dirty="0" smtClean="0">
+                  <a:solidFill>
+                    <a:schemeClr val="tx1"/>
+                  </a:solidFill>
+                </a:rPr>
+                <a:t>クラスタ分析</a:t>
+              </a:r>
+              <a:endParaRPr lang="en-US" altLang="ja-JP" sz="4800" b="1" dirty="0" smtClean="0">
+                <a:solidFill>
+                  <a:schemeClr val="tx1"/>
+                </a:solidFill>
+              </a:endParaRPr>
+            </a:p>
+            <a:p>
+              <a:pPr algn="ctr"/>
+              <a:r>
+                <a:rPr lang="ja-JP" altLang="en-US" sz="4800" b="1" dirty="0" smtClean="0">
+                  <a:solidFill>
+                    <a:schemeClr val="tx1"/>
+                  </a:solidFill>
+                </a:rPr>
+                <a:t>する</a:t>
+              </a:r>
+              <a:endParaRPr kumimoji="1" lang="ja-JP" altLang="en-US" sz="4800" b="1" dirty="0">
+                <a:solidFill>
+                  <a:schemeClr val="tx1"/>
+                </a:solidFill>
+              </a:endParaRPr>
+            </a:p>
+          </p:txBody>
+        </p:sp>
+        <p:sp>
+          <p:nvSpPr>
+            <p:cNvPr id="49" name="フローチャート : 結合子 48"/>
+            <p:cNvSpPr/>
+            <p:nvPr/>
+          </p:nvSpPr>
+          <p:spPr>
+            <a:xfrm>
+              <a:off x="8063724" y="2459970"/>
+              <a:ext cx="1602016" cy="1413073"/>
+            </a:xfrm>
+            <a:prstGeom prst="flowChartConnector">
+              <a:avLst/>
+            </a:prstGeom>
+          </p:spPr>
+          <p:style>
+            <a:lnRef idx="2">
+              <a:schemeClr val="accent1">
+                <a:shade val="50000"/>
+              </a:schemeClr>
+            </a:lnRef>
+            <a:fillRef idx="1">
+              <a:schemeClr val="accent1"/>
+            </a:fillRef>
+            <a:effectRef idx="0">
+              <a:schemeClr val="accent1"/>
+            </a:effectRef>
+            <a:fontRef idx="minor">
+              <a:schemeClr val="lt1"/>
+            </a:fontRef>
+          </p:style>
+          <p:txBody>
+            <a:bodyPr rtlCol="0" anchor="ctr"/>
+            <a:lstStyle/>
+            <a:p>
+              <a:pPr algn="ctr"/>
+              <a:r>
+                <a:rPr kumimoji="1" lang="en-US" altLang="ja-JP" sz="8000" dirty="0" smtClean="0"/>
+                <a:t>2</a:t>
+              </a:r>
+              <a:endParaRPr kumimoji="1" lang="ja-JP" altLang="en-US" sz="8000" dirty="0"/>
+            </a:p>
+          </p:txBody>
+        </p:sp>
+      </p:grpSp>
+      <p:grpSp>
+        <p:nvGrpSpPr>
+          <p:cNvPr id="51" name="グループ化 50"/>
+          <p:cNvGrpSpPr/>
+          <p:nvPr/>
+        </p:nvGrpSpPr>
+        <p:grpSpPr>
+          <a:xfrm>
+            <a:off x="11702733" y="16447726"/>
+            <a:ext cx="6635502" cy="3444683"/>
+            <a:chOff x="8063724" y="2459970"/>
+            <a:chExt cx="6635502" cy="3444683"/>
+          </a:xfrm>
+        </p:grpSpPr>
+        <p:sp>
+          <p:nvSpPr>
+            <p:cNvPr id="53" name="角丸四角形 52"/>
+            <p:cNvSpPr/>
+            <p:nvPr/>
+          </p:nvSpPr>
+          <p:spPr>
+            <a:xfrm>
+              <a:off x="8895422" y="3166506"/>
+              <a:ext cx="5803804" cy="2738147"/>
+            </a:xfrm>
+            <a:prstGeom prst="roundRect">
+              <a:avLst/>
+            </a:prstGeom>
+            <a:solidFill>
+              <a:schemeClr val="bg1"/>
+            </a:solidFill>
+            <a:ln w="76200"/>
+          </p:spPr>
+          <p:style>
+            <a:lnRef idx="2">
+              <a:schemeClr val="accent1">
+                <a:shade val="50000"/>
+              </a:schemeClr>
+            </a:lnRef>
+            <a:fillRef idx="1">
+              <a:schemeClr val="accent1"/>
+            </a:fillRef>
+            <a:effectRef idx="0">
+              <a:schemeClr val="accent1"/>
+            </a:effectRef>
+            <a:fontRef idx="minor">
+              <a:schemeClr val="lt1"/>
+            </a:fontRef>
+          </p:style>
+          <p:txBody>
+            <a:bodyPr rtlCol="0" anchor="ctr"/>
+            <a:lstStyle/>
+            <a:p>
+              <a:pPr algn="ctr"/>
+              <a:r>
+                <a:rPr lang="ja-JP" altLang="en-US" sz="4800" b="1" dirty="0" smtClean="0">
+                  <a:solidFill>
+                    <a:schemeClr val="tx1"/>
+                  </a:solidFill>
+                </a:rPr>
+                <a:t>できたクラスタを</a:t>
+              </a:r>
+              <a:r>
+                <a:rPr lang="en-US" altLang="ja-JP" sz="4800" b="1" dirty="0" smtClean="0">
+                  <a:solidFill>
+                    <a:schemeClr val="tx1"/>
+                  </a:solidFill>
+                </a:rPr>
+                <a:t>BOK</a:t>
+              </a:r>
+              <a:r>
+                <a:rPr lang="ja-JP" altLang="en-US" sz="4800" b="1" dirty="0" smtClean="0">
+                  <a:solidFill>
+                    <a:schemeClr val="tx1"/>
+                  </a:solidFill>
+                </a:rPr>
+                <a:t>の</a:t>
+              </a:r>
+              <a:endParaRPr lang="en-US" altLang="ja-JP" sz="4800" b="1" dirty="0" smtClean="0">
+                <a:solidFill>
+                  <a:schemeClr val="tx1"/>
+                </a:solidFill>
+              </a:endParaRPr>
+            </a:p>
+            <a:p>
+              <a:pPr algn="ctr"/>
+              <a:r>
+                <a:rPr lang="ja-JP" altLang="en-US" sz="4800" b="1" dirty="0" smtClean="0">
+                  <a:solidFill>
+                    <a:schemeClr val="tx1"/>
+                  </a:solidFill>
+                </a:rPr>
+                <a:t>エリアとする</a:t>
+              </a:r>
+              <a:endParaRPr kumimoji="1" lang="ja-JP" altLang="en-US" sz="4800" b="1" dirty="0">
+                <a:solidFill>
+                  <a:schemeClr val="tx1"/>
+                </a:solidFill>
+              </a:endParaRPr>
+            </a:p>
+          </p:txBody>
+        </p:sp>
+        <p:sp>
+          <p:nvSpPr>
+            <p:cNvPr id="58" name="フローチャート : 結合子 57"/>
+            <p:cNvSpPr/>
+            <p:nvPr/>
+          </p:nvSpPr>
+          <p:spPr>
+            <a:xfrm>
+              <a:off x="8063724" y="2459970"/>
+              <a:ext cx="1602016" cy="1413073"/>
+            </a:xfrm>
+            <a:prstGeom prst="flowChartConnector">
+              <a:avLst/>
+            </a:prstGeom>
+          </p:spPr>
+          <p:style>
+            <a:lnRef idx="2">
+              <a:schemeClr val="accent1">
+                <a:shade val="50000"/>
+              </a:schemeClr>
+            </a:lnRef>
+            <a:fillRef idx="1">
+              <a:schemeClr val="accent1"/>
+            </a:fillRef>
+            <a:effectRef idx="0">
+              <a:schemeClr val="accent1"/>
+            </a:effectRef>
+            <a:fontRef idx="minor">
+              <a:schemeClr val="lt1"/>
+            </a:fontRef>
+          </p:style>
+          <p:txBody>
+            <a:bodyPr rtlCol="0" anchor="ctr"/>
+            <a:lstStyle/>
+            <a:p>
+              <a:pPr algn="ctr"/>
+              <a:r>
+                <a:rPr kumimoji="1" lang="en-US" altLang="ja-JP" sz="8000" dirty="0" smtClean="0"/>
+                <a:t>3</a:t>
+              </a:r>
+              <a:endParaRPr kumimoji="1" lang="ja-JP" altLang="en-US" sz="8000" dirty="0"/>
+            </a:p>
+          </p:txBody>
+        </p:sp>
+      </p:grpSp>
+      <p:grpSp>
+        <p:nvGrpSpPr>
+          <p:cNvPr id="6" name="グループ化 5"/>
+          <p:cNvGrpSpPr/>
+          <p:nvPr/>
+        </p:nvGrpSpPr>
+        <p:grpSpPr>
+          <a:xfrm>
+            <a:off x="2364368" y="13740209"/>
+            <a:ext cx="5144207" cy="6152200"/>
+            <a:chOff x="4006684" y="11749269"/>
+            <a:chExt cx="5144207" cy="6152200"/>
+          </a:xfrm>
+        </p:grpSpPr>
+        <p:grpSp>
+          <p:nvGrpSpPr>
+            <p:cNvPr id="4" name="グループ化 3"/>
+            <p:cNvGrpSpPr/>
+            <p:nvPr/>
+          </p:nvGrpSpPr>
+          <p:grpSpPr>
+            <a:xfrm>
+              <a:off x="4006684" y="11749269"/>
+              <a:ext cx="5144206" cy="6152200"/>
+              <a:chOff x="4006684" y="11749269"/>
+              <a:chExt cx="5144206" cy="6152200"/>
+            </a:xfrm>
+          </p:grpSpPr>
+          <p:pic>
+            <p:nvPicPr>
+              <p:cNvPr id="1027" name="Picture 3"/>
+              <p:cNvPicPr>
+                <a:picLocks noChangeAspect="1" noChangeArrowheads="1"/>
+              </p:cNvPicPr>
+              <p:nvPr/>
+            </p:nvPicPr>
+            <p:blipFill>
+              <a:blip r:embed="rId3">
+                <a:extLst>
+                  <a:ext uri="{28A0092B-C50C-407E-A947-70E740481C1C}">
+                    <a14:useLocalDpi xmlns:a14="http://schemas.microsoft.com/office/drawing/2010/main" val="0"/>
+                  </a:ext>
+                </a:extLst>
+              </a:blip>
+              <a:srcRect/>
+              <a:stretch>
+                <a:fillRect/>
+              </a:stretch>
+            </p:blipFill>
+            <p:spPr bwMode="auto">
+              <a:xfrm>
+                <a:off x="4006684" y="11749269"/>
+                <a:ext cx="4858048" cy="6152200"/>
+              </a:xfrm>
+              <a:prstGeom prst="rect">
+                <a:avLst/>
+              </a:prstGeom>
+              <a:noFill/>
+              <a:ln>
+                <a:noFill/>
+              </a:ln>
+              <a:extLst>
+                <a:ext uri="{909E8E84-426E-40DD-AFC4-6F175D3DCCD1}">
+                  <a14:hiddenFill xmlns:a14="http://schemas.microsoft.com/office/drawing/2010/main">
+                    <a:solidFill>
+                      <a:schemeClr val="accent1"/>
+                    </a:solidFill>
+                  </a14:hiddenFill>
+                </a:ext>
+                <a:ext uri="{91240B29-F687-4F45-9708-019B960494DF}">
+                  <a14:hiddenLine xmlns:a14="http://schemas.microsoft.com/office/drawing/2010/main" w="9525">
+                    <a:solidFill>
+                      <a:schemeClr val="tx1"/>
+                    </a:solidFill>
+                    <a:miter lim="800000"/>
+                    <a:headEnd/>
+                    <a:tailEnd/>
+                  </a14:hiddenLine>
+                </a:ext>
+              </a:extLst>
+            </p:spPr>
+          </p:pic>
+          <p:sp>
+            <p:nvSpPr>
+              <p:cNvPr id="2" name="テキスト ボックス 1"/>
+              <p:cNvSpPr txBox="1"/>
+              <p:nvPr/>
+            </p:nvSpPr>
+            <p:spPr>
+              <a:xfrm>
+                <a:off x="4249781" y="16868642"/>
+                <a:ext cx="4901109" cy="984885"/>
+              </a:xfrm>
+              <a:prstGeom prst="rect">
+                <a:avLst/>
+              </a:prstGeom>
+              <a:noFill/>
+            </p:spPr>
+            <p:txBody>
+              <a:bodyPr wrap="square" rtlCol="0">
+                <a:spAutoFit/>
+              </a:bodyPr>
+              <a:lstStyle/>
+              <a:p>
+                <a:r>
+                  <a:rPr kumimoji="1" lang="en-US" altLang="ja-JP" dirty="0" smtClean="0"/>
+                  <a:t>A</a:t>
+                </a:r>
+                <a:r>
+                  <a:rPr lang="ja-JP" altLang="en-US" dirty="0"/>
+                  <a:t> </a:t>
+                </a:r>
+                <a:r>
+                  <a:rPr lang="ja-JP" altLang="en-US" dirty="0" smtClean="0"/>
+                  <a:t>  </a:t>
+                </a:r>
+                <a:r>
+                  <a:rPr kumimoji="1" lang="en-US" altLang="ja-JP" dirty="0" smtClean="0"/>
+                  <a:t>B   C      </a:t>
+                </a:r>
+                <a:r>
+                  <a:rPr lang="en-US" altLang="ja-JP" dirty="0" smtClean="0"/>
+                  <a:t>D</a:t>
+                </a:r>
+                <a:endParaRPr kumimoji="1" lang="en-US" altLang="ja-JP" dirty="0" smtClean="0"/>
+              </a:p>
+            </p:txBody>
+          </p:sp>
+        </p:grpSp>
+        <p:sp>
+          <p:nvSpPr>
+            <p:cNvPr id="5" name="正方形/長方形 4"/>
+            <p:cNvSpPr/>
+            <p:nvPr/>
+          </p:nvSpPr>
+          <p:spPr>
+            <a:xfrm>
+              <a:off x="4006684" y="11749269"/>
+              <a:ext cx="5144207" cy="6152200"/>
+            </a:xfrm>
+            <a:prstGeom prst="rect">
+              <a:avLst/>
+            </a:prstGeom>
+            <a:noFill/>
+            <a:ln w="76200">
+              <a:solidFill>
+                <a:schemeClr val="tx1"/>
+              </a:solidFill>
+            </a:ln>
+          </p:spPr>
+          <p:style>
+            <a:lnRef idx="2">
+              <a:schemeClr val="accent1">
+                <a:shade val="50000"/>
+              </a:schemeClr>
+            </a:lnRef>
+            <a:fillRef idx="1">
+              <a:schemeClr val="accent1"/>
+            </a:fillRef>
+            <a:effectRef idx="0">
+              <a:schemeClr val="accent1"/>
+            </a:effectRef>
+            <a:fontRef idx="minor">
+              <a:schemeClr val="lt1"/>
+            </a:fontRef>
+          </p:style>
+          <p:txBody>
+            <a:bodyPr rtlCol="0" anchor="ctr"/>
+            <a:lstStyle/>
+            <a:p>
+              <a:pPr algn="ctr"/>
+              <a:endParaRPr kumimoji="1" lang="ja-JP" altLang="en-US"/>
+            </a:p>
+          </p:txBody>
+        </p:sp>
+      </p:grpSp>
+      <p:graphicFrame>
+        <p:nvGraphicFramePr>
+          <p:cNvPr id="7" name="表 6"/>
+          <p:cNvGraphicFramePr>
+            <a:graphicFrameLocks noGrp="1"/>
+          </p:cNvGraphicFramePr>
+          <p:nvPr>
+            <p:extLst>
+              <p:ext uri="{D42A27DB-BD31-4B8C-83A1-F6EECF244321}">
+                <p14:modId xmlns:p14="http://schemas.microsoft.com/office/powerpoint/2010/main" val="2337050360"/>
+              </p:ext>
+            </p:extLst>
+          </p:nvPr>
+        </p:nvGraphicFramePr>
+        <p:xfrm>
+          <a:off x="13240313" y="21098764"/>
+          <a:ext cx="7128934" cy="3810000"/>
+        </p:xfrm>
+        <a:graphic>
+          <a:graphicData uri="http://schemas.openxmlformats.org/drawingml/2006/table">
+            <a:tbl>
+              <a:tblPr firstRow="1" bandRow="1">
+                <a:tableStyleId>{5C22544A-7EE6-4342-B048-85BDC9FD1C3A}</a:tableStyleId>
+              </a:tblPr>
+              <a:tblGrid>
+                <a:gridCol w="3471598"/>
+                <a:gridCol w="3657336"/>
+              </a:tblGrid>
+              <a:tr h="975360">
+                <a:tc>
+                  <a:txBody>
+                    <a:bodyPr/>
+                    <a:lstStyle/>
+                    <a:p>
+                      <a:r>
+                        <a:rPr kumimoji="1" lang="ja-JP" altLang="en-US" b="1" dirty="0" smtClean="0">
+                          <a:solidFill>
+                            <a:schemeClr val="tx1"/>
+                          </a:solidFill>
+                        </a:rPr>
+                        <a:t>エリア</a:t>
+                      </a:r>
+                      <a:r>
+                        <a:rPr kumimoji="1" lang="en-US" altLang="ja-JP" b="1" dirty="0" smtClean="0">
+                          <a:solidFill>
+                            <a:schemeClr val="tx1"/>
+                          </a:solidFill>
+                        </a:rPr>
+                        <a:t>1</a:t>
+                      </a:r>
+                      <a:endParaRPr kumimoji="1" lang="ja-JP" altLang="en-US" b="1" dirty="0">
+                        <a:solidFill>
+                          <a:schemeClr val="tx1"/>
+                        </a:solidFill>
+                      </a:endParaRPr>
+                    </a:p>
+                  </a:txBody>
+                  <a:tcPr>
+                    <a:lnL w="12700" cap="flat" cmpd="sng" algn="ctr">
+                      <a:solidFill>
+                        <a:schemeClr val="tx1"/>
+                      </a:solidFill>
+                      <a:prstDash val="solid"/>
+                      <a:round/>
+                      <a:headEnd type="none" w="med" len="med"/>
+                      <a:tailEnd type="none" w="med" len="med"/>
+                    </a:lnL>
+                    <a:lnR w="12700" cap="flat" cmpd="sng" algn="ctr">
+                      <a:solidFill>
+                        <a:schemeClr val="tx1"/>
+                      </a:solidFill>
+                      <a:prstDash val="solid"/>
+                      <a:round/>
+                      <a:headEnd type="none" w="med" len="med"/>
+                      <a:tailEnd type="none" w="med" len="med"/>
+                    </a:lnR>
+                    <a:lnT w="12700" cap="flat" cmpd="sng" algn="ctr">
+                      <a:solidFill>
+                        <a:schemeClr val="tx1"/>
+                      </a:solidFill>
+                      <a:prstDash val="solid"/>
+                      <a:round/>
+                      <a:headEnd type="none" w="med" len="med"/>
+                      <a:tailEnd type="none" w="med" len="med"/>
+                    </a:lnT>
+                    <a:lnB w="12700" cap="flat" cmpd="sng" algn="ctr">
+                      <a:solidFill>
+                        <a:schemeClr val="tx1"/>
+                      </a:solidFill>
+                      <a:prstDash val="solid"/>
+                      <a:round/>
+                      <a:headEnd type="none" w="med" len="med"/>
+                      <a:tailEnd type="none" w="med" len="med"/>
+                    </a:lnB>
+                    <a:solidFill>
+                      <a:srgbClr val="FFC000"/>
+                    </a:solidFill>
+                  </a:tcPr>
+                </a:tc>
+                <a:tc>
+                  <a:txBody>
+                    <a:bodyPr/>
+                    <a:lstStyle/>
+                    <a:p>
+                      <a:r>
+                        <a:rPr kumimoji="1" lang="en-US" altLang="ja-JP" b="1" dirty="0" smtClean="0">
+                          <a:solidFill>
+                            <a:schemeClr val="tx1"/>
+                          </a:solidFill>
+                        </a:rPr>
+                        <a:t>A</a:t>
+                      </a:r>
+                      <a:endParaRPr kumimoji="1" lang="ja-JP" altLang="en-US" b="1" dirty="0">
+                        <a:solidFill>
+                          <a:schemeClr val="tx1"/>
+                        </a:solidFill>
+                      </a:endParaRPr>
+                    </a:p>
+                  </a:txBody>
+                  <a:tcPr>
+                    <a:lnL w="12700" cap="flat" cmpd="sng" algn="ctr">
+                      <a:solidFill>
+                        <a:schemeClr val="tx1"/>
+                      </a:solidFill>
+                      <a:prstDash val="solid"/>
+                      <a:round/>
+                      <a:headEnd type="none" w="med" len="med"/>
+                      <a:tailEnd type="none" w="med" len="med"/>
+                    </a:lnL>
+                    <a:lnR w="12700" cap="flat" cmpd="sng" algn="ctr">
+                      <a:solidFill>
+                        <a:schemeClr val="tx1"/>
+                      </a:solidFill>
+                      <a:prstDash val="solid"/>
+                      <a:round/>
+                      <a:headEnd type="none" w="med" len="med"/>
+                      <a:tailEnd type="none" w="med" len="med"/>
+                    </a:lnR>
+                    <a:lnT w="12700" cap="flat" cmpd="sng" algn="ctr">
+                      <a:solidFill>
+                        <a:schemeClr val="tx1"/>
+                      </a:solidFill>
+                      <a:prstDash val="solid"/>
+                      <a:round/>
+                      <a:headEnd type="none" w="med" len="med"/>
+                      <a:tailEnd type="none" w="med" len="med"/>
+                    </a:lnT>
+                    <a:lnB w="12700" cap="flat" cmpd="sng" algn="ctr">
+                      <a:solidFill>
+                        <a:schemeClr val="tx1"/>
+                      </a:solidFill>
+                      <a:prstDash val="solid"/>
+                      <a:round/>
+                      <a:headEnd type="none" w="med" len="med"/>
+                      <a:tailEnd type="none" w="med" len="med"/>
+                    </a:lnB>
+                    <a:solidFill>
+                      <a:srgbClr val="FFC000"/>
+                    </a:solidFill>
+                  </a:tcPr>
+                </a:tc>
+              </a:tr>
+              <a:tr h="370840">
+                <a:tc>
+                  <a:txBody>
+                    <a:bodyPr/>
+                    <a:lstStyle/>
+                    <a:p>
+                      <a:r>
+                        <a:rPr kumimoji="1" lang="ja-JP" altLang="en-US" b="1" dirty="0" smtClean="0">
+                          <a:solidFill>
+                            <a:schemeClr val="tx1"/>
+                          </a:solidFill>
+                        </a:rPr>
+                        <a:t>エリア</a:t>
+                      </a:r>
+                      <a:r>
+                        <a:rPr kumimoji="1" lang="en-US" altLang="ja-JP" b="1" dirty="0" smtClean="0">
+                          <a:solidFill>
+                            <a:schemeClr val="tx1"/>
+                          </a:solidFill>
+                        </a:rPr>
+                        <a:t>2</a:t>
+                      </a:r>
+                      <a:endParaRPr kumimoji="1" lang="ja-JP" altLang="en-US" b="1" dirty="0">
+                        <a:solidFill>
+                          <a:schemeClr val="tx1"/>
+                        </a:solidFill>
+                      </a:endParaRPr>
+                    </a:p>
+                  </a:txBody>
+                  <a:tcPr>
+                    <a:lnL w="12700" cap="flat" cmpd="sng" algn="ctr">
+                      <a:solidFill>
+                        <a:schemeClr val="tx1"/>
+                      </a:solidFill>
+                      <a:prstDash val="solid"/>
+                      <a:round/>
+                      <a:headEnd type="none" w="med" len="med"/>
+                      <a:tailEnd type="none" w="med" len="med"/>
+                    </a:lnL>
+                    <a:lnR w="12700" cap="flat" cmpd="sng" algn="ctr">
+                      <a:solidFill>
+                        <a:schemeClr val="tx1"/>
+                      </a:solidFill>
+                      <a:prstDash val="solid"/>
+                      <a:round/>
+                      <a:headEnd type="none" w="med" len="med"/>
+                      <a:tailEnd type="none" w="med" len="med"/>
+                    </a:lnR>
+                    <a:lnT w="12700" cap="flat" cmpd="sng" algn="ctr">
+                      <a:solidFill>
+                        <a:schemeClr val="tx1"/>
+                      </a:solidFill>
+                      <a:prstDash val="solid"/>
+                      <a:round/>
+                      <a:headEnd type="none" w="med" len="med"/>
+                      <a:tailEnd type="none" w="med" len="med"/>
+                    </a:lnT>
+                    <a:lnB w="12700" cap="flat" cmpd="sng" algn="ctr">
+                      <a:solidFill>
+                        <a:schemeClr val="tx1"/>
+                      </a:solidFill>
+                      <a:prstDash val="solid"/>
+                      <a:round/>
+                      <a:headEnd type="none" w="med" len="med"/>
+                      <a:tailEnd type="none" w="med" len="med"/>
+                    </a:lnB>
+                    <a:solidFill>
+                      <a:srgbClr val="FFC000"/>
+                    </a:solidFill>
+                  </a:tcPr>
+                </a:tc>
+                <a:tc>
+                  <a:txBody>
+                    <a:bodyPr/>
+                    <a:lstStyle/>
+                    <a:p>
+                      <a:r>
+                        <a:rPr kumimoji="1" lang="en-US" altLang="ja-JP" b="1" dirty="0" smtClean="0">
+                          <a:solidFill>
+                            <a:schemeClr val="tx1"/>
+                          </a:solidFill>
+                        </a:rPr>
+                        <a:t>B</a:t>
+                      </a:r>
+                      <a:endParaRPr kumimoji="1" lang="ja-JP" altLang="en-US" b="1" dirty="0">
+                        <a:solidFill>
+                          <a:schemeClr val="tx1"/>
+                        </a:solidFill>
+                      </a:endParaRPr>
+                    </a:p>
+                  </a:txBody>
+                  <a:tcPr>
+                    <a:lnL w="12700" cap="flat" cmpd="sng" algn="ctr">
+                      <a:solidFill>
+                        <a:schemeClr val="tx1"/>
+                      </a:solidFill>
+                      <a:prstDash val="solid"/>
+                      <a:round/>
+                      <a:headEnd type="none" w="med" len="med"/>
+                      <a:tailEnd type="none" w="med" len="med"/>
+                    </a:lnL>
+                    <a:lnR w="12700" cap="flat" cmpd="sng" algn="ctr">
+                      <a:solidFill>
+                        <a:schemeClr val="tx1"/>
+                      </a:solidFill>
+                      <a:prstDash val="solid"/>
+                      <a:round/>
+                      <a:headEnd type="none" w="med" len="med"/>
+                      <a:tailEnd type="none" w="med" len="med"/>
+                    </a:lnR>
+                    <a:lnT w="12700" cap="flat" cmpd="sng" algn="ctr">
+                      <a:solidFill>
+                        <a:schemeClr val="tx1"/>
+                      </a:solidFill>
+                      <a:prstDash val="solid"/>
+                      <a:round/>
+                      <a:headEnd type="none" w="med" len="med"/>
+                      <a:tailEnd type="none" w="med" len="med"/>
+                    </a:lnT>
+                    <a:lnB w="12700" cap="flat" cmpd="sng" algn="ctr">
+                      <a:solidFill>
+                        <a:schemeClr val="tx1"/>
+                      </a:solidFill>
+                      <a:prstDash val="solid"/>
+                      <a:round/>
+                      <a:headEnd type="none" w="med" len="med"/>
+                      <a:tailEnd type="none" w="med" len="med"/>
+                    </a:lnB>
+                    <a:solidFill>
+                      <a:srgbClr val="FFC000"/>
+                    </a:solidFill>
+                  </a:tcPr>
+                </a:tc>
+              </a:tr>
+              <a:tr h="370840">
+                <a:tc>
+                  <a:txBody>
+                    <a:bodyPr/>
+                    <a:lstStyle/>
+                    <a:p>
+                      <a:r>
+                        <a:rPr kumimoji="1" lang="ja-JP" altLang="en-US" b="1" dirty="0" smtClean="0">
+                          <a:solidFill>
+                            <a:schemeClr val="tx1"/>
+                          </a:solidFill>
+                        </a:rPr>
+                        <a:t>エリア</a:t>
+                      </a:r>
+                      <a:r>
+                        <a:rPr kumimoji="1" lang="en-US" altLang="ja-JP" b="1" dirty="0" smtClean="0">
+                          <a:solidFill>
+                            <a:schemeClr val="tx1"/>
+                          </a:solidFill>
+                        </a:rPr>
+                        <a:t>3</a:t>
+                      </a:r>
+                      <a:endParaRPr kumimoji="1" lang="ja-JP" altLang="en-US" b="1" dirty="0">
+                        <a:solidFill>
+                          <a:schemeClr val="tx1"/>
+                        </a:solidFill>
+                      </a:endParaRPr>
+                    </a:p>
+                  </a:txBody>
+                  <a:tcPr>
+                    <a:lnL w="12700" cap="flat" cmpd="sng" algn="ctr">
+                      <a:solidFill>
+                        <a:schemeClr val="tx1"/>
+                      </a:solidFill>
+                      <a:prstDash val="solid"/>
+                      <a:round/>
+                      <a:headEnd type="none" w="med" len="med"/>
+                      <a:tailEnd type="none" w="med" len="med"/>
+                    </a:lnL>
+                    <a:lnR w="12700" cap="flat" cmpd="sng" algn="ctr">
+                      <a:solidFill>
+                        <a:schemeClr val="tx1"/>
+                      </a:solidFill>
+                      <a:prstDash val="solid"/>
+                      <a:round/>
+                      <a:headEnd type="none" w="med" len="med"/>
+                      <a:tailEnd type="none" w="med" len="med"/>
+                    </a:lnR>
+                    <a:lnT w="12700" cap="flat" cmpd="sng" algn="ctr">
+                      <a:solidFill>
+                        <a:schemeClr val="tx1"/>
+                      </a:solidFill>
+                      <a:prstDash val="solid"/>
+                      <a:round/>
+                      <a:headEnd type="none" w="med" len="med"/>
+                      <a:tailEnd type="none" w="med" len="med"/>
+                    </a:lnT>
+                    <a:lnB w="12700" cap="flat" cmpd="sng" algn="ctr">
+                      <a:solidFill>
+                        <a:schemeClr val="tx1"/>
+                      </a:solidFill>
+                      <a:prstDash val="solid"/>
+                      <a:round/>
+                      <a:headEnd type="none" w="med" len="med"/>
+                      <a:tailEnd type="none" w="med" len="med"/>
+                    </a:lnB>
+                    <a:solidFill>
+                      <a:srgbClr val="FFC000"/>
+                    </a:solidFill>
+                  </a:tcPr>
+                </a:tc>
+                <a:tc>
+                  <a:txBody>
+                    <a:bodyPr/>
+                    <a:lstStyle/>
+                    <a:p>
+                      <a:r>
+                        <a:rPr kumimoji="1" lang="en-US" altLang="ja-JP" b="1" dirty="0" smtClean="0">
+                          <a:solidFill>
+                            <a:schemeClr val="tx1"/>
+                          </a:solidFill>
+                        </a:rPr>
+                        <a:t>C</a:t>
+                      </a:r>
+                    </a:p>
+                    <a:p>
+                      <a:r>
+                        <a:rPr kumimoji="1" lang="en-US" altLang="ja-JP" b="1" dirty="0" smtClean="0">
+                          <a:solidFill>
+                            <a:schemeClr val="tx1"/>
+                          </a:solidFill>
+                        </a:rPr>
+                        <a:t>D</a:t>
+                      </a:r>
+                      <a:endParaRPr kumimoji="1" lang="ja-JP" altLang="en-US" b="1" dirty="0">
+                        <a:solidFill>
+                          <a:schemeClr val="tx1"/>
+                        </a:solidFill>
+                      </a:endParaRPr>
+                    </a:p>
+                  </a:txBody>
+                  <a:tcPr>
+                    <a:lnL w="12700" cap="flat" cmpd="sng" algn="ctr">
+                      <a:solidFill>
+                        <a:schemeClr val="tx1"/>
+                      </a:solidFill>
+                      <a:prstDash val="solid"/>
+                      <a:round/>
+                      <a:headEnd type="none" w="med" len="med"/>
+                      <a:tailEnd type="none" w="med" len="med"/>
+                    </a:lnL>
+                    <a:lnR w="12700" cap="flat" cmpd="sng" algn="ctr">
+                      <a:solidFill>
+                        <a:schemeClr val="tx1"/>
+                      </a:solidFill>
+                      <a:prstDash val="solid"/>
+                      <a:round/>
+                      <a:headEnd type="none" w="med" len="med"/>
+                      <a:tailEnd type="none" w="med" len="med"/>
+                    </a:lnR>
+                    <a:lnT w="12700" cap="flat" cmpd="sng" algn="ctr">
+                      <a:solidFill>
+                        <a:schemeClr val="tx1"/>
+                      </a:solidFill>
+                      <a:prstDash val="solid"/>
+                      <a:round/>
+                      <a:headEnd type="none" w="med" len="med"/>
+                      <a:tailEnd type="none" w="med" len="med"/>
+                    </a:lnT>
+                    <a:lnB w="12700" cap="flat" cmpd="sng" algn="ctr">
+                      <a:solidFill>
+                        <a:schemeClr val="tx1"/>
+                      </a:solidFill>
+                      <a:prstDash val="solid"/>
+                      <a:round/>
+                      <a:headEnd type="none" w="med" len="med"/>
+                      <a:tailEnd type="none" w="med" len="med"/>
+                    </a:lnB>
+                    <a:solidFill>
+                      <a:srgbClr val="FFC000"/>
+                    </a:solidFill>
+                  </a:tcPr>
+                </a:tc>
+              </a:tr>
+            </a:tbl>
+          </a:graphicData>
+        </a:graphic>
+      </p:graphicFrame>
+      <p:sp>
+        <p:nvSpPr>
+          <p:cNvPr id="28" name="下矢印 27"/>
+          <p:cNvSpPr/>
+          <p:nvPr/>
+        </p:nvSpPr>
+        <p:spPr>
+          <a:xfrm rot="3799809">
+            <a:off x="9202217" y="11844111"/>
+            <a:ext cx="1828668" cy="4652242"/>
+          </a:xfrm>
+          <a:prstGeom prst="downArrow">
+            <a:avLst/>
+          </a:prstGeom>
+        </p:spPr>
+        <p:style>
+          <a:lnRef idx="2">
+            <a:schemeClr val="accent1">
+              <a:shade val="50000"/>
+            </a:schemeClr>
+          </a:lnRef>
+          <a:fillRef idx="1">
+            <a:schemeClr val="accent1"/>
+          </a:fillRef>
+          <a:effectRef idx="0">
+            <a:schemeClr val="accent1"/>
+          </a:effectRef>
+          <a:fontRef idx="minor">
+            <a:schemeClr val="lt1"/>
+          </a:fontRef>
+        </p:style>
+        <p:txBody>
+          <a:bodyPr rtlCol="0" anchor="ctr"/>
+          <a:lstStyle/>
+          <a:p>
+            <a:pPr algn="ctr"/>
+            <a:endParaRPr kumimoji="1" lang="ja-JP" altLang="en-US"/>
+          </a:p>
+        </p:txBody>
+      </p:sp>
+      <p:sp>
+        <p:nvSpPr>
+          <p:cNvPr id="29" name="下矢印 28"/>
+          <p:cNvSpPr/>
+          <p:nvPr/>
+        </p:nvSpPr>
+        <p:spPr>
+          <a:xfrm rot="17745528">
+            <a:off x="9486935" y="6090745"/>
+            <a:ext cx="1828668" cy="4665587"/>
+          </a:xfrm>
+          <a:prstGeom prst="downArrow">
+            <a:avLst/>
+          </a:prstGeom>
+        </p:spPr>
+        <p:style>
+          <a:lnRef idx="2">
+            <a:schemeClr val="accent1">
+              <a:shade val="50000"/>
+            </a:schemeClr>
+          </a:lnRef>
+          <a:fillRef idx="1">
+            <a:schemeClr val="accent1"/>
+          </a:fillRef>
+          <a:effectRef idx="0">
+            <a:schemeClr val="accent1"/>
+          </a:effectRef>
+          <a:fontRef idx="minor">
+            <a:schemeClr val="lt1"/>
+          </a:fontRef>
+        </p:style>
+        <p:txBody>
+          <a:bodyPr rtlCol="0" anchor="ctr"/>
+          <a:lstStyle/>
+          <a:p>
+            <a:pPr algn="ctr"/>
+            <a:endParaRPr kumimoji="1" lang="ja-JP" altLang="en-US" dirty="0"/>
+          </a:p>
+        </p:txBody>
+      </p:sp>
+      <p:sp>
+        <p:nvSpPr>
+          <p:cNvPr id="31" name="下矢印 30"/>
+          <p:cNvSpPr/>
+          <p:nvPr/>
+        </p:nvSpPr>
+        <p:spPr>
+          <a:xfrm rot="17964904">
+            <a:off x="9615081" y="18323367"/>
+            <a:ext cx="1828668" cy="3976460"/>
+          </a:xfrm>
+          <a:prstGeom prst="downArrow">
+            <a:avLst/>
+          </a:prstGeom>
+        </p:spPr>
+        <p:style>
+          <a:lnRef idx="2">
+            <a:schemeClr val="accent1">
+              <a:shade val="50000"/>
+            </a:schemeClr>
+          </a:lnRef>
+          <a:fillRef idx="1">
+            <a:schemeClr val="accent1"/>
+          </a:fillRef>
+          <a:effectRef idx="0">
+            <a:schemeClr val="accent1"/>
+          </a:effectRef>
+          <a:fontRef idx="minor">
+            <a:schemeClr val="lt1"/>
+          </a:fontRef>
+        </p:style>
+        <p:txBody>
+          <a:bodyPr rtlCol="0" anchor="ctr"/>
+          <a:lstStyle/>
+          <a:p>
+            <a:pPr algn="ctr"/>
+            <a:endParaRPr kumimoji="1" lang="ja-JP" altLang="en-US"/>
+          </a:p>
+        </p:txBody>
+      </p:sp>
+      <p:sp>
+        <p:nvSpPr>
+          <p:cNvPr id="32" name="正方形/長方形 31"/>
+          <p:cNvSpPr/>
+          <p:nvPr/>
+        </p:nvSpPr>
+        <p:spPr>
+          <a:xfrm>
+            <a:off x="2590361" y="23870751"/>
+            <a:ext cx="9323972" cy="1965965"/>
+          </a:xfrm>
+          <a:prstGeom prst="rect">
+            <a:avLst/>
+          </a:prstGeom>
+          <a:solidFill>
+            <a:schemeClr val="bg1"/>
+          </a:solidFill>
+          <a:ln w="76200">
+            <a:solidFill>
+              <a:srgbClr val="7030A0"/>
+            </a:solidFill>
+          </a:ln>
+        </p:spPr>
+        <p:style>
+          <a:lnRef idx="2">
+            <a:schemeClr val="accent1">
+              <a:shade val="50000"/>
+            </a:schemeClr>
+          </a:lnRef>
+          <a:fillRef idx="1">
+            <a:schemeClr val="accent1"/>
+          </a:fillRef>
+          <a:effectRef idx="0">
+            <a:schemeClr val="accent1"/>
+          </a:effectRef>
+          <a:fontRef idx="minor">
+            <a:schemeClr val="lt1"/>
+          </a:fontRef>
+        </p:style>
+        <p:txBody>
+          <a:bodyPr lIns="91434" tIns="45715" rIns="91434" bIns="45715" spcCol="0" rtlCol="0" anchor="ctr"/>
+          <a:lstStyle/>
+          <a:p>
+            <a:r>
+              <a:rPr lang="ja-JP" altLang="en-US" sz="3900" b="1" dirty="0">
+                <a:solidFill>
+                  <a:schemeClr val="tx1"/>
+                </a:solidFill>
+              </a:rPr>
+              <a:t>　</a:t>
+            </a:r>
+            <a:r>
+              <a:rPr lang="ja-JP" altLang="en-US" sz="3900" b="1" dirty="0" smtClean="0">
+                <a:solidFill>
+                  <a:schemeClr val="tx1"/>
+                </a:solidFill>
+              </a:rPr>
+              <a:t>　　　</a:t>
+            </a:r>
+            <a:endParaRPr lang="en-US" altLang="ja-JP" sz="3900" b="1" dirty="0" smtClean="0">
+              <a:solidFill>
+                <a:schemeClr val="tx1"/>
+              </a:solidFill>
+            </a:endParaRPr>
+          </a:p>
+          <a:p>
+            <a:r>
+              <a:rPr lang="ja-JP" altLang="en-US" sz="3900" b="1" dirty="0">
+                <a:solidFill>
+                  <a:schemeClr val="tx1"/>
+                </a:solidFill>
+              </a:rPr>
+              <a:t>　</a:t>
+            </a:r>
+            <a:r>
+              <a:rPr lang="ja-JP" altLang="en-US" sz="3900" b="1" dirty="0" smtClean="0">
+                <a:solidFill>
+                  <a:schemeClr val="tx1"/>
+                </a:solidFill>
+              </a:rPr>
+              <a:t>　</a:t>
+            </a:r>
+            <a:r>
+              <a:rPr lang="ja-JP" altLang="en-US" sz="3900" b="1" dirty="0">
+                <a:solidFill>
+                  <a:schemeClr val="tx1"/>
+                </a:solidFill>
+              </a:rPr>
+              <a:t>　</a:t>
+            </a:r>
+            <a:endParaRPr lang="en-US" altLang="ja-JP" sz="3900" b="1" dirty="0" smtClean="0">
+              <a:solidFill>
+                <a:schemeClr val="tx1"/>
+              </a:solidFill>
+            </a:endParaRPr>
+          </a:p>
+          <a:p>
+            <a:r>
+              <a:rPr lang="ja-JP" altLang="en-US" sz="3900" b="1" dirty="0">
+                <a:solidFill>
+                  <a:schemeClr val="tx1"/>
+                </a:solidFill>
+              </a:rPr>
+              <a:t>　</a:t>
+            </a:r>
+            <a:r>
+              <a:rPr lang="ja-JP" altLang="en-US" sz="3900" b="1" dirty="0" smtClean="0">
+                <a:solidFill>
+                  <a:schemeClr val="tx1"/>
+                </a:solidFill>
+              </a:rPr>
+              <a:t>　　</a:t>
+            </a:r>
+            <a:r>
+              <a:rPr lang="ja-JP" altLang="en-US" sz="3900" b="1" dirty="0" smtClean="0">
+                <a:solidFill>
+                  <a:schemeClr val="tx1"/>
+                </a:solidFill>
+              </a:rPr>
+              <a:t>に</a:t>
+            </a:r>
+            <a:r>
+              <a:rPr lang="ja-JP" altLang="en-US" sz="3900" b="1" dirty="0" smtClean="0">
+                <a:solidFill>
+                  <a:schemeClr val="tx1"/>
+                </a:solidFill>
+              </a:rPr>
+              <a:t>着手できるところまで完了</a:t>
+            </a:r>
+            <a:endParaRPr lang="en-US" altLang="ja-JP" sz="3900" b="1" dirty="0" smtClean="0">
+              <a:solidFill>
+                <a:schemeClr val="tx1"/>
+              </a:solidFill>
+            </a:endParaRPr>
+          </a:p>
+          <a:p>
+            <a:r>
+              <a:rPr lang="ja-JP" altLang="en-US" sz="3900" b="1" dirty="0">
+                <a:solidFill>
+                  <a:schemeClr val="tx1"/>
+                </a:solidFill>
+              </a:rPr>
+              <a:t>　</a:t>
+            </a:r>
+            <a:r>
+              <a:rPr lang="ja-JP" altLang="en-US" sz="3900" b="1" dirty="0" smtClean="0">
+                <a:solidFill>
+                  <a:schemeClr val="tx1"/>
+                </a:solidFill>
+              </a:rPr>
+              <a:t>　　　　</a:t>
+            </a:r>
+            <a:endParaRPr lang="en-US" altLang="ja-JP" sz="3900" b="1" dirty="0" smtClean="0">
+              <a:solidFill>
+                <a:schemeClr val="tx1"/>
+              </a:solidFill>
+            </a:endParaRPr>
+          </a:p>
+          <a:p>
+            <a:r>
+              <a:rPr lang="ja-JP" altLang="en-US" sz="3900" b="1" dirty="0" smtClean="0">
+                <a:solidFill>
+                  <a:schemeClr val="tx1"/>
+                </a:solidFill>
+              </a:rPr>
+              <a:t>　　　</a:t>
+            </a:r>
+            <a:endParaRPr lang="en-US" altLang="ja-JP" sz="3900" b="1" dirty="0">
+              <a:solidFill>
+                <a:schemeClr val="tx1"/>
+              </a:solidFill>
+            </a:endParaRPr>
+          </a:p>
+        </p:txBody>
+      </p:sp>
+      <p:sp>
+        <p:nvSpPr>
+          <p:cNvPr id="33" name="角丸四角形 32"/>
+          <p:cNvSpPr/>
+          <p:nvPr/>
+        </p:nvSpPr>
+        <p:spPr>
+          <a:xfrm>
+            <a:off x="2025011" y="22905882"/>
+            <a:ext cx="4407387" cy="1023855"/>
+          </a:xfrm>
+          <a:prstGeom prst="roundRect">
+            <a:avLst/>
+          </a:prstGeom>
+          <a:solidFill>
+            <a:schemeClr val="bg1"/>
+          </a:solidFill>
+          <a:ln w="76200">
+            <a:solidFill>
+              <a:srgbClr val="7030A0"/>
+            </a:solidFill>
+          </a:ln>
+        </p:spPr>
+        <p:style>
+          <a:lnRef idx="2">
+            <a:schemeClr val="accent1">
+              <a:shade val="50000"/>
+            </a:schemeClr>
+          </a:lnRef>
+          <a:fillRef idx="1">
+            <a:schemeClr val="accent1"/>
+          </a:fillRef>
+          <a:effectRef idx="0">
+            <a:schemeClr val="accent1"/>
+          </a:effectRef>
+          <a:fontRef idx="minor">
+            <a:schemeClr val="lt1"/>
+          </a:fontRef>
+        </p:style>
+        <p:txBody>
+          <a:bodyPr rtlCol="0" anchor="ctr"/>
+          <a:lstStyle/>
+          <a:p>
+            <a:pPr algn="ctr"/>
+            <a:r>
+              <a:rPr kumimoji="1" lang="ja-JP" altLang="en-US" sz="5400" dirty="0" smtClean="0">
+                <a:solidFill>
+                  <a:schemeClr val="tx1"/>
+                </a:solidFill>
+              </a:rPr>
+              <a:t>進捗</a:t>
+            </a:r>
+            <a:endParaRPr kumimoji="1" lang="ja-JP" altLang="en-US" sz="5400" dirty="0">
+              <a:solidFill>
+                <a:schemeClr val="tx1"/>
+              </a:solidFill>
+            </a:endParaRPr>
+          </a:p>
+        </p:txBody>
+      </p:sp>
+      <p:sp>
+        <p:nvSpPr>
+          <p:cNvPr id="37" name="フローチャート : 結合子 36"/>
+          <p:cNvSpPr/>
+          <p:nvPr/>
+        </p:nvSpPr>
+        <p:spPr>
+          <a:xfrm>
+            <a:off x="2901096" y="24214941"/>
+            <a:ext cx="1239777" cy="1277584"/>
+          </a:xfrm>
+          <a:prstGeom prst="flowChartConnector">
+            <a:avLst/>
+          </a:prstGeom>
+        </p:spPr>
+        <p:style>
+          <a:lnRef idx="2">
+            <a:schemeClr val="accent1">
+              <a:shade val="50000"/>
+            </a:schemeClr>
+          </a:lnRef>
+          <a:fillRef idx="1">
+            <a:schemeClr val="accent1"/>
+          </a:fillRef>
+          <a:effectRef idx="0">
+            <a:schemeClr val="accent1"/>
+          </a:effectRef>
+          <a:fontRef idx="minor">
+            <a:schemeClr val="lt1"/>
+          </a:fontRef>
+        </p:style>
+        <p:txBody>
+          <a:bodyPr rtlCol="0" anchor="ctr"/>
+          <a:lstStyle/>
+          <a:p>
+            <a:pPr algn="ctr"/>
+            <a:r>
+              <a:rPr kumimoji="1" lang="en-US" altLang="ja-JP" sz="6600" dirty="0" smtClean="0"/>
+              <a:t>2</a:t>
+            </a:r>
+            <a:endParaRPr kumimoji="1" lang="ja-JP" altLang="en-US" sz="6600" dirty="0"/>
           </a:p>
         </p:txBody>
       </p:sp>

--- a/課題研究/2013/小野寺航己/1142032課題研究ポスター.pptx
+++ b/課題研究/2013/小野寺航己/1142032課題研究ポスター.pptx
@@ -10109,169 +10109,6 @@
       </p:sp>
       <p:grpSp>
         <p:nvGrpSpPr>
-          <p:cNvPr id="47" name="グループ化 46"/>
-          <p:cNvGrpSpPr/>
-          <p:nvPr/>
-        </p:nvGrpSpPr>
-        <p:grpSpPr>
-          <a:xfrm>
-            <a:off x="3893913" y="9303083"/>
-            <a:ext cx="6635502" cy="3444683"/>
-            <a:chOff x="8063724" y="2459970"/>
-            <a:chExt cx="6635502" cy="3444683"/>
-          </a:xfrm>
-        </p:grpSpPr>
-        <p:sp>
-          <p:nvSpPr>
-            <p:cNvPr id="48" name="角丸四角形 47"/>
-            <p:cNvSpPr/>
-            <p:nvPr/>
-          </p:nvSpPr>
-          <p:spPr>
-            <a:xfrm>
-              <a:off x="8895422" y="3166506"/>
-              <a:ext cx="5803804" cy="2738147"/>
-            </a:xfrm>
-            <a:prstGeom prst="roundRect">
-              <a:avLst/>
-            </a:prstGeom>
-            <a:solidFill>
-              <a:schemeClr val="bg1"/>
-            </a:solidFill>
-            <a:ln w="76200"/>
-          </p:spPr>
-          <p:style>
-            <a:lnRef idx="2">
-              <a:schemeClr val="accent1">
-                <a:shade val="50000"/>
-              </a:schemeClr>
-            </a:lnRef>
-            <a:fillRef idx="1">
-              <a:schemeClr val="accent1"/>
-            </a:fillRef>
-            <a:effectRef idx="0">
-              <a:schemeClr val="accent1"/>
-            </a:effectRef>
-            <a:fontRef idx="minor">
-              <a:schemeClr val="lt1"/>
-            </a:fontRef>
-          </p:style>
-          <p:txBody>
-            <a:bodyPr rtlCol="0" anchor="ctr"/>
-            <a:lstStyle/>
-            <a:p>
-              <a:pPr algn="ctr"/>
-              <a:r>
-                <a:rPr lang="ja-JP" altLang="en-US" sz="4800" b="1" dirty="0" smtClean="0">
-                  <a:solidFill>
-                    <a:schemeClr val="tx1"/>
-                  </a:solidFill>
-                </a:rPr>
-                <a:t>ユニット</a:t>
-              </a:r>
-              <a:r>
-                <a:rPr lang="ja-JP" altLang="en-US" sz="4800" b="1" dirty="0">
-                  <a:solidFill>
-                    <a:schemeClr val="tx1"/>
-                  </a:solidFill>
-                </a:rPr>
-                <a:t>候補</a:t>
-              </a:r>
-              <a:r>
-                <a:rPr lang="ja-JP" altLang="en-US" sz="4800" b="1" dirty="0" smtClean="0">
-                  <a:solidFill>
-                    <a:schemeClr val="tx1"/>
-                  </a:solidFill>
-                </a:rPr>
-                <a:t>を</a:t>
-              </a:r>
-              <a:endParaRPr lang="en-US" altLang="ja-JP" sz="4800" b="1" dirty="0" smtClean="0">
-                <a:solidFill>
-                  <a:schemeClr val="tx1"/>
-                </a:solidFill>
-              </a:endParaRPr>
-            </a:p>
-            <a:p>
-              <a:pPr algn="ctr"/>
-              <a:r>
-                <a:rPr lang="ja-JP" altLang="en-US" sz="4800" b="1" dirty="0" smtClean="0">
-                  <a:solidFill>
-                    <a:schemeClr val="tx1"/>
-                  </a:solidFill>
-                </a:rPr>
-                <a:t>クラスタ分析</a:t>
-              </a:r>
-              <a:endParaRPr lang="en-US" altLang="ja-JP" sz="4800" b="1" dirty="0" smtClean="0">
-                <a:solidFill>
-                  <a:schemeClr val="tx1"/>
-                </a:solidFill>
-              </a:endParaRPr>
-            </a:p>
-            <a:p>
-              <a:pPr algn="ctr"/>
-              <a:r>
-                <a:rPr lang="ja-JP" altLang="en-US" sz="4800" b="1" dirty="0" smtClean="0">
-                  <a:solidFill>
-                    <a:schemeClr val="tx1"/>
-                  </a:solidFill>
-                </a:rPr>
-                <a:t>する</a:t>
-              </a:r>
-              <a:endParaRPr kumimoji="1" lang="ja-JP" altLang="en-US" sz="4800" b="1" dirty="0">
-                <a:solidFill>
-                  <a:schemeClr val="tx1"/>
-                </a:solidFill>
-              </a:endParaRPr>
-            </a:p>
-          </p:txBody>
-        </p:sp>
-        <p:sp>
-          <p:nvSpPr>
-            <p:cNvPr id="49" name="フローチャート : 結合子 48"/>
-            <p:cNvSpPr/>
-            <p:nvPr/>
-          </p:nvSpPr>
-          <p:spPr>
-            <a:xfrm>
-              <a:off x="8063724" y="2459970"/>
-              <a:ext cx="1602016" cy="1413073"/>
-            </a:xfrm>
-            <a:prstGeom prst="flowChartConnector">
-              <a:avLst/>
-            </a:prstGeom>
-          </p:spPr>
-          <p:style>
-            <a:lnRef idx="2">
-              <a:schemeClr val="accent1">
-                <a:shade val="50000"/>
-              </a:schemeClr>
-            </a:lnRef>
-            <a:fillRef idx="1">
-              <a:schemeClr val="accent1"/>
-            </a:fillRef>
-            <a:effectRef idx="0">
-              <a:schemeClr val="accent1"/>
-            </a:effectRef>
-            <a:fontRef idx="minor">
-              <a:schemeClr val="lt1"/>
-            </a:fontRef>
-          </p:style>
-          <p:txBody>
-            <a:bodyPr rtlCol="0" anchor="ctr"/>
-            <a:lstStyle/>
-            <a:p>
-              <a:pPr algn="ctr"/>
-              <a:r>
-                <a:rPr kumimoji="1" lang="en-US" altLang="ja-JP" sz="8000" dirty="0" smtClean="0"/>
-                <a:t>2</a:t>
-              </a:r>
-              <a:endParaRPr kumimoji="1" lang="ja-JP" altLang="en-US" sz="8000" dirty="0"/>
-            </a:p>
-          </p:txBody>
-        </p:sp>
-      </p:grpSp>
-      <p:grpSp>
-        <p:nvGrpSpPr>
           <p:cNvPr id="51" name="グループ化 50"/>
           <p:cNvGrpSpPr/>
           <p:nvPr/>
@@ -10413,182 +10250,6 @@
                 <a:t>3</a:t>
               </a:r>
               <a:endParaRPr kumimoji="1" lang="ja-JP" altLang="en-US" sz="8000" dirty="0"/>
-            </a:p>
-          </p:txBody>
-        </p:sp>
-      </p:grpSp>
-      <p:grpSp>
-        <p:nvGrpSpPr>
-          <p:cNvPr id="6" name="グループ化 5"/>
-          <p:cNvGrpSpPr/>
-          <p:nvPr/>
-        </p:nvGrpSpPr>
-        <p:grpSpPr>
-          <a:xfrm>
-            <a:off x="2364368" y="13740209"/>
-            <a:ext cx="5144207" cy="6152200"/>
-            <a:chOff x="4006684" y="11749269"/>
-            <a:chExt cx="5144207" cy="6152200"/>
-          </a:xfrm>
-        </p:grpSpPr>
-        <p:grpSp>
-          <p:nvGrpSpPr>
-            <p:cNvPr id="4" name="グループ化 3"/>
-            <p:cNvGrpSpPr/>
-            <p:nvPr/>
-          </p:nvGrpSpPr>
-          <p:grpSpPr>
-            <a:xfrm>
-              <a:off x="4006684" y="11749269"/>
-              <a:ext cx="5144206" cy="6152200"/>
-              <a:chOff x="4006684" y="11749269"/>
-              <a:chExt cx="5144206" cy="6152200"/>
-            </a:xfrm>
-          </p:grpSpPr>
-          <p:pic>
-            <p:nvPicPr>
-              <p:cNvPr id="1027" name="Picture 3"/>
-              <p:cNvPicPr>
-                <a:picLocks noChangeAspect="1" noChangeArrowheads="1"/>
-              </p:cNvPicPr>
-              <p:nvPr/>
-            </p:nvPicPr>
-            <p:blipFill>
-              <a:blip r:embed="rId3">
-                <a:extLst>
-                  <a:ext uri="{28A0092B-C50C-407E-A947-70E740481C1C}">
-                    <a14:useLocalDpi xmlns:a14="http://schemas.microsoft.com/office/drawing/2010/main" val="0"/>
-                  </a:ext>
-                </a:extLst>
-              </a:blip>
-              <a:srcRect/>
-              <a:stretch>
-                <a:fillRect/>
-              </a:stretch>
-            </p:blipFill>
-            <p:spPr bwMode="auto">
-              <a:xfrm>
-                <a:off x="4006684" y="11749269"/>
-                <a:ext cx="4858048" cy="6152200"/>
-              </a:xfrm>
-              <a:prstGeom prst="rect">
-                <a:avLst/>
-              </a:prstGeom>
-              <a:noFill/>
-              <a:ln>
-                <a:noFill/>
-              </a:ln>
-              <a:extLst>
-                <a:ext uri="{909E8E84-426E-40DD-AFC4-6F175D3DCCD1}">
-                  <a14:hiddenFill xmlns:a14="http://schemas.microsoft.com/office/drawing/2010/main">
-                    <a:solidFill>
-                      <a:schemeClr val="accent1"/>
-                    </a:solidFill>
-                  </a14:hiddenFill>
-                </a:ext>
-                <a:ext uri="{91240B29-F687-4F45-9708-019B960494DF}">
-                  <a14:hiddenLine xmlns:a14="http://schemas.microsoft.com/office/drawing/2010/main" w="9525">
-                    <a:solidFill>
-                      <a:schemeClr val="tx1"/>
-                    </a:solidFill>
-                    <a:miter lim="800000"/>
-                    <a:headEnd/>
-                    <a:tailEnd/>
-                  </a14:hiddenLine>
-                </a:ext>
-              </a:extLst>
-            </p:spPr>
-          </p:pic>
-          <p:sp>
-            <p:nvSpPr>
-              <p:cNvPr id="2" name="テキスト ボックス 1"/>
-              <p:cNvSpPr txBox="1"/>
-              <p:nvPr/>
-            </p:nvSpPr>
-            <p:spPr>
-              <a:xfrm>
-                <a:off x="4249781" y="16868642"/>
-                <a:ext cx="4901109" cy="984885"/>
-              </a:xfrm>
-              <a:prstGeom prst="rect">
-                <a:avLst/>
-              </a:prstGeom>
-              <a:noFill/>
-            </p:spPr>
-            <p:txBody>
-              <a:bodyPr wrap="square" rtlCol="0">
-                <a:spAutoFit/>
-              </a:bodyPr>
-              <a:lstStyle/>
-              <a:p>
-                <a:r>
-                  <a:rPr kumimoji="1" lang="en-US" altLang="ja-JP" dirty="0" smtClean="0"/>
-                  <a:t>A</a:t>
-                </a:r>
-                <a:r>
-                  <a:rPr lang="ja-JP" altLang="en-US" dirty="0"/>
-                  <a:t> </a:t>
-                </a:r>
-                <a:r>
-                  <a:rPr lang="ja-JP" altLang="en-US" dirty="0" smtClean="0"/>
-                  <a:t>  </a:t>
-                </a:r>
-                <a:r>
-                  <a:rPr kumimoji="1" lang="en-US" altLang="ja-JP" dirty="0" smtClean="0"/>
-                  <a:t>B   C      </a:t>
-                </a:r>
-                <a:r>
-                  <a:rPr lang="en-US" altLang="ja-JP" dirty="0" smtClean="0"/>
-                  <a:t>D</a:t>
-                </a:r>
-                <a:endParaRPr kumimoji="1" lang="en-US" altLang="ja-JP" dirty="0" smtClean="0"/>
-              </a:p>
-            </p:txBody>
-          </p:sp>
-        </p:grpSp>
-        <p:sp>
-          <p:nvSpPr>
-            <p:cNvPr id="5" name="正方形/長方形 4"/>
-            <p:cNvSpPr/>
-            <p:nvPr/>
-          </p:nvSpPr>
-          <p:spPr>
-            <a:xfrm>
-              <a:off x="4006684" y="11749269"/>
-              <a:ext cx="5144207" cy="6152200"/>
-            </a:xfrm>
-            <a:prstGeom prst="rect">
-              <a:avLst/>
-            </a:prstGeom>
-            <a:noFill/>
-            <a:ln w="76200">
-              <a:solidFill>
-                <a:schemeClr val="tx1"/>
-              </a:solidFill>
-            </a:ln>
-          </p:spPr>
-          <p:style>
-            <a:lnRef idx="2">
-              <a:schemeClr val="accent1">
-                <a:shade val="50000"/>
-              </a:schemeClr>
-            </a:lnRef>
-            <a:fillRef idx="1">
-              <a:schemeClr val="accent1"/>
-            </a:fillRef>
-            <a:effectRef idx="0">
-              <a:schemeClr val="accent1"/>
-            </a:effectRef>
-            <a:fontRef idx="minor">
-              <a:schemeClr val="lt1"/>
-            </a:fontRef>
-          </p:style>
-          <p:txBody>
-            <a:bodyPr rtlCol="0" anchor="ctr"/>
-            <a:lstStyle/>
-            <a:p>
-              <a:pPr algn="ctr"/>
-              <a:endParaRPr kumimoji="1" lang="ja-JP" altLang="en-US"/>
             </a:p>
           </p:txBody>
         </p:sp>
@@ -11124,8 +10785,8 @@
           <p:nvPr/>
         </p:nvSpPr>
         <p:spPr>
-          <a:xfrm rot="17964904">
-            <a:off x="9615081" y="18323367"/>
+          <a:xfrm rot="16784458">
+            <a:off x="9597001" y="19271112"/>
             <a:ext cx="1828668" cy="3976460"/>
           </a:xfrm>
           <a:prstGeom prst="downArrow">
@@ -11268,23 +10929,7 @@
                   <a:schemeClr val="tx1"/>
                 </a:solidFill>
               </a:rPr>
-              <a:t>　　</a:t>
-            </a:r>
-            <a:r>
-              <a:rPr lang="ja-JP" altLang="en-US" sz="3900" b="1" dirty="0" smtClean="0">
-                <a:solidFill>
-                  <a:schemeClr val="tx1"/>
-                </a:solidFill>
-              </a:rPr>
-              <a:t>に</a:t>
-            </a:r>
-            <a:r>
-              <a:rPr lang="ja-JP" altLang="en-US" sz="3900" b="1" dirty="0" smtClean="0">
-                <a:solidFill>
-                  <a:schemeClr val="tx1"/>
-                </a:solidFill>
-              </a:rPr>
-              <a:t>着手できるところまで完了</a:t>
+              <a:t>　　に着手できるところまで完了</a:t>
             </a:r>
             <a:endParaRPr lang="en-US" altLang="ja-JP" sz="3900" b="1" dirty="0" smtClean="0">
               <a:solidFill>
@@ -11433,6 +11078,988 @@
               <a:t>2</a:t>
             </a:r>
             <a:endParaRPr kumimoji="1" lang="ja-JP" altLang="en-US" sz="6600" dirty="0"/>
+          </a:p>
+        </p:txBody>
+      </p:sp>
+      <p:sp>
+        <p:nvSpPr>
+          <p:cNvPr id="34" name="角丸四角形 33"/>
+          <p:cNvSpPr/>
+          <p:nvPr/>
+        </p:nvSpPr>
+        <p:spPr>
+          <a:xfrm>
+            <a:off x="3439163" y="9924219"/>
+            <a:ext cx="7546784" cy="2738147"/>
+          </a:xfrm>
+          <a:prstGeom prst="roundRect">
+            <a:avLst/>
+          </a:prstGeom>
+          <a:solidFill>
+            <a:schemeClr val="bg1"/>
+          </a:solidFill>
+          <a:ln w="76200"/>
+        </p:spPr>
+        <p:style>
+          <a:lnRef idx="2">
+            <a:schemeClr val="accent1">
+              <a:shade val="50000"/>
+            </a:schemeClr>
+          </a:lnRef>
+          <a:fillRef idx="1">
+            <a:schemeClr val="accent1"/>
+          </a:fillRef>
+          <a:effectRef idx="0">
+            <a:schemeClr val="accent1"/>
+          </a:effectRef>
+          <a:fontRef idx="minor">
+            <a:schemeClr val="lt1"/>
+          </a:fontRef>
+        </p:style>
+        <p:txBody>
+          <a:bodyPr rtlCol="0" anchor="ctr"/>
+          <a:lstStyle/>
+          <a:p>
+            <a:pPr algn="ctr"/>
+            <a:r>
+              <a:rPr lang="ja-JP" altLang="en-US" sz="4800" b="1" dirty="0" smtClean="0">
+                <a:solidFill>
+                  <a:schemeClr val="tx1"/>
+                </a:solidFill>
+              </a:rPr>
+              <a:t>ユニット</a:t>
+            </a:r>
+            <a:r>
+              <a:rPr lang="ja-JP" altLang="en-US" sz="4800" b="1" dirty="0">
+                <a:solidFill>
+                  <a:schemeClr val="tx1"/>
+                </a:solidFill>
+              </a:rPr>
+              <a:t>候補</a:t>
+            </a:r>
+            <a:r>
+              <a:rPr lang="ja-JP" altLang="en-US" sz="4800" b="1" dirty="0" smtClean="0">
+                <a:solidFill>
+                  <a:schemeClr val="tx1"/>
+                </a:solidFill>
+              </a:rPr>
+              <a:t>を</a:t>
+            </a:r>
+            <a:endParaRPr lang="en-US" altLang="ja-JP" sz="4800" b="1" dirty="0" smtClean="0">
+              <a:solidFill>
+                <a:schemeClr val="tx1"/>
+              </a:solidFill>
+            </a:endParaRPr>
+          </a:p>
+          <a:p>
+            <a:pPr algn="ctr"/>
+            <a:r>
+              <a:rPr lang="ja-JP" altLang="en-US" sz="4800" b="1" dirty="0" smtClean="0">
+                <a:solidFill>
+                  <a:schemeClr val="tx1"/>
+                </a:solidFill>
+              </a:rPr>
+              <a:t>データマイニング手法を用いて分類する</a:t>
+            </a:r>
+            <a:endParaRPr lang="en-US" altLang="ja-JP" sz="4800" b="1" dirty="0" smtClean="0">
+              <a:solidFill>
+                <a:schemeClr val="tx1"/>
+              </a:solidFill>
+            </a:endParaRPr>
+          </a:p>
+        </p:txBody>
+      </p:sp>
+      <p:sp>
+        <p:nvSpPr>
+          <p:cNvPr id="35" name="フローチャート : 結合子 34"/>
+          <p:cNvSpPr/>
+          <p:nvPr/>
+        </p:nvSpPr>
+        <p:spPr>
+          <a:xfrm>
+            <a:off x="2607465" y="9217683"/>
+            <a:ext cx="1602016" cy="1413073"/>
+          </a:xfrm>
+          <a:prstGeom prst="flowChartConnector">
+            <a:avLst/>
+          </a:prstGeom>
+        </p:spPr>
+        <p:style>
+          <a:lnRef idx="2">
+            <a:schemeClr val="accent1">
+              <a:shade val="50000"/>
+            </a:schemeClr>
+          </a:lnRef>
+          <a:fillRef idx="1">
+            <a:schemeClr val="accent1"/>
+          </a:fillRef>
+          <a:effectRef idx="0">
+            <a:schemeClr val="accent1"/>
+          </a:effectRef>
+          <a:fontRef idx="minor">
+            <a:schemeClr val="lt1"/>
+          </a:fontRef>
+        </p:style>
+        <p:txBody>
+          <a:bodyPr rtlCol="0" anchor="ctr"/>
+          <a:lstStyle/>
+          <a:p>
+            <a:pPr algn="ctr"/>
+            <a:r>
+              <a:rPr kumimoji="1" lang="en-US" altLang="ja-JP" sz="8000" dirty="0" smtClean="0"/>
+              <a:t>2</a:t>
+            </a:r>
+            <a:endParaRPr kumimoji="1" lang="ja-JP" altLang="en-US" sz="8000" dirty="0"/>
+          </a:p>
+        </p:txBody>
+      </p:sp>
+      <p:sp>
+        <p:nvSpPr>
+          <p:cNvPr id="9" name="正方形/長方形 8"/>
+          <p:cNvSpPr/>
+          <p:nvPr/>
+        </p:nvSpPr>
+        <p:spPr>
+          <a:xfrm>
+            <a:off x="1550060" y="14180635"/>
+            <a:ext cx="5662495" cy="2984030"/>
+          </a:xfrm>
+          <a:prstGeom prst="rect">
+            <a:avLst/>
+          </a:prstGeom>
+          <a:solidFill>
+            <a:schemeClr val="bg1"/>
+          </a:solidFill>
+          <a:ln w="76200">
+            <a:solidFill>
+              <a:schemeClr val="tx2"/>
+            </a:solidFill>
+          </a:ln>
+        </p:spPr>
+        <p:style>
+          <a:lnRef idx="2">
+            <a:schemeClr val="accent1">
+              <a:shade val="50000"/>
+            </a:schemeClr>
+          </a:lnRef>
+          <a:fillRef idx="1">
+            <a:schemeClr val="accent1"/>
+          </a:fillRef>
+          <a:effectRef idx="0">
+            <a:schemeClr val="accent1"/>
+          </a:effectRef>
+          <a:fontRef idx="minor">
+            <a:schemeClr val="lt1"/>
+          </a:fontRef>
+        </p:style>
+        <p:txBody>
+          <a:bodyPr rtlCol="0" anchor="ctr"/>
+          <a:lstStyle/>
+          <a:p>
+            <a:pPr algn="ctr"/>
+            <a:endParaRPr kumimoji="1" lang="ja-JP" altLang="en-US" dirty="0"/>
+          </a:p>
+        </p:txBody>
+      </p:sp>
+      <p:cxnSp>
+        <p:nvCxnSpPr>
+          <p:cNvPr id="11" name="直線矢印コネクタ 10"/>
+          <p:cNvCxnSpPr/>
+          <p:nvPr/>
+        </p:nvCxnSpPr>
+        <p:spPr>
+          <a:xfrm>
+            <a:off x="1949734" y="16642571"/>
+            <a:ext cx="4482665" cy="0"/>
+          </a:xfrm>
+          <a:prstGeom prst="straightConnector1">
+            <a:avLst/>
+          </a:prstGeom>
+          <a:ln w="57150">
+            <a:solidFill>
+              <a:schemeClr val="tx2"/>
+            </a:solidFill>
+            <a:tailEnd type="arrow"/>
+          </a:ln>
+        </p:spPr>
+        <p:style>
+          <a:lnRef idx="1">
+            <a:schemeClr val="accent1"/>
+          </a:lnRef>
+          <a:fillRef idx="0">
+            <a:schemeClr val="accent1"/>
+          </a:fillRef>
+          <a:effectRef idx="0">
+            <a:schemeClr val="accent1"/>
+          </a:effectRef>
+          <a:fontRef idx="minor">
+            <a:schemeClr val="tx1"/>
+          </a:fontRef>
+        </p:style>
+      </p:cxnSp>
+      <p:cxnSp>
+        <p:nvCxnSpPr>
+          <p:cNvPr id="41" name="直線矢印コネクタ 40"/>
+          <p:cNvCxnSpPr/>
+          <p:nvPr/>
+        </p:nvCxnSpPr>
+        <p:spPr>
+          <a:xfrm flipV="1">
+            <a:off x="2385901" y="14360281"/>
+            <a:ext cx="0" cy="2624739"/>
+          </a:xfrm>
+          <a:prstGeom prst="straightConnector1">
+            <a:avLst/>
+          </a:prstGeom>
+          <a:ln w="57150">
+            <a:solidFill>
+              <a:schemeClr val="tx2"/>
+            </a:solidFill>
+            <a:tailEnd type="arrow"/>
+          </a:ln>
+        </p:spPr>
+        <p:style>
+          <a:lnRef idx="1">
+            <a:schemeClr val="accent1"/>
+          </a:lnRef>
+          <a:fillRef idx="0">
+            <a:schemeClr val="accent1"/>
+          </a:fillRef>
+          <a:effectRef idx="0">
+            <a:schemeClr val="accent1"/>
+          </a:effectRef>
+          <a:fontRef idx="minor">
+            <a:schemeClr val="tx1"/>
+          </a:fontRef>
+        </p:style>
+      </p:cxnSp>
+      <p:pic>
+        <p:nvPicPr>
+          <p:cNvPr id="22" name="Picture 3"/>
+          <p:cNvPicPr>
+            <a:picLocks noChangeAspect="1" noChangeArrowheads="1"/>
+          </p:cNvPicPr>
+          <p:nvPr/>
+        </p:nvPicPr>
+        <p:blipFill>
+          <a:blip r:embed="rId3">
+            <a:extLst>
+              <a:ext uri="{28A0092B-C50C-407E-A947-70E740481C1C}">
+                <a14:useLocalDpi xmlns:a14="http://schemas.microsoft.com/office/drawing/2010/main" val="0"/>
+              </a:ext>
+            </a:extLst>
+          </a:blip>
+          <a:srcRect/>
+          <a:stretch>
+            <a:fillRect/>
+          </a:stretch>
+        </p:blipFill>
+        <p:spPr bwMode="auto">
+          <a:xfrm>
+            <a:off x="2869525" y="15779335"/>
+            <a:ext cx="637190" cy="587215"/>
+          </a:xfrm>
+          <a:prstGeom prst="rect">
+            <a:avLst/>
+          </a:prstGeom>
+          <a:noFill/>
+          <a:ln>
+            <a:noFill/>
+          </a:ln>
+          <a:extLst>
+            <a:ext uri="{909E8E84-426E-40DD-AFC4-6F175D3DCCD1}">
+              <a14:hiddenFill xmlns:a14="http://schemas.microsoft.com/office/drawing/2010/main">
+                <a:solidFill>
+                  <a:schemeClr val="accent1"/>
+                </a:solidFill>
+              </a14:hiddenFill>
+            </a:ext>
+            <a:ext uri="{91240B29-F687-4F45-9708-019B960494DF}">
+              <a14:hiddenLine xmlns:a14="http://schemas.microsoft.com/office/drawing/2010/main" w="9525">
+                <a:solidFill>
+                  <a:schemeClr val="tx1"/>
+                </a:solidFill>
+                <a:miter lim="800000"/>
+                <a:headEnd/>
+                <a:tailEnd/>
+              </a14:hiddenLine>
+            </a:ext>
+          </a:extLst>
+        </p:spPr>
+      </p:pic>
+      <p:pic>
+        <p:nvPicPr>
+          <p:cNvPr id="1028" name="Picture 4"/>
+          <p:cNvPicPr>
+            <a:picLocks noChangeAspect="1" noChangeArrowheads="1"/>
+          </p:cNvPicPr>
+          <p:nvPr/>
+        </p:nvPicPr>
+        <p:blipFill>
+          <a:blip r:embed="rId4">
+            <a:extLst>
+              <a:ext uri="{28A0092B-C50C-407E-A947-70E740481C1C}">
+                <a14:useLocalDpi xmlns:a14="http://schemas.microsoft.com/office/drawing/2010/main" val="0"/>
+              </a:ext>
+            </a:extLst>
+          </a:blip>
+          <a:srcRect/>
+          <a:stretch>
+            <a:fillRect/>
+          </a:stretch>
+        </p:blipFill>
+        <p:spPr bwMode="auto">
+          <a:xfrm>
+            <a:off x="3842701" y="14682225"/>
+            <a:ext cx="733559" cy="696164"/>
+          </a:xfrm>
+          <a:prstGeom prst="rect">
+            <a:avLst/>
+          </a:prstGeom>
+          <a:noFill/>
+          <a:ln>
+            <a:noFill/>
+          </a:ln>
+          <a:extLst>
+            <a:ext uri="{909E8E84-426E-40DD-AFC4-6F175D3DCCD1}">
+              <a14:hiddenFill xmlns:a14="http://schemas.microsoft.com/office/drawing/2010/main">
+                <a:solidFill>
+                  <a:schemeClr val="accent1"/>
+                </a:solidFill>
+              </a14:hiddenFill>
+            </a:ext>
+            <a:ext uri="{91240B29-F687-4F45-9708-019B960494DF}">
+              <a14:hiddenLine xmlns:a14="http://schemas.microsoft.com/office/drawing/2010/main" w="9525">
+                <a:solidFill>
+                  <a:schemeClr val="tx1"/>
+                </a:solidFill>
+                <a:miter lim="800000"/>
+                <a:headEnd/>
+                <a:tailEnd/>
+              </a14:hiddenLine>
+            </a:ext>
+          </a:extLst>
+        </p:spPr>
+      </p:pic>
+      <p:pic>
+        <p:nvPicPr>
+          <p:cNvPr id="1029" name="Picture 5"/>
+          <p:cNvPicPr>
+            <a:picLocks noChangeAspect="1" noChangeArrowheads="1"/>
+          </p:cNvPicPr>
+          <p:nvPr/>
+        </p:nvPicPr>
+        <p:blipFill>
+          <a:blip r:embed="rId5">
+            <a:extLst>
+              <a:ext uri="{28A0092B-C50C-407E-A947-70E740481C1C}">
+                <a14:useLocalDpi xmlns:a14="http://schemas.microsoft.com/office/drawing/2010/main" val="0"/>
+              </a:ext>
+            </a:extLst>
+          </a:blip>
+          <a:srcRect/>
+          <a:stretch>
+            <a:fillRect/>
+          </a:stretch>
+        </p:blipFill>
+        <p:spPr bwMode="auto">
+          <a:xfrm>
+            <a:off x="4421099" y="15315164"/>
+            <a:ext cx="732028" cy="673205"/>
+          </a:xfrm>
+          <a:prstGeom prst="rect">
+            <a:avLst/>
+          </a:prstGeom>
+          <a:noFill/>
+          <a:ln>
+            <a:noFill/>
+          </a:ln>
+          <a:extLst>
+            <a:ext uri="{909E8E84-426E-40DD-AFC4-6F175D3DCCD1}">
+              <a14:hiddenFill xmlns:a14="http://schemas.microsoft.com/office/drawing/2010/main">
+                <a:solidFill>
+                  <a:schemeClr val="accent1"/>
+                </a:solidFill>
+              </a14:hiddenFill>
+            </a:ext>
+            <a:ext uri="{91240B29-F687-4F45-9708-019B960494DF}">
+              <a14:hiddenLine xmlns:a14="http://schemas.microsoft.com/office/drawing/2010/main" w="9525">
+                <a:solidFill>
+                  <a:schemeClr val="tx1"/>
+                </a:solidFill>
+                <a:miter lim="800000"/>
+                <a:headEnd/>
+                <a:tailEnd/>
+              </a14:hiddenLine>
+            </a:ext>
+          </a:extLst>
+        </p:spPr>
+      </p:pic>
+      <p:pic>
+        <p:nvPicPr>
+          <p:cNvPr id="1030" name="Picture 6"/>
+          <p:cNvPicPr>
+            <a:picLocks noChangeAspect="1" noChangeArrowheads="1"/>
+          </p:cNvPicPr>
+          <p:nvPr/>
+        </p:nvPicPr>
+        <p:blipFill>
+          <a:blip r:embed="rId6">
+            <a:extLst>
+              <a:ext uri="{28A0092B-C50C-407E-A947-70E740481C1C}">
+                <a14:useLocalDpi xmlns:a14="http://schemas.microsoft.com/office/drawing/2010/main" val="0"/>
+              </a:ext>
+            </a:extLst>
+          </a:blip>
+          <a:srcRect/>
+          <a:stretch>
+            <a:fillRect/>
+          </a:stretch>
+        </p:blipFill>
+        <p:spPr bwMode="auto">
+          <a:xfrm>
+            <a:off x="6099321" y="14672050"/>
+            <a:ext cx="666156" cy="644896"/>
+          </a:xfrm>
+          <a:prstGeom prst="rect">
+            <a:avLst/>
+          </a:prstGeom>
+          <a:noFill/>
+          <a:ln>
+            <a:noFill/>
+          </a:ln>
+          <a:extLst>
+            <a:ext uri="{909E8E84-426E-40DD-AFC4-6F175D3DCCD1}">
+              <a14:hiddenFill xmlns:a14="http://schemas.microsoft.com/office/drawing/2010/main">
+                <a:solidFill>
+                  <a:schemeClr val="accent1"/>
+                </a:solidFill>
+              </a14:hiddenFill>
+            </a:ext>
+            <a:ext uri="{91240B29-F687-4F45-9708-019B960494DF}">
+              <a14:hiddenLine xmlns:a14="http://schemas.microsoft.com/office/drawing/2010/main" w="9525">
+                <a:solidFill>
+                  <a:schemeClr val="tx1"/>
+                </a:solidFill>
+                <a:miter lim="800000"/>
+                <a:headEnd/>
+                <a:tailEnd/>
+              </a14:hiddenLine>
+            </a:ext>
+          </a:extLst>
+        </p:spPr>
+      </p:pic>
+      <p:sp>
+        <p:nvSpPr>
+          <p:cNvPr id="52" name="正方形/長方形 51"/>
+          <p:cNvSpPr/>
+          <p:nvPr/>
+        </p:nvSpPr>
+        <p:spPr>
+          <a:xfrm>
+            <a:off x="1522051" y="18619017"/>
+            <a:ext cx="5662495" cy="2984030"/>
+          </a:xfrm>
+          <a:prstGeom prst="rect">
+            <a:avLst/>
+          </a:prstGeom>
+          <a:solidFill>
+            <a:schemeClr val="bg1"/>
+          </a:solidFill>
+          <a:ln w="76200">
+            <a:solidFill>
+              <a:schemeClr val="tx2"/>
+            </a:solidFill>
+          </a:ln>
+        </p:spPr>
+        <p:style>
+          <a:lnRef idx="2">
+            <a:schemeClr val="accent1">
+              <a:shade val="50000"/>
+            </a:schemeClr>
+          </a:lnRef>
+          <a:fillRef idx="1">
+            <a:schemeClr val="accent1"/>
+          </a:fillRef>
+          <a:effectRef idx="0">
+            <a:schemeClr val="accent1"/>
+          </a:effectRef>
+          <a:fontRef idx="minor">
+            <a:schemeClr val="lt1"/>
+          </a:fontRef>
+        </p:style>
+        <p:txBody>
+          <a:bodyPr rtlCol="0" anchor="ctr"/>
+          <a:lstStyle/>
+          <a:p>
+            <a:pPr algn="ctr"/>
+            <a:endParaRPr kumimoji="1" lang="ja-JP" altLang="en-US" dirty="0"/>
+          </a:p>
+        </p:txBody>
+      </p:sp>
+      <p:cxnSp>
+        <p:nvCxnSpPr>
+          <p:cNvPr id="54" name="直線矢印コネクタ 53"/>
+          <p:cNvCxnSpPr/>
+          <p:nvPr/>
+        </p:nvCxnSpPr>
+        <p:spPr>
+          <a:xfrm>
+            <a:off x="1726773" y="21164460"/>
+            <a:ext cx="4482665" cy="0"/>
+          </a:xfrm>
+          <a:prstGeom prst="straightConnector1">
+            <a:avLst/>
+          </a:prstGeom>
+          <a:ln w="57150">
+            <a:solidFill>
+              <a:schemeClr val="tx2"/>
+            </a:solidFill>
+            <a:tailEnd type="arrow"/>
+          </a:ln>
+        </p:spPr>
+        <p:style>
+          <a:lnRef idx="1">
+            <a:schemeClr val="accent1"/>
+          </a:lnRef>
+          <a:fillRef idx="0">
+            <a:schemeClr val="accent1"/>
+          </a:fillRef>
+          <a:effectRef idx="0">
+            <a:schemeClr val="accent1"/>
+          </a:effectRef>
+          <a:fontRef idx="minor">
+            <a:schemeClr val="tx1"/>
+          </a:fontRef>
+        </p:style>
+      </p:cxnSp>
+      <p:cxnSp>
+        <p:nvCxnSpPr>
+          <p:cNvPr id="55" name="直線矢印コネクタ 54"/>
+          <p:cNvCxnSpPr/>
+          <p:nvPr/>
+        </p:nvCxnSpPr>
+        <p:spPr>
+          <a:xfrm flipV="1">
+            <a:off x="2162940" y="18882170"/>
+            <a:ext cx="0" cy="2624739"/>
+          </a:xfrm>
+          <a:prstGeom prst="straightConnector1">
+            <a:avLst/>
+          </a:prstGeom>
+          <a:ln w="57150">
+            <a:solidFill>
+              <a:schemeClr val="tx2"/>
+            </a:solidFill>
+            <a:tailEnd type="arrow"/>
+          </a:ln>
+        </p:spPr>
+        <p:style>
+          <a:lnRef idx="1">
+            <a:schemeClr val="accent1"/>
+          </a:lnRef>
+          <a:fillRef idx="0">
+            <a:schemeClr val="accent1"/>
+          </a:fillRef>
+          <a:effectRef idx="0">
+            <a:schemeClr val="accent1"/>
+          </a:effectRef>
+          <a:fontRef idx="minor">
+            <a:schemeClr val="tx1"/>
+          </a:fontRef>
+        </p:style>
+      </p:cxnSp>
+      <p:pic>
+        <p:nvPicPr>
+          <p:cNvPr id="56" name="Picture 3"/>
+          <p:cNvPicPr>
+            <a:picLocks noChangeAspect="1" noChangeArrowheads="1"/>
+          </p:cNvPicPr>
+          <p:nvPr/>
+        </p:nvPicPr>
+        <p:blipFill>
+          <a:blip r:embed="rId3">
+            <a:extLst>
+              <a:ext uri="{28A0092B-C50C-407E-A947-70E740481C1C}">
+                <a14:useLocalDpi xmlns:a14="http://schemas.microsoft.com/office/drawing/2010/main" val="0"/>
+              </a:ext>
+            </a:extLst>
+          </a:blip>
+          <a:srcRect/>
+          <a:stretch>
+            <a:fillRect/>
+          </a:stretch>
+        </p:blipFill>
+        <p:spPr bwMode="auto">
+          <a:xfrm>
+            <a:off x="2646564" y="20301224"/>
+            <a:ext cx="637190" cy="587215"/>
+          </a:xfrm>
+          <a:prstGeom prst="rect">
+            <a:avLst/>
+          </a:prstGeom>
+          <a:noFill/>
+          <a:ln>
+            <a:noFill/>
+          </a:ln>
+          <a:extLst>
+            <a:ext uri="{909E8E84-426E-40DD-AFC4-6F175D3DCCD1}">
+              <a14:hiddenFill xmlns:a14="http://schemas.microsoft.com/office/drawing/2010/main">
+                <a:solidFill>
+                  <a:schemeClr val="accent1"/>
+                </a:solidFill>
+              </a14:hiddenFill>
+            </a:ext>
+            <a:ext uri="{91240B29-F687-4F45-9708-019B960494DF}">
+              <a14:hiddenLine xmlns:a14="http://schemas.microsoft.com/office/drawing/2010/main" w="9525">
+                <a:solidFill>
+                  <a:schemeClr val="tx1"/>
+                </a:solidFill>
+                <a:miter lim="800000"/>
+                <a:headEnd/>
+                <a:tailEnd/>
+              </a14:hiddenLine>
+            </a:ext>
+          </a:extLst>
+        </p:spPr>
+      </p:pic>
+      <p:pic>
+        <p:nvPicPr>
+          <p:cNvPr id="59" name="Picture 4"/>
+          <p:cNvPicPr>
+            <a:picLocks noChangeAspect="1" noChangeArrowheads="1"/>
+          </p:cNvPicPr>
+          <p:nvPr/>
+        </p:nvPicPr>
+        <p:blipFill>
+          <a:blip r:embed="rId4">
+            <a:extLst>
+              <a:ext uri="{28A0092B-C50C-407E-A947-70E740481C1C}">
+                <a14:useLocalDpi xmlns:a14="http://schemas.microsoft.com/office/drawing/2010/main" val="0"/>
+              </a:ext>
+            </a:extLst>
+          </a:blip>
+          <a:srcRect/>
+          <a:stretch>
+            <a:fillRect/>
+          </a:stretch>
+        </p:blipFill>
+        <p:spPr bwMode="auto">
+          <a:xfrm>
+            <a:off x="3619740" y="19204114"/>
+            <a:ext cx="733559" cy="696164"/>
+          </a:xfrm>
+          <a:prstGeom prst="rect">
+            <a:avLst/>
+          </a:prstGeom>
+          <a:noFill/>
+          <a:ln>
+            <a:noFill/>
+          </a:ln>
+          <a:extLst>
+            <a:ext uri="{909E8E84-426E-40DD-AFC4-6F175D3DCCD1}">
+              <a14:hiddenFill xmlns:a14="http://schemas.microsoft.com/office/drawing/2010/main">
+                <a:solidFill>
+                  <a:schemeClr val="accent1"/>
+                </a:solidFill>
+              </a14:hiddenFill>
+            </a:ext>
+            <a:ext uri="{91240B29-F687-4F45-9708-019B960494DF}">
+              <a14:hiddenLine xmlns:a14="http://schemas.microsoft.com/office/drawing/2010/main" w="9525">
+                <a:solidFill>
+                  <a:schemeClr val="tx1"/>
+                </a:solidFill>
+                <a:miter lim="800000"/>
+                <a:headEnd/>
+                <a:tailEnd/>
+              </a14:hiddenLine>
+            </a:ext>
+          </a:extLst>
+        </p:spPr>
+      </p:pic>
+      <p:pic>
+        <p:nvPicPr>
+          <p:cNvPr id="60" name="Picture 5"/>
+          <p:cNvPicPr>
+            <a:picLocks noChangeAspect="1" noChangeArrowheads="1"/>
+          </p:cNvPicPr>
+          <p:nvPr/>
+        </p:nvPicPr>
+        <p:blipFill>
+          <a:blip r:embed="rId5">
+            <a:extLst>
+              <a:ext uri="{28A0092B-C50C-407E-A947-70E740481C1C}">
+                <a14:useLocalDpi xmlns:a14="http://schemas.microsoft.com/office/drawing/2010/main" val="0"/>
+              </a:ext>
+            </a:extLst>
+          </a:blip>
+          <a:srcRect/>
+          <a:stretch>
+            <a:fillRect/>
+          </a:stretch>
+        </p:blipFill>
+        <p:spPr bwMode="auto">
+          <a:xfrm>
+            <a:off x="4198138" y="19837053"/>
+            <a:ext cx="732028" cy="673205"/>
+          </a:xfrm>
+          <a:prstGeom prst="rect">
+            <a:avLst/>
+          </a:prstGeom>
+          <a:noFill/>
+          <a:ln>
+            <a:noFill/>
+          </a:ln>
+          <a:extLst>
+            <a:ext uri="{909E8E84-426E-40DD-AFC4-6F175D3DCCD1}">
+              <a14:hiddenFill xmlns:a14="http://schemas.microsoft.com/office/drawing/2010/main">
+                <a:solidFill>
+                  <a:schemeClr val="accent1"/>
+                </a:solidFill>
+              </a14:hiddenFill>
+            </a:ext>
+            <a:ext uri="{91240B29-F687-4F45-9708-019B960494DF}">
+              <a14:hiddenLine xmlns:a14="http://schemas.microsoft.com/office/drawing/2010/main" w="9525">
+                <a:solidFill>
+                  <a:schemeClr val="tx1"/>
+                </a:solidFill>
+                <a:miter lim="800000"/>
+                <a:headEnd/>
+                <a:tailEnd/>
+              </a14:hiddenLine>
+            </a:ext>
+          </a:extLst>
+        </p:spPr>
+      </p:pic>
+      <p:pic>
+        <p:nvPicPr>
+          <p:cNvPr id="61" name="Picture 6"/>
+          <p:cNvPicPr>
+            <a:picLocks noChangeAspect="1" noChangeArrowheads="1"/>
+          </p:cNvPicPr>
+          <p:nvPr/>
+        </p:nvPicPr>
+        <p:blipFill>
+          <a:blip r:embed="rId6">
+            <a:extLst>
+              <a:ext uri="{28A0092B-C50C-407E-A947-70E740481C1C}">
+                <a14:useLocalDpi xmlns:a14="http://schemas.microsoft.com/office/drawing/2010/main" val="0"/>
+              </a:ext>
+            </a:extLst>
+          </a:blip>
+          <a:srcRect/>
+          <a:stretch>
+            <a:fillRect/>
+          </a:stretch>
+        </p:blipFill>
+        <p:spPr bwMode="auto">
+          <a:xfrm>
+            <a:off x="5876360" y="19193939"/>
+            <a:ext cx="666156" cy="644896"/>
+          </a:xfrm>
+          <a:prstGeom prst="rect">
+            <a:avLst/>
+          </a:prstGeom>
+          <a:noFill/>
+          <a:ln>
+            <a:noFill/>
+          </a:ln>
+          <a:extLst>
+            <a:ext uri="{909E8E84-426E-40DD-AFC4-6F175D3DCCD1}">
+              <a14:hiddenFill xmlns:a14="http://schemas.microsoft.com/office/drawing/2010/main">
+                <a:solidFill>
+                  <a:schemeClr val="accent1"/>
+                </a:solidFill>
+              </a14:hiddenFill>
+            </a:ext>
+            <a:ext uri="{91240B29-F687-4F45-9708-019B960494DF}">
+              <a14:hiddenLine xmlns:a14="http://schemas.microsoft.com/office/drawing/2010/main" w="9525">
+                <a:solidFill>
+                  <a:schemeClr val="tx1"/>
+                </a:solidFill>
+                <a:miter lim="800000"/>
+                <a:headEnd/>
+                <a:tailEnd/>
+              </a14:hiddenLine>
+            </a:ext>
+          </a:extLst>
+        </p:spPr>
+      </p:pic>
+      <p:sp>
+        <p:nvSpPr>
+          <p:cNvPr id="23" name="円/楕円 22"/>
+          <p:cNvSpPr/>
+          <p:nvPr/>
+        </p:nvSpPr>
+        <p:spPr>
+          <a:xfrm rot="3046036">
+            <a:off x="3357511" y="19267412"/>
+            <a:ext cx="1720109" cy="1139280"/>
+          </a:xfrm>
+          <a:prstGeom prst="ellipse">
+            <a:avLst/>
+          </a:prstGeom>
+          <a:noFill/>
+          <a:ln w="76200">
+            <a:solidFill>
+              <a:schemeClr val="accent6"/>
+            </a:solidFill>
+          </a:ln>
+        </p:spPr>
+        <p:style>
+          <a:lnRef idx="2">
+            <a:schemeClr val="accent1">
+              <a:shade val="50000"/>
+            </a:schemeClr>
+          </a:lnRef>
+          <a:fillRef idx="1">
+            <a:schemeClr val="accent1"/>
+          </a:fillRef>
+          <a:effectRef idx="0">
+            <a:schemeClr val="accent1"/>
+          </a:effectRef>
+          <a:fontRef idx="minor">
+            <a:schemeClr val="lt1"/>
+          </a:fontRef>
+        </p:style>
+        <p:txBody>
+          <a:bodyPr rtlCol="0" anchor="ctr"/>
+          <a:lstStyle/>
+          <a:p>
+            <a:pPr algn="ctr"/>
+            <a:endParaRPr kumimoji="1" lang="ja-JP" altLang="en-US"/>
+          </a:p>
+        </p:txBody>
+      </p:sp>
+      <p:sp>
+        <p:nvSpPr>
+          <p:cNvPr id="39" name="円/楕円 38"/>
+          <p:cNvSpPr/>
+          <p:nvPr/>
+        </p:nvSpPr>
+        <p:spPr>
+          <a:xfrm>
+            <a:off x="5740856" y="18882170"/>
+            <a:ext cx="976017" cy="1291485"/>
+          </a:xfrm>
+          <a:prstGeom prst="ellipse">
+            <a:avLst/>
+          </a:prstGeom>
+          <a:noFill/>
+          <a:ln w="76200">
+            <a:solidFill>
+              <a:schemeClr val="accent6"/>
+            </a:solidFill>
+          </a:ln>
+        </p:spPr>
+        <p:style>
+          <a:lnRef idx="2">
+            <a:schemeClr val="accent1">
+              <a:shade val="50000"/>
+            </a:schemeClr>
+          </a:lnRef>
+          <a:fillRef idx="1">
+            <a:schemeClr val="accent1"/>
+          </a:fillRef>
+          <a:effectRef idx="0">
+            <a:schemeClr val="accent1"/>
+          </a:effectRef>
+          <a:fontRef idx="minor">
+            <a:schemeClr val="lt1"/>
+          </a:fontRef>
+        </p:style>
+        <p:txBody>
+          <a:bodyPr rtlCol="0" anchor="ctr"/>
+          <a:lstStyle/>
+          <a:p>
+            <a:pPr algn="ctr"/>
+            <a:endParaRPr kumimoji="1" lang="ja-JP" altLang="en-US"/>
+          </a:p>
+        </p:txBody>
+      </p:sp>
+      <p:sp>
+        <p:nvSpPr>
+          <p:cNvPr id="62" name="円/楕円 61"/>
+          <p:cNvSpPr/>
+          <p:nvPr/>
+        </p:nvSpPr>
+        <p:spPr>
+          <a:xfrm>
+            <a:off x="2403932" y="19942519"/>
+            <a:ext cx="976017" cy="1291485"/>
+          </a:xfrm>
+          <a:prstGeom prst="ellipse">
+            <a:avLst/>
+          </a:prstGeom>
+          <a:noFill/>
+          <a:ln w="76200">
+            <a:solidFill>
+              <a:schemeClr val="accent6"/>
+            </a:solidFill>
+          </a:ln>
+        </p:spPr>
+        <p:style>
+          <a:lnRef idx="2">
+            <a:schemeClr val="accent1">
+              <a:shade val="50000"/>
+            </a:schemeClr>
+          </a:lnRef>
+          <a:fillRef idx="1">
+            <a:schemeClr val="accent1"/>
+          </a:fillRef>
+          <a:effectRef idx="0">
+            <a:schemeClr val="accent1"/>
+          </a:effectRef>
+          <a:fontRef idx="minor">
+            <a:schemeClr val="lt1"/>
+          </a:fontRef>
+        </p:style>
+        <p:txBody>
+          <a:bodyPr rtlCol="0" anchor="ctr"/>
+          <a:lstStyle/>
+          <a:p>
+            <a:pPr algn="ctr"/>
+            <a:endParaRPr kumimoji="1" lang="ja-JP" altLang="en-US"/>
+          </a:p>
+        </p:txBody>
+      </p:sp>
+      <p:sp>
+        <p:nvSpPr>
+          <p:cNvPr id="65" name="下矢印 64"/>
+          <p:cNvSpPr/>
+          <p:nvPr/>
+        </p:nvSpPr>
+        <p:spPr>
+          <a:xfrm>
+            <a:off x="3788663" y="17438947"/>
+            <a:ext cx="1264872" cy="1035791"/>
+          </a:xfrm>
+          <a:prstGeom prst="downArrow">
+            <a:avLst/>
+          </a:prstGeom>
+        </p:spPr>
+        <p:style>
+          <a:lnRef idx="2">
+            <a:schemeClr val="accent1">
+              <a:shade val="50000"/>
+            </a:schemeClr>
+          </a:lnRef>
+          <a:fillRef idx="1">
+            <a:schemeClr val="accent1"/>
+          </a:fillRef>
+          <a:effectRef idx="0">
+            <a:schemeClr val="accent1"/>
+          </a:effectRef>
+          <a:fontRef idx="minor">
+            <a:schemeClr val="lt1"/>
+          </a:fontRef>
+        </p:style>
+        <p:txBody>
+          <a:bodyPr rtlCol="0" anchor="ctr"/>
+          <a:lstStyle/>
+          <a:p>
+            <a:pPr algn="ctr"/>
+            <a:endParaRPr kumimoji="1" lang="ja-JP" altLang="en-US"/>
           </a:p>
         </p:txBody>
       </p:sp>

--- a/課題研究/2013/小野寺航己/1142032課題研究ポスター.pptx
+++ b/課題研究/2013/小野寺航己/1142032課題研究ポスター.pptx
@@ -530,7 +530,7 @@
           <a:p>
             <a:fld id="{4BCC94C0-A1F4-4642-83E1-185FB3EE24AC}" type="datetimeFigureOut">
               <a:rPr kumimoji="1" lang="ja-JP" altLang="en-US" smtClean="0"/>
-              <a:t>2013/12/11</a:t>
+              <a:t>2013/12/12</a:t>
             </a:fld>
             <a:endParaRPr kumimoji="1" lang="ja-JP" altLang="en-US"/>
           </a:p>
@@ -774,7 +774,7 @@
           <a:p>
             <a:fld id="{4BCC94C0-A1F4-4642-83E1-185FB3EE24AC}" type="datetimeFigureOut">
               <a:rPr kumimoji="1" lang="ja-JP" altLang="en-US" smtClean="0"/>
-              <a:t>2013/12/11</a:t>
+              <a:t>2013/12/12</a:t>
             </a:fld>
             <a:endParaRPr kumimoji="1" lang="ja-JP" altLang="en-US"/>
           </a:p>
@@ -993,7 +993,7 @@
           <a:p>
             <a:fld id="{4BCC94C0-A1F4-4642-83E1-185FB3EE24AC}" type="datetimeFigureOut">
               <a:rPr kumimoji="1" lang="ja-JP" altLang="en-US" smtClean="0"/>
-              <a:t>2013/12/11</a:t>
+              <a:t>2013/12/12</a:t>
             </a:fld>
             <a:endParaRPr kumimoji="1" lang="ja-JP" altLang="en-US"/>
           </a:p>
@@ -1090,7 +1090,7 @@
           <a:p>
             <a:fld id="{4BCC94C0-A1F4-4642-83E1-185FB3EE24AC}" type="datetimeFigureOut">
               <a:rPr kumimoji="1" lang="ja-JP" altLang="en-US" smtClean="0"/>
-              <a:t>2013/12/11</a:t>
+              <a:t>2013/12/12</a:t>
             </a:fld>
             <a:endParaRPr kumimoji="1" lang="ja-JP" altLang="en-US"/>
           </a:p>
@@ -1718,7 +1718,7 @@
           <a:p>
             <a:fld id="{4BCC94C0-A1F4-4642-83E1-185FB3EE24AC}" type="datetimeFigureOut">
               <a:rPr kumimoji="1" lang="ja-JP" altLang="en-US" smtClean="0"/>
-              <a:t>2013/12/11</a:t>
+              <a:t>2013/12/12</a:t>
             </a:fld>
             <a:endParaRPr kumimoji="1" lang="ja-JP" altLang="en-US"/>
           </a:p>
@@ -1815,7 +1815,7 @@
           <a:p>
             <a:fld id="{4BCC94C0-A1F4-4642-83E1-185FB3EE24AC}" type="datetimeFigureOut">
               <a:rPr kumimoji="1" lang="ja-JP" altLang="en-US" smtClean="0"/>
-              <a:t>2013/12/11</a:t>
+              <a:t>2013/12/12</a:t>
             </a:fld>
             <a:endParaRPr kumimoji="1" lang="ja-JP" altLang="en-US"/>
           </a:p>
@@ -2548,7 +2548,7 @@
           <a:p>
             <a:fld id="{4BCC94C0-A1F4-4642-83E1-185FB3EE24AC}" type="datetimeFigureOut">
               <a:rPr kumimoji="1" lang="ja-JP" altLang="en-US" smtClean="0"/>
-              <a:t>2013/12/11</a:t>
+              <a:t>2013/12/12</a:t>
             </a:fld>
             <a:endParaRPr kumimoji="1" lang="ja-JP" altLang="en-US"/>
           </a:p>
@@ -2691,7 +2691,7 @@
           <a:p>
             <a:fld id="{4BCC94C0-A1F4-4642-83E1-185FB3EE24AC}" type="datetimeFigureOut">
               <a:rPr kumimoji="1" lang="ja-JP" altLang="en-US" smtClean="0"/>
-              <a:t>2013/12/11</a:t>
+              <a:t>2013/12/12</a:t>
             </a:fld>
             <a:endParaRPr kumimoji="1" lang="ja-JP" altLang="en-US"/>
           </a:p>
@@ -2788,7 +2788,7 @@
           <a:p>
             <a:fld id="{4BCC94C0-A1F4-4642-83E1-185FB3EE24AC}" type="datetimeFigureOut">
               <a:rPr kumimoji="1" lang="ja-JP" altLang="en-US" smtClean="0"/>
-              <a:t>2013/12/11</a:t>
+              <a:t>2013/12/12</a:t>
             </a:fld>
             <a:endParaRPr kumimoji="1" lang="ja-JP" altLang="en-US"/>
           </a:p>
@@ -3104,7 +3104,7 @@
           <a:p>
             <a:fld id="{4BCC94C0-A1F4-4642-83E1-185FB3EE24AC}" type="datetimeFigureOut">
               <a:rPr kumimoji="1" lang="ja-JP" altLang="en-US" smtClean="0"/>
-              <a:t>2013/12/11</a:t>
+              <a:t>2013/12/12</a:t>
             </a:fld>
             <a:endParaRPr kumimoji="1" lang="ja-JP" altLang="en-US"/>
           </a:p>
@@ -3626,7 +3626,7 @@
           <a:p>
             <a:fld id="{4BCC94C0-A1F4-4642-83E1-185FB3EE24AC}" type="datetimeFigureOut">
               <a:rPr kumimoji="1" lang="ja-JP" altLang="en-US" smtClean="0"/>
-              <a:t>2013/12/11</a:t>
+              <a:t>2013/12/12</a:t>
             </a:fld>
             <a:endParaRPr kumimoji="1" lang="ja-JP" altLang="en-US"/>
           </a:p>
@@ -4178,7 +4178,7 @@
           <a:p>
             <a:fld id="{4BCC94C0-A1F4-4642-83E1-185FB3EE24AC}" type="datetimeFigureOut">
               <a:rPr kumimoji="1" lang="ja-JP" altLang="en-US" smtClean="0"/>
-              <a:t>2013/12/11</a:t>
+              <a:t>2013/12/12</a:t>
             </a:fld>
             <a:endParaRPr kumimoji="1" lang="ja-JP" altLang="en-US"/>
           </a:p>
@@ -4755,8 +4755,8 @@
         </p:nvSpPr>
         <p:spPr>
           <a:xfrm>
-            <a:off x="361651" y="4066143"/>
-            <a:ext cx="20764142" cy="18352423"/>
+            <a:off x="2557769" y="7141041"/>
+            <a:ext cx="13334876" cy="10970897"/>
           </a:xfrm>
           <a:prstGeom prst="rect">
             <a:avLst/>
@@ -4839,8 +4839,8 @@
         </p:nvSpPr>
         <p:spPr>
           <a:xfrm>
-            <a:off x="361652" y="4893841"/>
-            <a:ext cx="13201950" cy="4072064"/>
+            <a:off x="361652" y="4167979"/>
+            <a:ext cx="13201950" cy="4797926"/>
           </a:xfrm>
           <a:prstGeom prst="roundRect">
             <a:avLst/>
@@ -4889,8 +4889,8 @@
         </p:nvSpPr>
         <p:spPr>
           <a:xfrm>
-            <a:off x="1272675" y="5941652"/>
-            <a:ext cx="7149471" cy="2423427"/>
+            <a:off x="1272675" y="5509666"/>
+            <a:ext cx="7149471" cy="2855413"/>
           </a:xfrm>
           <a:prstGeom prst="rect">
             <a:avLst/>
@@ -4940,7 +4940,7 @@
         <p:spPr>
           <a:xfrm>
             <a:off x="1224488" y="234334"/>
-            <a:ext cx="19690475" cy="3831808"/>
+            <a:ext cx="19690475" cy="3693309"/>
           </a:xfrm>
           <a:prstGeom prst="rect">
             <a:avLst/>
@@ -4954,23 +4954,23 @@
           <a:lstStyle/>
           <a:p>
             <a:r>
-              <a:rPr lang="en-US" altLang="ja-JP" sz="8100" b="1" dirty="0"/>
-              <a:t>PM</a:t>
-            </a:r>
-            <a:r>
-              <a:rPr lang="ja-JP" altLang="en-US" sz="8100" b="1" dirty="0"/>
-              <a:t>学科カリキュラムの</a:t>
-            </a:r>
-            <a:endParaRPr lang="en-US" altLang="ja-JP" sz="8100" b="1" dirty="0"/>
-          </a:p>
-          <a:p>
-            <a:r>
-              <a:rPr lang="ja-JP" altLang="en-US" sz="8100" b="1" dirty="0"/>
-              <a:t>知識体系構築に関する</a:t>
-            </a:r>
-            <a:r>
               <a:rPr lang="ja-JP" altLang="en-US" sz="8100" b="1" dirty="0" smtClean="0"/>
-              <a:t>研究</a:t>
+              <a:t>カリキュラムから知識体系（</a:t>
+            </a:r>
+            <a:r>
+              <a:rPr lang="en-US" altLang="ja-JP" sz="8100" b="1" dirty="0" smtClean="0"/>
+              <a:t>BOK</a:t>
+            </a:r>
+            <a:r>
+              <a:rPr lang="ja-JP" altLang="en-US" sz="8100" b="1" dirty="0" smtClean="0"/>
+              <a:t>）を</a:t>
+            </a:r>
+            <a:endParaRPr lang="en-US" altLang="ja-JP" sz="8100" b="1" dirty="0" smtClean="0"/>
+          </a:p>
+          <a:p>
+            <a:r>
+              <a:rPr lang="ja-JP" altLang="en-US" sz="8100" b="1" dirty="0" smtClean="0"/>
+              <a:t>構築するためのデータマインニング手法</a:t>
             </a:r>
             <a:endParaRPr lang="en-US" altLang="ja-JP" sz="8100" b="1" dirty="0" smtClean="0"/>
           </a:p>
@@ -5012,8 +5012,8 @@
         </p:nvSpPr>
         <p:spPr>
           <a:xfrm>
-            <a:off x="612280" y="5141184"/>
-            <a:ext cx="4464497" cy="1387590"/>
+            <a:off x="612280" y="4893841"/>
+            <a:ext cx="4464497" cy="1634933"/>
           </a:xfrm>
           <a:prstGeom prst="roundRect">
             <a:avLst/>
@@ -5784,8 +5784,8 @@
         </p:nvSpPr>
         <p:spPr>
           <a:xfrm>
-            <a:off x="1728404" y="7100779"/>
-            <a:ext cx="936103" cy="916711"/>
+            <a:off x="1728404" y="6937373"/>
+            <a:ext cx="936103" cy="1080118"/>
           </a:xfrm>
           <a:prstGeom prst="ellipse">
             <a:avLst/>
@@ -5903,8 +5903,8 @@
         </p:nvSpPr>
         <p:spPr>
           <a:xfrm>
-            <a:off x="3214637" y="7100099"/>
-            <a:ext cx="936103" cy="916711"/>
+            <a:off x="3214637" y="6936693"/>
+            <a:ext cx="936103" cy="1080118"/>
           </a:xfrm>
           <a:prstGeom prst="ellipse">
             <a:avLst/>
@@ -5948,8 +5948,8 @@
         </p:nvSpPr>
         <p:spPr>
           <a:xfrm>
-            <a:off x="4678980" y="7048325"/>
-            <a:ext cx="936103" cy="916711"/>
+            <a:off x="4678980" y="6884919"/>
+            <a:ext cx="936103" cy="1080118"/>
           </a:xfrm>
           <a:prstGeom prst="ellipse">
             <a:avLst/>
@@ -5993,8 +5993,8 @@
         </p:nvSpPr>
         <p:spPr>
           <a:xfrm>
-            <a:off x="5425114" y="5822944"/>
-            <a:ext cx="936103" cy="916711"/>
+            <a:off x="5425114" y="5659538"/>
+            <a:ext cx="936103" cy="1080118"/>
           </a:xfrm>
           <a:prstGeom prst="ellipse">
             <a:avLst/>
@@ -6038,8 +6038,8 @@
         </p:nvSpPr>
         <p:spPr>
           <a:xfrm>
-            <a:off x="6767853" y="6425387"/>
-            <a:ext cx="936103" cy="916711"/>
+            <a:off x="6767853" y="6261981"/>
+            <a:ext cx="936103" cy="1080118"/>
           </a:xfrm>
           <a:prstGeom prst="ellipse">
             <a:avLst/>
@@ -6083,8 +6083,8 @@
         </p:nvSpPr>
         <p:spPr>
           <a:xfrm>
-            <a:off x="5890342" y="7265146"/>
-            <a:ext cx="936103" cy="916711"/>
+            <a:off x="5890342" y="7101740"/>
+            <a:ext cx="936103" cy="1080118"/>
           </a:xfrm>
           <a:prstGeom prst="ellipse">
             <a:avLst/>
@@ -6128,8 +6128,8 @@
         </p:nvSpPr>
         <p:spPr>
           <a:xfrm>
-            <a:off x="11602694" y="6683517"/>
-            <a:ext cx="936103" cy="916711"/>
+            <a:off x="11602694" y="6520111"/>
+            <a:ext cx="936103" cy="1080118"/>
           </a:xfrm>
           <a:prstGeom prst="ellipse">
             <a:avLst/>
@@ -6792,7 +6792,7 @@
         </p:nvSpPr>
         <p:spPr>
           <a:xfrm>
-            <a:off x="807892" y="24921387"/>
+            <a:off x="757516" y="24106054"/>
             <a:ext cx="8131622" cy="4964782"/>
           </a:xfrm>
           <a:prstGeom prst="rect">
@@ -6892,7 +6892,7 @@
         </p:nvSpPr>
         <p:spPr>
           <a:xfrm>
-            <a:off x="9766491" y="24954282"/>
+            <a:off x="9716115" y="24138949"/>
             <a:ext cx="10918162" cy="4964781"/>
           </a:xfrm>
           <a:prstGeom prst="rect">
@@ -7783,9 +7783,6 @@
           <a:prstGeom prst="downArrow">
             <a:avLst/>
           </a:prstGeom>
-          <a:solidFill>
-            <a:srgbClr val="92D050"/>
-          </a:solidFill>
         </p:spPr>
         <p:style>
           <a:lnRef idx="2">
@@ -7826,9 +7823,6 @@
           <a:prstGeom prst="downArrow">
             <a:avLst/>
           </a:prstGeom>
-          <a:solidFill>
-            <a:srgbClr val="92D050"/>
-          </a:solidFill>
         </p:spPr>
         <p:style>
           <a:lnRef idx="2">
@@ -7925,7 +7919,7 @@
         </p:nvSpPr>
         <p:spPr>
           <a:xfrm>
-            <a:off x="88167" y="24090866"/>
+            <a:off x="37791" y="23275533"/>
             <a:ext cx="4317328" cy="1726831"/>
           </a:xfrm>
           <a:prstGeom prst="ellipse">
@@ -7987,7 +7981,7 @@
         </p:nvSpPr>
         <p:spPr>
           <a:xfrm>
-            <a:off x="8794945" y="23510624"/>
+            <a:off x="8744569" y="22695291"/>
             <a:ext cx="8869908" cy="1726831"/>
           </a:xfrm>
           <a:prstGeom prst="ellipse">
@@ -8102,18 +8096,22 @@
       </p:grpSpPr>
       <p:sp>
         <p:nvSpPr>
-          <p:cNvPr id="37" name="円/楕円 36"/>
+          <p:cNvPr id="40" name="円/楕円 39"/>
           <p:cNvSpPr/>
           <p:nvPr/>
         </p:nvSpPr>
         <p:spPr>
           <a:xfrm>
-            <a:off x="3378728" y="21326217"/>
-            <a:ext cx="14726748" cy="2938939"/>
+            <a:off x="130828" y="366374"/>
+            <a:ext cx="3763085" cy="1513652"/>
           </a:xfrm>
           <a:prstGeom prst="ellipse">
             <a:avLst/>
           </a:prstGeom>
+          <a:solidFill>
+            <a:schemeClr val="bg1"/>
+          </a:solidFill>
+          <a:ln w="76200"/>
         </p:spPr>
         <p:style>
           <a:lnRef idx="2">
@@ -8136,180 +8134,38 @@
           <a:lstStyle/>
           <a:p>
             <a:pPr algn="ctr"/>
-            <a:endParaRPr kumimoji="1" lang="ja-JP" altLang="en-US"/>
-          </a:p>
-        </p:txBody>
-      </p:sp>
-      <p:sp>
-        <p:nvSpPr>
-          <p:cNvPr id="36" name="円/楕円 35"/>
+            <a:r>
+              <a:rPr kumimoji="1" lang="ja-JP" altLang="en-US" sz="7200" b="1" dirty="0" smtClean="0">
+                <a:solidFill>
+                  <a:schemeClr val="tx2">
+                    <a:lumMod val="60000"/>
+                    <a:lumOff val="40000"/>
+                  </a:schemeClr>
+                </a:solidFill>
+              </a:rPr>
+              <a:t>方法</a:t>
+            </a:r>
+            <a:endParaRPr kumimoji="1" lang="ja-JP" altLang="en-US" sz="7200" b="1" dirty="0">
+              <a:solidFill>
+                <a:schemeClr val="tx2">
+                  <a:lumMod val="60000"/>
+                  <a:lumOff val="40000"/>
+                </a:schemeClr>
+              </a:solidFill>
+            </a:endParaRPr>
+          </a:p>
+        </p:txBody>
+      </p:sp>
+      <p:sp>
+        <p:nvSpPr>
+          <p:cNvPr id="57" name="正方形/長方形 56"/>
           <p:cNvSpPr/>
           <p:nvPr/>
         </p:nvSpPr>
         <p:spPr>
           <a:xfrm>
-            <a:off x="3500743" y="14382629"/>
-            <a:ext cx="14726748" cy="5726117"/>
-          </a:xfrm>
-          <a:prstGeom prst="ellipse">
-            <a:avLst/>
-          </a:prstGeom>
-        </p:spPr>
-        <p:style>
-          <a:lnRef idx="2">
-            <a:schemeClr val="accent1">
-              <a:shade val="50000"/>
-            </a:schemeClr>
-          </a:lnRef>
-          <a:fillRef idx="1">
-            <a:schemeClr val="accent1"/>
-          </a:fillRef>
-          <a:effectRef idx="0">
-            <a:schemeClr val="accent1"/>
-          </a:effectRef>
-          <a:fontRef idx="minor">
-            <a:schemeClr val="lt1"/>
-          </a:fontRef>
-        </p:style>
-        <p:txBody>
-          <a:bodyPr rtlCol="0" anchor="ctr"/>
-          <a:lstStyle/>
-          <a:p>
-            <a:pPr algn="ctr"/>
-            <a:endParaRPr kumimoji="1" lang="ja-JP" altLang="en-US"/>
-          </a:p>
-        </p:txBody>
-      </p:sp>
-      <p:sp>
-        <p:nvSpPr>
-          <p:cNvPr id="35" name="円/楕円 34"/>
-          <p:cNvSpPr/>
-          <p:nvPr/>
-        </p:nvSpPr>
-        <p:spPr>
-          <a:xfrm>
-            <a:off x="3852574" y="7012421"/>
-            <a:ext cx="14726748" cy="5726117"/>
-          </a:xfrm>
-          <a:prstGeom prst="ellipse">
-            <a:avLst/>
-          </a:prstGeom>
-        </p:spPr>
-        <p:style>
-          <a:lnRef idx="2">
-            <a:schemeClr val="accent1">
-              <a:shade val="50000"/>
-            </a:schemeClr>
-          </a:lnRef>
-          <a:fillRef idx="1">
-            <a:schemeClr val="accent1"/>
-          </a:fillRef>
-          <a:effectRef idx="0">
-            <a:schemeClr val="accent1"/>
-          </a:effectRef>
-          <a:fontRef idx="minor">
-            <a:schemeClr val="lt1"/>
-          </a:fontRef>
-        </p:style>
-        <p:txBody>
-          <a:bodyPr rtlCol="0" anchor="ctr"/>
-          <a:lstStyle/>
-          <a:p>
-            <a:pPr algn="ctr"/>
-            <a:endParaRPr kumimoji="1" lang="ja-JP" altLang="en-US"/>
-          </a:p>
-        </p:txBody>
-      </p:sp>
-      <p:sp>
-        <p:nvSpPr>
-          <p:cNvPr id="3" name="円/楕円 2"/>
-          <p:cNvSpPr/>
-          <p:nvPr/>
-        </p:nvSpPr>
-        <p:spPr>
-          <a:xfrm>
-            <a:off x="4326421" y="2626662"/>
-            <a:ext cx="14726748" cy="3393915"/>
-          </a:xfrm>
-          <a:prstGeom prst="ellipse">
-            <a:avLst/>
-          </a:prstGeom>
-        </p:spPr>
-        <p:style>
-          <a:lnRef idx="2">
-            <a:schemeClr val="accent1">
-              <a:shade val="50000"/>
-            </a:schemeClr>
-          </a:lnRef>
-          <a:fillRef idx="1">
-            <a:schemeClr val="accent1"/>
-          </a:fillRef>
-          <a:effectRef idx="0">
-            <a:schemeClr val="accent1"/>
-          </a:effectRef>
-          <a:fontRef idx="minor">
-            <a:schemeClr val="lt1"/>
-          </a:fontRef>
-        </p:style>
-        <p:txBody>
-          <a:bodyPr rtlCol="0" anchor="ctr"/>
-          <a:lstStyle/>
-          <a:p>
-            <a:pPr algn="ctr"/>
-            <a:endParaRPr kumimoji="1" lang="ja-JP" altLang="en-US"/>
-          </a:p>
-        </p:txBody>
-      </p:sp>
-      <p:sp>
-        <p:nvSpPr>
-          <p:cNvPr id="23" name="正方形/長方形 22"/>
-          <p:cNvSpPr/>
-          <p:nvPr/>
-        </p:nvSpPr>
-        <p:spPr>
-          <a:xfrm>
-            <a:off x="3388614" y="25114608"/>
-            <a:ext cx="5476118" cy="1143283"/>
-          </a:xfrm>
-          <a:prstGeom prst="rect">
-            <a:avLst/>
-          </a:prstGeom>
-        </p:spPr>
-        <p:style>
-          <a:lnRef idx="2">
-            <a:schemeClr val="accent1">
-              <a:shade val="50000"/>
-            </a:schemeClr>
-          </a:lnRef>
-          <a:fillRef idx="1">
-            <a:schemeClr val="accent1"/>
-          </a:fillRef>
-          <a:effectRef idx="0">
-            <a:schemeClr val="accent1"/>
-          </a:effectRef>
-          <a:fontRef idx="minor">
-            <a:schemeClr val="lt1"/>
-          </a:fontRef>
-        </p:style>
-        <p:txBody>
-          <a:bodyPr rtlCol="0" anchor="ctr"/>
-          <a:lstStyle/>
-          <a:p>
-            <a:pPr algn="ctr"/>
-            <a:endParaRPr kumimoji="1" lang="ja-JP" altLang="en-US"/>
-          </a:p>
-        </p:txBody>
-      </p:sp>
-      <p:sp>
-        <p:nvSpPr>
-          <p:cNvPr id="4" name="正方形/長方形 3"/>
-          <p:cNvSpPr/>
-          <p:nvPr/>
-        </p:nvSpPr>
-        <p:spPr>
-          <a:xfrm>
-            <a:off x="2585270" y="2882106"/>
-            <a:ext cx="4703129" cy="1960961"/>
+            <a:off x="2577721" y="27940663"/>
+            <a:ext cx="11773015" cy="2060151"/>
           </a:xfrm>
           <a:prstGeom prst="rect">
             <a:avLst/>
@@ -8319,7 +8175,7 @@
           </a:solidFill>
           <a:ln w="76200">
             <a:solidFill>
-              <a:srgbClr val="002060"/>
+              <a:srgbClr val="7030A0"/>
             </a:solidFill>
           </a:ln>
         </p:spPr>
@@ -8343,22 +8199,79 @@
           <a:bodyPr lIns="91434" tIns="45715" rIns="91434" bIns="45715" spcCol="0" rtlCol="0" anchor="ctr"/>
           <a:lstStyle/>
           <a:p>
-            <a:pPr algn="ctr"/>
+            <a:r>
+              <a:rPr lang="ja-JP" altLang="en-US" sz="3900" b="1" dirty="0" smtClean="0">
+                <a:solidFill>
+                  <a:schemeClr val="tx1"/>
+                </a:solidFill>
+              </a:rPr>
+              <a:t>増永良文</a:t>
+            </a:r>
             <a:r>
               <a:rPr lang="en-US" altLang="ja-JP" sz="3900" b="1" dirty="0" smtClean="0">
                 <a:solidFill>
                   <a:schemeClr val="tx1"/>
                 </a:solidFill>
               </a:rPr>
-              <a:t>PM</a:t>
-            </a:r>
-            <a:r>
-              <a:rPr lang="ja-JP" altLang="en-US" sz="3900" b="1" dirty="0">
+              <a:t>. </a:t>
+            </a:r>
+            <a:r>
+              <a:rPr lang="ja-JP" altLang="en-US" sz="3900" b="1" dirty="0" smtClean="0">
                 <a:solidFill>
                   <a:schemeClr val="tx1"/>
                 </a:solidFill>
               </a:rPr>
-              <a:t>学科</a:t>
+              <a:t>「ソーシャルコンピューティング入門」</a:t>
+            </a:r>
+            <a:r>
+              <a:rPr lang="en-US" altLang="ja-JP" sz="3900" b="1" dirty="0" smtClean="0">
+                <a:solidFill>
+                  <a:schemeClr val="tx1"/>
+                </a:solidFill>
+              </a:rPr>
+              <a:t> </a:t>
+            </a:r>
+          </a:p>
+          <a:p>
+            <a:r>
+              <a:rPr lang="ja-JP" altLang="en-US" sz="3900" b="1" dirty="0" smtClean="0">
+                <a:solidFill>
+                  <a:schemeClr val="tx1"/>
+                </a:solidFill>
+              </a:rPr>
+              <a:t>サイエンス社</a:t>
+            </a:r>
+            <a:r>
+              <a:rPr lang="en-US" altLang="ja-JP" sz="3900" b="1" dirty="0" smtClean="0">
+                <a:solidFill>
+                  <a:schemeClr val="tx1"/>
+                </a:solidFill>
+              </a:rPr>
+              <a:t>, 2013</a:t>
+            </a:r>
+            <a:r>
+              <a:rPr lang="ja-JP" altLang="en-US" sz="3900" b="1" dirty="0" smtClean="0">
+                <a:solidFill>
+                  <a:schemeClr val="tx1"/>
+                </a:solidFill>
+              </a:rPr>
+              <a:t>年</a:t>
+            </a:r>
+            <a:r>
+              <a:rPr lang="en-US" altLang="ja-JP" sz="3900" b="1" dirty="0">
+                <a:solidFill>
+                  <a:schemeClr val="tx1"/>
+                </a:solidFill>
+              </a:rPr>
+              <a:t>3</a:t>
+            </a:r>
+            <a:r>
+              <a:rPr lang="ja-JP" altLang="en-US" sz="3900" b="1" dirty="0" smtClean="0">
+                <a:solidFill>
+                  <a:schemeClr val="tx1"/>
+                </a:solidFill>
+              </a:rPr>
+              <a:t>月</a:t>
             </a:r>
             <a:endParaRPr lang="en-US" altLang="ja-JP" sz="3900" b="1" dirty="0">
               <a:solidFill>
@@ -8366,45 +8279,2555 @@
               </a:solidFill>
             </a:endParaRPr>
           </a:p>
+        </p:txBody>
+      </p:sp>
+      <p:sp>
+        <p:nvSpPr>
+          <p:cNvPr id="18" name="角丸四角形 17"/>
+          <p:cNvSpPr/>
+          <p:nvPr/>
+        </p:nvSpPr>
+        <p:spPr>
+          <a:xfrm>
+            <a:off x="2012371" y="26975794"/>
+            <a:ext cx="4420028" cy="1023855"/>
+          </a:xfrm>
+          <a:prstGeom prst="roundRect">
+            <a:avLst/>
+          </a:prstGeom>
+          <a:solidFill>
+            <a:schemeClr val="bg1"/>
+          </a:solidFill>
+          <a:ln w="76200">
+            <a:solidFill>
+              <a:srgbClr val="7030A0"/>
+            </a:solidFill>
+          </a:ln>
+        </p:spPr>
+        <p:style>
+          <a:lnRef idx="2">
+            <a:schemeClr val="accent1">
+              <a:shade val="50000"/>
+            </a:schemeClr>
+          </a:lnRef>
+          <a:fillRef idx="1">
+            <a:schemeClr val="accent1"/>
+          </a:fillRef>
+          <a:effectRef idx="0">
+            <a:schemeClr val="accent1"/>
+          </a:effectRef>
+          <a:fontRef idx="minor">
+            <a:schemeClr val="lt1"/>
+          </a:fontRef>
+        </p:style>
+        <p:txBody>
+          <a:bodyPr rtlCol="0" anchor="ctr"/>
+          <a:lstStyle/>
           <a:p>
             <a:pPr algn="ctr"/>
             <a:r>
-              <a:rPr lang="ja-JP" altLang="en-US" sz="3900" b="1" dirty="0">
+              <a:rPr kumimoji="1" lang="ja-JP" altLang="en-US" sz="5400" dirty="0" smtClean="0">
                 <a:solidFill>
                   <a:schemeClr val="tx1"/>
                 </a:solidFill>
               </a:rPr>
-              <a:t>カリキュラムから</a:t>
-            </a:r>
-            <a:endParaRPr lang="en-US" altLang="ja-JP" sz="3900" b="1" dirty="0">
+              <a:t>参考文献</a:t>
+            </a:r>
+            <a:endParaRPr kumimoji="1" lang="ja-JP" altLang="en-US" sz="5400" dirty="0">
               <a:solidFill>
                 <a:schemeClr val="tx1"/>
               </a:solidFill>
             </a:endParaRPr>
           </a:p>
+        </p:txBody>
+      </p:sp>
+      <p:grpSp>
+        <p:nvGrpSpPr>
+          <p:cNvPr id="8" name="グループ化 7"/>
+          <p:cNvGrpSpPr/>
+          <p:nvPr/>
+        </p:nvGrpSpPr>
+        <p:grpSpPr>
+          <a:xfrm>
+            <a:off x="1949734" y="2054428"/>
+            <a:ext cx="5086330" cy="5781253"/>
+            <a:chOff x="12522068" y="857637"/>
+            <a:chExt cx="3832225" cy="4440238"/>
+          </a:xfrm>
+        </p:grpSpPr>
+        <p:pic>
+          <p:nvPicPr>
+            <p:cNvPr id="1033" name="Picture 9" descr="C:\Users\onodera\Desktop\1194985944982530750book_01_svg_med.png"/>
+            <p:cNvPicPr>
+              <a:picLocks noChangeAspect="1" noChangeArrowheads="1"/>
+            </p:cNvPicPr>
+            <p:nvPr/>
+          </p:nvPicPr>
+          <p:blipFill>
+            <a:blip r:embed="rId2">
+              <a:extLst>
+                <a:ext uri="{28A0092B-C50C-407E-A947-70E740481C1C}">
+                  <a14:useLocalDpi xmlns:a14="http://schemas.microsoft.com/office/drawing/2010/main" val="0"/>
+                </a:ext>
+              </a:extLst>
+            </a:blip>
+            <a:srcRect/>
+            <a:stretch>
+              <a:fillRect/>
+            </a:stretch>
+          </p:blipFill>
+          <p:spPr bwMode="auto">
+            <a:xfrm>
+              <a:off x="12522068" y="857637"/>
+              <a:ext cx="3832225" cy="4440238"/>
+            </a:xfrm>
+            <a:prstGeom prst="rect">
+              <a:avLst/>
+            </a:prstGeom>
+            <a:noFill/>
+            <a:extLst>
+              <a:ext uri="{909E8E84-426E-40DD-AFC4-6F175D3DCCD1}">
+                <a14:hiddenFill xmlns:a14="http://schemas.microsoft.com/office/drawing/2010/main">
+                  <a:solidFill>
+                    <a:srgbClr val="FFFFFF"/>
+                  </a:solidFill>
+                </a14:hiddenFill>
+              </a:ext>
+            </a:extLst>
+          </p:spPr>
+        </p:pic>
+        <p:sp>
+          <p:nvSpPr>
+            <p:cNvPr id="3" name="正方形/長方形 2"/>
+            <p:cNvSpPr/>
+            <p:nvPr/>
+          </p:nvSpPr>
+          <p:spPr>
+            <a:xfrm>
+              <a:off x="12850692" y="2194932"/>
+              <a:ext cx="2549727" cy="1034209"/>
+            </a:xfrm>
+            <a:prstGeom prst="rect">
+              <a:avLst/>
+            </a:prstGeom>
+            <a:solidFill>
+              <a:schemeClr val="bg1"/>
+            </a:solidFill>
+            <a:ln>
+              <a:solidFill>
+                <a:schemeClr val="bg1"/>
+              </a:solidFill>
+            </a:ln>
+          </p:spPr>
+          <p:style>
+            <a:lnRef idx="2">
+              <a:schemeClr val="accent1">
+                <a:shade val="50000"/>
+              </a:schemeClr>
+            </a:lnRef>
+            <a:fillRef idx="1">
+              <a:schemeClr val="accent1"/>
+            </a:fillRef>
+            <a:effectRef idx="0">
+              <a:schemeClr val="accent1"/>
+            </a:effectRef>
+            <a:fontRef idx="minor">
+              <a:schemeClr val="lt1"/>
+            </a:fontRef>
+          </p:style>
+          <p:txBody>
+            <a:bodyPr rtlCol="0" anchor="ctr"/>
+            <a:lstStyle/>
+            <a:p>
+              <a:pPr algn="ctr"/>
+              <a:r>
+                <a:rPr kumimoji="1" lang="en-US" altLang="ja-JP" sz="4000" b="1" dirty="0" smtClean="0">
+                  <a:solidFill>
+                    <a:schemeClr val="tx1"/>
+                  </a:solidFill>
+                </a:rPr>
+                <a:t>PM</a:t>
+              </a:r>
+              <a:r>
+                <a:rPr kumimoji="1" lang="ja-JP" altLang="en-US" sz="4000" b="1" dirty="0" smtClean="0">
+                  <a:solidFill>
+                    <a:schemeClr val="tx1"/>
+                  </a:solidFill>
+                </a:rPr>
+                <a:t>学科</a:t>
+              </a:r>
+              <a:endParaRPr kumimoji="1" lang="en-US" altLang="ja-JP" sz="4000" b="1" dirty="0" smtClean="0">
+                <a:solidFill>
+                  <a:schemeClr val="tx1"/>
+                </a:solidFill>
+              </a:endParaRPr>
+            </a:p>
+            <a:p>
+              <a:pPr algn="ctr"/>
+              <a:r>
+                <a:rPr kumimoji="1" lang="ja-JP" altLang="en-US" sz="4000" b="1" dirty="0" smtClean="0">
+                  <a:solidFill>
+                    <a:schemeClr val="tx1"/>
+                  </a:solidFill>
+                </a:rPr>
+                <a:t>カリキュラム</a:t>
+              </a:r>
+              <a:endParaRPr kumimoji="1" lang="ja-JP" altLang="en-US" sz="4000" b="1" dirty="0">
+                <a:solidFill>
+                  <a:schemeClr val="tx1"/>
+                </a:solidFill>
+              </a:endParaRPr>
+            </a:p>
+          </p:txBody>
+        </p:sp>
+      </p:grpSp>
+      <p:grpSp>
+        <p:nvGrpSpPr>
+          <p:cNvPr id="13" name="グループ化 12"/>
+          <p:cNvGrpSpPr/>
+          <p:nvPr/>
+        </p:nvGrpSpPr>
+        <p:grpSpPr>
+          <a:xfrm>
+            <a:off x="7252347" y="3057010"/>
+            <a:ext cx="6635502" cy="3444683"/>
+            <a:chOff x="8063724" y="2459970"/>
+            <a:chExt cx="6635502" cy="3444683"/>
+          </a:xfrm>
+        </p:grpSpPr>
+        <p:sp>
+          <p:nvSpPr>
+            <p:cNvPr id="30" name="角丸四角形 29"/>
+            <p:cNvSpPr/>
+            <p:nvPr/>
+          </p:nvSpPr>
+          <p:spPr>
+            <a:xfrm>
+              <a:off x="8895422" y="3166506"/>
+              <a:ext cx="5803804" cy="2738147"/>
+            </a:xfrm>
+            <a:prstGeom prst="roundRect">
+              <a:avLst/>
+            </a:prstGeom>
+            <a:solidFill>
+              <a:schemeClr val="bg1"/>
+            </a:solidFill>
+            <a:ln w="76200"/>
+          </p:spPr>
+          <p:style>
+            <a:lnRef idx="2">
+              <a:schemeClr val="accent1">
+                <a:shade val="50000"/>
+              </a:schemeClr>
+            </a:lnRef>
+            <a:fillRef idx="1">
+              <a:schemeClr val="accent1"/>
+            </a:fillRef>
+            <a:effectRef idx="0">
+              <a:schemeClr val="accent1"/>
+            </a:effectRef>
+            <a:fontRef idx="minor">
+              <a:schemeClr val="lt1"/>
+            </a:fontRef>
+          </p:style>
+          <p:txBody>
+            <a:bodyPr rtlCol="0" anchor="ctr"/>
+            <a:lstStyle/>
+            <a:p>
+              <a:pPr algn="ctr"/>
+              <a:r>
+                <a:rPr kumimoji="1" lang="ja-JP" altLang="en-US" sz="4800" b="1" dirty="0" smtClean="0">
+                  <a:solidFill>
+                    <a:schemeClr val="tx1"/>
+                  </a:solidFill>
+                </a:rPr>
+                <a:t>カリキュラムから</a:t>
+              </a:r>
+              <a:endParaRPr kumimoji="1" lang="en-US" altLang="ja-JP" sz="4800" b="1" dirty="0" smtClean="0">
+                <a:solidFill>
+                  <a:schemeClr val="tx1"/>
+                </a:solidFill>
+              </a:endParaRPr>
+            </a:p>
+            <a:p>
+              <a:pPr algn="ctr"/>
+              <a:r>
+                <a:rPr lang="ja-JP" altLang="en-US" sz="4800" b="1" dirty="0">
+                  <a:solidFill>
+                    <a:schemeClr val="tx1"/>
+                  </a:solidFill>
+                </a:rPr>
+                <a:t>ユニット候補</a:t>
+              </a:r>
+              <a:r>
+                <a:rPr lang="ja-JP" altLang="en-US" sz="4800" b="1" dirty="0" smtClean="0">
+                  <a:solidFill>
+                    <a:schemeClr val="tx1"/>
+                  </a:solidFill>
+                </a:rPr>
+                <a:t>を</a:t>
+              </a:r>
+              <a:endParaRPr lang="en-US" altLang="ja-JP" sz="4800" b="1" dirty="0" smtClean="0">
+                <a:solidFill>
+                  <a:schemeClr val="tx1"/>
+                </a:solidFill>
+              </a:endParaRPr>
+            </a:p>
+            <a:p>
+              <a:pPr algn="ctr"/>
+              <a:r>
+                <a:rPr lang="ja-JP" altLang="en-US" sz="4800" b="1" dirty="0" smtClean="0">
+                  <a:solidFill>
+                    <a:schemeClr val="tx1"/>
+                  </a:solidFill>
+                </a:rPr>
+                <a:t>取り出す</a:t>
+              </a:r>
+              <a:endParaRPr kumimoji="1" lang="ja-JP" altLang="en-US" sz="4800" b="1" dirty="0">
+                <a:solidFill>
+                  <a:schemeClr val="tx1"/>
+                </a:solidFill>
+              </a:endParaRPr>
+            </a:p>
+          </p:txBody>
+        </p:sp>
+        <p:sp>
+          <p:nvSpPr>
+            <p:cNvPr id="17" name="フローチャート : 結合子 16"/>
+            <p:cNvSpPr/>
+            <p:nvPr/>
+          </p:nvSpPr>
+          <p:spPr>
+            <a:xfrm>
+              <a:off x="8063724" y="2459970"/>
+              <a:ext cx="1602016" cy="1413073"/>
+            </a:xfrm>
+            <a:prstGeom prst="flowChartConnector">
+              <a:avLst/>
+            </a:prstGeom>
+          </p:spPr>
+          <p:style>
+            <a:lnRef idx="2">
+              <a:schemeClr val="accent1">
+                <a:shade val="50000"/>
+              </a:schemeClr>
+            </a:lnRef>
+            <a:fillRef idx="1">
+              <a:schemeClr val="accent1"/>
+            </a:fillRef>
+            <a:effectRef idx="0">
+              <a:schemeClr val="accent1"/>
+            </a:effectRef>
+            <a:fontRef idx="minor">
+              <a:schemeClr val="lt1"/>
+            </a:fontRef>
+          </p:style>
+          <p:txBody>
+            <a:bodyPr rtlCol="0" anchor="ctr"/>
+            <a:lstStyle/>
+            <a:p>
+              <a:pPr algn="ctr"/>
+              <a:r>
+                <a:rPr kumimoji="1" lang="en-US" altLang="ja-JP" sz="8000" dirty="0" smtClean="0"/>
+                <a:t>1</a:t>
+              </a:r>
+              <a:endParaRPr kumimoji="1" lang="ja-JP" altLang="en-US" sz="8000" dirty="0"/>
+            </a:p>
+          </p:txBody>
+        </p:sp>
+      </p:grpSp>
+      <p:graphicFrame>
+        <p:nvGraphicFramePr>
+          <p:cNvPr id="24" name="表 23"/>
+          <p:cNvGraphicFramePr>
+            <a:graphicFrameLocks noGrp="1"/>
+          </p:cNvGraphicFramePr>
+          <p:nvPr>
+            <p:extLst>
+              <p:ext uri="{D42A27DB-BD31-4B8C-83A1-F6EECF244321}">
+                <p14:modId xmlns:p14="http://schemas.microsoft.com/office/powerpoint/2010/main" val="2412256963"/>
+              </p:ext>
+            </p:extLst>
+          </p:nvPr>
+        </p:nvGraphicFramePr>
+        <p:xfrm>
+          <a:off x="14155256" y="7668977"/>
+          <a:ext cx="6258665" cy="5943600"/>
+        </p:xfrm>
+        <a:graphic>
+          <a:graphicData uri="http://schemas.openxmlformats.org/drawingml/2006/table">
+            <a:tbl>
+              <a:tblPr firstRow="1" bandRow="1">
+                <a:tableStyleId>{5C22544A-7EE6-4342-B048-85BDC9FD1C3A}</a:tableStyleId>
+              </a:tblPr>
+              <a:tblGrid>
+                <a:gridCol w="1251733"/>
+                <a:gridCol w="1251733"/>
+                <a:gridCol w="1251733"/>
+                <a:gridCol w="1251733"/>
+                <a:gridCol w="1251733"/>
+              </a:tblGrid>
+              <a:tr h="867258">
+                <a:tc>
+                  <a:txBody>
+                    <a:bodyPr/>
+                    <a:lstStyle/>
+                    <a:p>
+                      <a:endParaRPr kumimoji="1" lang="ja-JP" altLang="en-US" b="0" dirty="0"/>
+                    </a:p>
+                  </a:txBody>
+                  <a:tcPr>
+                    <a:lnL w="12700" cap="flat" cmpd="sng" algn="ctr">
+                      <a:solidFill>
+                        <a:schemeClr val="tx1"/>
+                      </a:solidFill>
+                      <a:prstDash val="solid"/>
+                      <a:round/>
+                      <a:headEnd type="none" w="med" len="med"/>
+                      <a:tailEnd type="none" w="med" len="med"/>
+                    </a:lnL>
+                    <a:lnR w="12700" cap="flat" cmpd="sng" algn="ctr">
+                      <a:solidFill>
+                        <a:schemeClr val="tx1"/>
+                      </a:solidFill>
+                      <a:prstDash val="solid"/>
+                      <a:round/>
+                      <a:headEnd type="none" w="med" len="med"/>
+                      <a:tailEnd type="none" w="med" len="med"/>
+                    </a:lnR>
+                    <a:lnT w="12700" cap="flat" cmpd="sng" algn="ctr">
+                      <a:solidFill>
+                        <a:schemeClr val="tx1"/>
+                      </a:solidFill>
+                      <a:prstDash val="solid"/>
+                      <a:round/>
+                      <a:headEnd type="none" w="med" len="med"/>
+                      <a:tailEnd type="none" w="med" len="med"/>
+                    </a:lnT>
+                    <a:lnB w="12700" cap="flat" cmpd="sng" algn="ctr">
+                      <a:solidFill>
+                        <a:schemeClr val="tx1"/>
+                      </a:solidFill>
+                      <a:prstDash val="solid"/>
+                      <a:round/>
+                      <a:headEnd type="none" w="med" len="med"/>
+                      <a:tailEnd type="none" w="med" len="med"/>
+                    </a:lnB>
+                    <a:solidFill>
+                      <a:schemeClr val="bg1">
+                        <a:lumMod val="85000"/>
+                      </a:schemeClr>
+                    </a:solidFill>
+                  </a:tcPr>
+                </a:tc>
+                <a:tc>
+                  <a:txBody>
+                    <a:bodyPr/>
+                    <a:lstStyle/>
+                    <a:p>
+                      <a:pPr algn="ctr"/>
+                      <a:r>
+                        <a:rPr kumimoji="1" lang="en-US" altLang="ja-JP" sz="7200" b="0" dirty="0" smtClean="0"/>
+                        <a:t>a</a:t>
+                      </a:r>
+                      <a:endParaRPr kumimoji="1" lang="ja-JP" altLang="en-US" sz="7200" b="0" dirty="0"/>
+                    </a:p>
+                  </a:txBody>
+                  <a:tcPr>
+                    <a:lnL w="12700" cap="flat" cmpd="sng" algn="ctr">
+                      <a:solidFill>
+                        <a:schemeClr val="tx1"/>
+                      </a:solidFill>
+                      <a:prstDash val="solid"/>
+                      <a:round/>
+                      <a:headEnd type="none" w="med" len="med"/>
+                      <a:tailEnd type="none" w="med" len="med"/>
+                    </a:lnL>
+                    <a:lnR w="12700" cap="flat" cmpd="sng" algn="ctr">
+                      <a:solidFill>
+                        <a:schemeClr val="tx1"/>
+                      </a:solidFill>
+                      <a:prstDash val="solid"/>
+                      <a:round/>
+                      <a:headEnd type="none" w="med" len="med"/>
+                      <a:tailEnd type="none" w="med" len="med"/>
+                    </a:lnR>
+                    <a:lnT w="12700" cap="flat" cmpd="sng" algn="ctr">
+                      <a:solidFill>
+                        <a:schemeClr val="tx1"/>
+                      </a:solidFill>
+                      <a:prstDash val="solid"/>
+                      <a:round/>
+                      <a:headEnd type="none" w="med" len="med"/>
+                      <a:tailEnd type="none" w="med" len="med"/>
+                    </a:lnT>
+                    <a:lnB w="12700" cap="flat" cmpd="sng" algn="ctr">
+                      <a:solidFill>
+                        <a:schemeClr val="tx1"/>
+                      </a:solidFill>
+                      <a:prstDash val="solid"/>
+                      <a:round/>
+                      <a:headEnd type="none" w="med" len="med"/>
+                      <a:tailEnd type="none" w="med" len="med"/>
+                    </a:lnB>
+                  </a:tcPr>
+                </a:tc>
+                <a:tc>
+                  <a:txBody>
+                    <a:bodyPr/>
+                    <a:lstStyle/>
+                    <a:p>
+                      <a:pPr algn="ctr"/>
+                      <a:r>
+                        <a:rPr kumimoji="1" lang="en-US" altLang="ja-JP" sz="7200" b="0" dirty="0" smtClean="0"/>
+                        <a:t>b</a:t>
+                      </a:r>
+                      <a:endParaRPr kumimoji="1" lang="ja-JP" altLang="en-US" sz="7200" b="0" dirty="0"/>
+                    </a:p>
+                  </a:txBody>
+                  <a:tcPr>
+                    <a:lnL w="12700" cap="flat" cmpd="sng" algn="ctr">
+                      <a:solidFill>
+                        <a:schemeClr val="tx1"/>
+                      </a:solidFill>
+                      <a:prstDash val="solid"/>
+                      <a:round/>
+                      <a:headEnd type="none" w="med" len="med"/>
+                      <a:tailEnd type="none" w="med" len="med"/>
+                    </a:lnL>
+                    <a:lnR w="12700" cap="flat" cmpd="sng" algn="ctr">
+                      <a:solidFill>
+                        <a:schemeClr val="tx1"/>
+                      </a:solidFill>
+                      <a:prstDash val="solid"/>
+                      <a:round/>
+                      <a:headEnd type="none" w="med" len="med"/>
+                      <a:tailEnd type="none" w="med" len="med"/>
+                    </a:lnR>
+                    <a:lnT w="12700" cap="flat" cmpd="sng" algn="ctr">
+                      <a:solidFill>
+                        <a:schemeClr val="tx1"/>
+                      </a:solidFill>
+                      <a:prstDash val="solid"/>
+                      <a:round/>
+                      <a:headEnd type="none" w="med" len="med"/>
+                      <a:tailEnd type="none" w="med" len="med"/>
+                    </a:lnT>
+                    <a:lnB w="12700" cap="flat" cmpd="sng" algn="ctr">
+                      <a:solidFill>
+                        <a:schemeClr val="tx1"/>
+                      </a:solidFill>
+                      <a:prstDash val="solid"/>
+                      <a:round/>
+                      <a:headEnd type="none" w="med" len="med"/>
+                      <a:tailEnd type="none" w="med" len="med"/>
+                    </a:lnB>
+                  </a:tcPr>
+                </a:tc>
+                <a:tc>
+                  <a:txBody>
+                    <a:bodyPr/>
+                    <a:lstStyle/>
+                    <a:p>
+                      <a:pPr algn="ctr"/>
+                      <a:r>
+                        <a:rPr kumimoji="1" lang="en-US" altLang="ja-JP" sz="7200" b="0" dirty="0" smtClean="0"/>
+                        <a:t>c</a:t>
+                      </a:r>
+                      <a:endParaRPr kumimoji="1" lang="ja-JP" altLang="en-US" sz="7200" b="0" dirty="0"/>
+                    </a:p>
+                  </a:txBody>
+                  <a:tcPr>
+                    <a:lnL w="12700" cap="flat" cmpd="sng" algn="ctr">
+                      <a:solidFill>
+                        <a:schemeClr val="tx1"/>
+                      </a:solidFill>
+                      <a:prstDash val="solid"/>
+                      <a:round/>
+                      <a:headEnd type="none" w="med" len="med"/>
+                      <a:tailEnd type="none" w="med" len="med"/>
+                    </a:lnL>
+                    <a:lnR w="12700" cap="flat" cmpd="sng" algn="ctr">
+                      <a:solidFill>
+                        <a:schemeClr val="tx1"/>
+                      </a:solidFill>
+                      <a:prstDash val="solid"/>
+                      <a:round/>
+                      <a:headEnd type="none" w="med" len="med"/>
+                      <a:tailEnd type="none" w="med" len="med"/>
+                    </a:lnR>
+                    <a:lnT w="12700" cap="flat" cmpd="sng" algn="ctr">
+                      <a:solidFill>
+                        <a:schemeClr val="tx1"/>
+                      </a:solidFill>
+                      <a:prstDash val="solid"/>
+                      <a:round/>
+                      <a:headEnd type="none" w="med" len="med"/>
+                      <a:tailEnd type="none" w="med" len="med"/>
+                    </a:lnT>
+                    <a:lnB w="12700" cap="flat" cmpd="sng" algn="ctr">
+                      <a:solidFill>
+                        <a:schemeClr val="tx1"/>
+                      </a:solidFill>
+                      <a:prstDash val="solid"/>
+                      <a:round/>
+                      <a:headEnd type="none" w="med" len="med"/>
+                      <a:tailEnd type="none" w="med" len="med"/>
+                    </a:lnB>
+                  </a:tcPr>
+                </a:tc>
+                <a:tc>
+                  <a:txBody>
+                    <a:bodyPr/>
+                    <a:lstStyle/>
+                    <a:p>
+                      <a:pPr algn="ctr"/>
+                      <a:r>
+                        <a:rPr kumimoji="1" lang="en-US" altLang="ja-JP" sz="7200" b="0" dirty="0" smtClean="0"/>
+                        <a:t>d</a:t>
+                      </a:r>
+                      <a:endParaRPr kumimoji="1" lang="ja-JP" altLang="en-US" sz="7200" b="0" dirty="0"/>
+                    </a:p>
+                  </a:txBody>
+                  <a:tcPr>
+                    <a:lnL w="12700" cap="flat" cmpd="sng" algn="ctr">
+                      <a:solidFill>
+                        <a:schemeClr val="tx1"/>
+                      </a:solidFill>
+                      <a:prstDash val="solid"/>
+                      <a:round/>
+                      <a:headEnd type="none" w="med" len="med"/>
+                      <a:tailEnd type="none" w="med" len="med"/>
+                    </a:lnL>
+                    <a:lnR w="12700" cap="flat" cmpd="sng" algn="ctr">
+                      <a:solidFill>
+                        <a:schemeClr val="tx1"/>
+                      </a:solidFill>
+                      <a:prstDash val="solid"/>
+                      <a:round/>
+                      <a:headEnd type="none" w="med" len="med"/>
+                      <a:tailEnd type="none" w="med" len="med"/>
+                    </a:lnR>
+                    <a:lnT w="12700" cap="flat" cmpd="sng" algn="ctr">
+                      <a:solidFill>
+                        <a:schemeClr val="tx1"/>
+                      </a:solidFill>
+                      <a:prstDash val="solid"/>
+                      <a:round/>
+                      <a:headEnd type="none" w="med" len="med"/>
+                      <a:tailEnd type="none" w="med" len="med"/>
+                    </a:lnT>
+                    <a:lnB w="12700" cap="flat" cmpd="sng" algn="ctr">
+                      <a:solidFill>
+                        <a:schemeClr val="tx1"/>
+                      </a:solidFill>
+                      <a:prstDash val="solid"/>
+                      <a:round/>
+                      <a:headEnd type="none" w="med" len="med"/>
+                      <a:tailEnd type="none" w="med" len="med"/>
+                    </a:lnB>
+                  </a:tcPr>
+                </a:tc>
+              </a:tr>
+              <a:tr h="867258">
+                <a:tc>
+                  <a:txBody>
+                    <a:bodyPr/>
+                    <a:lstStyle/>
+                    <a:p>
+                      <a:pPr algn="ctr"/>
+                      <a:r>
+                        <a:rPr kumimoji="1" lang="en-US" altLang="ja-JP" sz="7200" b="0" dirty="0" smtClean="0"/>
+                        <a:t>A</a:t>
+                      </a:r>
+                      <a:endParaRPr kumimoji="1" lang="ja-JP" altLang="en-US" sz="7200" b="0" dirty="0"/>
+                    </a:p>
+                  </a:txBody>
+                  <a:tcPr>
+                    <a:lnL w="12700" cap="flat" cmpd="sng" algn="ctr">
+                      <a:solidFill>
+                        <a:schemeClr val="tx1"/>
+                      </a:solidFill>
+                      <a:prstDash val="solid"/>
+                      <a:round/>
+                      <a:headEnd type="none" w="med" len="med"/>
+                      <a:tailEnd type="none" w="med" len="med"/>
+                    </a:lnL>
+                    <a:lnR w="12700" cap="flat" cmpd="sng" algn="ctr">
+                      <a:solidFill>
+                        <a:schemeClr val="tx1"/>
+                      </a:solidFill>
+                      <a:prstDash val="solid"/>
+                      <a:round/>
+                      <a:headEnd type="none" w="med" len="med"/>
+                      <a:tailEnd type="none" w="med" len="med"/>
+                    </a:lnR>
+                    <a:lnT w="12700" cap="flat" cmpd="sng" algn="ctr">
+                      <a:solidFill>
+                        <a:schemeClr val="tx1"/>
+                      </a:solidFill>
+                      <a:prstDash val="solid"/>
+                      <a:round/>
+                      <a:headEnd type="none" w="med" len="med"/>
+                      <a:tailEnd type="none" w="med" len="med"/>
+                    </a:lnT>
+                    <a:lnB w="12700" cap="flat" cmpd="sng" algn="ctr">
+                      <a:solidFill>
+                        <a:schemeClr val="tx1"/>
+                      </a:solidFill>
+                      <a:prstDash val="solid"/>
+                      <a:round/>
+                      <a:headEnd type="none" w="med" len="med"/>
+                      <a:tailEnd type="none" w="med" len="med"/>
+                    </a:lnB>
+                    <a:solidFill>
+                      <a:schemeClr val="accent3">
+                        <a:lumMod val="40000"/>
+                        <a:lumOff val="60000"/>
+                      </a:schemeClr>
+                    </a:solidFill>
+                  </a:tcPr>
+                </a:tc>
+                <a:tc>
+                  <a:txBody>
+                    <a:bodyPr/>
+                    <a:lstStyle/>
+                    <a:p>
+                      <a:pPr algn="ctr"/>
+                      <a:r>
+                        <a:rPr kumimoji="1" lang="en-US" altLang="ja-JP" sz="6600" b="0" dirty="0" smtClean="0"/>
+                        <a:t>1</a:t>
+                      </a:r>
+                      <a:endParaRPr kumimoji="1" lang="ja-JP" altLang="en-US" sz="6600" b="0" dirty="0"/>
+                    </a:p>
+                  </a:txBody>
+                  <a:tcPr>
+                    <a:lnL w="12700" cap="flat" cmpd="sng" algn="ctr">
+                      <a:solidFill>
+                        <a:schemeClr val="tx1"/>
+                      </a:solidFill>
+                      <a:prstDash val="solid"/>
+                      <a:round/>
+                      <a:headEnd type="none" w="med" len="med"/>
+                      <a:tailEnd type="none" w="med" len="med"/>
+                    </a:lnL>
+                    <a:lnR w="12700" cap="flat" cmpd="sng" algn="ctr">
+                      <a:solidFill>
+                        <a:schemeClr val="tx1"/>
+                      </a:solidFill>
+                      <a:prstDash val="solid"/>
+                      <a:round/>
+                      <a:headEnd type="none" w="med" len="med"/>
+                      <a:tailEnd type="none" w="med" len="med"/>
+                    </a:lnR>
+                    <a:lnT w="12700" cap="flat" cmpd="sng" algn="ctr">
+                      <a:solidFill>
+                        <a:schemeClr val="tx1"/>
+                      </a:solidFill>
+                      <a:prstDash val="solid"/>
+                      <a:round/>
+                      <a:headEnd type="none" w="med" len="med"/>
+                      <a:tailEnd type="none" w="med" len="med"/>
+                    </a:lnT>
+                    <a:lnB w="12700" cap="flat" cmpd="sng" algn="ctr">
+                      <a:solidFill>
+                        <a:schemeClr val="tx1"/>
+                      </a:solidFill>
+                      <a:prstDash val="solid"/>
+                      <a:round/>
+                      <a:headEnd type="none" w="med" len="med"/>
+                      <a:tailEnd type="none" w="med" len="med"/>
+                    </a:lnB>
+                  </a:tcPr>
+                </a:tc>
+                <a:tc>
+                  <a:txBody>
+                    <a:bodyPr/>
+                    <a:lstStyle/>
+                    <a:p>
+                      <a:pPr algn="ctr"/>
+                      <a:r>
+                        <a:rPr kumimoji="1" lang="en-US" altLang="ja-JP" sz="6600" b="0" dirty="0" smtClean="0"/>
+                        <a:t>0</a:t>
+                      </a:r>
+                      <a:endParaRPr kumimoji="1" lang="ja-JP" altLang="en-US" sz="6600" b="0" dirty="0"/>
+                    </a:p>
+                  </a:txBody>
+                  <a:tcPr>
+                    <a:lnL w="12700" cap="flat" cmpd="sng" algn="ctr">
+                      <a:solidFill>
+                        <a:schemeClr val="tx1"/>
+                      </a:solidFill>
+                      <a:prstDash val="solid"/>
+                      <a:round/>
+                      <a:headEnd type="none" w="med" len="med"/>
+                      <a:tailEnd type="none" w="med" len="med"/>
+                    </a:lnL>
+                    <a:lnR w="12700" cap="flat" cmpd="sng" algn="ctr">
+                      <a:solidFill>
+                        <a:schemeClr val="tx1"/>
+                      </a:solidFill>
+                      <a:prstDash val="solid"/>
+                      <a:round/>
+                      <a:headEnd type="none" w="med" len="med"/>
+                      <a:tailEnd type="none" w="med" len="med"/>
+                    </a:lnR>
+                    <a:lnT w="12700" cap="flat" cmpd="sng" algn="ctr">
+                      <a:solidFill>
+                        <a:schemeClr val="tx1"/>
+                      </a:solidFill>
+                      <a:prstDash val="solid"/>
+                      <a:round/>
+                      <a:headEnd type="none" w="med" len="med"/>
+                      <a:tailEnd type="none" w="med" len="med"/>
+                    </a:lnT>
+                    <a:lnB w="12700" cap="flat" cmpd="sng" algn="ctr">
+                      <a:solidFill>
+                        <a:schemeClr val="tx1"/>
+                      </a:solidFill>
+                      <a:prstDash val="solid"/>
+                      <a:round/>
+                      <a:headEnd type="none" w="med" len="med"/>
+                      <a:tailEnd type="none" w="med" len="med"/>
+                    </a:lnB>
+                  </a:tcPr>
+                </a:tc>
+                <a:tc>
+                  <a:txBody>
+                    <a:bodyPr/>
+                    <a:lstStyle/>
+                    <a:p>
+                      <a:pPr algn="ctr"/>
+                      <a:r>
+                        <a:rPr kumimoji="1" lang="en-US" altLang="ja-JP" sz="6600" b="0" dirty="0" smtClean="0"/>
+                        <a:t>1</a:t>
+                      </a:r>
+                      <a:endParaRPr kumimoji="1" lang="ja-JP" altLang="en-US" sz="6600" b="0" dirty="0"/>
+                    </a:p>
+                  </a:txBody>
+                  <a:tcPr>
+                    <a:lnL w="12700" cap="flat" cmpd="sng" algn="ctr">
+                      <a:solidFill>
+                        <a:schemeClr val="tx1"/>
+                      </a:solidFill>
+                      <a:prstDash val="solid"/>
+                      <a:round/>
+                      <a:headEnd type="none" w="med" len="med"/>
+                      <a:tailEnd type="none" w="med" len="med"/>
+                    </a:lnL>
+                    <a:lnR w="12700" cap="flat" cmpd="sng" algn="ctr">
+                      <a:solidFill>
+                        <a:schemeClr val="tx1"/>
+                      </a:solidFill>
+                      <a:prstDash val="solid"/>
+                      <a:round/>
+                      <a:headEnd type="none" w="med" len="med"/>
+                      <a:tailEnd type="none" w="med" len="med"/>
+                    </a:lnR>
+                    <a:lnT w="12700" cap="flat" cmpd="sng" algn="ctr">
+                      <a:solidFill>
+                        <a:schemeClr val="tx1"/>
+                      </a:solidFill>
+                      <a:prstDash val="solid"/>
+                      <a:round/>
+                      <a:headEnd type="none" w="med" len="med"/>
+                      <a:tailEnd type="none" w="med" len="med"/>
+                    </a:lnT>
+                    <a:lnB w="12700" cap="flat" cmpd="sng" algn="ctr">
+                      <a:solidFill>
+                        <a:schemeClr val="tx1"/>
+                      </a:solidFill>
+                      <a:prstDash val="solid"/>
+                      <a:round/>
+                      <a:headEnd type="none" w="med" len="med"/>
+                      <a:tailEnd type="none" w="med" len="med"/>
+                    </a:lnB>
+                  </a:tcPr>
+                </a:tc>
+                <a:tc>
+                  <a:txBody>
+                    <a:bodyPr/>
+                    <a:lstStyle/>
+                    <a:p>
+                      <a:pPr algn="ctr"/>
+                      <a:r>
+                        <a:rPr kumimoji="1" lang="en-US" altLang="ja-JP" sz="6600" b="0" dirty="0" smtClean="0"/>
+                        <a:t>0</a:t>
+                      </a:r>
+                      <a:endParaRPr kumimoji="1" lang="ja-JP" altLang="en-US" sz="6600" b="0" dirty="0"/>
+                    </a:p>
+                  </a:txBody>
+                  <a:tcPr>
+                    <a:lnL w="12700" cap="flat" cmpd="sng" algn="ctr">
+                      <a:solidFill>
+                        <a:schemeClr val="tx1"/>
+                      </a:solidFill>
+                      <a:prstDash val="solid"/>
+                      <a:round/>
+                      <a:headEnd type="none" w="med" len="med"/>
+                      <a:tailEnd type="none" w="med" len="med"/>
+                    </a:lnL>
+                    <a:lnR w="12700" cap="flat" cmpd="sng" algn="ctr">
+                      <a:solidFill>
+                        <a:schemeClr val="tx1"/>
+                      </a:solidFill>
+                      <a:prstDash val="solid"/>
+                      <a:round/>
+                      <a:headEnd type="none" w="med" len="med"/>
+                      <a:tailEnd type="none" w="med" len="med"/>
+                    </a:lnR>
+                    <a:lnT w="12700" cap="flat" cmpd="sng" algn="ctr">
+                      <a:solidFill>
+                        <a:schemeClr val="tx1"/>
+                      </a:solidFill>
+                      <a:prstDash val="solid"/>
+                      <a:round/>
+                      <a:headEnd type="none" w="med" len="med"/>
+                      <a:tailEnd type="none" w="med" len="med"/>
+                    </a:lnT>
+                    <a:lnB w="12700" cap="flat" cmpd="sng" algn="ctr">
+                      <a:solidFill>
+                        <a:schemeClr val="tx1"/>
+                      </a:solidFill>
+                      <a:prstDash val="solid"/>
+                      <a:round/>
+                      <a:headEnd type="none" w="med" len="med"/>
+                      <a:tailEnd type="none" w="med" len="med"/>
+                    </a:lnB>
+                  </a:tcPr>
+                </a:tc>
+              </a:tr>
+              <a:tr h="867258">
+                <a:tc>
+                  <a:txBody>
+                    <a:bodyPr/>
+                    <a:lstStyle/>
+                    <a:p>
+                      <a:pPr algn="ctr"/>
+                      <a:r>
+                        <a:rPr kumimoji="1" lang="en-US" altLang="ja-JP" sz="7200" b="0" dirty="0" smtClean="0"/>
+                        <a:t>B</a:t>
+                      </a:r>
+                      <a:endParaRPr kumimoji="1" lang="ja-JP" altLang="en-US" sz="7200" b="0" dirty="0"/>
+                    </a:p>
+                  </a:txBody>
+                  <a:tcPr>
+                    <a:lnL w="12700" cap="flat" cmpd="sng" algn="ctr">
+                      <a:solidFill>
+                        <a:schemeClr val="tx1"/>
+                      </a:solidFill>
+                      <a:prstDash val="solid"/>
+                      <a:round/>
+                      <a:headEnd type="none" w="med" len="med"/>
+                      <a:tailEnd type="none" w="med" len="med"/>
+                    </a:lnL>
+                    <a:lnR w="12700" cap="flat" cmpd="sng" algn="ctr">
+                      <a:solidFill>
+                        <a:schemeClr val="tx1"/>
+                      </a:solidFill>
+                      <a:prstDash val="solid"/>
+                      <a:round/>
+                      <a:headEnd type="none" w="med" len="med"/>
+                      <a:tailEnd type="none" w="med" len="med"/>
+                    </a:lnR>
+                    <a:lnT w="12700" cap="flat" cmpd="sng" algn="ctr">
+                      <a:solidFill>
+                        <a:schemeClr val="tx1"/>
+                      </a:solidFill>
+                      <a:prstDash val="solid"/>
+                      <a:round/>
+                      <a:headEnd type="none" w="med" len="med"/>
+                      <a:tailEnd type="none" w="med" len="med"/>
+                    </a:lnT>
+                    <a:lnB w="12700" cap="flat" cmpd="sng" algn="ctr">
+                      <a:solidFill>
+                        <a:schemeClr val="tx1"/>
+                      </a:solidFill>
+                      <a:prstDash val="solid"/>
+                      <a:round/>
+                      <a:headEnd type="none" w="med" len="med"/>
+                      <a:tailEnd type="none" w="med" len="med"/>
+                    </a:lnB>
+                    <a:solidFill>
+                      <a:schemeClr val="accent3">
+                        <a:lumMod val="40000"/>
+                        <a:lumOff val="60000"/>
+                      </a:schemeClr>
+                    </a:solidFill>
+                  </a:tcPr>
+                </a:tc>
+                <a:tc>
+                  <a:txBody>
+                    <a:bodyPr/>
+                    <a:lstStyle/>
+                    <a:p>
+                      <a:pPr algn="ctr"/>
+                      <a:r>
+                        <a:rPr kumimoji="1" lang="en-US" altLang="ja-JP" sz="6600" b="0" dirty="0" smtClean="0"/>
+                        <a:t>0</a:t>
+                      </a:r>
+                      <a:endParaRPr kumimoji="1" lang="ja-JP" altLang="en-US" sz="6600" b="0" dirty="0"/>
+                    </a:p>
+                  </a:txBody>
+                  <a:tcPr>
+                    <a:lnL w="12700" cap="flat" cmpd="sng" algn="ctr">
+                      <a:solidFill>
+                        <a:schemeClr val="tx1"/>
+                      </a:solidFill>
+                      <a:prstDash val="solid"/>
+                      <a:round/>
+                      <a:headEnd type="none" w="med" len="med"/>
+                      <a:tailEnd type="none" w="med" len="med"/>
+                    </a:lnL>
+                    <a:lnR w="12700" cap="flat" cmpd="sng" algn="ctr">
+                      <a:solidFill>
+                        <a:schemeClr val="tx1"/>
+                      </a:solidFill>
+                      <a:prstDash val="solid"/>
+                      <a:round/>
+                      <a:headEnd type="none" w="med" len="med"/>
+                      <a:tailEnd type="none" w="med" len="med"/>
+                    </a:lnR>
+                    <a:lnT w="12700" cap="flat" cmpd="sng" algn="ctr">
+                      <a:solidFill>
+                        <a:schemeClr val="tx1"/>
+                      </a:solidFill>
+                      <a:prstDash val="solid"/>
+                      <a:round/>
+                      <a:headEnd type="none" w="med" len="med"/>
+                      <a:tailEnd type="none" w="med" len="med"/>
+                    </a:lnT>
+                    <a:lnB w="12700" cap="flat" cmpd="sng" algn="ctr">
+                      <a:solidFill>
+                        <a:schemeClr val="tx1"/>
+                      </a:solidFill>
+                      <a:prstDash val="solid"/>
+                      <a:round/>
+                      <a:headEnd type="none" w="med" len="med"/>
+                      <a:tailEnd type="none" w="med" len="med"/>
+                    </a:lnB>
+                  </a:tcPr>
+                </a:tc>
+                <a:tc>
+                  <a:txBody>
+                    <a:bodyPr/>
+                    <a:lstStyle/>
+                    <a:p>
+                      <a:pPr algn="ctr"/>
+                      <a:r>
+                        <a:rPr kumimoji="1" lang="en-US" altLang="ja-JP" sz="6600" b="0" dirty="0" smtClean="0"/>
+                        <a:t>0</a:t>
+                      </a:r>
+                      <a:endParaRPr kumimoji="1" lang="ja-JP" altLang="en-US" sz="6600" b="0" dirty="0"/>
+                    </a:p>
+                  </a:txBody>
+                  <a:tcPr>
+                    <a:lnL w="12700" cap="flat" cmpd="sng" algn="ctr">
+                      <a:solidFill>
+                        <a:schemeClr val="tx1"/>
+                      </a:solidFill>
+                      <a:prstDash val="solid"/>
+                      <a:round/>
+                      <a:headEnd type="none" w="med" len="med"/>
+                      <a:tailEnd type="none" w="med" len="med"/>
+                    </a:lnL>
+                    <a:lnR w="12700" cap="flat" cmpd="sng" algn="ctr">
+                      <a:solidFill>
+                        <a:schemeClr val="tx1"/>
+                      </a:solidFill>
+                      <a:prstDash val="solid"/>
+                      <a:round/>
+                      <a:headEnd type="none" w="med" len="med"/>
+                      <a:tailEnd type="none" w="med" len="med"/>
+                    </a:lnR>
+                    <a:lnT w="12700" cap="flat" cmpd="sng" algn="ctr">
+                      <a:solidFill>
+                        <a:schemeClr val="tx1"/>
+                      </a:solidFill>
+                      <a:prstDash val="solid"/>
+                      <a:round/>
+                      <a:headEnd type="none" w="med" len="med"/>
+                      <a:tailEnd type="none" w="med" len="med"/>
+                    </a:lnT>
+                    <a:lnB w="12700" cap="flat" cmpd="sng" algn="ctr">
+                      <a:solidFill>
+                        <a:schemeClr val="tx1"/>
+                      </a:solidFill>
+                      <a:prstDash val="solid"/>
+                      <a:round/>
+                      <a:headEnd type="none" w="med" len="med"/>
+                      <a:tailEnd type="none" w="med" len="med"/>
+                    </a:lnB>
+                  </a:tcPr>
+                </a:tc>
+                <a:tc>
+                  <a:txBody>
+                    <a:bodyPr/>
+                    <a:lstStyle/>
+                    <a:p>
+                      <a:pPr algn="ctr"/>
+                      <a:r>
+                        <a:rPr kumimoji="1" lang="en-US" altLang="ja-JP" sz="6600" b="0" dirty="0" smtClean="0"/>
+                        <a:t>0</a:t>
+                      </a:r>
+                      <a:endParaRPr kumimoji="1" lang="ja-JP" altLang="en-US" sz="6600" b="0" dirty="0"/>
+                    </a:p>
+                  </a:txBody>
+                  <a:tcPr>
+                    <a:lnL w="12700" cap="flat" cmpd="sng" algn="ctr">
+                      <a:solidFill>
+                        <a:schemeClr val="tx1"/>
+                      </a:solidFill>
+                      <a:prstDash val="solid"/>
+                      <a:round/>
+                      <a:headEnd type="none" w="med" len="med"/>
+                      <a:tailEnd type="none" w="med" len="med"/>
+                    </a:lnL>
+                    <a:lnR w="12700" cap="flat" cmpd="sng" algn="ctr">
+                      <a:solidFill>
+                        <a:schemeClr val="tx1"/>
+                      </a:solidFill>
+                      <a:prstDash val="solid"/>
+                      <a:round/>
+                      <a:headEnd type="none" w="med" len="med"/>
+                      <a:tailEnd type="none" w="med" len="med"/>
+                    </a:lnR>
+                    <a:lnT w="12700" cap="flat" cmpd="sng" algn="ctr">
+                      <a:solidFill>
+                        <a:schemeClr val="tx1"/>
+                      </a:solidFill>
+                      <a:prstDash val="solid"/>
+                      <a:round/>
+                      <a:headEnd type="none" w="med" len="med"/>
+                      <a:tailEnd type="none" w="med" len="med"/>
+                    </a:lnT>
+                    <a:lnB w="12700" cap="flat" cmpd="sng" algn="ctr">
+                      <a:solidFill>
+                        <a:schemeClr val="tx1"/>
+                      </a:solidFill>
+                      <a:prstDash val="solid"/>
+                      <a:round/>
+                      <a:headEnd type="none" w="med" len="med"/>
+                      <a:tailEnd type="none" w="med" len="med"/>
+                    </a:lnB>
+                  </a:tcPr>
+                </a:tc>
+                <a:tc>
+                  <a:txBody>
+                    <a:bodyPr/>
+                    <a:lstStyle/>
+                    <a:p>
+                      <a:pPr algn="ctr"/>
+                      <a:r>
+                        <a:rPr kumimoji="1" lang="en-US" altLang="ja-JP" sz="6600" b="0" dirty="0" smtClean="0"/>
+                        <a:t>1</a:t>
+                      </a:r>
+                      <a:endParaRPr kumimoji="1" lang="ja-JP" altLang="en-US" sz="6600" b="0" dirty="0"/>
+                    </a:p>
+                  </a:txBody>
+                  <a:tcPr>
+                    <a:lnL w="12700" cap="flat" cmpd="sng" algn="ctr">
+                      <a:solidFill>
+                        <a:schemeClr val="tx1"/>
+                      </a:solidFill>
+                      <a:prstDash val="solid"/>
+                      <a:round/>
+                      <a:headEnd type="none" w="med" len="med"/>
+                      <a:tailEnd type="none" w="med" len="med"/>
+                    </a:lnL>
+                    <a:lnR w="12700" cap="flat" cmpd="sng" algn="ctr">
+                      <a:solidFill>
+                        <a:schemeClr val="tx1"/>
+                      </a:solidFill>
+                      <a:prstDash val="solid"/>
+                      <a:round/>
+                      <a:headEnd type="none" w="med" len="med"/>
+                      <a:tailEnd type="none" w="med" len="med"/>
+                    </a:lnR>
+                    <a:lnT w="12700" cap="flat" cmpd="sng" algn="ctr">
+                      <a:solidFill>
+                        <a:schemeClr val="tx1"/>
+                      </a:solidFill>
+                      <a:prstDash val="solid"/>
+                      <a:round/>
+                      <a:headEnd type="none" w="med" len="med"/>
+                      <a:tailEnd type="none" w="med" len="med"/>
+                    </a:lnT>
+                    <a:lnB w="12700" cap="flat" cmpd="sng" algn="ctr">
+                      <a:solidFill>
+                        <a:schemeClr val="tx1"/>
+                      </a:solidFill>
+                      <a:prstDash val="solid"/>
+                      <a:round/>
+                      <a:headEnd type="none" w="med" len="med"/>
+                      <a:tailEnd type="none" w="med" len="med"/>
+                    </a:lnB>
+                  </a:tcPr>
+                </a:tc>
+              </a:tr>
+              <a:tr h="867258">
+                <a:tc>
+                  <a:txBody>
+                    <a:bodyPr/>
+                    <a:lstStyle/>
+                    <a:p>
+                      <a:pPr algn="ctr"/>
+                      <a:r>
+                        <a:rPr kumimoji="1" lang="en-US" altLang="ja-JP" sz="7200" b="0" dirty="0" smtClean="0"/>
+                        <a:t>C</a:t>
+                      </a:r>
+                      <a:endParaRPr kumimoji="1" lang="ja-JP" altLang="en-US" sz="7200" b="0" dirty="0"/>
+                    </a:p>
+                  </a:txBody>
+                  <a:tcPr>
+                    <a:lnL w="12700" cap="flat" cmpd="sng" algn="ctr">
+                      <a:solidFill>
+                        <a:schemeClr val="tx1"/>
+                      </a:solidFill>
+                      <a:prstDash val="solid"/>
+                      <a:round/>
+                      <a:headEnd type="none" w="med" len="med"/>
+                      <a:tailEnd type="none" w="med" len="med"/>
+                    </a:lnL>
+                    <a:lnR w="12700" cap="flat" cmpd="sng" algn="ctr">
+                      <a:solidFill>
+                        <a:schemeClr val="tx1"/>
+                      </a:solidFill>
+                      <a:prstDash val="solid"/>
+                      <a:round/>
+                      <a:headEnd type="none" w="med" len="med"/>
+                      <a:tailEnd type="none" w="med" len="med"/>
+                    </a:lnR>
+                    <a:lnT w="12700" cap="flat" cmpd="sng" algn="ctr">
+                      <a:solidFill>
+                        <a:schemeClr val="tx1"/>
+                      </a:solidFill>
+                      <a:prstDash val="solid"/>
+                      <a:round/>
+                      <a:headEnd type="none" w="med" len="med"/>
+                      <a:tailEnd type="none" w="med" len="med"/>
+                    </a:lnT>
+                    <a:lnB w="12700" cap="flat" cmpd="sng" algn="ctr">
+                      <a:solidFill>
+                        <a:schemeClr val="tx1"/>
+                      </a:solidFill>
+                      <a:prstDash val="solid"/>
+                      <a:round/>
+                      <a:headEnd type="none" w="med" len="med"/>
+                      <a:tailEnd type="none" w="med" len="med"/>
+                    </a:lnB>
+                    <a:solidFill>
+                      <a:schemeClr val="accent3">
+                        <a:lumMod val="40000"/>
+                        <a:lumOff val="60000"/>
+                      </a:schemeClr>
+                    </a:solidFill>
+                  </a:tcPr>
+                </a:tc>
+                <a:tc>
+                  <a:txBody>
+                    <a:bodyPr/>
+                    <a:lstStyle/>
+                    <a:p>
+                      <a:pPr algn="ctr"/>
+                      <a:r>
+                        <a:rPr kumimoji="1" lang="en-US" altLang="ja-JP" sz="6600" b="0" dirty="0" smtClean="0"/>
+                        <a:t>1</a:t>
+                      </a:r>
+                      <a:endParaRPr kumimoji="1" lang="ja-JP" altLang="en-US" sz="6600" b="0" dirty="0"/>
+                    </a:p>
+                  </a:txBody>
+                  <a:tcPr>
+                    <a:lnL w="12700" cap="flat" cmpd="sng" algn="ctr">
+                      <a:solidFill>
+                        <a:schemeClr val="tx1"/>
+                      </a:solidFill>
+                      <a:prstDash val="solid"/>
+                      <a:round/>
+                      <a:headEnd type="none" w="med" len="med"/>
+                      <a:tailEnd type="none" w="med" len="med"/>
+                    </a:lnL>
+                    <a:lnR w="12700" cap="flat" cmpd="sng" algn="ctr">
+                      <a:solidFill>
+                        <a:schemeClr val="tx1"/>
+                      </a:solidFill>
+                      <a:prstDash val="solid"/>
+                      <a:round/>
+                      <a:headEnd type="none" w="med" len="med"/>
+                      <a:tailEnd type="none" w="med" len="med"/>
+                    </a:lnR>
+                    <a:lnT w="12700" cap="flat" cmpd="sng" algn="ctr">
+                      <a:solidFill>
+                        <a:schemeClr val="tx1"/>
+                      </a:solidFill>
+                      <a:prstDash val="solid"/>
+                      <a:round/>
+                      <a:headEnd type="none" w="med" len="med"/>
+                      <a:tailEnd type="none" w="med" len="med"/>
+                    </a:lnT>
+                    <a:lnB w="12700" cap="flat" cmpd="sng" algn="ctr">
+                      <a:solidFill>
+                        <a:schemeClr val="tx1"/>
+                      </a:solidFill>
+                      <a:prstDash val="solid"/>
+                      <a:round/>
+                      <a:headEnd type="none" w="med" len="med"/>
+                      <a:tailEnd type="none" w="med" len="med"/>
+                    </a:lnB>
+                  </a:tcPr>
+                </a:tc>
+                <a:tc>
+                  <a:txBody>
+                    <a:bodyPr/>
+                    <a:lstStyle/>
+                    <a:p>
+                      <a:pPr algn="ctr"/>
+                      <a:r>
+                        <a:rPr kumimoji="1" lang="en-US" altLang="ja-JP" sz="6600" b="0" dirty="0" smtClean="0"/>
+                        <a:t>1</a:t>
+                      </a:r>
+                      <a:endParaRPr kumimoji="1" lang="ja-JP" altLang="en-US" sz="6600" b="0" dirty="0"/>
+                    </a:p>
+                  </a:txBody>
+                  <a:tcPr>
+                    <a:lnL w="12700" cap="flat" cmpd="sng" algn="ctr">
+                      <a:solidFill>
+                        <a:schemeClr val="tx1"/>
+                      </a:solidFill>
+                      <a:prstDash val="solid"/>
+                      <a:round/>
+                      <a:headEnd type="none" w="med" len="med"/>
+                      <a:tailEnd type="none" w="med" len="med"/>
+                    </a:lnL>
+                    <a:lnR w="12700" cap="flat" cmpd="sng" algn="ctr">
+                      <a:solidFill>
+                        <a:schemeClr val="tx1"/>
+                      </a:solidFill>
+                      <a:prstDash val="solid"/>
+                      <a:round/>
+                      <a:headEnd type="none" w="med" len="med"/>
+                      <a:tailEnd type="none" w="med" len="med"/>
+                    </a:lnR>
+                    <a:lnT w="12700" cap="flat" cmpd="sng" algn="ctr">
+                      <a:solidFill>
+                        <a:schemeClr val="tx1"/>
+                      </a:solidFill>
+                      <a:prstDash val="solid"/>
+                      <a:round/>
+                      <a:headEnd type="none" w="med" len="med"/>
+                      <a:tailEnd type="none" w="med" len="med"/>
+                    </a:lnT>
+                    <a:lnB w="12700" cap="flat" cmpd="sng" algn="ctr">
+                      <a:solidFill>
+                        <a:schemeClr val="tx1"/>
+                      </a:solidFill>
+                      <a:prstDash val="solid"/>
+                      <a:round/>
+                      <a:headEnd type="none" w="med" len="med"/>
+                      <a:tailEnd type="none" w="med" len="med"/>
+                    </a:lnB>
+                  </a:tcPr>
+                </a:tc>
+                <a:tc>
+                  <a:txBody>
+                    <a:bodyPr/>
+                    <a:lstStyle/>
+                    <a:p>
+                      <a:pPr algn="ctr"/>
+                      <a:r>
+                        <a:rPr kumimoji="1" lang="en-US" altLang="ja-JP" sz="6600" b="0" dirty="0" smtClean="0"/>
+                        <a:t>0</a:t>
+                      </a:r>
+                      <a:endParaRPr kumimoji="1" lang="ja-JP" altLang="en-US" sz="6600" b="0" dirty="0"/>
+                    </a:p>
+                  </a:txBody>
+                  <a:tcPr>
+                    <a:lnL w="12700" cap="flat" cmpd="sng" algn="ctr">
+                      <a:solidFill>
+                        <a:schemeClr val="tx1"/>
+                      </a:solidFill>
+                      <a:prstDash val="solid"/>
+                      <a:round/>
+                      <a:headEnd type="none" w="med" len="med"/>
+                      <a:tailEnd type="none" w="med" len="med"/>
+                    </a:lnL>
+                    <a:lnR w="12700" cap="flat" cmpd="sng" algn="ctr">
+                      <a:solidFill>
+                        <a:schemeClr val="tx1"/>
+                      </a:solidFill>
+                      <a:prstDash val="solid"/>
+                      <a:round/>
+                      <a:headEnd type="none" w="med" len="med"/>
+                      <a:tailEnd type="none" w="med" len="med"/>
+                    </a:lnR>
+                    <a:lnT w="12700" cap="flat" cmpd="sng" algn="ctr">
+                      <a:solidFill>
+                        <a:schemeClr val="tx1"/>
+                      </a:solidFill>
+                      <a:prstDash val="solid"/>
+                      <a:round/>
+                      <a:headEnd type="none" w="med" len="med"/>
+                      <a:tailEnd type="none" w="med" len="med"/>
+                    </a:lnT>
+                    <a:lnB w="12700" cap="flat" cmpd="sng" algn="ctr">
+                      <a:solidFill>
+                        <a:schemeClr val="tx1"/>
+                      </a:solidFill>
+                      <a:prstDash val="solid"/>
+                      <a:round/>
+                      <a:headEnd type="none" w="med" len="med"/>
+                      <a:tailEnd type="none" w="med" len="med"/>
+                    </a:lnB>
+                  </a:tcPr>
+                </a:tc>
+                <a:tc>
+                  <a:txBody>
+                    <a:bodyPr/>
+                    <a:lstStyle/>
+                    <a:p>
+                      <a:pPr algn="ctr"/>
+                      <a:r>
+                        <a:rPr kumimoji="1" lang="en-US" altLang="ja-JP" sz="6600" b="0" dirty="0" smtClean="0"/>
+                        <a:t>1</a:t>
+                      </a:r>
+                      <a:endParaRPr kumimoji="1" lang="ja-JP" altLang="en-US" sz="6600" b="0" dirty="0"/>
+                    </a:p>
+                  </a:txBody>
+                  <a:tcPr>
+                    <a:lnL w="12700" cap="flat" cmpd="sng" algn="ctr">
+                      <a:solidFill>
+                        <a:schemeClr val="tx1"/>
+                      </a:solidFill>
+                      <a:prstDash val="solid"/>
+                      <a:round/>
+                      <a:headEnd type="none" w="med" len="med"/>
+                      <a:tailEnd type="none" w="med" len="med"/>
+                    </a:lnL>
+                    <a:lnR w="12700" cap="flat" cmpd="sng" algn="ctr">
+                      <a:solidFill>
+                        <a:schemeClr val="tx1"/>
+                      </a:solidFill>
+                      <a:prstDash val="solid"/>
+                      <a:round/>
+                      <a:headEnd type="none" w="med" len="med"/>
+                      <a:tailEnd type="none" w="med" len="med"/>
+                    </a:lnR>
+                    <a:lnT w="12700" cap="flat" cmpd="sng" algn="ctr">
+                      <a:solidFill>
+                        <a:schemeClr val="tx1"/>
+                      </a:solidFill>
+                      <a:prstDash val="solid"/>
+                      <a:round/>
+                      <a:headEnd type="none" w="med" len="med"/>
+                      <a:tailEnd type="none" w="med" len="med"/>
+                    </a:lnT>
+                    <a:lnB w="12700" cap="flat" cmpd="sng" algn="ctr">
+                      <a:solidFill>
+                        <a:schemeClr val="tx1"/>
+                      </a:solidFill>
+                      <a:prstDash val="solid"/>
+                      <a:round/>
+                      <a:headEnd type="none" w="med" len="med"/>
+                      <a:tailEnd type="none" w="med" len="med"/>
+                    </a:lnB>
+                  </a:tcPr>
+                </a:tc>
+              </a:tr>
+              <a:tr h="867258">
+                <a:tc>
+                  <a:txBody>
+                    <a:bodyPr/>
+                    <a:lstStyle/>
+                    <a:p>
+                      <a:pPr algn="ctr"/>
+                      <a:r>
+                        <a:rPr kumimoji="1" lang="en-US" altLang="ja-JP" sz="7200" b="0" dirty="0" smtClean="0"/>
+                        <a:t>D</a:t>
+                      </a:r>
+                      <a:endParaRPr kumimoji="1" lang="ja-JP" altLang="en-US" sz="7200" b="0" dirty="0"/>
+                    </a:p>
+                  </a:txBody>
+                  <a:tcPr>
+                    <a:lnL w="12700" cap="flat" cmpd="sng" algn="ctr">
+                      <a:solidFill>
+                        <a:schemeClr val="tx1"/>
+                      </a:solidFill>
+                      <a:prstDash val="solid"/>
+                      <a:round/>
+                      <a:headEnd type="none" w="med" len="med"/>
+                      <a:tailEnd type="none" w="med" len="med"/>
+                    </a:lnL>
+                    <a:lnR w="12700" cap="flat" cmpd="sng" algn="ctr">
+                      <a:solidFill>
+                        <a:schemeClr val="tx1"/>
+                      </a:solidFill>
+                      <a:prstDash val="solid"/>
+                      <a:round/>
+                      <a:headEnd type="none" w="med" len="med"/>
+                      <a:tailEnd type="none" w="med" len="med"/>
+                    </a:lnR>
+                    <a:lnT w="12700" cap="flat" cmpd="sng" algn="ctr">
+                      <a:solidFill>
+                        <a:schemeClr val="tx1"/>
+                      </a:solidFill>
+                      <a:prstDash val="solid"/>
+                      <a:round/>
+                      <a:headEnd type="none" w="med" len="med"/>
+                      <a:tailEnd type="none" w="med" len="med"/>
+                    </a:lnT>
+                    <a:lnB w="12700" cap="flat" cmpd="sng" algn="ctr">
+                      <a:solidFill>
+                        <a:schemeClr val="tx1"/>
+                      </a:solidFill>
+                      <a:prstDash val="solid"/>
+                      <a:round/>
+                      <a:headEnd type="none" w="med" len="med"/>
+                      <a:tailEnd type="none" w="med" len="med"/>
+                    </a:lnB>
+                    <a:solidFill>
+                      <a:schemeClr val="accent3">
+                        <a:lumMod val="40000"/>
+                        <a:lumOff val="60000"/>
+                      </a:schemeClr>
+                    </a:solidFill>
+                  </a:tcPr>
+                </a:tc>
+                <a:tc>
+                  <a:txBody>
+                    <a:bodyPr/>
+                    <a:lstStyle/>
+                    <a:p>
+                      <a:pPr algn="ctr"/>
+                      <a:r>
+                        <a:rPr kumimoji="1" lang="en-US" altLang="ja-JP" sz="6600" b="0" dirty="0" smtClean="0"/>
+                        <a:t>0</a:t>
+                      </a:r>
+                      <a:endParaRPr kumimoji="1" lang="ja-JP" altLang="en-US" sz="6600" b="0" dirty="0"/>
+                    </a:p>
+                  </a:txBody>
+                  <a:tcPr>
+                    <a:lnL w="12700" cap="flat" cmpd="sng" algn="ctr">
+                      <a:solidFill>
+                        <a:schemeClr val="tx1"/>
+                      </a:solidFill>
+                      <a:prstDash val="solid"/>
+                      <a:round/>
+                      <a:headEnd type="none" w="med" len="med"/>
+                      <a:tailEnd type="none" w="med" len="med"/>
+                    </a:lnL>
+                    <a:lnR w="12700" cap="flat" cmpd="sng" algn="ctr">
+                      <a:solidFill>
+                        <a:schemeClr val="tx1"/>
+                      </a:solidFill>
+                      <a:prstDash val="solid"/>
+                      <a:round/>
+                      <a:headEnd type="none" w="med" len="med"/>
+                      <a:tailEnd type="none" w="med" len="med"/>
+                    </a:lnR>
+                    <a:lnT w="12700" cap="flat" cmpd="sng" algn="ctr">
+                      <a:solidFill>
+                        <a:schemeClr val="tx1"/>
+                      </a:solidFill>
+                      <a:prstDash val="solid"/>
+                      <a:round/>
+                      <a:headEnd type="none" w="med" len="med"/>
+                      <a:tailEnd type="none" w="med" len="med"/>
+                    </a:lnT>
+                    <a:lnB w="12700" cap="flat" cmpd="sng" algn="ctr">
+                      <a:solidFill>
+                        <a:schemeClr val="tx1"/>
+                      </a:solidFill>
+                      <a:prstDash val="solid"/>
+                      <a:round/>
+                      <a:headEnd type="none" w="med" len="med"/>
+                      <a:tailEnd type="none" w="med" len="med"/>
+                    </a:lnB>
+                  </a:tcPr>
+                </a:tc>
+                <a:tc>
+                  <a:txBody>
+                    <a:bodyPr/>
+                    <a:lstStyle/>
+                    <a:p>
+                      <a:pPr algn="ctr"/>
+                      <a:r>
+                        <a:rPr kumimoji="1" lang="en-US" altLang="ja-JP" sz="6600" b="0" dirty="0" smtClean="0"/>
+                        <a:t>1</a:t>
+                      </a:r>
+                      <a:endParaRPr kumimoji="1" lang="ja-JP" altLang="en-US" sz="6600" b="0" dirty="0"/>
+                    </a:p>
+                  </a:txBody>
+                  <a:tcPr>
+                    <a:lnL w="12700" cap="flat" cmpd="sng" algn="ctr">
+                      <a:solidFill>
+                        <a:schemeClr val="tx1"/>
+                      </a:solidFill>
+                      <a:prstDash val="solid"/>
+                      <a:round/>
+                      <a:headEnd type="none" w="med" len="med"/>
+                      <a:tailEnd type="none" w="med" len="med"/>
+                    </a:lnL>
+                    <a:lnR w="12700" cap="flat" cmpd="sng" algn="ctr">
+                      <a:solidFill>
+                        <a:schemeClr val="tx1"/>
+                      </a:solidFill>
+                      <a:prstDash val="solid"/>
+                      <a:round/>
+                      <a:headEnd type="none" w="med" len="med"/>
+                      <a:tailEnd type="none" w="med" len="med"/>
+                    </a:lnR>
+                    <a:lnT w="12700" cap="flat" cmpd="sng" algn="ctr">
+                      <a:solidFill>
+                        <a:schemeClr val="tx1"/>
+                      </a:solidFill>
+                      <a:prstDash val="solid"/>
+                      <a:round/>
+                      <a:headEnd type="none" w="med" len="med"/>
+                      <a:tailEnd type="none" w="med" len="med"/>
+                    </a:lnT>
+                    <a:lnB w="12700" cap="flat" cmpd="sng" algn="ctr">
+                      <a:solidFill>
+                        <a:schemeClr val="tx1"/>
+                      </a:solidFill>
+                      <a:prstDash val="solid"/>
+                      <a:round/>
+                      <a:headEnd type="none" w="med" len="med"/>
+                      <a:tailEnd type="none" w="med" len="med"/>
+                    </a:lnB>
+                  </a:tcPr>
+                </a:tc>
+                <a:tc>
+                  <a:txBody>
+                    <a:bodyPr/>
+                    <a:lstStyle/>
+                    <a:p>
+                      <a:pPr algn="ctr"/>
+                      <a:r>
+                        <a:rPr kumimoji="1" lang="en-US" altLang="ja-JP" sz="6600" b="0" dirty="0" smtClean="0"/>
+                        <a:t>0</a:t>
+                      </a:r>
+                      <a:endParaRPr kumimoji="1" lang="ja-JP" altLang="en-US" sz="6600" b="0" dirty="0"/>
+                    </a:p>
+                  </a:txBody>
+                  <a:tcPr>
+                    <a:lnL w="12700" cap="flat" cmpd="sng" algn="ctr">
+                      <a:solidFill>
+                        <a:schemeClr val="tx1"/>
+                      </a:solidFill>
+                      <a:prstDash val="solid"/>
+                      <a:round/>
+                      <a:headEnd type="none" w="med" len="med"/>
+                      <a:tailEnd type="none" w="med" len="med"/>
+                    </a:lnL>
+                    <a:lnR w="12700" cap="flat" cmpd="sng" algn="ctr">
+                      <a:solidFill>
+                        <a:schemeClr val="tx1"/>
+                      </a:solidFill>
+                      <a:prstDash val="solid"/>
+                      <a:round/>
+                      <a:headEnd type="none" w="med" len="med"/>
+                      <a:tailEnd type="none" w="med" len="med"/>
+                    </a:lnR>
+                    <a:lnT w="12700" cap="flat" cmpd="sng" algn="ctr">
+                      <a:solidFill>
+                        <a:schemeClr val="tx1"/>
+                      </a:solidFill>
+                      <a:prstDash val="solid"/>
+                      <a:round/>
+                      <a:headEnd type="none" w="med" len="med"/>
+                      <a:tailEnd type="none" w="med" len="med"/>
+                    </a:lnT>
+                    <a:lnB w="12700" cap="flat" cmpd="sng" algn="ctr">
+                      <a:solidFill>
+                        <a:schemeClr val="tx1"/>
+                      </a:solidFill>
+                      <a:prstDash val="solid"/>
+                      <a:round/>
+                      <a:headEnd type="none" w="med" len="med"/>
+                      <a:tailEnd type="none" w="med" len="med"/>
+                    </a:lnB>
+                  </a:tcPr>
+                </a:tc>
+                <a:tc>
+                  <a:txBody>
+                    <a:bodyPr/>
+                    <a:lstStyle/>
+                    <a:p>
+                      <a:pPr algn="ctr"/>
+                      <a:r>
+                        <a:rPr kumimoji="1" lang="en-US" altLang="ja-JP" sz="6600" b="0" dirty="0" smtClean="0"/>
+                        <a:t>0</a:t>
+                      </a:r>
+                      <a:endParaRPr kumimoji="1" lang="ja-JP" altLang="en-US" sz="6600" b="0" dirty="0"/>
+                    </a:p>
+                  </a:txBody>
+                  <a:tcPr>
+                    <a:lnL w="12700" cap="flat" cmpd="sng" algn="ctr">
+                      <a:solidFill>
+                        <a:schemeClr val="tx1"/>
+                      </a:solidFill>
+                      <a:prstDash val="solid"/>
+                      <a:round/>
+                      <a:headEnd type="none" w="med" len="med"/>
+                      <a:tailEnd type="none" w="med" len="med"/>
+                    </a:lnL>
+                    <a:lnR w="12700" cap="flat" cmpd="sng" algn="ctr">
+                      <a:solidFill>
+                        <a:schemeClr val="tx1"/>
+                      </a:solidFill>
+                      <a:prstDash val="solid"/>
+                      <a:round/>
+                      <a:headEnd type="none" w="med" len="med"/>
+                      <a:tailEnd type="none" w="med" len="med"/>
+                    </a:lnR>
+                    <a:lnT w="12700" cap="flat" cmpd="sng" algn="ctr">
+                      <a:solidFill>
+                        <a:schemeClr val="tx1"/>
+                      </a:solidFill>
+                      <a:prstDash val="solid"/>
+                      <a:round/>
+                      <a:headEnd type="none" w="med" len="med"/>
+                      <a:tailEnd type="none" w="med" len="med"/>
+                    </a:lnT>
+                    <a:lnB w="12700" cap="flat" cmpd="sng" algn="ctr">
+                      <a:solidFill>
+                        <a:schemeClr val="tx1"/>
+                      </a:solidFill>
+                      <a:prstDash val="solid"/>
+                      <a:round/>
+                      <a:headEnd type="none" w="med" len="med"/>
+                      <a:tailEnd type="none" w="med" len="med"/>
+                    </a:lnB>
+                  </a:tcPr>
+                </a:tc>
+              </a:tr>
+            </a:tbl>
+          </a:graphicData>
+        </a:graphic>
+      </p:graphicFrame>
+      <p:sp>
+        <p:nvSpPr>
+          <p:cNvPr id="25" name="正方形/長方形 24"/>
+          <p:cNvSpPr/>
+          <p:nvPr/>
+        </p:nvSpPr>
+        <p:spPr>
+          <a:xfrm>
+            <a:off x="15940831" y="6586267"/>
+            <a:ext cx="3657336" cy="914334"/>
+          </a:xfrm>
+          <a:prstGeom prst="rect">
+            <a:avLst/>
+          </a:prstGeom>
+        </p:spPr>
+        <p:style>
+          <a:lnRef idx="2">
+            <a:schemeClr val="accent1">
+              <a:shade val="50000"/>
+            </a:schemeClr>
+          </a:lnRef>
+          <a:fillRef idx="1">
+            <a:schemeClr val="accent1"/>
+          </a:fillRef>
+          <a:effectRef idx="0">
+            <a:schemeClr val="accent1"/>
+          </a:effectRef>
+          <a:fontRef idx="minor">
+            <a:schemeClr val="lt1"/>
+          </a:fontRef>
+        </p:style>
+        <p:txBody>
+          <a:bodyPr rtlCol="0" anchor="ctr"/>
+          <a:lstStyle/>
           <a:p>
             <a:pPr algn="ctr"/>
             <a:r>
-              <a:rPr lang="ja-JP" altLang="en-US" sz="3900" b="1" dirty="0">
+              <a:rPr kumimoji="1" lang="ja-JP" altLang="en-US" b="1" dirty="0" smtClean="0"/>
+              <a:t>授業</a:t>
+            </a:r>
+            <a:endParaRPr kumimoji="1" lang="ja-JP" altLang="en-US" b="1" dirty="0"/>
+          </a:p>
+        </p:txBody>
+      </p:sp>
+      <p:sp>
+        <p:nvSpPr>
+          <p:cNvPr id="45" name="正方形/長方形 44"/>
+          <p:cNvSpPr/>
+          <p:nvPr/>
+        </p:nvSpPr>
+        <p:spPr>
+          <a:xfrm>
+            <a:off x="13011310" y="8818692"/>
+            <a:ext cx="951439" cy="4921517"/>
+          </a:xfrm>
+          <a:prstGeom prst="rect">
+            <a:avLst/>
+          </a:prstGeom>
+          <a:solidFill>
+            <a:schemeClr val="accent3">
+              <a:lumMod val="40000"/>
+              <a:lumOff val="60000"/>
+            </a:schemeClr>
+          </a:solidFill>
+        </p:spPr>
+        <p:style>
+          <a:lnRef idx="2">
+            <a:schemeClr val="accent1">
+              <a:shade val="50000"/>
+            </a:schemeClr>
+          </a:lnRef>
+          <a:fillRef idx="1">
+            <a:schemeClr val="accent1"/>
+          </a:fillRef>
+          <a:effectRef idx="0">
+            <a:schemeClr val="accent1"/>
+          </a:effectRef>
+          <a:fontRef idx="minor">
+            <a:schemeClr val="lt1"/>
+          </a:fontRef>
+        </p:style>
+        <p:txBody>
+          <a:bodyPr rtlCol="0" anchor="ctr"/>
+          <a:lstStyle/>
+          <a:p>
+            <a:pPr algn="ctr"/>
+            <a:r>
+              <a:rPr kumimoji="1" lang="ja-JP" altLang="en-US" sz="5400" b="1" dirty="0" smtClean="0">
                 <a:solidFill>
                   <a:schemeClr val="tx1"/>
                 </a:solidFill>
               </a:rPr>
-              <a:t>対象を選択する</a:t>
-            </a:r>
-          </a:p>
-        </p:txBody>
-      </p:sp>
-      <p:sp>
-        <p:nvSpPr>
-          <p:cNvPr id="5" name="正方形/長方形 4"/>
+              <a:t>ユニット候補</a:t>
+            </a:r>
+            <a:endParaRPr kumimoji="1" lang="ja-JP" altLang="en-US" sz="5400" b="1" dirty="0">
+              <a:solidFill>
+                <a:schemeClr val="tx1"/>
+              </a:solidFill>
+            </a:endParaRPr>
+          </a:p>
+        </p:txBody>
+      </p:sp>
+      <p:grpSp>
+        <p:nvGrpSpPr>
+          <p:cNvPr id="51" name="グループ化 50"/>
+          <p:cNvGrpSpPr/>
+          <p:nvPr/>
+        </p:nvGrpSpPr>
+        <p:grpSpPr>
+          <a:xfrm>
+            <a:off x="11702733" y="16447726"/>
+            <a:ext cx="6635502" cy="3444683"/>
+            <a:chOff x="8063724" y="2459970"/>
+            <a:chExt cx="6635502" cy="3444683"/>
+          </a:xfrm>
+        </p:grpSpPr>
+        <p:sp>
+          <p:nvSpPr>
+            <p:cNvPr id="53" name="角丸四角形 52"/>
+            <p:cNvSpPr/>
+            <p:nvPr/>
+          </p:nvSpPr>
+          <p:spPr>
+            <a:xfrm>
+              <a:off x="8895422" y="3166506"/>
+              <a:ext cx="5803804" cy="2738147"/>
+            </a:xfrm>
+            <a:prstGeom prst="roundRect">
+              <a:avLst/>
+            </a:prstGeom>
+            <a:solidFill>
+              <a:schemeClr val="bg1"/>
+            </a:solidFill>
+            <a:ln w="76200"/>
+          </p:spPr>
+          <p:style>
+            <a:lnRef idx="2">
+              <a:schemeClr val="accent1">
+                <a:shade val="50000"/>
+              </a:schemeClr>
+            </a:lnRef>
+            <a:fillRef idx="1">
+              <a:schemeClr val="accent1"/>
+            </a:fillRef>
+            <a:effectRef idx="0">
+              <a:schemeClr val="accent1"/>
+            </a:effectRef>
+            <a:fontRef idx="minor">
+              <a:schemeClr val="lt1"/>
+            </a:fontRef>
+          </p:style>
+          <p:txBody>
+            <a:bodyPr rtlCol="0" anchor="ctr"/>
+            <a:lstStyle/>
+            <a:p>
+              <a:pPr algn="ctr"/>
+              <a:r>
+                <a:rPr lang="ja-JP" altLang="en-US" sz="4800" b="1" dirty="0" smtClean="0">
+                  <a:solidFill>
+                    <a:schemeClr val="tx1"/>
+                  </a:solidFill>
+                </a:rPr>
+                <a:t>できたクラスタを</a:t>
+              </a:r>
+              <a:r>
+                <a:rPr lang="en-US" altLang="ja-JP" sz="4800" b="1" dirty="0" smtClean="0">
+                  <a:solidFill>
+                    <a:schemeClr val="tx1"/>
+                  </a:solidFill>
+                </a:rPr>
+                <a:t>BOK</a:t>
+              </a:r>
+              <a:r>
+                <a:rPr lang="ja-JP" altLang="en-US" sz="4800" b="1" dirty="0" smtClean="0">
+                  <a:solidFill>
+                    <a:schemeClr val="tx1"/>
+                  </a:solidFill>
+                </a:rPr>
+                <a:t>の</a:t>
+              </a:r>
+              <a:endParaRPr lang="en-US" altLang="ja-JP" sz="4800" b="1" dirty="0" smtClean="0">
+                <a:solidFill>
+                  <a:schemeClr val="tx1"/>
+                </a:solidFill>
+              </a:endParaRPr>
+            </a:p>
+            <a:p>
+              <a:pPr algn="ctr"/>
+              <a:r>
+                <a:rPr lang="ja-JP" altLang="en-US" sz="4800" b="1" dirty="0" smtClean="0">
+                  <a:solidFill>
+                    <a:schemeClr val="tx1"/>
+                  </a:solidFill>
+                </a:rPr>
+                <a:t>エリアとする</a:t>
+              </a:r>
+              <a:endParaRPr kumimoji="1" lang="ja-JP" altLang="en-US" sz="4800" b="1" dirty="0">
+                <a:solidFill>
+                  <a:schemeClr val="tx1"/>
+                </a:solidFill>
+              </a:endParaRPr>
+            </a:p>
+          </p:txBody>
+        </p:sp>
+        <p:sp>
+          <p:nvSpPr>
+            <p:cNvPr id="58" name="フローチャート : 結合子 57"/>
+            <p:cNvSpPr/>
+            <p:nvPr/>
+          </p:nvSpPr>
+          <p:spPr>
+            <a:xfrm>
+              <a:off x="8063724" y="2459970"/>
+              <a:ext cx="1602016" cy="1413073"/>
+            </a:xfrm>
+            <a:prstGeom prst="flowChartConnector">
+              <a:avLst/>
+            </a:prstGeom>
+          </p:spPr>
+          <p:style>
+            <a:lnRef idx="2">
+              <a:schemeClr val="accent1">
+                <a:shade val="50000"/>
+              </a:schemeClr>
+            </a:lnRef>
+            <a:fillRef idx="1">
+              <a:schemeClr val="accent1"/>
+            </a:fillRef>
+            <a:effectRef idx="0">
+              <a:schemeClr val="accent1"/>
+            </a:effectRef>
+            <a:fontRef idx="minor">
+              <a:schemeClr val="lt1"/>
+            </a:fontRef>
+          </p:style>
+          <p:txBody>
+            <a:bodyPr rtlCol="0" anchor="ctr"/>
+            <a:lstStyle/>
+            <a:p>
+              <a:pPr algn="ctr"/>
+              <a:r>
+                <a:rPr kumimoji="1" lang="en-US" altLang="ja-JP" sz="8000" dirty="0" smtClean="0"/>
+                <a:t>3</a:t>
+              </a:r>
+              <a:endParaRPr kumimoji="1" lang="ja-JP" altLang="en-US" sz="8000" dirty="0"/>
+            </a:p>
+          </p:txBody>
+        </p:sp>
+      </p:grpSp>
+      <p:graphicFrame>
+        <p:nvGraphicFramePr>
+          <p:cNvPr id="7" name="表 6"/>
+          <p:cNvGraphicFramePr>
+            <a:graphicFrameLocks noGrp="1"/>
+          </p:cNvGraphicFramePr>
+          <p:nvPr>
+            <p:extLst>
+              <p:ext uri="{D42A27DB-BD31-4B8C-83A1-F6EECF244321}">
+                <p14:modId xmlns:p14="http://schemas.microsoft.com/office/powerpoint/2010/main" val="2337050360"/>
+              </p:ext>
+            </p:extLst>
+          </p:nvPr>
+        </p:nvGraphicFramePr>
+        <p:xfrm>
+          <a:off x="13240313" y="21098764"/>
+          <a:ext cx="7128934" cy="3810000"/>
+        </p:xfrm>
+        <a:graphic>
+          <a:graphicData uri="http://schemas.openxmlformats.org/drawingml/2006/table">
+            <a:tbl>
+              <a:tblPr firstRow="1" bandRow="1">
+                <a:tableStyleId>{5C22544A-7EE6-4342-B048-85BDC9FD1C3A}</a:tableStyleId>
+              </a:tblPr>
+              <a:tblGrid>
+                <a:gridCol w="3471598"/>
+                <a:gridCol w="3657336"/>
+              </a:tblGrid>
+              <a:tr h="975360">
+                <a:tc>
+                  <a:txBody>
+                    <a:bodyPr/>
+                    <a:lstStyle/>
+                    <a:p>
+                      <a:r>
+                        <a:rPr kumimoji="1" lang="ja-JP" altLang="en-US" b="1" dirty="0" smtClean="0">
+                          <a:solidFill>
+                            <a:schemeClr val="tx1"/>
+                          </a:solidFill>
+                        </a:rPr>
+                        <a:t>エリア</a:t>
+                      </a:r>
+                      <a:r>
+                        <a:rPr kumimoji="1" lang="en-US" altLang="ja-JP" b="1" dirty="0" smtClean="0">
+                          <a:solidFill>
+                            <a:schemeClr val="tx1"/>
+                          </a:solidFill>
+                        </a:rPr>
+                        <a:t>1</a:t>
+                      </a:r>
+                      <a:endParaRPr kumimoji="1" lang="ja-JP" altLang="en-US" b="1" dirty="0">
+                        <a:solidFill>
+                          <a:schemeClr val="tx1"/>
+                        </a:solidFill>
+                      </a:endParaRPr>
+                    </a:p>
+                  </a:txBody>
+                  <a:tcPr>
+                    <a:lnL w="12700" cap="flat" cmpd="sng" algn="ctr">
+                      <a:solidFill>
+                        <a:schemeClr val="tx1"/>
+                      </a:solidFill>
+                      <a:prstDash val="solid"/>
+                      <a:round/>
+                      <a:headEnd type="none" w="med" len="med"/>
+                      <a:tailEnd type="none" w="med" len="med"/>
+                    </a:lnL>
+                    <a:lnR w="12700" cap="flat" cmpd="sng" algn="ctr">
+                      <a:solidFill>
+                        <a:schemeClr val="tx1"/>
+                      </a:solidFill>
+                      <a:prstDash val="solid"/>
+                      <a:round/>
+                      <a:headEnd type="none" w="med" len="med"/>
+                      <a:tailEnd type="none" w="med" len="med"/>
+                    </a:lnR>
+                    <a:lnT w="12700" cap="flat" cmpd="sng" algn="ctr">
+                      <a:solidFill>
+                        <a:schemeClr val="tx1"/>
+                      </a:solidFill>
+                      <a:prstDash val="solid"/>
+                      <a:round/>
+                      <a:headEnd type="none" w="med" len="med"/>
+                      <a:tailEnd type="none" w="med" len="med"/>
+                    </a:lnT>
+                    <a:lnB w="12700" cap="flat" cmpd="sng" algn="ctr">
+                      <a:solidFill>
+                        <a:schemeClr val="tx1"/>
+                      </a:solidFill>
+                      <a:prstDash val="solid"/>
+                      <a:round/>
+                      <a:headEnd type="none" w="med" len="med"/>
+                      <a:tailEnd type="none" w="med" len="med"/>
+                    </a:lnB>
+                    <a:solidFill>
+                      <a:srgbClr val="FFC000"/>
+                    </a:solidFill>
+                  </a:tcPr>
+                </a:tc>
+                <a:tc>
+                  <a:txBody>
+                    <a:bodyPr/>
+                    <a:lstStyle/>
+                    <a:p>
+                      <a:r>
+                        <a:rPr kumimoji="1" lang="en-US" altLang="ja-JP" b="1" dirty="0" smtClean="0">
+                          <a:solidFill>
+                            <a:schemeClr val="tx1"/>
+                          </a:solidFill>
+                        </a:rPr>
+                        <a:t>A</a:t>
+                      </a:r>
+                      <a:endParaRPr kumimoji="1" lang="ja-JP" altLang="en-US" b="1" dirty="0">
+                        <a:solidFill>
+                          <a:schemeClr val="tx1"/>
+                        </a:solidFill>
+                      </a:endParaRPr>
+                    </a:p>
+                  </a:txBody>
+                  <a:tcPr>
+                    <a:lnL w="12700" cap="flat" cmpd="sng" algn="ctr">
+                      <a:solidFill>
+                        <a:schemeClr val="tx1"/>
+                      </a:solidFill>
+                      <a:prstDash val="solid"/>
+                      <a:round/>
+                      <a:headEnd type="none" w="med" len="med"/>
+                      <a:tailEnd type="none" w="med" len="med"/>
+                    </a:lnL>
+                    <a:lnR w="12700" cap="flat" cmpd="sng" algn="ctr">
+                      <a:solidFill>
+                        <a:schemeClr val="tx1"/>
+                      </a:solidFill>
+                      <a:prstDash val="solid"/>
+                      <a:round/>
+                      <a:headEnd type="none" w="med" len="med"/>
+                      <a:tailEnd type="none" w="med" len="med"/>
+                    </a:lnR>
+                    <a:lnT w="12700" cap="flat" cmpd="sng" algn="ctr">
+                      <a:solidFill>
+                        <a:schemeClr val="tx1"/>
+                      </a:solidFill>
+                      <a:prstDash val="solid"/>
+                      <a:round/>
+                      <a:headEnd type="none" w="med" len="med"/>
+                      <a:tailEnd type="none" w="med" len="med"/>
+                    </a:lnT>
+                    <a:lnB w="12700" cap="flat" cmpd="sng" algn="ctr">
+                      <a:solidFill>
+                        <a:schemeClr val="tx1"/>
+                      </a:solidFill>
+                      <a:prstDash val="solid"/>
+                      <a:round/>
+                      <a:headEnd type="none" w="med" len="med"/>
+                      <a:tailEnd type="none" w="med" len="med"/>
+                    </a:lnB>
+                    <a:solidFill>
+                      <a:srgbClr val="FFC000"/>
+                    </a:solidFill>
+                  </a:tcPr>
+                </a:tc>
+              </a:tr>
+              <a:tr h="370840">
+                <a:tc>
+                  <a:txBody>
+                    <a:bodyPr/>
+                    <a:lstStyle/>
+                    <a:p>
+                      <a:r>
+                        <a:rPr kumimoji="1" lang="ja-JP" altLang="en-US" b="1" dirty="0" smtClean="0">
+                          <a:solidFill>
+                            <a:schemeClr val="tx1"/>
+                          </a:solidFill>
+                        </a:rPr>
+                        <a:t>エリア</a:t>
+                      </a:r>
+                      <a:r>
+                        <a:rPr kumimoji="1" lang="en-US" altLang="ja-JP" b="1" dirty="0" smtClean="0">
+                          <a:solidFill>
+                            <a:schemeClr val="tx1"/>
+                          </a:solidFill>
+                        </a:rPr>
+                        <a:t>2</a:t>
+                      </a:r>
+                      <a:endParaRPr kumimoji="1" lang="ja-JP" altLang="en-US" b="1" dirty="0">
+                        <a:solidFill>
+                          <a:schemeClr val="tx1"/>
+                        </a:solidFill>
+                      </a:endParaRPr>
+                    </a:p>
+                  </a:txBody>
+                  <a:tcPr>
+                    <a:lnL w="12700" cap="flat" cmpd="sng" algn="ctr">
+                      <a:solidFill>
+                        <a:schemeClr val="tx1"/>
+                      </a:solidFill>
+                      <a:prstDash val="solid"/>
+                      <a:round/>
+                      <a:headEnd type="none" w="med" len="med"/>
+                      <a:tailEnd type="none" w="med" len="med"/>
+                    </a:lnL>
+                    <a:lnR w="12700" cap="flat" cmpd="sng" algn="ctr">
+                      <a:solidFill>
+                        <a:schemeClr val="tx1"/>
+                      </a:solidFill>
+                      <a:prstDash val="solid"/>
+                      <a:round/>
+                      <a:headEnd type="none" w="med" len="med"/>
+                      <a:tailEnd type="none" w="med" len="med"/>
+                    </a:lnR>
+                    <a:lnT w="12700" cap="flat" cmpd="sng" algn="ctr">
+                      <a:solidFill>
+                        <a:schemeClr val="tx1"/>
+                      </a:solidFill>
+                      <a:prstDash val="solid"/>
+                      <a:round/>
+                      <a:headEnd type="none" w="med" len="med"/>
+                      <a:tailEnd type="none" w="med" len="med"/>
+                    </a:lnT>
+                    <a:lnB w="12700" cap="flat" cmpd="sng" algn="ctr">
+                      <a:solidFill>
+                        <a:schemeClr val="tx1"/>
+                      </a:solidFill>
+                      <a:prstDash val="solid"/>
+                      <a:round/>
+                      <a:headEnd type="none" w="med" len="med"/>
+                      <a:tailEnd type="none" w="med" len="med"/>
+                    </a:lnB>
+                    <a:solidFill>
+                      <a:srgbClr val="FFC000"/>
+                    </a:solidFill>
+                  </a:tcPr>
+                </a:tc>
+                <a:tc>
+                  <a:txBody>
+                    <a:bodyPr/>
+                    <a:lstStyle/>
+                    <a:p>
+                      <a:r>
+                        <a:rPr kumimoji="1" lang="en-US" altLang="ja-JP" b="1" dirty="0" smtClean="0">
+                          <a:solidFill>
+                            <a:schemeClr val="tx1"/>
+                          </a:solidFill>
+                        </a:rPr>
+                        <a:t>B</a:t>
+                      </a:r>
+                      <a:endParaRPr kumimoji="1" lang="ja-JP" altLang="en-US" b="1" dirty="0">
+                        <a:solidFill>
+                          <a:schemeClr val="tx1"/>
+                        </a:solidFill>
+                      </a:endParaRPr>
+                    </a:p>
+                  </a:txBody>
+                  <a:tcPr>
+                    <a:lnL w="12700" cap="flat" cmpd="sng" algn="ctr">
+                      <a:solidFill>
+                        <a:schemeClr val="tx1"/>
+                      </a:solidFill>
+                      <a:prstDash val="solid"/>
+                      <a:round/>
+                      <a:headEnd type="none" w="med" len="med"/>
+                      <a:tailEnd type="none" w="med" len="med"/>
+                    </a:lnL>
+                    <a:lnR w="12700" cap="flat" cmpd="sng" algn="ctr">
+                      <a:solidFill>
+                        <a:schemeClr val="tx1"/>
+                      </a:solidFill>
+                      <a:prstDash val="solid"/>
+                      <a:round/>
+                      <a:headEnd type="none" w="med" len="med"/>
+                      <a:tailEnd type="none" w="med" len="med"/>
+                    </a:lnR>
+                    <a:lnT w="12700" cap="flat" cmpd="sng" algn="ctr">
+                      <a:solidFill>
+                        <a:schemeClr val="tx1"/>
+                      </a:solidFill>
+                      <a:prstDash val="solid"/>
+                      <a:round/>
+                      <a:headEnd type="none" w="med" len="med"/>
+                      <a:tailEnd type="none" w="med" len="med"/>
+                    </a:lnT>
+                    <a:lnB w="12700" cap="flat" cmpd="sng" algn="ctr">
+                      <a:solidFill>
+                        <a:schemeClr val="tx1"/>
+                      </a:solidFill>
+                      <a:prstDash val="solid"/>
+                      <a:round/>
+                      <a:headEnd type="none" w="med" len="med"/>
+                      <a:tailEnd type="none" w="med" len="med"/>
+                    </a:lnB>
+                    <a:solidFill>
+                      <a:srgbClr val="FFC000"/>
+                    </a:solidFill>
+                  </a:tcPr>
+                </a:tc>
+              </a:tr>
+              <a:tr h="370840">
+                <a:tc>
+                  <a:txBody>
+                    <a:bodyPr/>
+                    <a:lstStyle/>
+                    <a:p>
+                      <a:r>
+                        <a:rPr kumimoji="1" lang="ja-JP" altLang="en-US" b="1" dirty="0" smtClean="0">
+                          <a:solidFill>
+                            <a:schemeClr val="tx1"/>
+                          </a:solidFill>
+                        </a:rPr>
+                        <a:t>エリア</a:t>
+                      </a:r>
+                      <a:r>
+                        <a:rPr kumimoji="1" lang="en-US" altLang="ja-JP" b="1" dirty="0" smtClean="0">
+                          <a:solidFill>
+                            <a:schemeClr val="tx1"/>
+                          </a:solidFill>
+                        </a:rPr>
+                        <a:t>3</a:t>
+                      </a:r>
+                      <a:endParaRPr kumimoji="1" lang="ja-JP" altLang="en-US" b="1" dirty="0">
+                        <a:solidFill>
+                          <a:schemeClr val="tx1"/>
+                        </a:solidFill>
+                      </a:endParaRPr>
+                    </a:p>
+                  </a:txBody>
+                  <a:tcPr>
+                    <a:lnL w="12700" cap="flat" cmpd="sng" algn="ctr">
+                      <a:solidFill>
+                        <a:schemeClr val="tx1"/>
+                      </a:solidFill>
+                      <a:prstDash val="solid"/>
+                      <a:round/>
+                      <a:headEnd type="none" w="med" len="med"/>
+                      <a:tailEnd type="none" w="med" len="med"/>
+                    </a:lnL>
+                    <a:lnR w="12700" cap="flat" cmpd="sng" algn="ctr">
+                      <a:solidFill>
+                        <a:schemeClr val="tx1"/>
+                      </a:solidFill>
+                      <a:prstDash val="solid"/>
+                      <a:round/>
+                      <a:headEnd type="none" w="med" len="med"/>
+                      <a:tailEnd type="none" w="med" len="med"/>
+                    </a:lnR>
+                    <a:lnT w="12700" cap="flat" cmpd="sng" algn="ctr">
+                      <a:solidFill>
+                        <a:schemeClr val="tx1"/>
+                      </a:solidFill>
+                      <a:prstDash val="solid"/>
+                      <a:round/>
+                      <a:headEnd type="none" w="med" len="med"/>
+                      <a:tailEnd type="none" w="med" len="med"/>
+                    </a:lnT>
+                    <a:lnB w="12700" cap="flat" cmpd="sng" algn="ctr">
+                      <a:solidFill>
+                        <a:schemeClr val="tx1"/>
+                      </a:solidFill>
+                      <a:prstDash val="solid"/>
+                      <a:round/>
+                      <a:headEnd type="none" w="med" len="med"/>
+                      <a:tailEnd type="none" w="med" len="med"/>
+                    </a:lnB>
+                    <a:solidFill>
+                      <a:srgbClr val="FFC000"/>
+                    </a:solidFill>
+                  </a:tcPr>
+                </a:tc>
+                <a:tc>
+                  <a:txBody>
+                    <a:bodyPr/>
+                    <a:lstStyle/>
+                    <a:p>
+                      <a:r>
+                        <a:rPr kumimoji="1" lang="en-US" altLang="ja-JP" b="1" dirty="0" smtClean="0">
+                          <a:solidFill>
+                            <a:schemeClr val="tx1"/>
+                          </a:solidFill>
+                        </a:rPr>
+                        <a:t>C</a:t>
+                      </a:r>
+                    </a:p>
+                    <a:p>
+                      <a:r>
+                        <a:rPr kumimoji="1" lang="en-US" altLang="ja-JP" b="1" dirty="0" smtClean="0">
+                          <a:solidFill>
+                            <a:schemeClr val="tx1"/>
+                          </a:solidFill>
+                        </a:rPr>
+                        <a:t>D</a:t>
+                      </a:r>
+                      <a:endParaRPr kumimoji="1" lang="ja-JP" altLang="en-US" b="1" dirty="0">
+                        <a:solidFill>
+                          <a:schemeClr val="tx1"/>
+                        </a:solidFill>
+                      </a:endParaRPr>
+                    </a:p>
+                  </a:txBody>
+                  <a:tcPr>
+                    <a:lnL w="12700" cap="flat" cmpd="sng" algn="ctr">
+                      <a:solidFill>
+                        <a:schemeClr val="tx1"/>
+                      </a:solidFill>
+                      <a:prstDash val="solid"/>
+                      <a:round/>
+                      <a:headEnd type="none" w="med" len="med"/>
+                      <a:tailEnd type="none" w="med" len="med"/>
+                    </a:lnL>
+                    <a:lnR w="12700" cap="flat" cmpd="sng" algn="ctr">
+                      <a:solidFill>
+                        <a:schemeClr val="tx1"/>
+                      </a:solidFill>
+                      <a:prstDash val="solid"/>
+                      <a:round/>
+                      <a:headEnd type="none" w="med" len="med"/>
+                      <a:tailEnd type="none" w="med" len="med"/>
+                    </a:lnR>
+                    <a:lnT w="12700" cap="flat" cmpd="sng" algn="ctr">
+                      <a:solidFill>
+                        <a:schemeClr val="tx1"/>
+                      </a:solidFill>
+                      <a:prstDash val="solid"/>
+                      <a:round/>
+                      <a:headEnd type="none" w="med" len="med"/>
+                      <a:tailEnd type="none" w="med" len="med"/>
+                    </a:lnT>
+                    <a:lnB w="12700" cap="flat" cmpd="sng" algn="ctr">
+                      <a:solidFill>
+                        <a:schemeClr val="tx1"/>
+                      </a:solidFill>
+                      <a:prstDash val="solid"/>
+                      <a:round/>
+                      <a:headEnd type="none" w="med" len="med"/>
+                      <a:tailEnd type="none" w="med" len="med"/>
+                    </a:lnB>
+                    <a:solidFill>
+                      <a:srgbClr val="FFC000"/>
+                    </a:solidFill>
+                  </a:tcPr>
+                </a:tc>
+              </a:tr>
+            </a:tbl>
+          </a:graphicData>
+        </a:graphic>
+      </p:graphicFrame>
+      <p:sp>
+        <p:nvSpPr>
+          <p:cNvPr id="28" name="下矢印 27"/>
           <p:cNvSpPr/>
           <p:nvPr/>
         </p:nvSpPr>
         <p:spPr>
+          <a:xfrm rot="3799809">
+            <a:off x="9202217" y="11844111"/>
+            <a:ext cx="1828668" cy="4652242"/>
+          </a:xfrm>
+          <a:prstGeom prst="downArrow">
+            <a:avLst/>
+          </a:prstGeom>
+        </p:spPr>
+        <p:style>
+          <a:lnRef idx="2">
+            <a:schemeClr val="accent1">
+              <a:shade val="50000"/>
+            </a:schemeClr>
+          </a:lnRef>
+          <a:fillRef idx="1">
+            <a:schemeClr val="accent1"/>
+          </a:fillRef>
+          <a:effectRef idx="0">
+            <a:schemeClr val="accent1"/>
+          </a:effectRef>
+          <a:fontRef idx="minor">
+            <a:schemeClr val="lt1"/>
+          </a:fontRef>
+        </p:style>
+        <p:txBody>
+          <a:bodyPr rtlCol="0" anchor="ctr"/>
+          <a:lstStyle/>
+          <a:p>
+            <a:pPr algn="ctr"/>
+            <a:endParaRPr kumimoji="1" lang="ja-JP" altLang="en-US"/>
+          </a:p>
+        </p:txBody>
+      </p:sp>
+      <p:sp>
+        <p:nvSpPr>
+          <p:cNvPr id="29" name="下矢印 28"/>
+          <p:cNvSpPr/>
+          <p:nvPr/>
+        </p:nvSpPr>
+        <p:spPr>
+          <a:xfrm rot="17745528">
+            <a:off x="9486935" y="6090745"/>
+            <a:ext cx="1828668" cy="4665587"/>
+          </a:xfrm>
+          <a:prstGeom prst="downArrow">
+            <a:avLst/>
+          </a:prstGeom>
+        </p:spPr>
+        <p:style>
+          <a:lnRef idx="2">
+            <a:schemeClr val="accent1">
+              <a:shade val="50000"/>
+            </a:schemeClr>
+          </a:lnRef>
+          <a:fillRef idx="1">
+            <a:schemeClr val="accent1"/>
+          </a:fillRef>
+          <a:effectRef idx="0">
+            <a:schemeClr val="accent1"/>
+          </a:effectRef>
+          <a:fontRef idx="minor">
+            <a:schemeClr val="lt1"/>
+          </a:fontRef>
+        </p:style>
+        <p:txBody>
+          <a:bodyPr rtlCol="0" anchor="ctr"/>
+          <a:lstStyle/>
+          <a:p>
+            <a:pPr algn="ctr"/>
+            <a:endParaRPr kumimoji="1" lang="ja-JP" altLang="en-US" dirty="0"/>
+          </a:p>
+        </p:txBody>
+      </p:sp>
+      <p:sp>
+        <p:nvSpPr>
+          <p:cNvPr id="31" name="下矢印 30"/>
+          <p:cNvSpPr/>
+          <p:nvPr/>
+        </p:nvSpPr>
+        <p:spPr>
+          <a:xfrm rot="16784458">
+            <a:off x="9597001" y="19271112"/>
+            <a:ext cx="1828668" cy="3976460"/>
+          </a:xfrm>
+          <a:prstGeom prst="downArrow">
+            <a:avLst/>
+          </a:prstGeom>
+        </p:spPr>
+        <p:style>
+          <a:lnRef idx="2">
+            <a:schemeClr val="accent1">
+              <a:shade val="50000"/>
+            </a:schemeClr>
+          </a:lnRef>
+          <a:fillRef idx="1">
+            <a:schemeClr val="accent1"/>
+          </a:fillRef>
+          <a:effectRef idx="0">
+            <a:schemeClr val="accent1"/>
+          </a:effectRef>
+          <a:fontRef idx="minor">
+            <a:schemeClr val="lt1"/>
+          </a:fontRef>
+        </p:style>
+        <p:txBody>
+          <a:bodyPr rtlCol="0" anchor="ctr"/>
+          <a:lstStyle/>
+          <a:p>
+            <a:pPr algn="ctr"/>
+            <a:endParaRPr kumimoji="1" lang="ja-JP" altLang="en-US"/>
+          </a:p>
+        </p:txBody>
+      </p:sp>
+      <p:sp>
+        <p:nvSpPr>
+          <p:cNvPr id="32" name="正方形/長方形 31"/>
+          <p:cNvSpPr/>
+          <p:nvPr/>
+        </p:nvSpPr>
+        <p:spPr>
           <a:xfrm>
-            <a:off x="2585270" y="6406473"/>
-            <a:ext cx="5763082" cy="2738147"/>
+            <a:off x="2590361" y="23870751"/>
+            <a:ext cx="9323972" cy="1965965"/>
           </a:xfrm>
           <a:prstGeom prst="rect">
             <a:avLst/>
@@ -8414,7 +10837,7 @@
           </a:solidFill>
           <a:ln w="76200">
             <a:solidFill>
-              <a:srgbClr val="002060"/>
+              <a:srgbClr val="7030A0"/>
             </a:solidFill>
           </a:ln>
         </p:spPr>
@@ -8438,65 +10861,268 @@
           <a:bodyPr lIns="91434" tIns="45715" rIns="91434" bIns="45715" spcCol="0" rtlCol="0" anchor="ctr"/>
           <a:lstStyle/>
           <a:p>
-            <a:pPr algn="ctr"/>
-            <a:r>
-              <a:rPr lang="ja-JP" altLang="en-US" sz="3600" b="1" dirty="0" smtClean="0">
+            <a:r>
+              <a:rPr lang="ja-JP" altLang="en-US" sz="3900" b="1" dirty="0">
                 <a:solidFill>
                   <a:schemeClr val="tx1"/>
                 </a:solidFill>
               </a:rPr>
-              <a:t>選択</a:t>
-            </a:r>
-            <a:r>
-              <a:rPr lang="ja-JP" altLang="en-US" sz="3600" b="1" dirty="0">
+              <a:t>　</a:t>
+            </a:r>
+            <a:r>
+              <a:rPr lang="ja-JP" altLang="en-US" sz="3900" b="1" dirty="0" smtClean="0">
                 <a:solidFill>
                   <a:schemeClr val="tx1"/>
                 </a:solidFill>
               </a:rPr>
-              <a:t>した</a:t>
-            </a:r>
-            <a:r>
-              <a:rPr lang="ja-JP" altLang="en-US" sz="3600" b="1" dirty="0" smtClean="0">
+              <a:t>　　　</a:t>
+            </a:r>
+            <a:endParaRPr lang="en-US" altLang="ja-JP" sz="3900" b="1" dirty="0" smtClean="0">
+              <a:solidFill>
+                <a:schemeClr val="tx1"/>
+              </a:solidFill>
+            </a:endParaRPr>
+          </a:p>
+          <a:p>
+            <a:r>
+              <a:rPr lang="ja-JP" altLang="en-US" sz="3900" b="1" dirty="0">
                 <a:solidFill>
                   <a:schemeClr val="tx1"/>
                 </a:solidFill>
               </a:rPr>
-              <a:t>カリキュラムの</a:t>
-            </a:r>
-            <a:endParaRPr lang="en-US" altLang="ja-JP" sz="3600" b="1" dirty="0" smtClean="0">
+              <a:t>　</a:t>
+            </a:r>
+            <a:r>
+              <a:rPr lang="ja-JP" altLang="en-US" sz="3900" b="1" dirty="0" smtClean="0">
+                <a:solidFill>
+                  <a:schemeClr val="tx1"/>
+                </a:solidFill>
+              </a:rPr>
+              <a:t>　</a:t>
+            </a:r>
+            <a:r>
+              <a:rPr lang="ja-JP" altLang="en-US" sz="3900" b="1" dirty="0">
+                <a:solidFill>
+                  <a:schemeClr val="tx1"/>
+                </a:solidFill>
+              </a:rPr>
+              <a:t>　</a:t>
+            </a:r>
+            <a:endParaRPr lang="en-US" altLang="ja-JP" sz="3900" b="1" dirty="0" smtClean="0">
               <a:solidFill>
                 <a:schemeClr val="tx1"/>
               </a:solidFill>
             </a:endParaRPr>
           </a:p>
           <a:p>
-            <a:pPr algn="ctr"/>
-            <a:r>
-              <a:rPr lang="ja-JP" altLang="en-US" sz="3600" b="1" dirty="0" smtClean="0">
+            <a:r>
+              <a:rPr lang="ja-JP" altLang="en-US" sz="3900" b="1" dirty="0">
                 <a:solidFill>
                   <a:schemeClr val="tx1"/>
                 </a:solidFill>
               </a:rPr>
-              <a:t>レジュメ</a:t>
-            </a:r>
-            <a:r>
-              <a:rPr lang="ja-JP" altLang="en-US" sz="3600" b="1" dirty="0">
+              <a:t>　</a:t>
+            </a:r>
+            <a:r>
+              <a:rPr lang="ja-JP" altLang="en-US" sz="3900" b="1" dirty="0" smtClean="0">
                 <a:solidFill>
                   <a:schemeClr val="tx1"/>
                 </a:solidFill>
               </a:rPr>
-              <a:t>から</a:t>
-            </a:r>
-            <a:endParaRPr lang="en-US" altLang="ja-JP" sz="3600" b="1" dirty="0">
+              <a:t>　　に着手できるところまで完了</a:t>
+            </a:r>
+            <a:endParaRPr lang="en-US" altLang="ja-JP" sz="3900" b="1" dirty="0" smtClean="0">
               <a:solidFill>
                 <a:schemeClr val="tx1"/>
               </a:solidFill>
             </a:endParaRPr>
           </a:p>
           <a:p>
+            <a:r>
+              <a:rPr lang="ja-JP" altLang="en-US" sz="3900" b="1" dirty="0">
+                <a:solidFill>
+                  <a:schemeClr val="tx1"/>
+                </a:solidFill>
+              </a:rPr>
+              <a:t>　</a:t>
+            </a:r>
+            <a:r>
+              <a:rPr lang="ja-JP" altLang="en-US" sz="3900" b="1" dirty="0" smtClean="0">
+                <a:solidFill>
+                  <a:schemeClr val="tx1"/>
+                </a:solidFill>
+              </a:rPr>
+              <a:t>　　　　</a:t>
+            </a:r>
+            <a:endParaRPr lang="en-US" altLang="ja-JP" sz="3900" b="1" dirty="0" smtClean="0">
+              <a:solidFill>
+                <a:schemeClr val="tx1"/>
+              </a:solidFill>
+            </a:endParaRPr>
+          </a:p>
+          <a:p>
+            <a:r>
+              <a:rPr lang="ja-JP" altLang="en-US" sz="3900" b="1" dirty="0" smtClean="0">
+                <a:solidFill>
+                  <a:schemeClr val="tx1"/>
+                </a:solidFill>
+              </a:rPr>
+              <a:t>　　　</a:t>
+            </a:r>
+            <a:endParaRPr lang="en-US" altLang="ja-JP" sz="3900" b="1" dirty="0">
+              <a:solidFill>
+                <a:schemeClr val="tx1"/>
+              </a:solidFill>
+            </a:endParaRPr>
+          </a:p>
+        </p:txBody>
+      </p:sp>
+      <p:sp>
+        <p:nvSpPr>
+          <p:cNvPr id="33" name="角丸四角形 32"/>
+          <p:cNvSpPr/>
+          <p:nvPr/>
+        </p:nvSpPr>
+        <p:spPr>
+          <a:xfrm>
+            <a:off x="2025011" y="22905882"/>
+            <a:ext cx="4407387" cy="1023855"/>
+          </a:xfrm>
+          <a:prstGeom prst="roundRect">
+            <a:avLst/>
+          </a:prstGeom>
+          <a:solidFill>
+            <a:schemeClr val="bg1"/>
+          </a:solidFill>
+          <a:ln w="76200">
+            <a:solidFill>
+              <a:srgbClr val="7030A0"/>
+            </a:solidFill>
+          </a:ln>
+        </p:spPr>
+        <p:style>
+          <a:lnRef idx="2">
+            <a:schemeClr val="accent1">
+              <a:shade val="50000"/>
+            </a:schemeClr>
+          </a:lnRef>
+          <a:fillRef idx="1">
+            <a:schemeClr val="accent1"/>
+          </a:fillRef>
+          <a:effectRef idx="0">
+            <a:schemeClr val="accent1"/>
+          </a:effectRef>
+          <a:fontRef idx="minor">
+            <a:schemeClr val="lt1"/>
+          </a:fontRef>
+        </p:style>
+        <p:txBody>
+          <a:bodyPr rtlCol="0" anchor="ctr"/>
+          <a:lstStyle/>
+          <a:p>
             <a:pPr algn="ctr"/>
             <a:r>
-              <a:rPr lang="ja-JP" altLang="en-US" sz="3600" b="1" dirty="0">
+              <a:rPr kumimoji="1" lang="ja-JP" altLang="en-US" sz="5400" dirty="0" smtClean="0">
+                <a:solidFill>
+                  <a:schemeClr val="tx1"/>
+                </a:solidFill>
+              </a:rPr>
+              <a:t>進捗</a:t>
+            </a:r>
+            <a:endParaRPr kumimoji="1" lang="ja-JP" altLang="en-US" sz="5400" dirty="0">
+              <a:solidFill>
+                <a:schemeClr val="tx1"/>
+              </a:solidFill>
+            </a:endParaRPr>
+          </a:p>
+        </p:txBody>
+      </p:sp>
+      <p:sp>
+        <p:nvSpPr>
+          <p:cNvPr id="37" name="フローチャート : 結合子 36"/>
+          <p:cNvSpPr/>
+          <p:nvPr/>
+        </p:nvSpPr>
+        <p:spPr>
+          <a:xfrm>
+            <a:off x="2901096" y="24214941"/>
+            <a:ext cx="1239777" cy="1277584"/>
+          </a:xfrm>
+          <a:prstGeom prst="flowChartConnector">
+            <a:avLst/>
+          </a:prstGeom>
+        </p:spPr>
+        <p:style>
+          <a:lnRef idx="2">
+            <a:schemeClr val="accent1">
+              <a:shade val="50000"/>
+            </a:schemeClr>
+          </a:lnRef>
+          <a:fillRef idx="1">
+            <a:schemeClr val="accent1"/>
+          </a:fillRef>
+          <a:effectRef idx="0">
+            <a:schemeClr val="accent1"/>
+          </a:effectRef>
+          <a:fontRef idx="minor">
+            <a:schemeClr val="lt1"/>
+          </a:fontRef>
+        </p:style>
+        <p:txBody>
+          <a:bodyPr rtlCol="0" anchor="ctr"/>
+          <a:lstStyle/>
+          <a:p>
+            <a:pPr algn="ctr"/>
+            <a:r>
+              <a:rPr kumimoji="1" lang="en-US" altLang="ja-JP" sz="6600" dirty="0" smtClean="0"/>
+              <a:t>2</a:t>
+            </a:r>
+            <a:endParaRPr kumimoji="1" lang="ja-JP" altLang="en-US" sz="6600" dirty="0"/>
+          </a:p>
+        </p:txBody>
+      </p:sp>
+      <p:sp>
+        <p:nvSpPr>
+          <p:cNvPr id="34" name="角丸四角形 33"/>
+          <p:cNvSpPr/>
+          <p:nvPr/>
+        </p:nvSpPr>
+        <p:spPr>
+          <a:xfrm>
+            <a:off x="3439163" y="9924219"/>
+            <a:ext cx="7546784" cy="2738147"/>
+          </a:xfrm>
+          <a:prstGeom prst="roundRect">
+            <a:avLst/>
+          </a:prstGeom>
+          <a:solidFill>
+            <a:schemeClr val="bg1"/>
+          </a:solidFill>
+          <a:ln w="76200"/>
+        </p:spPr>
+        <p:style>
+          <a:lnRef idx="2">
+            <a:schemeClr val="accent1">
+              <a:shade val="50000"/>
+            </a:schemeClr>
+          </a:lnRef>
+          <a:fillRef idx="1">
+            <a:schemeClr val="accent1"/>
+          </a:fillRef>
+          <a:effectRef idx="0">
+            <a:schemeClr val="accent1"/>
+          </a:effectRef>
+          <a:fontRef idx="minor">
+            <a:schemeClr val="lt1"/>
+          </a:fontRef>
+        </p:style>
+        <p:txBody>
+          <a:bodyPr rtlCol="0" anchor="ctr"/>
+          <a:lstStyle/>
+          <a:p>
+            <a:pPr algn="ctr"/>
+            <a:r>
+              <a:rPr lang="ja-JP" altLang="en-US" sz="4800" b="1" dirty="0" smtClean="0">
                 <a:solidFill>
                   <a:schemeClr val="tx1"/>
                 </a:solidFill>
@@ -8504,31 +11130,99 @@
               <a:t>ユニット</a:t>
             </a:r>
             <a:r>
-              <a:rPr lang="ja-JP" altLang="en-US" sz="3600" b="1" dirty="0" smtClean="0">
+              <a:rPr lang="ja-JP" altLang="en-US" sz="4800" b="1" dirty="0">
                 <a:solidFill>
                   <a:schemeClr val="tx1"/>
                 </a:solidFill>
               </a:rPr>
-              <a:t>候補を取り出す</a:t>
-            </a:r>
-            <a:endParaRPr lang="en-US" altLang="ja-JP" sz="3600" b="1" dirty="0" smtClean="0">
+              <a:t>候補</a:t>
+            </a:r>
+            <a:r>
+              <a:rPr lang="ja-JP" altLang="en-US" sz="4800" b="1" dirty="0" smtClean="0">
+                <a:solidFill>
+                  <a:schemeClr val="tx1"/>
+                </a:solidFill>
+              </a:rPr>
+              <a:t>を</a:t>
+            </a:r>
+            <a:endParaRPr lang="en-US" altLang="ja-JP" sz="4800" b="1" dirty="0" smtClean="0">
               <a:solidFill>
                 <a:schemeClr val="tx1"/>
               </a:solidFill>
             </a:endParaRPr>
           </a:p>
-        </p:txBody>
-      </p:sp>
-      <p:sp>
-        <p:nvSpPr>
-          <p:cNvPr id="7" name="正方形/長方形 6"/>
+          <a:p>
+            <a:pPr algn="ctr"/>
+            <a:r>
+              <a:rPr lang="ja-JP" altLang="en-US" sz="4800" b="1" dirty="0" smtClean="0">
+                <a:solidFill>
+                  <a:schemeClr val="tx1"/>
+                </a:solidFill>
+              </a:rPr>
+              <a:t>データマイニング手法を用いて分類する</a:t>
+            </a:r>
+            <a:endParaRPr lang="en-US" altLang="ja-JP" sz="4800" b="1" dirty="0" smtClean="0">
+              <a:solidFill>
+                <a:schemeClr val="tx1"/>
+              </a:solidFill>
+            </a:endParaRPr>
+          </a:p>
+        </p:txBody>
+      </p:sp>
+      <p:sp>
+        <p:nvSpPr>
+          <p:cNvPr id="35" name="フローチャート : 結合子 34"/>
           <p:cNvSpPr/>
           <p:nvPr/>
         </p:nvSpPr>
         <p:spPr>
           <a:xfrm>
-            <a:off x="2704001" y="13985959"/>
-            <a:ext cx="5624542" cy="1877510"/>
+            <a:off x="2607465" y="9217683"/>
+            <a:ext cx="1602016" cy="1413073"/>
+          </a:xfrm>
+          <a:prstGeom prst="flowChartConnector">
+            <a:avLst/>
+          </a:prstGeom>
+        </p:spPr>
+        <p:style>
+          <a:lnRef idx="2">
+            <a:schemeClr val="accent1">
+              <a:shade val="50000"/>
+            </a:schemeClr>
+          </a:lnRef>
+          <a:fillRef idx="1">
+            <a:schemeClr val="accent1"/>
+          </a:fillRef>
+          <a:effectRef idx="0">
+            <a:schemeClr val="accent1"/>
+          </a:effectRef>
+          <a:fontRef idx="minor">
+            <a:schemeClr val="lt1"/>
+          </a:fontRef>
+        </p:style>
+        <p:txBody>
+          <a:bodyPr rtlCol="0" anchor="ctr"/>
+          <a:lstStyle/>
+          <a:p>
+            <a:pPr algn="ctr"/>
+            <a:r>
+              <a:rPr kumimoji="1" lang="en-US" altLang="ja-JP" sz="8000" dirty="0" smtClean="0"/>
+              <a:t>2</a:t>
+            </a:r>
+            <a:endParaRPr kumimoji="1" lang="ja-JP" altLang="en-US" sz="8000" dirty="0"/>
+          </a:p>
+        </p:txBody>
+      </p:sp>
+      <p:sp>
+        <p:nvSpPr>
+          <p:cNvPr id="9" name="正方形/長方形 8"/>
+          <p:cNvSpPr/>
+          <p:nvPr/>
+        </p:nvSpPr>
+        <p:spPr>
+          <a:xfrm>
+            <a:off x="1550060" y="14180635"/>
+            <a:ext cx="5662495" cy="2984030"/>
           </a:xfrm>
           <a:prstGeom prst="rect">
             <a:avLst/>
@@ -8538,7 +11232,7 @@
           </a:solidFill>
           <a:ln w="76200">
             <a:solidFill>
-              <a:srgbClr val="002060"/>
+              <a:schemeClr val="tx2"/>
             </a:solidFill>
           </a:ln>
         </p:spPr>
@@ -8559,78 +11253,89 @@
           </a:fontRef>
         </p:style>
         <p:txBody>
-          <a:bodyPr lIns="91434" tIns="45715" rIns="91434" bIns="45715" spcCol="0" rtlCol="0" anchor="ctr"/>
+          <a:bodyPr rtlCol="0" anchor="ctr"/>
           <a:lstStyle/>
           <a:p>
             <a:pPr algn="ctr"/>
-            <a:r>
-              <a:rPr lang="ja-JP" altLang="en-US" sz="3600" b="1" dirty="0" smtClean="0">
-                <a:solidFill>
-                  <a:schemeClr val="tx1"/>
-                </a:solidFill>
-              </a:rPr>
-              <a:t>ユニット</a:t>
-            </a:r>
-            <a:r>
-              <a:rPr lang="ja-JP" altLang="en-US" sz="3600" b="1" dirty="0">
-                <a:solidFill>
-                  <a:schemeClr val="tx1"/>
-                </a:solidFill>
-              </a:rPr>
-              <a:t>候補を整理する</a:t>
-            </a:r>
-            <a:endParaRPr lang="en-US" altLang="ja-JP" sz="3600" b="1" dirty="0">
-              <a:solidFill>
-                <a:schemeClr val="tx1"/>
-              </a:solidFill>
-            </a:endParaRPr>
-          </a:p>
-        </p:txBody>
-      </p:sp>
+            <a:endParaRPr kumimoji="1" lang="ja-JP" altLang="en-US" dirty="0"/>
+          </a:p>
+        </p:txBody>
+      </p:sp>
+      <p:cxnSp>
+        <p:nvCxnSpPr>
+          <p:cNvPr id="11" name="直線矢印コネクタ 10"/>
+          <p:cNvCxnSpPr/>
+          <p:nvPr/>
+        </p:nvCxnSpPr>
+        <p:spPr>
+          <a:xfrm>
+            <a:off x="1949734" y="16642571"/>
+            <a:ext cx="4482665" cy="0"/>
+          </a:xfrm>
+          <a:prstGeom prst="straightConnector1">
+            <a:avLst/>
+          </a:prstGeom>
+          <a:ln w="57150">
+            <a:solidFill>
+              <a:schemeClr val="tx2"/>
+            </a:solidFill>
+            <a:tailEnd type="arrow"/>
+          </a:ln>
+        </p:spPr>
+        <p:style>
+          <a:lnRef idx="1">
+            <a:schemeClr val="accent1"/>
+          </a:lnRef>
+          <a:fillRef idx="0">
+            <a:schemeClr val="accent1"/>
+          </a:fillRef>
+          <a:effectRef idx="0">
+            <a:schemeClr val="accent1"/>
+          </a:effectRef>
+          <a:fontRef idx="minor">
+            <a:schemeClr val="tx1"/>
+          </a:fontRef>
+        </p:style>
+      </p:cxnSp>
+      <p:cxnSp>
+        <p:nvCxnSpPr>
+          <p:cNvPr id="41" name="直線矢印コネクタ 40"/>
+          <p:cNvCxnSpPr/>
+          <p:nvPr/>
+        </p:nvCxnSpPr>
+        <p:spPr>
+          <a:xfrm flipV="1">
+            <a:off x="2385901" y="14360281"/>
+            <a:ext cx="0" cy="2624739"/>
+          </a:xfrm>
+          <a:prstGeom prst="straightConnector1">
+            <a:avLst/>
+          </a:prstGeom>
+          <a:ln w="57150">
+            <a:solidFill>
+              <a:schemeClr val="tx2"/>
+            </a:solidFill>
+            <a:tailEnd type="arrow"/>
+          </a:ln>
+        </p:spPr>
+        <p:style>
+          <a:lnRef idx="1">
+            <a:schemeClr val="accent1"/>
+          </a:lnRef>
+          <a:fillRef idx="0">
+            <a:schemeClr val="accent1"/>
+          </a:fillRef>
+          <a:effectRef idx="0">
+            <a:schemeClr val="accent1"/>
+          </a:effectRef>
+          <a:fontRef idx="minor">
+            <a:schemeClr val="tx1"/>
+          </a:fontRef>
+        </p:style>
+      </p:cxnSp>
       <p:pic>
         <p:nvPicPr>
-          <p:cNvPr id="12" name="Picture 3" descr="C:\Users\onodera\Desktop\カリキュラム表.png"/>
-          <p:cNvPicPr>
-            <a:picLocks noChangeAspect="1" noChangeArrowheads="1"/>
-          </p:cNvPicPr>
-          <p:nvPr/>
-        </p:nvPicPr>
-        <p:blipFill>
-          <a:blip r:embed="rId2">
-            <a:extLst>
-              <a:ext uri="{28A0092B-C50C-407E-A947-70E740481C1C}">
-                <a14:useLocalDpi xmlns:a14="http://schemas.microsoft.com/office/drawing/2010/main" val="0"/>
-              </a:ext>
-            </a:extLst>
-          </a:blip>
-          <a:srcRect/>
-          <a:stretch>
-            <a:fillRect/>
-          </a:stretch>
-        </p:blipFill>
-        <p:spPr bwMode="auto">
-          <a:xfrm>
-            <a:off x="8341037" y="2084079"/>
-            <a:ext cx="4991100" cy="3400426"/>
-          </a:xfrm>
-          <a:prstGeom prst="rect">
-            <a:avLst/>
-          </a:prstGeom>
-          <a:noFill/>
-          <a:extLst>
-            <a:ext uri="{909E8E84-426E-40DD-AFC4-6F175D3DCCD1}">
-              <a14:hiddenFill xmlns:a14="http://schemas.microsoft.com/office/drawing/2010/main">
-                <a:solidFill>
-                  <a:srgbClr val="FFFFFF"/>
-                </a:solidFill>
-              </a14:hiddenFill>
-            </a:ext>
-          </a:extLst>
-        </p:spPr>
-      </p:pic>
-      <p:pic>
-        <p:nvPicPr>
-          <p:cNvPr id="1029" name="Picture 5" descr="C:\Users\onodera\Desktop\レジュメ.png"/>
+          <p:cNvPr id="22" name="Picture 3"/>
           <p:cNvPicPr>
             <a:picLocks noChangeAspect="1" noChangeArrowheads="1"/>
           </p:cNvPicPr>
@@ -8651,34 +11356,209 @@
         </p:blipFill>
         <p:spPr bwMode="auto">
           <a:xfrm>
-            <a:off x="10298989" y="9706750"/>
-            <a:ext cx="6126163" cy="3686174"/>
+            <a:off x="2869525" y="15779335"/>
+            <a:ext cx="637190" cy="587215"/>
           </a:xfrm>
           <a:prstGeom prst="rect">
             <a:avLst/>
           </a:prstGeom>
           <a:noFill/>
+          <a:ln>
+            <a:noFill/>
+          </a:ln>
           <a:extLst>
             <a:ext uri="{909E8E84-426E-40DD-AFC4-6F175D3DCCD1}">
               <a14:hiddenFill xmlns:a14="http://schemas.microsoft.com/office/drawing/2010/main">
                 <a:solidFill>
-                  <a:srgbClr val="FFFFFF"/>
+                  <a:schemeClr val="accent1"/>
                 </a:solidFill>
               </a14:hiddenFill>
             </a:ext>
+            <a:ext uri="{91240B29-F687-4F45-9708-019B960494DF}">
+              <a14:hiddenLine xmlns:a14="http://schemas.microsoft.com/office/drawing/2010/main" w="9525">
+                <a:solidFill>
+                  <a:schemeClr val="tx1"/>
+                </a:solidFill>
+                <a:miter lim="800000"/>
+                <a:headEnd/>
+                <a:tailEnd/>
+              </a14:hiddenLine>
+            </a:ext>
           </a:extLst>
         </p:spPr>
       </p:pic>
-      <p:sp>
-        <p:nvSpPr>
-          <p:cNvPr id="14" name="正方形/長方形 13"/>
+      <p:pic>
+        <p:nvPicPr>
+          <p:cNvPr id="1028" name="Picture 4"/>
+          <p:cNvPicPr>
+            <a:picLocks noChangeAspect="1" noChangeArrowheads="1"/>
+          </p:cNvPicPr>
+          <p:nvPr/>
+        </p:nvPicPr>
+        <p:blipFill>
+          <a:blip r:embed="rId4">
+            <a:extLst>
+              <a:ext uri="{28A0092B-C50C-407E-A947-70E740481C1C}">
+                <a14:useLocalDpi xmlns:a14="http://schemas.microsoft.com/office/drawing/2010/main" val="0"/>
+              </a:ext>
+            </a:extLst>
+          </a:blip>
+          <a:srcRect/>
+          <a:stretch>
+            <a:fillRect/>
+          </a:stretch>
+        </p:blipFill>
+        <p:spPr bwMode="auto">
+          <a:xfrm>
+            <a:off x="3842701" y="14682225"/>
+            <a:ext cx="733559" cy="696164"/>
+          </a:xfrm>
+          <a:prstGeom prst="rect">
+            <a:avLst/>
+          </a:prstGeom>
+          <a:noFill/>
+          <a:ln>
+            <a:noFill/>
+          </a:ln>
+          <a:extLst>
+            <a:ext uri="{909E8E84-426E-40DD-AFC4-6F175D3DCCD1}">
+              <a14:hiddenFill xmlns:a14="http://schemas.microsoft.com/office/drawing/2010/main">
+                <a:solidFill>
+                  <a:schemeClr val="accent1"/>
+                </a:solidFill>
+              </a14:hiddenFill>
+            </a:ext>
+            <a:ext uri="{91240B29-F687-4F45-9708-019B960494DF}">
+              <a14:hiddenLine xmlns:a14="http://schemas.microsoft.com/office/drawing/2010/main" w="9525">
+                <a:solidFill>
+                  <a:schemeClr val="tx1"/>
+                </a:solidFill>
+                <a:miter lim="800000"/>
+                <a:headEnd/>
+                <a:tailEnd/>
+              </a14:hiddenLine>
+            </a:ext>
+          </a:extLst>
+        </p:spPr>
+      </p:pic>
+      <p:pic>
+        <p:nvPicPr>
+          <p:cNvPr id="1029" name="Picture 5"/>
+          <p:cNvPicPr>
+            <a:picLocks noChangeAspect="1" noChangeArrowheads="1"/>
+          </p:cNvPicPr>
+          <p:nvPr/>
+        </p:nvPicPr>
+        <p:blipFill>
+          <a:blip r:embed="rId5">
+            <a:extLst>
+              <a:ext uri="{28A0092B-C50C-407E-A947-70E740481C1C}">
+                <a14:useLocalDpi xmlns:a14="http://schemas.microsoft.com/office/drawing/2010/main" val="0"/>
+              </a:ext>
+            </a:extLst>
+          </a:blip>
+          <a:srcRect/>
+          <a:stretch>
+            <a:fillRect/>
+          </a:stretch>
+        </p:blipFill>
+        <p:spPr bwMode="auto">
+          <a:xfrm>
+            <a:off x="4421099" y="15315164"/>
+            <a:ext cx="732028" cy="673205"/>
+          </a:xfrm>
+          <a:prstGeom prst="rect">
+            <a:avLst/>
+          </a:prstGeom>
+          <a:noFill/>
+          <a:ln>
+            <a:noFill/>
+          </a:ln>
+          <a:extLst>
+            <a:ext uri="{909E8E84-426E-40DD-AFC4-6F175D3DCCD1}">
+              <a14:hiddenFill xmlns:a14="http://schemas.microsoft.com/office/drawing/2010/main">
+                <a:solidFill>
+                  <a:schemeClr val="accent1"/>
+                </a:solidFill>
+              </a14:hiddenFill>
+            </a:ext>
+            <a:ext uri="{91240B29-F687-4F45-9708-019B960494DF}">
+              <a14:hiddenLine xmlns:a14="http://schemas.microsoft.com/office/drawing/2010/main" w="9525">
+                <a:solidFill>
+                  <a:schemeClr val="tx1"/>
+                </a:solidFill>
+                <a:miter lim="800000"/>
+                <a:headEnd/>
+                <a:tailEnd/>
+              </a14:hiddenLine>
+            </a:ext>
+          </a:extLst>
+        </p:spPr>
+      </p:pic>
+      <p:pic>
+        <p:nvPicPr>
+          <p:cNvPr id="1030" name="Picture 6"/>
+          <p:cNvPicPr>
+            <a:picLocks noChangeAspect="1" noChangeArrowheads="1"/>
+          </p:cNvPicPr>
+          <p:nvPr/>
+        </p:nvPicPr>
+        <p:blipFill>
+          <a:blip r:embed="rId6">
+            <a:extLst>
+              <a:ext uri="{28A0092B-C50C-407E-A947-70E740481C1C}">
+                <a14:useLocalDpi xmlns:a14="http://schemas.microsoft.com/office/drawing/2010/main" val="0"/>
+              </a:ext>
+            </a:extLst>
+          </a:blip>
+          <a:srcRect/>
+          <a:stretch>
+            <a:fillRect/>
+          </a:stretch>
+        </p:blipFill>
+        <p:spPr bwMode="auto">
+          <a:xfrm>
+            <a:off x="6099321" y="14672050"/>
+            <a:ext cx="666156" cy="644896"/>
+          </a:xfrm>
+          <a:prstGeom prst="rect">
+            <a:avLst/>
+          </a:prstGeom>
+          <a:noFill/>
+          <a:ln>
+            <a:noFill/>
+          </a:ln>
+          <a:extLst>
+            <a:ext uri="{909E8E84-426E-40DD-AFC4-6F175D3DCCD1}">
+              <a14:hiddenFill xmlns:a14="http://schemas.microsoft.com/office/drawing/2010/main">
+                <a:solidFill>
+                  <a:schemeClr val="accent1"/>
+                </a:solidFill>
+              </a14:hiddenFill>
+            </a:ext>
+            <a:ext uri="{91240B29-F687-4F45-9708-019B960494DF}">
+              <a14:hiddenLine xmlns:a14="http://schemas.microsoft.com/office/drawing/2010/main" w="9525">
+                <a:solidFill>
+                  <a:schemeClr val="tx1"/>
+                </a:solidFill>
+                <a:miter lim="800000"/>
+                <a:headEnd/>
+                <a:tailEnd/>
+              </a14:hiddenLine>
+            </a:ext>
+          </a:extLst>
+        </p:spPr>
+      </p:pic>
+      <p:sp>
+        <p:nvSpPr>
+          <p:cNvPr id="52" name="正方形/長方形 51"/>
           <p:cNvSpPr/>
           <p:nvPr/>
         </p:nvSpPr>
         <p:spPr>
           <a:xfrm>
-            <a:off x="2694115" y="24865695"/>
-            <a:ext cx="6984776" cy="1641110"/>
+            <a:off x="1522051" y="18619017"/>
+            <a:ext cx="5662495" cy="2984030"/>
           </a:xfrm>
           <a:prstGeom prst="rect">
             <a:avLst/>
@@ -8688,7 +11568,7 @@
           </a:solidFill>
           <a:ln w="76200">
             <a:solidFill>
-              <a:srgbClr val="002060"/>
+              <a:schemeClr val="tx2"/>
             </a:solidFill>
           </a:ln>
         </p:spPr>
@@ -8709,70 +11589,320 @@
           </a:fontRef>
         </p:style>
         <p:txBody>
-          <a:bodyPr lIns="91434" tIns="45715" rIns="91434" bIns="45715" spcCol="0" rtlCol="0" anchor="ctr"/>
+          <a:bodyPr rtlCol="0" anchor="ctr"/>
           <a:lstStyle/>
           <a:p>
             <a:pPr algn="ctr"/>
-            <a:r>
-              <a:rPr lang="ja-JP" altLang="en-US" sz="3900" b="1" dirty="0" smtClean="0">
+            <a:endParaRPr kumimoji="1" lang="ja-JP" altLang="en-US" dirty="0"/>
+          </a:p>
+        </p:txBody>
+      </p:sp>
+      <p:cxnSp>
+        <p:nvCxnSpPr>
+          <p:cNvPr id="54" name="直線矢印コネクタ 53"/>
+          <p:cNvCxnSpPr/>
+          <p:nvPr/>
+        </p:nvCxnSpPr>
+        <p:spPr>
+          <a:xfrm>
+            <a:off x="1726773" y="21164460"/>
+            <a:ext cx="4482665" cy="0"/>
+          </a:xfrm>
+          <a:prstGeom prst="straightConnector1">
+            <a:avLst/>
+          </a:prstGeom>
+          <a:ln w="57150">
+            <a:solidFill>
+              <a:schemeClr val="tx2"/>
+            </a:solidFill>
+            <a:tailEnd type="arrow"/>
+          </a:ln>
+        </p:spPr>
+        <p:style>
+          <a:lnRef idx="1">
+            <a:schemeClr val="accent1"/>
+          </a:lnRef>
+          <a:fillRef idx="0">
+            <a:schemeClr val="accent1"/>
+          </a:fillRef>
+          <a:effectRef idx="0">
+            <a:schemeClr val="accent1"/>
+          </a:effectRef>
+          <a:fontRef idx="minor">
+            <a:schemeClr val="tx1"/>
+          </a:fontRef>
+        </p:style>
+      </p:cxnSp>
+      <p:cxnSp>
+        <p:nvCxnSpPr>
+          <p:cNvPr id="55" name="直線矢印コネクタ 54"/>
+          <p:cNvCxnSpPr/>
+          <p:nvPr/>
+        </p:nvCxnSpPr>
+        <p:spPr>
+          <a:xfrm flipV="1">
+            <a:off x="2162940" y="18882170"/>
+            <a:ext cx="0" cy="2624739"/>
+          </a:xfrm>
+          <a:prstGeom prst="straightConnector1">
+            <a:avLst/>
+          </a:prstGeom>
+          <a:ln w="57150">
+            <a:solidFill>
+              <a:schemeClr val="tx2"/>
+            </a:solidFill>
+            <a:tailEnd type="arrow"/>
+          </a:ln>
+        </p:spPr>
+        <p:style>
+          <a:lnRef idx="1">
+            <a:schemeClr val="accent1"/>
+          </a:lnRef>
+          <a:fillRef idx="0">
+            <a:schemeClr val="accent1"/>
+          </a:fillRef>
+          <a:effectRef idx="0">
+            <a:schemeClr val="accent1"/>
+          </a:effectRef>
+          <a:fontRef idx="minor">
+            <a:schemeClr val="tx1"/>
+          </a:fontRef>
+        </p:style>
+      </p:cxnSp>
+      <p:pic>
+        <p:nvPicPr>
+          <p:cNvPr id="56" name="Picture 3"/>
+          <p:cNvPicPr>
+            <a:picLocks noChangeAspect="1" noChangeArrowheads="1"/>
+          </p:cNvPicPr>
+          <p:nvPr/>
+        </p:nvPicPr>
+        <p:blipFill>
+          <a:blip r:embed="rId3">
+            <a:extLst>
+              <a:ext uri="{28A0092B-C50C-407E-A947-70E740481C1C}">
+                <a14:useLocalDpi xmlns:a14="http://schemas.microsoft.com/office/drawing/2010/main" val="0"/>
+              </a:ext>
+            </a:extLst>
+          </a:blip>
+          <a:srcRect/>
+          <a:stretch>
+            <a:fillRect/>
+          </a:stretch>
+        </p:blipFill>
+        <p:spPr bwMode="auto">
+          <a:xfrm>
+            <a:off x="2646564" y="20301224"/>
+            <a:ext cx="637190" cy="587215"/>
+          </a:xfrm>
+          <a:prstGeom prst="rect">
+            <a:avLst/>
+          </a:prstGeom>
+          <a:noFill/>
+          <a:ln>
+            <a:noFill/>
+          </a:ln>
+          <a:extLst>
+            <a:ext uri="{909E8E84-426E-40DD-AFC4-6F175D3DCCD1}">
+              <a14:hiddenFill xmlns:a14="http://schemas.microsoft.com/office/drawing/2010/main">
+                <a:solidFill>
+                  <a:schemeClr val="accent1"/>
+                </a:solidFill>
+              </a14:hiddenFill>
+            </a:ext>
+            <a:ext uri="{91240B29-F687-4F45-9708-019B960494DF}">
+              <a14:hiddenLine xmlns:a14="http://schemas.microsoft.com/office/drawing/2010/main" w="9525">
                 <a:solidFill>
                   <a:schemeClr val="tx1"/>
                 </a:solidFill>
-              </a:rPr>
-              <a:t>分析</a:t>
-            </a:r>
-            <a:r>
-              <a:rPr lang="ja-JP" altLang="en-US" sz="3900" b="1" dirty="0">
+                <a:miter lim="800000"/>
+                <a:headEnd/>
+                <a:tailEnd/>
+              </a14:hiddenLine>
+            </a:ext>
+          </a:extLst>
+        </p:spPr>
+      </p:pic>
+      <p:pic>
+        <p:nvPicPr>
+          <p:cNvPr id="59" name="Picture 4"/>
+          <p:cNvPicPr>
+            <a:picLocks noChangeAspect="1" noChangeArrowheads="1"/>
+          </p:cNvPicPr>
+          <p:nvPr/>
+        </p:nvPicPr>
+        <p:blipFill>
+          <a:blip r:embed="rId4">
+            <a:extLst>
+              <a:ext uri="{28A0092B-C50C-407E-A947-70E740481C1C}">
+                <a14:useLocalDpi xmlns:a14="http://schemas.microsoft.com/office/drawing/2010/main" val="0"/>
+              </a:ext>
+            </a:extLst>
+          </a:blip>
+          <a:srcRect/>
+          <a:stretch>
+            <a:fillRect/>
+          </a:stretch>
+        </p:blipFill>
+        <p:spPr bwMode="auto">
+          <a:xfrm>
+            <a:off x="3619740" y="19204114"/>
+            <a:ext cx="733559" cy="696164"/>
+          </a:xfrm>
+          <a:prstGeom prst="rect">
+            <a:avLst/>
+          </a:prstGeom>
+          <a:noFill/>
+          <a:ln>
+            <a:noFill/>
+          </a:ln>
+          <a:extLst>
+            <a:ext uri="{909E8E84-426E-40DD-AFC4-6F175D3DCCD1}">
+              <a14:hiddenFill xmlns:a14="http://schemas.microsoft.com/office/drawing/2010/main">
+                <a:solidFill>
+                  <a:schemeClr val="accent1"/>
+                </a:solidFill>
+              </a14:hiddenFill>
+            </a:ext>
+            <a:ext uri="{91240B29-F687-4F45-9708-019B960494DF}">
+              <a14:hiddenLine xmlns:a14="http://schemas.microsoft.com/office/drawing/2010/main" w="9525">
                 <a:solidFill>
                   <a:schemeClr val="tx1"/>
                 </a:solidFill>
-              </a:rPr>
-              <a:t>結果を比較</a:t>
-            </a:r>
-            <a:r>
-              <a:rPr lang="ja-JP" altLang="en-US" sz="3900" b="1" dirty="0" smtClean="0">
+                <a:miter lim="800000"/>
+                <a:headEnd/>
+                <a:tailEnd/>
+              </a14:hiddenLine>
+            </a:ext>
+          </a:extLst>
+        </p:spPr>
+      </p:pic>
+      <p:pic>
+        <p:nvPicPr>
+          <p:cNvPr id="60" name="Picture 5"/>
+          <p:cNvPicPr>
+            <a:picLocks noChangeAspect="1" noChangeArrowheads="1"/>
+          </p:cNvPicPr>
+          <p:nvPr/>
+        </p:nvPicPr>
+        <p:blipFill>
+          <a:blip r:embed="rId5">
+            <a:extLst>
+              <a:ext uri="{28A0092B-C50C-407E-A947-70E740481C1C}">
+                <a14:useLocalDpi xmlns:a14="http://schemas.microsoft.com/office/drawing/2010/main" val="0"/>
+              </a:ext>
+            </a:extLst>
+          </a:blip>
+          <a:srcRect/>
+          <a:stretch>
+            <a:fillRect/>
+          </a:stretch>
+        </p:blipFill>
+        <p:spPr bwMode="auto">
+          <a:xfrm>
+            <a:off x="4198138" y="19837053"/>
+            <a:ext cx="732028" cy="673205"/>
+          </a:xfrm>
+          <a:prstGeom prst="rect">
+            <a:avLst/>
+          </a:prstGeom>
+          <a:noFill/>
+          <a:ln>
+            <a:noFill/>
+          </a:ln>
+          <a:extLst>
+            <a:ext uri="{909E8E84-426E-40DD-AFC4-6F175D3DCCD1}">
+              <a14:hiddenFill xmlns:a14="http://schemas.microsoft.com/office/drawing/2010/main">
+                <a:solidFill>
+                  <a:schemeClr val="accent1"/>
+                </a:solidFill>
+              </a14:hiddenFill>
+            </a:ext>
+            <a:ext uri="{91240B29-F687-4F45-9708-019B960494DF}">
+              <a14:hiddenLine xmlns:a14="http://schemas.microsoft.com/office/drawing/2010/main" w="9525">
                 <a:solidFill>
                   <a:schemeClr val="tx1"/>
                 </a:solidFill>
-              </a:rPr>
-              <a:t>し考察</a:t>
-            </a:r>
-            <a:r>
-              <a:rPr lang="ja-JP" altLang="en-US" sz="3900" b="1" dirty="0">
+                <a:miter lim="800000"/>
+                <a:headEnd/>
+                <a:tailEnd/>
+              </a14:hiddenLine>
+            </a:ext>
+          </a:extLst>
+        </p:spPr>
+      </p:pic>
+      <p:pic>
+        <p:nvPicPr>
+          <p:cNvPr id="61" name="Picture 6"/>
+          <p:cNvPicPr>
+            <a:picLocks noChangeAspect="1" noChangeArrowheads="1"/>
+          </p:cNvPicPr>
+          <p:nvPr/>
+        </p:nvPicPr>
+        <p:blipFill>
+          <a:blip r:embed="rId6">
+            <a:extLst>
+              <a:ext uri="{28A0092B-C50C-407E-A947-70E740481C1C}">
+                <a14:useLocalDpi xmlns:a14="http://schemas.microsoft.com/office/drawing/2010/main" val="0"/>
+              </a:ext>
+            </a:extLst>
+          </a:blip>
+          <a:srcRect/>
+          <a:stretch>
+            <a:fillRect/>
+          </a:stretch>
+        </p:blipFill>
+        <p:spPr bwMode="auto">
+          <a:xfrm>
+            <a:off x="5876360" y="19193939"/>
+            <a:ext cx="666156" cy="644896"/>
+          </a:xfrm>
+          <a:prstGeom prst="rect">
+            <a:avLst/>
+          </a:prstGeom>
+          <a:noFill/>
+          <a:ln>
+            <a:noFill/>
+          </a:ln>
+          <a:extLst>
+            <a:ext uri="{909E8E84-426E-40DD-AFC4-6F175D3DCCD1}">
+              <a14:hiddenFill xmlns:a14="http://schemas.microsoft.com/office/drawing/2010/main">
+                <a:solidFill>
+                  <a:schemeClr val="accent1"/>
+                </a:solidFill>
+              </a14:hiddenFill>
+            </a:ext>
+            <a:ext uri="{91240B29-F687-4F45-9708-019B960494DF}">
+              <a14:hiddenLine xmlns:a14="http://schemas.microsoft.com/office/drawing/2010/main" w="9525">
                 <a:solidFill>
                   <a:schemeClr val="tx1"/>
                 </a:solidFill>
-              </a:rPr>
-              <a:t>する</a:t>
-            </a:r>
-            <a:endParaRPr lang="en-US" altLang="ja-JP" sz="3900" b="1" dirty="0">
-              <a:solidFill>
-                <a:schemeClr val="tx1"/>
-              </a:solidFill>
-            </a:endParaRPr>
-          </a:p>
-        </p:txBody>
-      </p:sp>
-      <p:sp>
-        <p:nvSpPr>
-          <p:cNvPr id="15" name="正方形/長方形 14"/>
+                <a:miter lim="800000"/>
+                <a:headEnd/>
+                <a:tailEnd/>
+              </a14:hiddenLine>
+            </a:ext>
+          </a:extLst>
+        </p:spPr>
+      </p:pic>
+      <p:sp>
+        <p:nvSpPr>
+          <p:cNvPr id="23" name="円/楕円 22"/>
           <p:cNvSpPr/>
           <p:nvPr/>
         </p:nvSpPr>
         <p:spPr>
-          <a:xfrm>
-            <a:off x="2696824" y="21536163"/>
-            <a:ext cx="6424489" cy="2356240"/>
-          </a:xfrm>
-          <a:prstGeom prst="rect">
+          <a:xfrm rot="3046036">
+            <a:off x="3357511" y="19267412"/>
+            <a:ext cx="1720109" cy="1139280"/>
+          </a:xfrm>
+          <a:prstGeom prst="ellipse">
             <a:avLst/>
           </a:prstGeom>
-          <a:solidFill>
-            <a:schemeClr val="bg1"/>
-          </a:solidFill>
+          <a:noFill/>
           <a:ln w="76200">
             <a:solidFill>
-              <a:srgbClr val="002060"/>
+              <a:schemeClr val="accent6"/>
             </a:solidFill>
           </a:ln>
         </p:spPr>
@@ -8793,70 +11923,32 @@
           </a:fontRef>
         </p:style>
         <p:txBody>
-          <a:bodyPr lIns="91434" tIns="45715" rIns="91434" bIns="45715" spcCol="0" rtlCol="0" anchor="ctr"/>
+          <a:bodyPr rtlCol="0" anchor="ctr"/>
           <a:lstStyle/>
           <a:p>
             <a:pPr algn="ctr"/>
-            <a:r>
-              <a:rPr lang="ja-JP" altLang="en-US" sz="3900" b="1" dirty="0" smtClean="0">
-                <a:solidFill>
-                  <a:schemeClr val="tx1"/>
-                </a:solidFill>
-              </a:rPr>
-              <a:t>整理</a:t>
-            </a:r>
-            <a:r>
-              <a:rPr lang="ja-JP" altLang="en-US" sz="3900" b="1" dirty="0">
-                <a:solidFill>
-                  <a:schemeClr val="tx1"/>
-                </a:solidFill>
-              </a:rPr>
-              <a:t>したユニット候補を</a:t>
-            </a:r>
-            <a:endParaRPr lang="en-US" altLang="ja-JP" sz="3900" b="1" dirty="0">
-              <a:solidFill>
-                <a:schemeClr val="tx1"/>
-              </a:solidFill>
-            </a:endParaRPr>
-          </a:p>
-          <a:p>
-            <a:pPr algn="ctr"/>
-            <a:r>
-              <a:rPr lang="ja-JP" altLang="en-US" sz="3900" b="1" dirty="0">
-                <a:solidFill>
-                  <a:schemeClr val="tx1"/>
-                </a:solidFill>
-              </a:rPr>
-              <a:t>クラスター分析する</a:t>
-            </a:r>
-            <a:endParaRPr lang="en-US" altLang="ja-JP" sz="3900" b="1" dirty="0">
-              <a:solidFill>
-                <a:schemeClr val="tx1"/>
-              </a:solidFill>
-            </a:endParaRPr>
-          </a:p>
-        </p:txBody>
-      </p:sp>
-      <p:sp>
-        <p:nvSpPr>
-          <p:cNvPr id="9" name="角丸四角形 8"/>
+            <a:endParaRPr kumimoji="1" lang="ja-JP" altLang="en-US"/>
+          </a:p>
+        </p:txBody>
+      </p:sp>
+      <p:sp>
+        <p:nvSpPr>
+          <p:cNvPr id="39" name="円/楕円 38"/>
           <p:cNvSpPr/>
           <p:nvPr/>
         </p:nvSpPr>
         <p:spPr>
           <a:xfrm>
-            <a:off x="14482052" y="2920805"/>
-            <a:ext cx="5486004" cy="2563700"/>
-          </a:xfrm>
-          <a:prstGeom prst="roundRect">
+            <a:off x="5740856" y="18882170"/>
+            <a:ext cx="976017" cy="1291485"/>
+          </a:xfrm>
+          <a:prstGeom prst="ellipse">
             <a:avLst/>
           </a:prstGeom>
-          <a:solidFill>
-            <a:schemeClr val="bg1"/>
-          </a:solidFill>
+          <a:noFill/>
           <a:ln w="76200">
             <a:solidFill>
-              <a:srgbClr val="002060"/>
+              <a:schemeClr val="accent6"/>
             </a:solidFill>
           </a:ln>
         </p:spPr>
@@ -8881,75 +11973,30 @@
           <a:lstStyle/>
           <a:p>
             <a:pPr algn="ctr"/>
-            <a:r>
-              <a:rPr kumimoji="1" lang="ja-JP" altLang="en-US" sz="4000" dirty="0" smtClean="0">
-                <a:solidFill>
-                  <a:schemeClr val="tx1"/>
-                </a:solidFill>
-              </a:rPr>
-              <a:t>対象カリキュラムは</a:t>
-            </a:r>
-            <a:endParaRPr kumimoji="1" lang="en-US" altLang="ja-JP" sz="4000" dirty="0" smtClean="0">
-              <a:solidFill>
-                <a:schemeClr val="tx1"/>
-              </a:solidFill>
-            </a:endParaRPr>
-          </a:p>
-          <a:p>
-            <a:pPr algn="ctr"/>
-            <a:r>
-              <a:rPr lang="en-US" altLang="ja-JP" sz="4400" b="1" dirty="0" smtClean="0">
-                <a:solidFill>
-                  <a:srgbClr val="00B050"/>
-                </a:solidFill>
-              </a:rPr>
-              <a:t>1</a:t>
-            </a:r>
-            <a:r>
-              <a:rPr lang="ja-JP" altLang="en-US" sz="4400" b="1" dirty="0" smtClean="0">
-                <a:solidFill>
-                  <a:srgbClr val="00B050"/>
-                </a:solidFill>
-              </a:rPr>
-              <a:t>年次に受講できる</a:t>
-            </a:r>
-            <a:endParaRPr lang="en-US" altLang="ja-JP" sz="4400" b="1" dirty="0" smtClean="0">
-              <a:solidFill>
-                <a:srgbClr val="00B050"/>
-              </a:solidFill>
-            </a:endParaRPr>
-          </a:p>
-          <a:p>
-            <a:pPr algn="ctr"/>
-            <a:r>
-              <a:rPr kumimoji="1" lang="ja-JP" altLang="en-US" sz="4400" b="1" dirty="0">
-                <a:solidFill>
-                  <a:srgbClr val="00B050"/>
-                </a:solidFill>
-              </a:rPr>
-              <a:t>専門科目</a:t>
-            </a:r>
-          </a:p>
-        </p:txBody>
-      </p:sp>
-      <p:sp>
-        <p:nvSpPr>
-          <p:cNvPr id="10" name="角丸四角形 9"/>
+            <a:endParaRPr kumimoji="1" lang="ja-JP" altLang="en-US"/>
+          </a:p>
+        </p:txBody>
+      </p:sp>
+      <p:sp>
+        <p:nvSpPr>
+          <p:cNvPr id="62" name="円/楕円 61"/>
           <p:cNvSpPr/>
           <p:nvPr/>
         </p:nvSpPr>
         <p:spPr>
           <a:xfrm>
-            <a:off x="12190997" y="6020577"/>
-            <a:ext cx="4582110" cy="2738147"/>
-          </a:xfrm>
-          <a:prstGeom prst="roundRect">
+            <a:off x="2403932" y="19942519"/>
+            <a:ext cx="976017" cy="1291485"/>
+          </a:xfrm>
+          <a:prstGeom prst="ellipse">
             <a:avLst/>
           </a:prstGeom>
-          <a:solidFill>
-            <a:schemeClr val="bg1"/>
-          </a:solidFill>
-          <a:ln w="76200"/>
+          <a:noFill/>
+          <a:ln w="76200">
+            <a:solidFill>
+              <a:schemeClr val="accent6"/>
+            </a:solidFill>
+          </a:ln>
         </p:spPr>
         <p:style>
           <a:lnRef idx="2">
@@ -8972,64 +12019,24 @@
           <a:lstStyle/>
           <a:p>
             <a:pPr algn="ctr"/>
-            <a:r>
-              <a:rPr kumimoji="1" lang="ja-JP" altLang="en-US" sz="4000" dirty="0" smtClean="0">
-                <a:solidFill>
-                  <a:schemeClr val="tx1"/>
-                </a:solidFill>
-              </a:rPr>
-              <a:t>ユニット候補は</a:t>
-            </a:r>
-            <a:endParaRPr kumimoji="1" lang="en-US" altLang="ja-JP" sz="4000" dirty="0" smtClean="0">
-              <a:solidFill>
-                <a:schemeClr val="tx1"/>
-              </a:solidFill>
-            </a:endParaRPr>
-          </a:p>
-          <a:p>
-            <a:pPr algn="ctr"/>
-            <a:r>
-              <a:rPr kumimoji="1" lang="en-US" altLang="ja-JP" sz="4800" b="1" dirty="0" smtClean="0">
-                <a:solidFill>
-                  <a:srgbClr val="00B050"/>
-                </a:solidFill>
-              </a:rPr>
-              <a:t>157</a:t>
-            </a:r>
-            <a:r>
-              <a:rPr kumimoji="1" lang="ja-JP" altLang="en-US" sz="4800" b="1" dirty="0" smtClean="0">
-                <a:solidFill>
-                  <a:srgbClr val="00B050"/>
-                </a:solidFill>
-              </a:rPr>
-              <a:t>個</a:t>
-            </a:r>
-            <a:endParaRPr kumimoji="1" lang="ja-JP" altLang="en-US" sz="4800" b="1" dirty="0">
-              <a:solidFill>
-                <a:srgbClr val="00B050"/>
-              </a:solidFill>
-            </a:endParaRPr>
-          </a:p>
-        </p:txBody>
-      </p:sp>
-      <p:sp>
-        <p:nvSpPr>
-          <p:cNvPr id="19" name="角丸四角形 18"/>
+            <a:endParaRPr kumimoji="1" lang="ja-JP" altLang="en-US"/>
+          </a:p>
+        </p:txBody>
+      </p:sp>
+      <p:sp>
+        <p:nvSpPr>
+          <p:cNvPr id="65" name="下矢印 64"/>
           <p:cNvSpPr/>
           <p:nvPr/>
         </p:nvSpPr>
         <p:spPr>
           <a:xfrm>
-            <a:off x="4070833" y="17112996"/>
-            <a:ext cx="4582110" cy="2738147"/>
-          </a:xfrm>
-          <a:prstGeom prst="roundRect">
+            <a:off x="3788663" y="17438947"/>
+            <a:ext cx="1264872" cy="1035791"/>
+          </a:xfrm>
+          <a:prstGeom prst="downArrow">
             <a:avLst/>
           </a:prstGeom>
-          <a:solidFill>
-            <a:schemeClr val="bg1"/>
-          </a:solidFill>
-          <a:ln w="76200"/>
         </p:spPr>
         <p:style>
           <a:lnRef idx="2">
@@ -9052,1057 +12059,7 @@
           <a:lstStyle/>
           <a:p>
             <a:pPr algn="ctr"/>
-            <a:r>
-              <a:rPr kumimoji="1" lang="ja-JP" altLang="en-US" sz="4000" dirty="0" smtClean="0">
-                <a:solidFill>
-                  <a:schemeClr val="tx1"/>
-                </a:solidFill>
-              </a:rPr>
-              <a:t>整理した</a:t>
-            </a:r>
-            <a:endParaRPr kumimoji="1" lang="en-US" altLang="ja-JP" sz="4000" dirty="0" smtClean="0">
-              <a:solidFill>
-                <a:schemeClr val="tx1"/>
-              </a:solidFill>
-            </a:endParaRPr>
-          </a:p>
-          <a:p>
-            <a:pPr algn="ctr"/>
-            <a:r>
-              <a:rPr kumimoji="1" lang="ja-JP" altLang="en-US" sz="4000" dirty="0" smtClean="0">
-                <a:solidFill>
-                  <a:schemeClr val="tx1"/>
-                </a:solidFill>
-              </a:rPr>
-              <a:t>ユニット候補は</a:t>
-            </a:r>
-            <a:endParaRPr kumimoji="1" lang="en-US" altLang="ja-JP" sz="4000" dirty="0" smtClean="0">
-              <a:solidFill>
-                <a:schemeClr val="tx1"/>
-              </a:solidFill>
-            </a:endParaRPr>
-          </a:p>
-          <a:p>
-            <a:pPr algn="ctr"/>
-            <a:r>
-              <a:rPr kumimoji="1" lang="en-US" altLang="ja-JP" sz="4800" b="1" dirty="0" smtClean="0">
-                <a:solidFill>
-                  <a:srgbClr val="00B050"/>
-                </a:solidFill>
-              </a:rPr>
-              <a:t>82</a:t>
-            </a:r>
-            <a:r>
-              <a:rPr kumimoji="1" lang="ja-JP" altLang="en-US" sz="4800" b="1" dirty="0" smtClean="0">
-                <a:solidFill>
-                  <a:srgbClr val="00B050"/>
-                </a:solidFill>
-              </a:rPr>
-              <a:t>個</a:t>
-            </a:r>
-            <a:endParaRPr kumimoji="1" lang="ja-JP" altLang="en-US" sz="4800" b="1" dirty="0">
-              <a:solidFill>
-                <a:srgbClr val="00B050"/>
-              </a:solidFill>
-            </a:endParaRPr>
-          </a:p>
-        </p:txBody>
-      </p:sp>
-      <p:sp>
-        <p:nvSpPr>
-          <p:cNvPr id="31" name="角丸四角形 30"/>
-          <p:cNvSpPr/>
-          <p:nvPr/>
-        </p:nvSpPr>
-        <p:spPr>
-          <a:xfrm>
-            <a:off x="4326420" y="10059219"/>
-            <a:ext cx="4593981" cy="2981236"/>
-          </a:xfrm>
-          <a:prstGeom prst="roundRect">
-            <a:avLst/>
-          </a:prstGeom>
-          <a:solidFill>
-            <a:schemeClr val="bg1"/>
-          </a:solidFill>
-          <a:ln w="76200"/>
-        </p:spPr>
-        <p:style>
-          <a:lnRef idx="2">
-            <a:schemeClr val="accent1">
-              <a:shade val="50000"/>
-            </a:schemeClr>
-          </a:lnRef>
-          <a:fillRef idx="1">
-            <a:schemeClr val="accent1"/>
-          </a:fillRef>
-          <a:effectRef idx="0">
-            <a:schemeClr val="accent1"/>
-          </a:effectRef>
-          <a:fontRef idx="minor">
-            <a:schemeClr val="lt1"/>
-          </a:fontRef>
-        </p:style>
-        <p:txBody>
-          <a:bodyPr rtlCol="0" anchor="ctr"/>
-          <a:lstStyle/>
-          <a:p>
-            <a:pPr algn="ctr"/>
-            <a:r>
-              <a:rPr kumimoji="1" lang="ja-JP" altLang="en-US" sz="3600" dirty="0" smtClean="0">
-                <a:solidFill>
-                  <a:schemeClr val="tx1"/>
-                </a:solidFill>
-              </a:rPr>
-              <a:t>ユニット候補１つ</a:t>
-            </a:r>
-            <a:endParaRPr kumimoji="1" lang="en-US" altLang="ja-JP" sz="3600" dirty="0" smtClean="0">
-              <a:solidFill>
-                <a:schemeClr val="tx1"/>
-              </a:solidFill>
-            </a:endParaRPr>
-          </a:p>
-          <a:p>
-            <a:pPr algn="ctr"/>
-            <a:r>
-              <a:rPr lang="ja-JP" altLang="en-US" sz="3600" b="1" dirty="0">
-                <a:solidFill>
-                  <a:schemeClr val="tx1"/>
-                </a:solidFill>
-              </a:rPr>
-              <a:t>↓</a:t>
-            </a:r>
-            <a:endParaRPr kumimoji="1" lang="en-US" altLang="ja-JP" sz="3600" b="1" dirty="0" smtClean="0">
-              <a:solidFill>
-                <a:schemeClr val="tx1"/>
-              </a:solidFill>
-            </a:endParaRPr>
-          </a:p>
-          <a:p>
-            <a:pPr algn="ctr"/>
-            <a:r>
-              <a:rPr kumimoji="1" lang="ja-JP" altLang="en-US" sz="4400" b="1" dirty="0" smtClean="0">
-                <a:solidFill>
-                  <a:srgbClr val="00B050"/>
-                </a:solidFill>
-              </a:rPr>
-              <a:t>講義一回分の</a:t>
-            </a:r>
-            <a:endParaRPr kumimoji="1" lang="en-US" altLang="ja-JP" sz="4400" b="1" dirty="0" smtClean="0">
-              <a:solidFill>
-                <a:srgbClr val="00B050"/>
-              </a:solidFill>
-            </a:endParaRPr>
-          </a:p>
-          <a:p>
-            <a:pPr algn="ctr"/>
-            <a:r>
-              <a:rPr kumimoji="1" lang="ja-JP" altLang="en-US" sz="4400" b="1" dirty="0" smtClean="0">
-                <a:solidFill>
-                  <a:srgbClr val="00B050"/>
-                </a:solidFill>
-              </a:rPr>
-              <a:t>テーマ</a:t>
-            </a:r>
-            <a:endParaRPr kumimoji="1" lang="ja-JP" altLang="en-US" sz="4400" b="1" dirty="0">
-              <a:solidFill>
-                <a:srgbClr val="00B050"/>
-              </a:solidFill>
-            </a:endParaRPr>
-          </a:p>
-        </p:txBody>
-      </p:sp>
-      <p:sp>
-        <p:nvSpPr>
-          <p:cNvPr id="33" name="角丸四角形 32"/>
-          <p:cNvSpPr/>
-          <p:nvPr/>
-        </p:nvSpPr>
-        <p:spPr>
-          <a:xfrm>
-            <a:off x="9899942" y="16314221"/>
-            <a:ext cx="10440000" cy="4335699"/>
-          </a:xfrm>
-          <a:prstGeom prst="roundRect">
-            <a:avLst/>
-          </a:prstGeom>
-          <a:solidFill>
-            <a:schemeClr val="bg1"/>
-          </a:solidFill>
-          <a:ln w="76200"/>
-        </p:spPr>
-        <p:style>
-          <a:lnRef idx="2">
-            <a:schemeClr val="accent1">
-              <a:shade val="50000"/>
-            </a:schemeClr>
-          </a:lnRef>
-          <a:fillRef idx="1">
-            <a:schemeClr val="accent1"/>
-          </a:fillRef>
-          <a:effectRef idx="0">
-            <a:schemeClr val="accent1"/>
-          </a:effectRef>
-          <a:fontRef idx="minor">
-            <a:schemeClr val="lt1"/>
-          </a:fontRef>
-        </p:style>
-        <p:txBody>
-          <a:bodyPr rtlCol="0" anchor="ctr"/>
-          <a:lstStyle/>
-          <a:p>
-            <a:pPr algn="ctr"/>
-            <a:r>
-              <a:rPr lang="ja-JP" altLang="en-US" sz="3600" b="1" dirty="0" smtClean="0">
-                <a:solidFill>
-                  <a:srgbClr val="00B050"/>
-                </a:solidFill>
-              </a:rPr>
-              <a:t>例</a:t>
-            </a:r>
-            <a:endParaRPr lang="en-US" altLang="ja-JP" sz="3600" b="1" dirty="0">
-              <a:solidFill>
-                <a:srgbClr val="00B050"/>
-              </a:solidFill>
-            </a:endParaRPr>
-          </a:p>
-          <a:p>
-            <a:pPr algn="ctr"/>
-            <a:r>
-              <a:rPr lang="ja-JP" altLang="en-US" sz="3600" dirty="0" smtClean="0">
-                <a:solidFill>
-                  <a:schemeClr val="tx1"/>
-                </a:solidFill>
-              </a:rPr>
-              <a:t>セキュリティ管理とセキュリティマネジメント</a:t>
-            </a:r>
-            <a:endParaRPr lang="en-US" altLang="ja-JP" sz="3600" dirty="0" smtClean="0">
-              <a:solidFill>
-                <a:schemeClr val="tx1"/>
-              </a:solidFill>
-            </a:endParaRPr>
-          </a:p>
-          <a:p>
-            <a:pPr algn="ctr"/>
-            <a:r>
-              <a:rPr lang="ja-JP" altLang="en-US" sz="3600" dirty="0" smtClean="0">
-                <a:solidFill>
-                  <a:schemeClr val="tx1"/>
-                </a:solidFill>
-              </a:rPr>
-              <a:t>→セキュリティマネジメント</a:t>
-            </a:r>
-            <a:endParaRPr lang="en-US" altLang="ja-JP" sz="3600" dirty="0" smtClean="0">
-              <a:solidFill>
-                <a:schemeClr val="tx1"/>
-              </a:solidFill>
-            </a:endParaRPr>
-          </a:p>
-          <a:p>
-            <a:pPr algn="ctr"/>
-            <a:endParaRPr lang="en-US" altLang="ja-JP" sz="3600" dirty="0" smtClean="0">
-              <a:solidFill>
-                <a:schemeClr val="tx1"/>
-              </a:solidFill>
-            </a:endParaRPr>
-          </a:p>
-          <a:p>
-            <a:pPr algn="ctr"/>
-            <a:r>
-              <a:rPr lang="ja-JP" altLang="en-US" sz="3600" dirty="0" smtClean="0">
-                <a:solidFill>
-                  <a:schemeClr val="tx1"/>
-                </a:solidFill>
-              </a:rPr>
-              <a:t>学内ネットの使い方</a:t>
-            </a:r>
-            <a:endParaRPr lang="en-US" altLang="ja-JP" sz="3600" dirty="0" smtClean="0">
-              <a:solidFill>
-                <a:schemeClr val="tx1"/>
-              </a:solidFill>
-            </a:endParaRPr>
-          </a:p>
-          <a:p>
-            <a:pPr algn="ctr"/>
-            <a:r>
-              <a:rPr lang="ja-JP" altLang="en-US" sz="3600" dirty="0" smtClean="0">
-                <a:solidFill>
-                  <a:schemeClr val="tx1"/>
-                </a:solidFill>
-              </a:rPr>
-              <a:t>と</a:t>
-            </a:r>
-            <a:endParaRPr lang="en-US" altLang="ja-JP" sz="3600" dirty="0" smtClean="0">
-              <a:solidFill>
-                <a:schemeClr val="tx1"/>
-              </a:solidFill>
-            </a:endParaRPr>
-          </a:p>
-          <a:p>
-            <a:pPr algn="ctr"/>
-            <a:r>
-              <a:rPr lang="ja-JP" altLang="en-US" sz="3600" dirty="0" smtClean="0">
-                <a:solidFill>
-                  <a:schemeClr val="tx1"/>
-                </a:solidFill>
-              </a:rPr>
-              <a:t>パソコン基本操作・ファイル操作</a:t>
-            </a:r>
-            <a:endParaRPr lang="en-US" altLang="ja-JP" sz="3600" dirty="0" smtClean="0">
-              <a:solidFill>
-                <a:schemeClr val="tx1"/>
-              </a:solidFill>
-            </a:endParaRPr>
-          </a:p>
-          <a:p>
-            <a:pPr algn="ctr"/>
-            <a:r>
-              <a:rPr lang="ja-JP" altLang="en-US" sz="3600" dirty="0" smtClean="0">
-                <a:solidFill>
-                  <a:schemeClr val="tx1"/>
-                </a:solidFill>
-              </a:rPr>
-              <a:t>→パソコン入門</a:t>
-            </a:r>
-            <a:endParaRPr lang="en-US" altLang="ja-JP" sz="3600" dirty="0" smtClean="0">
-              <a:solidFill>
-                <a:schemeClr val="tx1"/>
-              </a:solidFill>
-            </a:endParaRPr>
-          </a:p>
-        </p:txBody>
-      </p:sp>
-      <p:sp>
-        <p:nvSpPr>
-          <p:cNvPr id="34" name="角丸四角形 33"/>
-          <p:cNvSpPr/>
-          <p:nvPr/>
-        </p:nvSpPr>
-        <p:spPr>
-          <a:xfrm>
-            <a:off x="9904885" y="13985959"/>
-            <a:ext cx="10484200" cy="1684775"/>
-          </a:xfrm>
-          <a:prstGeom prst="roundRect">
-            <a:avLst/>
-          </a:prstGeom>
-          <a:solidFill>
-            <a:schemeClr val="bg1"/>
-          </a:solidFill>
-          <a:ln w="76200"/>
-        </p:spPr>
-        <p:style>
-          <a:lnRef idx="2">
-            <a:schemeClr val="accent1">
-              <a:shade val="50000"/>
-            </a:schemeClr>
-          </a:lnRef>
-          <a:fillRef idx="1">
-            <a:schemeClr val="accent1"/>
-          </a:fillRef>
-          <a:effectRef idx="0">
-            <a:schemeClr val="accent1"/>
-          </a:effectRef>
-          <a:fontRef idx="minor">
-            <a:schemeClr val="lt1"/>
-          </a:fontRef>
-        </p:style>
-        <p:txBody>
-          <a:bodyPr rtlCol="0" anchor="ctr"/>
-          <a:lstStyle/>
-          <a:p>
-            <a:pPr algn="ctr"/>
-            <a:r>
-              <a:rPr lang="ja-JP" altLang="en-US" sz="3600" dirty="0" smtClean="0">
-                <a:solidFill>
-                  <a:schemeClr val="tx1"/>
-                </a:solidFill>
-              </a:rPr>
-              <a:t>・違う</a:t>
-            </a:r>
-            <a:r>
-              <a:rPr lang="ja-JP" altLang="en-US" sz="3600" dirty="0">
-                <a:solidFill>
-                  <a:schemeClr val="tx1"/>
-                </a:solidFill>
-              </a:rPr>
-              <a:t>カリキュラム</a:t>
-            </a:r>
-            <a:r>
-              <a:rPr lang="ja-JP" altLang="en-US" sz="3600" dirty="0" smtClean="0">
-                <a:solidFill>
-                  <a:schemeClr val="tx1"/>
-                </a:solidFill>
-              </a:rPr>
-              <a:t>でも意味が同じものを統一</a:t>
-            </a:r>
-            <a:endParaRPr lang="en-US" altLang="ja-JP" sz="3600" dirty="0" smtClean="0">
-              <a:solidFill>
-                <a:schemeClr val="tx1"/>
-              </a:solidFill>
-            </a:endParaRPr>
-          </a:p>
-          <a:p>
-            <a:pPr algn="ctr"/>
-            <a:r>
-              <a:rPr lang="ja-JP" altLang="en-US" sz="3600" dirty="0" smtClean="0">
-                <a:solidFill>
-                  <a:schemeClr val="tx1"/>
-                </a:solidFill>
-              </a:rPr>
-              <a:t>・ユニット候補としては細かすぎる内容を</a:t>
-            </a:r>
-            <a:endParaRPr lang="en-US" altLang="ja-JP" sz="3600" dirty="0" smtClean="0">
-              <a:solidFill>
-                <a:schemeClr val="tx1"/>
-              </a:solidFill>
-            </a:endParaRPr>
-          </a:p>
-          <a:p>
-            <a:pPr algn="ctr"/>
-            <a:r>
-              <a:rPr lang="ja-JP" altLang="en-US" sz="3600" dirty="0" smtClean="0">
-                <a:solidFill>
-                  <a:schemeClr val="tx1"/>
-                </a:solidFill>
-              </a:rPr>
-              <a:t>上位概念へと変換する</a:t>
-            </a:r>
-            <a:endParaRPr lang="en-US" altLang="ja-JP" sz="3600" dirty="0" smtClean="0">
-              <a:solidFill>
-                <a:schemeClr val="tx1"/>
-              </a:solidFill>
-            </a:endParaRPr>
-          </a:p>
-        </p:txBody>
-      </p:sp>
-      <p:sp>
-        <p:nvSpPr>
-          <p:cNvPr id="11" name="角丸四角形 10"/>
-          <p:cNvSpPr/>
-          <p:nvPr/>
-        </p:nvSpPr>
-        <p:spPr>
-          <a:xfrm>
-            <a:off x="12190997" y="21536163"/>
-            <a:ext cx="5486004" cy="2756526"/>
-          </a:xfrm>
-          <a:prstGeom prst="roundRect">
-            <a:avLst/>
-          </a:prstGeom>
-          <a:solidFill>
-            <a:schemeClr val="bg1"/>
-          </a:solidFill>
-          <a:ln w="76200">
-            <a:solidFill>
-              <a:srgbClr val="002060"/>
-            </a:solidFill>
-          </a:ln>
-        </p:spPr>
-        <p:style>
-          <a:lnRef idx="2">
-            <a:schemeClr val="accent1">
-              <a:shade val="50000"/>
-            </a:schemeClr>
-          </a:lnRef>
-          <a:fillRef idx="1">
-            <a:schemeClr val="accent1"/>
-          </a:fillRef>
-          <a:effectRef idx="0">
-            <a:schemeClr val="accent1"/>
-          </a:effectRef>
-          <a:fontRef idx="minor">
-            <a:schemeClr val="lt1"/>
-          </a:fontRef>
-        </p:style>
-        <p:txBody>
-          <a:bodyPr rtlCol="0" anchor="ctr"/>
-          <a:lstStyle/>
-          <a:p>
-            <a:pPr lvl="0" algn="ctr"/>
-            <a:r>
-              <a:rPr lang="ja-JP" altLang="en-US" sz="3900" dirty="0">
-                <a:solidFill>
-                  <a:prstClr val="black"/>
-                </a:solidFill>
-              </a:rPr>
-              <a:t>文献で高評価な</a:t>
-            </a:r>
-            <a:endParaRPr lang="en-US" altLang="ja-JP" sz="3900" dirty="0">
-              <a:solidFill>
-                <a:prstClr val="black"/>
-              </a:solidFill>
-            </a:endParaRPr>
-          </a:p>
-          <a:p>
-            <a:pPr lvl="0" algn="ctr"/>
-            <a:r>
-              <a:rPr lang="ja-JP" altLang="en-US" sz="3900" dirty="0">
-                <a:solidFill>
-                  <a:prstClr val="black"/>
-                </a:solidFill>
-              </a:rPr>
-              <a:t>分析の設定が</a:t>
-            </a:r>
-            <a:endParaRPr lang="en-US" altLang="ja-JP" sz="3900" dirty="0">
-              <a:solidFill>
-                <a:prstClr val="black"/>
-              </a:solidFill>
-            </a:endParaRPr>
-          </a:p>
-          <a:p>
-            <a:pPr lvl="0" algn="ctr"/>
-            <a:r>
-              <a:rPr lang="en-US" altLang="ja-JP" sz="4400" b="1" dirty="0">
-                <a:solidFill>
-                  <a:srgbClr val="00B050"/>
-                </a:solidFill>
-              </a:rPr>
-              <a:t>6</a:t>
-            </a:r>
-            <a:r>
-              <a:rPr lang="ja-JP" altLang="en-US" sz="4400" b="1" dirty="0">
-                <a:solidFill>
-                  <a:srgbClr val="00B050"/>
-                </a:solidFill>
-              </a:rPr>
-              <a:t>通り</a:t>
-            </a:r>
-            <a:endParaRPr lang="en-US" altLang="ja-JP" sz="4400" b="1" dirty="0">
-              <a:solidFill>
-                <a:srgbClr val="00B050"/>
-              </a:solidFill>
-            </a:endParaRPr>
-          </a:p>
-        </p:txBody>
-      </p:sp>
-      <p:sp>
-        <p:nvSpPr>
-          <p:cNvPr id="40" name="円/楕円 39"/>
-          <p:cNvSpPr/>
-          <p:nvPr/>
-        </p:nvSpPr>
-        <p:spPr>
-          <a:xfrm>
-            <a:off x="130828" y="366374"/>
-            <a:ext cx="3763085" cy="1513652"/>
-          </a:xfrm>
-          <a:prstGeom prst="ellipse">
-            <a:avLst/>
-          </a:prstGeom>
-          <a:solidFill>
-            <a:schemeClr val="bg1"/>
-          </a:solidFill>
-          <a:ln w="76200"/>
-        </p:spPr>
-        <p:style>
-          <a:lnRef idx="2">
-            <a:schemeClr val="accent1">
-              <a:shade val="50000"/>
-            </a:schemeClr>
-          </a:lnRef>
-          <a:fillRef idx="1">
-            <a:schemeClr val="accent1"/>
-          </a:fillRef>
-          <a:effectRef idx="0">
-            <a:schemeClr val="accent1"/>
-          </a:effectRef>
-          <a:fontRef idx="minor">
-            <a:schemeClr val="lt1"/>
-          </a:fontRef>
-        </p:style>
-        <p:txBody>
-          <a:bodyPr rtlCol="0" anchor="ctr"/>
-          <a:lstStyle/>
-          <a:p>
-            <a:pPr algn="ctr"/>
-            <a:r>
-              <a:rPr kumimoji="1" lang="ja-JP" altLang="en-US" sz="7200" b="1" dirty="0" smtClean="0">
-                <a:solidFill>
-                  <a:schemeClr val="tx2">
-                    <a:lumMod val="60000"/>
-                    <a:lumOff val="40000"/>
-                  </a:schemeClr>
-                </a:solidFill>
-              </a:rPr>
-              <a:t>方法</a:t>
-            </a:r>
-            <a:endParaRPr kumimoji="1" lang="ja-JP" altLang="en-US" sz="7200" b="1" dirty="0">
-              <a:solidFill>
-                <a:schemeClr val="tx2">
-                  <a:lumMod val="60000"/>
-                  <a:lumOff val="40000"/>
-                </a:schemeClr>
-              </a:solidFill>
-            </a:endParaRPr>
-          </a:p>
-        </p:txBody>
-      </p:sp>
-      <p:sp>
-        <p:nvSpPr>
-          <p:cNvPr id="17" name="フローチャート : 結合子 16"/>
-          <p:cNvSpPr/>
-          <p:nvPr/>
-        </p:nvSpPr>
-        <p:spPr>
-          <a:xfrm>
-            <a:off x="1776712" y="2371220"/>
-            <a:ext cx="1602016" cy="1413073"/>
-          </a:xfrm>
-          <a:prstGeom prst="flowChartConnector">
-            <a:avLst/>
-          </a:prstGeom>
-        </p:spPr>
-        <p:style>
-          <a:lnRef idx="2">
-            <a:schemeClr val="accent1">
-              <a:shade val="50000"/>
-            </a:schemeClr>
-          </a:lnRef>
-          <a:fillRef idx="1">
-            <a:schemeClr val="accent1"/>
-          </a:fillRef>
-          <a:effectRef idx="0">
-            <a:schemeClr val="accent1"/>
-          </a:effectRef>
-          <a:fontRef idx="minor">
-            <a:schemeClr val="lt1"/>
-          </a:fontRef>
-        </p:style>
-        <p:txBody>
-          <a:bodyPr rtlCol="0" anchor="ctr"/>
-          <a:lstStyle/>
-          <a:p>
-            <a:pPr algn="ctr"/>
-            <a:r>
-              <a:rPr kumimoji="1" lang="en-US" altLang="ja-JP" sz="8000" dirty="0" smtClean="0"/>
-              <a:t>1</a:t>
-            </a:r>
-            <a:endParaRPr kumimoji="1" lang="ja-JP" altLang="en-US" sz="8000" dirty="0"/>
-          </a:p>
-        </p:txBody>
-      </p:sp>
-      <p:sp>
-        <p:nvSpPr>
-          <p:cNvPr id="52" name="フローチャート : 結合子 51"/>
-          <p:cNvSpPr/>
-          <p:nvPr/>
-        </p:nvSpPr>
-        <p:spPr>
-          <a:xfrm>
-            <a:off x="1784262" y="5599348"/>
-            <a:ext cx="1602016" cy="1413073"/>
-          </a:xfrm>
-          <a:prstGeom prst="flowChartConnector">
-            <a:avLst/>
-          </a:prstGeom>
-        </p:spPr>
-        <p:style>
-          <a:lnRef idx="2">
-            <a:schemeClr val="accent1">
-              <a:shade val="50000"/>
-            </a:schemeClr>
-          </a:lnRef>
-          <a:fillRef idx="1">
-            <a:schemeClr val="accent1"/>
-          </a:fillRef>
-          <a:effectRef idx="0">
-            <a:schemeClr val="accent1"/>
-          </a:effectRef>
-          <a:fontRef idx="minor">
-            <a:schemeClr val="lt1"/>
-          </a:fontRef>
-        </p:style>
-        <p:txBody>
-          <a:bodyPr rtlCol="0" anchor="ctr"/>
-          <a:lstStyle/>
-          <a:p>
-            <a:pPr algn="ctr"/>
-            <a:r>
-              <a:rPr kumimoji="1" lang="en-US" altLang="ja-JP" sz="8000" dirty="0" smtClean="0"/>
-              <a:t>2</a:t>
-            </a:r>
-            <a:endParaRPr kumimoji="1" lang="ja-JP" altLang="en-US" sz="8000" dirty="0"/>
-          </a:p>
-        </p:txBody>
-      </p:sp>
-      <p:sp>
-        <p:nvSpPr>
-          <p:cNvPr id="54" name="フローチャート : 結合子 53"/>
-          <p:cNvSpPr/>
-          <p:nvPr/>
-        </p:nvSpPr>
-        <p:spPr>
-          <a:xfrm>
-            <a:off x="2012370" y="24082743"/>
-            <a:ext cx="1602016" cy="1413073"/>
-          </a:xfrm>
-          <a:prstGeom prst="flowChartConnector">
-            <a:avLst/>
-          </a:prstGeom>
-        </p:spPr>
-        <p:style>
-          <a:lnRef idx="2">
-            <a:schemeClr val="accent1">
-              <a:shade val="50000"/>
-            </a:schemeClr>
-          </a:lnRef>
-          <a:fillRef idx="1">
-            <a:schemeClr val="accent1"/>
-          </a:fillRef>
-          <a:effectRef idx="0">
-            <a:schemeClr val="accent1"/>
-          </a:effectRef>
-          <a:fontRef idx="minor">
-            <a:schemeClr val="lt1"/>
-          </a:fontRef>
-        </p:style>
-        <p:txBody>
-          <a:bodyPr rtlCol="0" anchor="ctr"/>
-          <a:lstStyle/>
-          <a:p>
-            <a:pPr algn="ctr"/>
-            <a:r>
-              <a:rPr kumimoji="1" lang="en-US" altLang="ja-JP" sz="8000" dirty="0" smtClean="0"/>
-              <a:t>5</a:t>
-            </a:r>
-            <a:endParaRPr kumimoji="1" lang="ja-JP" altLang="en-US" sz="8000" dirty="0"/>
-          </a:p>
-        </p:txBody>
-      </p:sp>
-      <p:sp>
-        <p:nvSpPr>
-          <p:cNvPr id="55" name="フローチャート : 結合子 54"/>
-          <p:cNvSpPr/>
-          <p:nvPr/>
-        </p:nvSpPr>
-        <p:spPr>
-          <a:xfrm>
-            <a:off x="2012370" y="20829626"/>
-            <a:ext cx="1602016" cy="1413073"/>
-          </a:xfrm>
-          <a:prstGeom prst="flowChartConnector">
-            <a:avLst/>
-          </a:prstGeom>
-        </p:spPr>
-        <p:style>
-          <a:lnRef idx="2">
-            <a:schemeClr val="accent1">
-              <a:shade val="50000"/>
-            </a:schemeClr>
-          </a:lnRef>
-          <a:fillRef idx="1">
-            <a:schemeClr val="accent1"/>
-          </a:fillRef>
-          <a:effectRef idx="0">
-            <a:schemeClr val="accent1"/>
-          </a:effectRef>
-          <a:fontRef idx="minor">
-            <a:schemeClr val="lt1"/>
-          </a:fontRef>
-        </p:style>
-        <p:txBody>
-          <a:bodyPr rtlCol="0" anchor="ctr"/>
-          <a:lstStyle/>
-          <a:p>
-            <a:pPr algn="ctr"/>
-            <a:r>
-              <a:rPr kumimoji="1" lang="en-US" altLang="ja-JP" sz="8000" dirty="0" smtClean="0"/>
-              <a:t>4</a:t>
-            </a:r>
-            <a:endParaRPr kumimoji="1" lang="ja-JP" altLang="en-US" sz="8000" dirty="0"/>
-          </a:p>
-        </p:txBody>
-      </p:sp>
-      <p:sp>
-        <p:nvSpPr>
-          <p:cNvPr id="56" name="フローチャート : 結合子 55"/>
-          <p:cNvSpPr/>
-          <p:nvPr/>
-        </p:nvSpPr>
-        <p:spPr>
-          <a:xfrm>
-            <a:off x="2012370" y="13279422"/>
-            <a:ext cx="1602016" cy="1413073"/>
-          </a:xfrm>
-          <a:prstGeom prst="flowChartConnector">
-            <a:avLst/>
-          </a:prstGeom>
-        </p:spPr>
-        <p:style>
-          <a:lnRef idx="2">
-            <a:schemeClr val="accent1">
-              <a:shade val="50000"/>
-            </a:schemeClr>
-          </a:lnRef>
-          <a:fillRef idx="1">
-            <a:schemeClr val="accent1"/>
-          </a:fillRef>
-          <a:effectRef idx="0">
-            <a:schemeClr val="accent1"/>
-          </a:effectRef>
-          <a:fontRef idx="minor">
-            <a:schemeClr val="lt1"/>
-          </a:fontRef>
-        </p:style>
-        <p:txBody>
-          <a:bodyPr rtlCol="0" anchor="ctr"/>
-          <a:lstStyle/>
-          <a:p>
-            <a:pPr algn="ctr"/>
-            <a:r>
-              <a:rPr kumimoji="1" lang="en-US" altLang="ja-JP" sz="8000" dirty="0" smtClean="0"/>
-              <a:t>3</a:t>
-            </a:r>
-            <a:endParaRPr kumimoji="1" lang="ja-JP" altLang="en-US" sz="8000" dirty="0"/>
-          </a:p>
-        </p:txBody>
-      </p:sp>
-      <p:sp>
-        <p:nvSpPr>
-          <p:cNvPr id="57" name="正方形/長方形 56"/>
-          <p:cNvSpPr/>
-          <p:nvPr/>
-        </p:nvSpPr>
-        <p:spPr>
-          <a:xfrm>
-            <a:off x="2577721" y="27940663"/>
-            <a:ext cx="16475448" cy="2060151"/>
-          </a:xfrm>
-          <a:prstGeom prst="rect">
-            <a:avLst/>
-          </a:prstGeom>
-          <a:solidFill>
-            <a:schemeClr val="bg1"/>
-          </a:solidFill>
-          <a:ln w="76200">
-            <a:solidFill>
-              <a:srgbClr val="7030A0"/>
-            </a:solidFill>
-          </a:ln>
-        </p:spPr>
-        <p:style>
-          <a:lnRef idx="2">
-            <a:schemeClr val="accent1">
-              <a:shade val="50000"/>
-            </a:schemeClr>
-          </a:lnRef>
-          <a:fillRef idx="1">
-            <a:schemeClr val="accent1"/>
-          </a:fillRef>
-          <a:effectRef idx="0">
-            <a:schemeClr val="accent1"/>
-          </a:effectRef>
-          <a:fontRef idx="minor">
-            <a:schemeClr val="lt1"/>
-          </a:fontRef>
-        </p:style>
-        <p:txBody>
-          <a:bodyPr lIns="91434" tIns="45715" rIns="91434" bIns="45715" spcCol="0" rtlCol="0" anchor="ctr"/>
-          <a:lstStyle/>
-          <a:p>
-            <a:r>
-              <a:rPr lang="ja-JP" altLang="en-US" sz="3900" b="1" dirty="0">
-                <a:solidFill>
-                  <a:schemeClr val="tx1"/>
-                </a:solidFill>
-              </a:rPr>
-              <a:t>矢吹太朗</a:t>
-            </a:r>
-            <a:r>
-              <a:rPr lang="en-US" altLang="ja-JP" sz="3900" b="1" dirty="0">
-                <a:solidFill>
-                  <a:schemeClr val="tx1"/>
-                </a:solidFill>
-              </a:rPr>
-              <a:t>, </a:t>
-            </a:r>
-            <a:r>
-              <a:rPr lang="ja-JP" altLang="en-US" sz="3900" b="1" dirty="0">
-                <a:solidFill>
-                  <a:schemeClr val="tx1"/>
-                </a:solidFill>
-              </a:rPr>
-              <a:t>森田武史</a:t>
-            </a:r>
-            <a:r>
-              <a:rPr lang="en-US" altLang="ja-JP" sz="3900" b="1" dirty="0">
-                <a:solidFill>
-                  <a:schemeClr val="tx1"/>
-                </a:solidFill>
-              </a:rPr>
-              <a:t>, </a:t>
-            </a:r>
-            <a:r>
-              <a:rPr lang="ja-JP" altLang="en-US" sz="3900" b="1" dirty="0">
-                <a:solidFill>
-                  <a:schemeClr val="tx1"/>
-                </a:solidFill>
-              </a:rPr>
-              <a:t>増永義文</a:t>
-            </a:r>
-            <a:r>
-              <a:rPr lang="en-US" altLang="ja-JP" sz="3900" b="1" dirty="0">
-                <a:solidFill>
-                  <a:schemeClr val="tx1"/>
-                </a:solidFill>
-              </a:rPr>
-              <a:t>. </a:t>
-            </a:r>
-            <a:endParaRPr lang="en-US" altLang="ja-JP" sz="3900" b="1" dirty="0" smtClean="0">
-              <a:solidFill>
-                <a:schemeClr val="tx1"/>
-              </a:solidFill>
-            </a:endParaRPr>
-          </a:p>
-          <a:p>
-            <a:r>
-              <a:rPr lang="ja-JP" altLang="en-US" sz="3900" b="1" dirty="0" smtClean="0">
-                <a:solidFill>
-                  <a:schemeClr val="tx1"/>
-                </a:solidFill>
-              </a:rPr>
-              <a:t>「集合</a:t>
-            </a:r>
-            <a:r>
-              <a:rPr lang="ja-JP" altLang="en-US" sz="3900" b="1" dirty="0">
-                <a:solidFill>
-                  <a:schemeClr val="tx1"/>
-                </a:solidFill>
-              </a:rPr>
-              <a:t>知による知識体系構築のための意見集約</a:t>
-            </a:r>
-            <a:r>
-              <a:rPr lang="ja-JP" altLang="en-US" sz="3900" b="1" dirty="0" smtClean="0">
-                <a:solidFill>
-                  <a:schemeClr val="tx1"/>
-                </a:solidFill>
-              </a:rPr>
-              <a:t>方法」</a:t>
-            </a:r>
-            <a:r>
-              <a:rPr lang="en-US" altLang="ja-JP" sz="3900" b="1" dirty="0" smtClean="0">
-                <a:solidFill>
-                  <a:schemeClr val="tx1"/>
-                </a:solidFill>
-              </a:rPr>
-              <a:t> </a:t>
-            </a:r>
-          </a:p>
-          <a:p>
-            <a:r>
-              <a:rPr lang="ja-JP" altLang="en-US" sz="3900" b="1" dirty="0" smtClean="0">
-                <a:solidFill>
-                  <a:schemeClr val="tx1"/>
-                </a:solidFill>
-              </a:rPr>
-              <a:t>信学</a:t>
-            </a:r>
-            <a:r>
-              <a:rPr lang="ja-JP" altLang="en-US" sz="3900" b="1" dirty="0">
-                <a:solidFill>
-                  <a:schemeClr val="tx1"/>
-                </a:solidFill>
-              </a:rPr>
-              <a:t>技報</a:t>
-            </a:r>
-            <a:r>
-              <a:rPr lang="en-US" altLang="ja-JP" sz="3900" b="1" dirty="0">
-                <a:solidFill>
-                  <a:schemeClr val="tx1"/>
-                </a:solidFill>
-              </a:rPr>
-              <a:t>, vol. 113, no. 105, DE2013-18, pp. 71-76, 2013</a:t>
-            </a:r>
-            <a:r>
-              <a:rPr lang="ja-JP" altLang="en-US" sz="3900" b="1" dirty="0">
-                <a:solidFill>
-                  <a:schemeClr val="tx1"/>
-                </a:solidFill>
-              </a:rPr>
-              <a:t>年</a:t>
-            </a:r>
-            <a:r>
-              <a:rPr lang="en-US" altLang="ja-JP" sz="3900" b="1" dirty="0">
-                <a:solidFill>
-                  <a:schemeClr val="tx1"/>
-                </a:solidFill>
-              </a:rPr>
-              <a:t>6</a:t>
-            </a:r>
-            <a:r>
-              <a:rPr lang="ja-JP" altLang="en-US" sz="3900" b="1" dirty="0">
-                <a:solidFill>
-                  <a:schemeClr val="tx1"/>
-                </a:solidFill>
-              </a:rPr>
-              <a:t>月</a:t>
-            </a:r>
-            <a:endParaRPr lang="en-US" altLang="ja-JP" sz="3900" b="1" dirty="0">
-              <a:solidFill>
-                <a:schemeClr val="tx1"/>
-              </a:solidFill>
-            </a:endParaRPr>
-          </a:p>
-        </p:txBody>
-      </p:sp>
-      <p:sp>
-        <p:nvSpPr>
-          <p:cNvPr id="18" name="角丸四角形 17"/>
-          <p:cNvSpPr/>
-          <p:nvPr/>
-        </p:nvSpPr>
-        <p:spPr>
-          <a:xfrm>
-            <a:off x="2012370" y="26975794"/>
-            <a:ext cx="7138521" cy="1023855"/>
-          </a:xfrm>
-          <a:prstGeom prst="roundRect">
-            <a:avLst/>
-          </a:prstGeom>
-          <a:solidFill>
-            <a:schemeClr val="bg1"/>
-          </a:solidFill>
-          <a:ln w="76200">
-            <a:solidFill>
-              <a:srgbClr val="7030A0"/>
-            </a:solidFill>
-          </a:ln>
-        </p:spPr>
-        <p:style>
-          <a:lnRef idx="2">
-            <a:schemeClr val="accent1">
-              <a:shade val="50000"/>
-            </a:schemeClr>
-          </a:lnRef>
-          <a:fillRef idx="1">
-            <a:schemeClr val="accent1"/>
-          </a:fillRef>
-          <a:effectRef idx="0">
-            <a:schemeClr val="accent1"/>
-          </a:effectRef>
-          <a:fontRef idx="minor">
-            <a:schemeClr val="lt1"/>
-          </a:fontRef>
-        </p:style>
-        <p:txBody>
-          <a:bodyPr rtlCol="0" anchor="ctr"/>
-          <a:lstStyle/>
-          <a:p>
-            <a:pPr algn="ctr"/>
-            <a:r>
-              <a:rPr kumimoji="1" lang="ja-JP" altLang="en-US" sz="5400" dirty="0" smtClean="0">
-                <a:solidFill>
-                  <a:schemeClr val="tx1"/>
-                </a:solidFill>
-              </a:rPr>
-              <a:t>この方法の参考文献</a:t>
-            </a:r>
-            <a:endParaRPr kumimoji="1" lang="ja-JP" altLang="en-US" sz="5400" dirty="0">
-              <a:solidFill>
-                <a:schemeClr val="tx1"/>
-              </a:solidFill>
-            </a:endParaRPr>
+            <a:endParaRPr kumimoji="1" lang="ja-JP" altLang="en-US"/>
           </a:p>
         </p:txBody>
       </p:sp>

--- a/課題研究/2013/小野寺航己/1142032課題研究ポスター.pptx
+++ b/課題研究/2013/小野寺航己/1142032課題研究ポスター.pptx
@@ -530,7 +530,7 @@
           <a:p>
             <a:fld id="{4BCC94C0-A1F4-4642-83E1-185FB3EE24AC}" type="datetimeFigureOut">
               <a:rPr kumimoji="1" lang="ja-JP" altLang="en-US" smtClean="0"/>
-              <a:t>2013/12/12</a:t>
+              <a:t>2013/12/13</a:t>
             </a:fld>
             <a:endParaRPr kumimoji="1" lang="ja-JP" altLang="en-US"/>
           </a:p>
@@ -774,7 +774,7 @@
           <a:p>
             <a:fld id="{4BCC94C0-A1F4-4642-83E1-185FB3EE24AC}" type="datetimeFigureOut">
               <a:rPr kumimoji="1" lang="ja-JP" altLang="en-US" smtClean="0"/>
-              <a:t>2013/12/12</a:t>
+              <a:t>2013/12/13</a:t>
             </a:fld>
             <a:endParaRPr kumimoji="1" lang="ja-JP" altLang="en-US"/>
           </a:p>
@@ -993,7 +993,7 @@
           <a:p>
             <a:fld id="{4BCC94C0-A1F4-4642-83E1-185FB3EE24AC}" type="datetimeFigureOut">
               <a:rPr kumimoji="1" lang="ja-JP" altLang="en-US" smtClean="0"/>
-              <a:t>2013/12/12</a:t>
+              <a:t>2013/12/13</a:t>
             </a:fld>
             <a:endParaRPr kumimoji="1" lang="ja-JP" altLang="en-US"/>
           </a:p>
@@ -1090,7 +1090,7 @@
           <a:p>
             <a:fld id="{4BCC94C0-A1F4-4642-83E1-185FB3EE24AC}" type="datetimeFigureOut">
               <a:rPr kumimoji="1" lang="ja-JP" altLang="en-US" smtClean="0"/>
-              <a:t>2013/12/12</a:t>
+              <a:t>2013/12/13</a:t>
             </a:fld>
             <a:endParaRPr kumimoji="1" lang="ja-JP" altLang="en-US"/>
           </a:p>
@@ -1718,7 +1718,7 @@
           <a:p>
             <a:fld id="{4BCC94C0-A1F4-4642-83E1-185FB3EE24AC}" type="datetimeFigureOut">
               <a:rPr kumimoji="1" lang="ja-JP" altLang="en-US" smtClean="0"/>
-              <a:t>2013/12/12</a:t>
+              <a:t>2013/12/13</a:t>
             </a:fld>
             <a:endParaRPr kumimoji="1" lang="ja-JP" altLang="en-US"/>
           </a:p>
@@ -1815,7 +1815,7 @@
           <a:p>
             <a:fld id="{4BCC94C0-A1F4-4642-83E1-185FB3EE24AC}" type="datetimeFigureOut">
               <a:rPr kumimoji="1" lang="ja-JP" altLang="en-US" smtClean="0"/>
-              <a:t>2013/12/12</a:t>
+              <a:t>2013/12/13</a:t>
             </a:fld>
             <a:endParaRPr kumimoji="1" lang="ja-JP" altLang="en-US"/>
           </a:p>
@@ -2548,7 +2548,7 @@
           <a:p>
             <a:fld id="{4BCC94C0-A1F4-4642-83E1-185FB3EE24AC}" type="datetimeFigureOut">
               <a:rPr kumimoji="1" lang="ja-JP" altLang="en-US" smtClean="0"/>
-              <a:t>2013/12/12</a:t>
+              <a:t>2013/12/13</a:t>
             </a:fld>
             <a:endParaRPr kumimoji="1" lang="ja-JP" altLang="en-US"/>
           </a:p>
@@ -2691,7 +2691,7 @@
           <a:p>
             <a:fld id="{4BCC94C0-A1F4-4642-83E1-185FB3EE24AC}" type="datetimeFigureOut">
               <a:rPr kumimoji="1" lang="ja-JP" altLang="en-US" smtClean="0"/>
-              <a:t>2013/12/12</a:t>
+              <a:t>2013/12/13</a:t>
             </a:fld>
             <a:endParaRPr kumimoji="1" lang="ja-JP" altLang="en-US"/>
           </a:p>
@@ -2788,7 +2788,7 @@
           <a:p>
             <a:fld id="{4BCC94C0-A1F4-4642-83E1-185FB3EE24AC}" type="datetimeFigureOut">
               <a:rPr kumimoji="1" lang="ja-JP" altLang="en-US" smtClean="0"/>
-              <a:t>2013/12/12</a:t>
+              <a:t>2013/12/13</a:t>
             </a:fld>
             <a:endParaRPr kumimoji="1" lang="ja-JP" altLang="en-US"/>
           </a:p>
@@ -3104,7 +3104,7 @@
           <a:p>
             <a:fld id="{4BCC94C0-A1F4-4642-83E1-185FB3EE24AC}" type="datetimeFigureOut">
               <a:rPr kumimoji="1" lang="ja-JP" altLang="en-US" smtClean="0"/>
-              <a:t>2013/12/12</a:t>
+              <a:t>2013/12/13</a:t>
             </a:fld>
             <a:endParaRPr kumimoji="1" lang="ja-JP" altLang="en-US"/>
           </a:p>
@@ -3626,7 +3626,7 @@
           <a:p>
             <a:fld id="{4BCC94C0-A1F4-4642-83E1-185FB3EE24AC}" type="datetimeFigureOut">
               <a:rPr kumimoji="1" lang="ja-JP" altLang="en-US" smtClean="0"/>
-              <a:t>2013/12/12</a:t>
+              <a:t>2013/12/13</a:t>
             </a:fld>
             <a:endParaRPr kumimoji="1" lang="ja-JP" altLang="en-US"/>
           </a:p>
@@ -4178,7 +4178,7 @@
           <a:p>
             <a:fld id="{4BCC94C0-A1F4-4642-83E1-185FB3EE24AC}" type="datetimeFigureOut">
               <a:rPr kumimoji="1" lang="ja-JP" altLang="en-US" smtClean="0"/>
-              <a:t>2013/12/12</a:t>
+              <a:t>2013/12/13</a:t>
             </a:fld>
             <a:endParaRPr kumimoji="1" lang="ja-JP" altLang="en-US"/>
           </a:p>
@@ -8349,7 +8349,7 @@
         </p:nvGrpSpPr>
         <p:grpSpPr>
           <a:xfrm>
-            <a:off x="1949734" y="2054428"/>
+            <a:off x="8027976" y="914106"/>
             <a:ext cx="5086330" cy="5781253"/>
             <a:chOff x="12522068" y="857637"/>
             <a:chExt cx="3832225" cy="4440238"/>
@@ -8489,7 +8489,7 @@
         </p:nvGrpSpPr>
         <p:grpSpPr>
           <a:xfrm>
-            <a:off x="7252347" y="3057010"/>
+            <a:off x="577053" y="3131455"/>
             <a:ext cx="6635502" cy="3444683"/>
             <a:chOff x="8063724" y="2459970"/>
             <a:chExt cx="6635502" cy="3444683"/>
@@ -10745,9 +10745,9 @@
           <p:nvPr/>
         </p:nvSpPr>
         <p:spPr>
-          <a:xfrm rot="17745528">
-            <a:off x="9486935" y="6090745"/>
-            <a:ext cx="1828668" cy="4665587"/>
+          <a:xfrm rot="19358059">
+            <a:off x="10417625" y="6790355"/>
+            <a:ext cx="1828668" cy="3478841"/>
           </a:xfrm>
           <a:prstGeom prst="downArrow">
             <a:avLst/>
@@ -12060,6 +12060,109 @@
           <a:p>
             <a:pPr algn="ctr"/>
             <a:endParaRPr kumimoji="1" lang="ja-JP" altLang="en-US"/>
+          </a:p>
+        </p:txBody>
+      </p:sp>
+      <p:sp>
+        <p:nvSpPr>
+          <p:cNvPr id="2" name="四角形吹き出し 1"/>
+          <p:cNvSpPr/>
+          <p:nvPr/>
+        </p:nvSpPr>
+        <p:spPr>
+          <a:xfrm>
+            <a:off x="15058492" y="1320304"/>
+            <a:ext cx="5247431" cy="2484427"/>
+          </a:xfrm>
+          <a:prstGeom prst="wedgeRectCallout">
+            <a:avLst>
+              <a:gd name="adj1" fmla="val -80903"/>
+              <a:gd name="adj2" fmla="val 45221"/>
+            </a:avLst>
+          </a:prstGeom>
+          <a:solidFill>
+            <a:schemeClr val="bg1"/>
+          </a:solidFill>
+          <a:ln w="76200">
+            <a:solidFill>
+              <a:srgbClr val="002060"/>
+            </a:solidFill>
+          </a:ln>
+        </p:spPr>
+        <p:style>
+          <a:lnRef idx="2">
+            <a:schemeClr val="accent1">
+              <a:shade val="50000"/>
+            </a:schemeClr>
+          </a:lnRef>
+          <a:fillRef idx="1">
+            <a:schemeClr val="accent1"/>
+          </a:fillRef>
+          <a:effectRef idx="0">
+            <a:schemeClr val="accent1"/>
+          </a:effectRef>
+          <a:fontRef idx="minor">
+            <a:schemeClr val="lt1"/>
+          </a:fontRef>
+        </p:style>
+        <p:txBody>
+          <a:bodyPr rtlCol="0" anchor="ctr"/>
+          <a:lstStyle/>
+          <a:p>
+            <a:pPr algn="ctr"/>
+            <a:r>
+              <a:rPr kumimoji="1" lang="en-US" altLang="ja-JP" sz="5400" dirty="0" smtClean="0">
+                <a:solidFill>
+                  <a:schemeClr val="tx1"/>
+                </a:solidFill>
+              </a:rPr>
+              <a:t>1</a:t>
+            </a:r>
+            <a:r>
+              <a:rPr kumimoji="1" lang="ja-JP" altLang="en-US" sz="5400" dirty="0" smtClean="0">
+                <a:solidFill>
+                  <a:schemeClr val="tx1"/>
+                </a:solidFill>
+              </a:rPr>
+              <a:t>年次に</a:t>
+            </a:r>
+            <a:endParaRPr kumimoji="1" lang="en-US" altLang="ja-JP" sz="5400" dirty="0" smtClean="0">
+              <a:solidFill>
+                <a:schemeClr val="tx1"/>
+              </a:solidFill>
+            </a:endParaRPr>
+          </a:p>
+          <a:p>
+            <a:pPr algn="ctr"/>
+            <a:r>
+              <a:rPr kumimoji="1" lang="ja-JP" altLang="en-US" sz="5400" dirty="0" smtClean="0">
+                <a:solidFill>
+                  <a:schemeClr val="tx1"/>
+                </a:solidFill>
+              </a:rPr>
+              <a:t>受講できる</a:t>
+            </a:r>
+            <a:endParaRPr kumimoji="1" lang="en-US" altLang="ja-JP" sz="5400" dirty="0" smtClean="0">
+              <a:solidFill>
+                <a:schemeClr val="tx1"/>
+              </a:solidFill>
+            </a:endParaRPr>
+          </a:p>
+          <a:p>
+            <a:pPr algn="ctr"/>
+            <a:r>
+              <a:rPr kumimoji="1" lang="ja-JP" altLang="en-US" sz="5400" dirty="0" smtClean="0">
+                <a:solidFill>
+                  <a:schemeClr val="tx1"/>
+                </a:solidFill>
+              </a:rPr>
+              <a:t>専門科目を使用</a:t>
+            </a:r>
+            <a:endParaRPr kumimoji="1" lang="ja-JP" altLang="en-US" sz="5400" dirty="0">
+              <a:solidFill>
+                <a:schemeClr val="tx1"/>
+              </a:solidFill>
+            </a:endParaRPr>
           </a:p>
         </p:txBody>
       </p:sp>
